--- a/Presentation/Разработка ботов для телеграмм на Python.pptx
+++ b/Presentation/Разработка ботов для телеграмм на Python.pptx
@@ -87,6 +87,7 @@
     <p:sldId id="335" r:id="rId81"/>
     <p:sldId id="336" r:id="rId82"/>
     <p:sldId id="337" r:id="rId83"/>
+    <p:sldId id="338" r:id="rId84"/>
   </p:sldIdLst>
   <p:sldSz cx="12192000" cy="6858000"/>
   <p:notesSz cx="6858000" cy="9144000"/>
@@ -352,7 +353,7 @@
           <a:p>
             <a:fld id="{FA984E8B-3F5A-48DE-8BA5-BCD329794D47}" type="datetimeFigureOut">
               <a:rPr lang="ru-RU" smtClean="0"/>
-              <a:t>28.10.2020</a:t>
+              <a:t>29.10.2020</a:t>
             </a:fld>
             <a:endParaRPr lang="ru-RU"/>
           </a:p>
@@ -644,7 +645,7 @@
           <a:p>
             <a:fld id="{FA984E8B-3F5A-48DE-8BA5-BCD329794D47}" type="datetimeFigureOut">
               <a:rPr lang="ru-RU" smtClean="0"/>
-              <a:t>28.10.2020</a:t>
+              <a:t>29.10.2020</a:t>
             </a:fld>
             <a:endParaRPr lang="ru-RU"/>
           </a:p>
@@ -842,7 +843,7 @@
           <a:p>
             <a:fld id="{FA984E8B-3F5A-48DE-8BA5-BCD329794D47}" type="datetimeFigureOut">
               <a:rPr lang="ru-RU" smtClean="0"/>
-              <a:t>28.10.2020</a:t>
+              <a:t>29.10.2020</a:t>
             </a:fld>
             <a:endParaRPr lang="ru-RU"/>
           </a:p>
@@ -1050,7 +1051,7 @@
           <a:p>
             <a:fld id="{FA984E8B-3F5A-48DE-8BA5-BCD329794D47}" type="datetimeFigureOut">
               <a:rPr lang="ru-RU" smtClean="0"/>
-              <a:t>28.10.2020</a:t>
+              <a:t>29.10.2020</a:t>
             </a:fld>
             <a:endParaRPr lang="ru-RU"/>
           </a:p>
@@ -1248,7 +1249,7 @@
           <a:p>
             <a:fld id="{FA984E8B-3F5A-48DE-8BA5-BCD329794D47}" type="datetimeFigureOut">
               <a:rPr lang="ru-RU" smtClean="0"/>
-              <a:t>28.10.2020</a:t>
+              <a:t>29.10.2020</a:t>
             </a:fld>
             <a:endParaRPr lang="ru-RU"/>
           </a:p>
@@ -1453,7 +1454,7 @@
           <a:p>
             <a:fld id="{FA984E8B-3F5A-48DE-8BA5-BCD329794D47}" type="datetimeFigureOut">
               <a:rPr lang="ru-RU" smtClean="0"/>
-              <a:t>28.10.2020</a:t>
+              <a:t>29.10.2020</a:t>
             </a:fld>
             <a:endParaRPr lang="ru-RU"/>
           </a:p>
@@ -1790,7 +1791,7 @@
           <a:p>
             <a:fld id="{FA984E8B-3F5A-48DE-8BA5-BCD329794D47}" type="datetimeFigureOut">
               <a:rPr lang="ru-RU" smtClean="0"/>
-              <a:t>28.10.2020</a:t>
+              <a:t>29.10.2020</a:t>
             </a:fld>
             <a:endParaRPr lang="ru-RU"/>
           </a:p>
@@ -2059,7 +2060,7 @@
           <a:p>
             <a:fld id="{FA984E8B-3F5A-48DE-8BA5-BCD329794D47}" type="datetimeFigureOut">
               <a:rPr lang="ru-RU" smtClean="0"/>
-              <a:t>28.10.2020</a:t>
+              <a:t>29.10.2020</a:t>
             </a:fld>
             <a:endParaRPr lang="ru-RU"/>
           </a:p>
@@ -2475,7 +2476,7 @@
           <a:p>
             <a:fld id="{FA984E8B-3F5A-48DE-8BA5-BCD329794D47}" type="datetimeFigureOut">
               <a:rPr lang="ru-RU" smtClean="0"/>
-              <a:t>28.10.2020</a:t>
+              <a:t>29.10.2020</a:t>
             </a:fld>
             <a:endParaRPr lang="ru-RU"/>
           </a:p>
@@ -2620,7 +2621,7 @@
           <a:p>
             <a:fld id="{FA984E8B-3F5A-48DE-8BA5-BCD329794D47}" type="datetimeFigureOut">
               <a:rPr lang="ru-RU" smtClean="0"/>
-              <a:t>28.10.2020</a:t>
+              <a:t>29.10.2020</a:t>
             </a:fld>
             <a:endParaRPr lang="ru-RU"/>
           </a:p>
@@ -2737,7 +2738,7 @@
           <a:p>
             <a:fld id="{FA984E8B-3F5A-48DE-8BA5-BCD329794D47}" type="datetimeFigureOut">
               <a:rPr lang="ru-RU" smtClean="0"/>
-              <a:t>28.10.2020</a:t>
+              <a:t>29.10.2020</a:t>
             </a:fld>
             <a:endParaRPr lang="ru-RU"/>
           </a:p>
@@ -3048,7 +3049,7 @@
           <a:p>
             <a:fld id="{FA984E8B-3F5A-48DE-8BA5-BCD329794D47}" type="datetimeFigureOut">
               <a:rPr lang="ru-RU" smtClean="0"/>
-              <a:t>28.10.2020</a:t>
+              <a:t>29.10.2020</a:t>
             </a:fld>
             <a:endParaRPr lang="ru-RU"/>
           </a:p>
@@ -3289,7 +3290,7 @@
           <a:p>
             <a:fld id="{FA984E8B-3F5A-48DE-8BA5-BCD329794D47}" type="datetimeFigureOut">
               <a:rPr lang="ru-RU" smtClean="0"/>
-              <a:t>28.10.2020</a:t>
+              <a:t>29.10.2020</a:t>
             </a:fld>
             <a:endParaRPr lang="ru-RU"/>
           </a:p>
@@ -37994,6 +37995,116 @@
 </p:sld>
 </file>
 
+<file path=ppt/slides/slide83.xml><?xml version="1.0" encoding="utf-8"?>
+<p:sld xmlns:a="http://schemas.openxmlformats.org/drawingml/2006/main" xmlns:r="http://schemas.openxmlformats.org/officeDocument/2006/relationships" xmlns:p="http://schemas.openxmlformats.org/presentationml/2006/main">
+  <p:cSld>
+    <p:spTree>
+      <p:nvGrpSpPr>
+        <p:cNvPr id="1" name=""/>
+        <p:cNvGrpSpPr/>
+        <p:nvPr/>
+      </p:nvGrpSpPr>
+      <p:grpSpPr>
+        <a:xfrm>
+          <a:off x="0" y="0"/>
+          <a:ext cx="0" cy="0"/>
+          <a:chOff x="0" y="0"/>
+          <a:chExt cx="0" cy="0"/>
+        </a:xfrm>
+      </p:grpSpPr>
+      <p:sp>
+        <p:nvSpPr>
+          <p:cNvPr id="2" name="Заголовок 1">
+            <a:extLst>
+              <a:ext uri="{FF2B5EF4-FFF2-40B4-BE49-F238E27FC236}">
+                <a16:creationId xmlns:a16="http://schemas.microsoft.com/office/drawing/2014/main" id="{69FEA5A0-4FBA-4CB8-935F-BEEB41B88C80}"/>
+              </a:ext>
+            </a:extLst>
+          </p:cNvPr>
+          <p:cNvSpPr>
+            <a:spLocks noGrp="1"/>
+          </p:cNvSpPr>
+          <p:nvPr>
+            <p:ph type="title"/>
+          </p:nvPr>
+        </p:nvSpPr>
+        <p:spPr/>
+        <p:txBody>
+          <a:bodyPr/>
+          <a:lstStyle/>
+          <a:p>
+            <a:r>
+              <a:rPr lang="ru-RU" dirty="0"/>
+              <a:t>Задачи на функции</a:t>
+            </a:r>
+          </a:p>
+        </p:txBody>
+      </p:sp>
+      <p:sp>
+        <p:nvSpPr>
+          <p:cNvPr id="3" name="Объект 2">
+            <a:extLst>
+              <a:ext uri="{FF2B5EF4-FFF2-40B4-BE49-F238E27FC236}">
+                <a16:creationId xmlns:a16="http://schemas.microsoft.com/office/drawing/2014/main" id="{2B6486E3-E072-4667-953A-B9EEA7D6B81D}"/>
+              </a:ext>
+            </a:extLst>
+          </p:cNvPr>
+          <p:cNvSpPr>
+            <a:spLocks noGrp="1"/>
+          </p:cNvSpPr>
+          <p:nvPr>
+            <p:ph idx="1"/>
+          </p:nvPr>
+        </p:nvSpPr>
+        <p:spPr/>
+        <p:txBody>
+          <a:bodyPr/>
+          <a:lstStyle/>
+          <a:p>
+            <a:r>
+              <a:rPr lang="ru-RU" dirty="0"/>
+              <a:t>Напишите функцию, которая определяет является ли последовательность арифметической или геометрической. Последовательность передается в параметре в виде списка или кортежа</a:t>
+            </a:r>
+          </a:p>
+          <a:p>
+            <a:r>
+              <a:rPr lang="ru-RU" dirty="0"/>
+              <a:t>Напишите функцию, которая ищет подстроку в строке. Не используйте операцию </a:t>
+            </a:r>
+            <a:r>
+              <a:rPr lang="en-US" dirty="0"/>
+              <a:t>in </a:t>
+            </a:r>
+            <a:r>
+              <a:rPr lang="ru-RU" dirty="0"/>
+              <a:t>в </a:t>
+            </a:r>
+            <a:r>
+              <a:rPr lang="en-US"/>
+              <a:t>Python</a:t>
+            </a:r>
+          </a:p>
+          <a:p>
+            <a:pPr marL="0" indent="0">
+              <a:buNone/>
+            </a:pPr>
+            <a:endParaRPr lang="ru-RU"/>
+          </a:p>
+        </p:txBody>
+      </p:sp>
+    </p:spTree>
+    <p:extLst>
+      <p:ext uri="{BB962C8B-B14F-4D97-AF65-F5344CB8AC3E}">
+        <p14:creationId xmlns:p14="http://schemas.microsoft.com/office/powerpoint/2010/main" val="542864104"/>
+      </p:ext>
+    </p:extLst>
+  </p:cSld>
+  <p:clrMapOvr>
+    <a:masterClrMapping/>
+  </p:clrMapOvr>
+</p:sld>
+</file>
+
 <file path=ppt/slides/slide9.xml><?xml version="1.0" encoding="utf-8"?>
 <p:sld xmlns:a="http://schemas.openxmlformats.org/drawingml/2006/main" xmlns:r="http://schemas.openxmlformats.org/officeDocument/2006/relationships" xmlns:p="http://schemas.openxmlformats.org/presentationml/2006/main">
   <p:cSld>

--- a/Presentation/Разработка ботов для телеграмм на Python.pptx
+++ b/Presentation/Разработка ботов для телеграмм на Python.pptx
@@ -88,6 +88,7 @@
     <p:sldId id="336" r:id="rId82"/>
     <p:sldId id="337" r:id="rId83"/>
     <p:sldId id="338" r:id="rId84"/>
+    <p:sldId id="339" r:id="rId85"/>
   </p:sldIdLst>
   <p:sldSz cx="12192000" cy="6858000"/>
   <p:notesSz cx="6858000" cy="9144000"/>
@@ -30134,7 +30135,7 @@
         </p:nvSpPr>
         <p:spPr>
           <a:xfrm>
-            <a:off x="1222743" y="1839432"/>
+            <a:off x="1222742" y="1690688"/>
             <a:ext cx="9569303" cy="3880883"/>
           </a:xfrm>
           <a:prstGeom prst="roundRect">
@@ -30167,7 +30168,7 @@
             </a:r>
             <a:r>
               <a:rPr lang="ru-RU" sz="4400" dirty="0"/>
-              <a:t>(                                 )</a:t>
+              <a:t>(                                      )</a:t>
             </a:r>
             <a:r>
               <a:rPr lang="en-US" sz="4400" dirty="0"/>
@@ -30234,52 +30235,6 @@
       </p:sp>
       <p:sp>
         <p:nvSpPr>
-          <p:cNvPr id="5" name="Прямоугольник: скругленные углы 4">
-            <a:extLst>
-              <a:ext uri="{FF2B5EF4-FFF2-40B4-BE49-F238E27FC236}">
-                <a16:creationId xmlns:a16="http://schemas.microsoft.com/office/drawing/2014/main" id="{EF2D4F3A-0ABF-4181-B839-8F31AF52DB1A}"/>
-              </a:ext>
-            </a:extLst>
-          </p:cNvPr>
-          <p:cNvSpPr/>
-          <p:nvPr/>
-        </p:nvSpPr>
-        <p:spPr>
-          <a:xfrm>
-            <a:off x="5050466" y="2286112"/>
-            <a:ext cx="4008474" cy="861237"/>
-          </a:xfrm>
-          <a:prstGeom prst="roundRect">
-            <a:avLst/>
-          </a:prstGeom>
-        </p:spPr>
-        <p:style>
-          <a:lnRef idx="0">
-            <a:schemeClr val="accent4"/>
-          </a:lnRef>
-          <a:fillRef idx="3">
-            <a:schemeClr val="accent4"/>
-          </a:fillRef>
-          <a:effectRef idx="3">
-            <a:schemeClr val="accent4"/>
-          </a:effectRef>
-          <a:fontRef idx="minor">
-            <a:schemeClr val="lt1"/>
-          </a:fontRef>
-        </p:style>
-        <p:txBody>
-          <a:bodyPr rtlCol="0" anchor="ctr"/>
-          <a:lstStyle/>
-          <a:p>
-            <a:r>
-              <a:rPr lang="ru-RU" sz="3200" dirty="0"/>
-              <a:t>ПАРАМЕТР  </a:t>
-            </a:r>
-          </a:p>
-        </p:txBody>
-      </p:sp>
-      <p:sp>
-        <p:nvSpPr>
           <p:cNvPr id="6" name="Прямоугольник: скругленные углы 5">
             <a:extLst>
               <a:ext uri="{FF2B5EF4-FFF2-40B4-BE49-F238E27FC236}">
@@ -30415,6 +30370,190 @@
             <a:r>
               <a:rPr lang="ru-RU" dirty="0"/>
               <a:t>ТЕЛО ФУНКЦИИ</a:t>
+            </a:r>
+          </a:p>
+        </p:txBody>
+      </p:sp>
+      <p:sp>
+        <p:nvSpPr>
+          <p:cNvPr id="10" name="Прямоугольник: скругленные углы 9">
+            <a:extLst>
+              <a:ext uri="{FF2B5EF4-FFF2-40B4-BE49-F238E27FC236}">
+                <a16:creationId xmlns:a16="http://schemas.microsoft.com/office/drawing/2014/main" id="{19121ED5-94E4-4F04-AF69-9DC2F410FAD6}"/>
+              </a:ext>
+            </a:extLst>
+          </p:cNvPr>
+          <p:cNvSpPr/>
+          <p:nvPr/>
+        </p:nvSpPr>
+        <p:spPr>
+          <a:xfrm>
+            <a:off x="5645888" y="2019848"/>
+            <a:ext cx="4008474" cy="861237"/>
+          </a:xfrm>
+          <a:prstGeom prst="roundRect">
+            <a:avLst/>
+          </a:prstGeom>
+        </p:spPr>
+        <p:style>
+          <a:lnRef idx="0">
+            <a:schemeClr val="accent4"/>
+          </a:lnRef>
+          <a:fillRef idx="3">
+            <a:schemeClr val="accent4"/>
+          </a:fillRef>
+          <a:effectRef idx="3">
+            <a:schemeClr val="accent4"/>
+          </a:effectRef>
+          <a:fontRef idx="minor">
+            <a:schemeClr val="lt1"/>
+          </a:fontRef>
+        </p:style>
+        <p:txBody>
+          <a:bodyPr rtlCol="0" anchor="ctr"/>
+          <a:lstStyle/>
+          <a:p>
+            <a:r>
+              <a:rPr lang="ru-RU" sz="3200" dirty="0"/>
+              <a:t>  </a:t>
+            </a:r>
+          </a:p>
+        </p:txBody>
+      </p:sp>
+      <p:sp>
+        <p:nvSpPr>
+          <p:cNvPr id="9" name="Прямоугольник: скругленные углы 8">
+            <a:extLst>
+              <a:ext uri="{FF2B5EF4-FFF2-40B4-BE49-F238E27FC236}">
+                <a16:creationId xmlns:a16="http://schemas.microsoft.com/office/drawing/2014/main" id="{A2DA8470-96CF-4B85-A090-94AE970E42C2}"/>
+              </a:ext>
+            </a:extLst>
+          </p:cNvPr>
+          <p:cNvSpPr/>
+          <p:nvPr/>
+        </p:nvSpPr>
+        <p:spPr>
+          <a:xfrm>
+            <a:off x="5387160" y="2152980"/>
+            <a:ext cx="4008474" cy="861237"/>
+          </a:xfrm>
+          <a:prstGeom prst="roundRect">
+            <a:avLst/>
+          </a:prstGeom>
+        </p:spPr>
+        <p:style>
+          <a:lnRef idx="0">
+            <a:schemeClr val="accent4"/>
+          </a:lnRef>
+          <a:fillRef idx="3">
+            <a:schemeClr val="accent4"/>
+          </a:fillRef>
+          <a:effectRef idx="3">
+            <a:schemeClr val="accent4"/>
+          </a:effectRef>
+          <a:fontRef idx="minor">
+            <a:schemeClr val="lt1"/>
+          </a:fontRef>
+        </p:style>
+        <p:txBody>
+          <a:bodyPr rtlCol="0" anchor="ctr"/>
+          <a:lstStyle/>
+          <a:p>
+            <a:r>
+              <a:rPr lang="ru-RU" sz="3200" dirty="0"/>
+              <a:t>  </a:t>
+            </a:r>
+          </a:p>
+        </p:txBody>
+      </p:sp>
+      <p:sp>
+        <p:nvSpPr>
+          <p:cNvPr id="5" name="Прямоугольник: скругленные углы 4">
+            <a:extLst>
+              <a:ext uri="{FF2B5EF4-FFF2-40B4-BE49-F238E27FC236}">
+                <a16:creationId xmlns:a16="http://schemas.microsoft.com/office/drawing/2014/main" id="{EF2D4F3A-0ABF-4181-B839-8F31AF52DB1A}"/>
+              </a:ext>
+            </a:extLst>
+          </p:cNvPr>
+          <p:cNvSpPr/>
+          <p:nvPr/>
+        </p:nvSpPr>
+        <p:spPr>
+          <a:xfrm>
+            <a:off x="5050466" y="2286112"/>
+            <a:ext cx="4008474" cy="861237"/>
+          </a:xfrm>
+          <a:prstGeom prst="roundRect">
+            <a:avLst/>
+          </a:prstGeom>
+        </p:spPr>
+        <p:style>
+          <a:lnRef idx="0">
+            <a:schemeClr val="accent4"/>
+          </a:lnRef>
+          <a:fillRef idx="3">
+            <a:schemeClr val="accent4"/>
+          </a:fillRef>
+          <a:effectRef idx="3">
+            <a:schemeClr val="accent4"/>
+          </a:effectRef>
+          <a:fontRef idx="minor">
+            <a:schemeClr val="lt1"/>
+          </a:fontRef>
+        </p:style>
+        <p:txBody>
+          <a:bodyPr rtlCol="0" anchor="ctr"/>
+          <a:lstStyle/>
+          <a:p>
+            <a:r>
+              <a:rPr lang="ru-RU" sz="3200" dirty="0"/>
+              <a:t>ПАРАМЕТР  </a:t>
+            </a:r>
+          </a:p>
+        </p:txBody>
+      </p:sp>
+      <p:sp>
+        <p:nvSpPr>
+          <p:cNvPr id="11" name="Прямоугольник: скругленные углы 10">
+            <a:extLst>
+              <a:ext uri="{FF2B5EF4-FFF2-40B4-BE49-F238E27FC236}">
+                <a16:creationId xmlns:a16="http://schemas.microsoft.com/office/drawing/2014/main" id="{2BDAA4CE-85D1-4838-95F7-A687FB59465B}"/>
+              </a:ext>
+            </a:extLst>
+          </p:cNvPr>
+          <p:cNvSpPr/>
+          <p:nvPr/>
+        </p:nvSpPr>
+        <p:spPr>
+          <a:xfrm>
+            <a:off x="7134447" y="2360540"/>
+            <a:ext cx="1786269" cy="669289"/>
+          </a:xfrm>
+          <a:prstGeom prst="roundRect">
+            <a:avLst/>
+          </a:prstGeom>
+        </p:spPr>
+        <p:style>
+          <a:lnRef idx="0">
+            <a:schemeClr val="accent3"/>
+          </a:lnRef>
+          <a:fillRef idx="3">
+            <a:schemeClr val="accent3"/>
+          </a:fillRef>
+          <a:effectRef idx="3">
+            <a:schemeClr val="accent3"/>
+          </a:effectRef>
+          <a:fontRef idx="minor">
+            <a:schemeClr val="lt1"/>
+          </a:fontRef>
+        </p:style>
+        <p:txBody>
+          <a:bodyPr rtlCol="0" anchor="ctr"/>
+          <a:lstStyle/>
+          <a:p>
+            <a:r>
+              <a:rPr lang="ru-RU" dirty="0"/>
+              <a:t>= УМОЛЧАНИЕ</a:t>
             </a:r>
           </a:p>
         </p:txBody>
@@ -36037,13 +36176,13 @@
         </p:spPr>
         <p:style>
           <a:lnRef idx="0">
-            <a:schemeClr val="accent4"/>
+            <a:schemeClr val="dk1"/>
           </a:lnRef>
           <a:fillRef idx="3">
-            <a:schemeClr val="accent4"/>
+            <a:schemeClr val="dk1"/>
           </a:fillRef>
           <a:effectRef idx="3">
-            <a:schemeClr val="accent4"/>
+            <a:schemeClr val="dk1"/>
           </a:effectRef>
           <a:fontRef idx="minor">
             <a:schemeClr val="lt1"/>
@@ -36169,13 +36308,13 @@
         </p:spPr>
         <p:style>
           <a:lnRef idx="0">
-            <a:schemeClr val="accent4"/>
+            <a:schemeClr val="dk1"/>
           </a:lnRef>
           <a:fillRef idx="3">
-            <a:schemeClr val="accent4"/>
+            <a:schemeClr val="dk1"/>
           </a:fillRef>
           <a:effectRef idx="3">
-            <a:schemeClr val="accent4"/>
+            <a:schemeClr val="dk1"/>
           </a:effectRef>
           <a:fontRef idx="minor">
             <a:schemeClr val="lt1"/>
@@ -36257,13 +36396,13 @@
         </p:spPr>
         <p:style>
           <a:lnRef idx="0">
-            <a:schemeClr val="accent4"/>
+            <a:schemeClr val="dk1"/>
           </a:lnRef>
           <a:fillRef idx="3">
-            <a:schemeClr val="accent4"/>
+            <a:schemeClr val="dk1"/>
           </a:fillRef>
           <a:effectRef idx="3">
-            <a:schemeClr val="accent4"/>
+            <a:schemeClr val="dk1"/>
           </a:effectRef>
           <a:fontRef idx="minor">
             <a:schemeClr val="lt1"/>
@@ -36301,13 +36440,13 @@
         </p:spPr>
         <p:style>
           <a:lnRef idx="0">
-            <a:schemeClr val="accent4"/>
+            <a:schemeClr val="dk1"/>
           </a:lnRef>
           <a:fillRef idx="3">
-            <a:schemeClr val="accent4"/>
+            <a:schemeClr val="dk1"/>
           </a:fillRef>
           <a:effectRef idx="3">
-            <a:schemeClr val="accent4"/>
+            <a:schemeClr val="dk1"/>
           </a:effectRef>
           <a:fontRef idx="minor">
             <a:schemeClr val="lt1"/>
@@ -38080,7 +38219,7 @@
               <a:t>в </a:t>
             </a:r>
             <a:r>
-              <a:rPr lang="en-US"/>
+              <a:rPr lang="en-US" dirty="0"/>
               <a:t>Python</a:t>
             </a:r>
           </a:p>
@@ -38088,7 +38227,7 @@
             <a:pPr marL="0" indent="0">
               <a:buNone/>
             </a:pPr>
-            <a:endParaRPr lang="ru-RU"/>
+            <a:endParaRPr lang="ru-RU" dirty="0"/>
           </a:p>
         </p:txBody>
       </p:sp>
@@ -38096,6 +38235,89 @@
     <p:extLst>
       <p:ext uri="{BB962C8B-B14F-4D97-AF65-F5344CB8AC3E}">
         <p14:creationId xmlns:p14="http://schemas.microsoft.com/office/powerpoint/2010/main" val="542864104"/>
+      </p:ext>
+    </p:extLst>
+  </p:cSld>
+  <p:clrMapOvr>
+    <a:masterClrMapping/>
+  </p:clrMapOvr>
+</p:sld>
+</file>
+
+<file path=ppt/slides/slide84.xml><?xml version="1.0" encoding="utf-8"?>
+<p:sld xmlns:a="http://schemas.openxmlformats.org/drawingml/2006/main" xmlns:r="http://schemas.openxmlformats.org/officeDocument/2006/relationships" xmlns:p="http://schemas.openxmlformats.org/presentationml/2006/main">
+  <p:cSld>
+    <p:spTree>
+      <p:nvGrpSpPr>
+        <p:cNvPr id="1" name=""/>
+        <p:cNvGrpSpPr/>
+        <p:nvPr/>
+      </p:nvGrpSpPr>
+      <p:grpSpPr>
+        <a:xfrm>
+          <a:off x="0" y="0"/>
+          <a:ext cx="0" cy="0"/>
+          <a:chOff x="0" y="0"/>
+          <a:chExt cx="0" cy="0"/>
+        </a:xfrm>
+      </p:grpSpPr>
+      <p:sp>
+        <p:nvSpPr>
+          <p:cNvPr id="2" name="Заголовок 1">
+            <a:extLst>
+              <a:ext uri="{FF2B5EF4-FFF2-40B4-BE49-F238E27FC236}">
+                <a16:creationId xmlns:a16="http://schemas.microsoft.com/office/drawing/2014/main" id="{C3AA918C-05A6-4B47-8389-ECFE93C89B66}"/>
+              </a:ext>
+            </a:extLst>
+          </p:cNvPr>
+          <p:cNvSpPr>
+            <a:spLocks noGrp="1"/>
+          </p:cNvSpPr>
+          <p:nvPr>
+            <p:ph type="title"/>
+          </p:nvPr>
+        </p:nvSpPr>
+        <p:spPr/>
+        <p:txBody>
+          <a:bodyPr/>
+          <a:lstStyle/>
+          <a:p>
+            <a:r>
+              <a:rPr lang="ru-RU" dirty="0"/>
+              <a:t>Типовые алгоритмы</a:t>
+            </a:r>
+          </a:p>
+        </p:txBody>
+      </p:sp>
+      <p:sp>
+        <p:nvSpPr>
+          <p:cNvPr id="3" name="Текст 2">
+            <a:extLst>
+              <a:ext uri="{FF2B5EF4-FFF2-40B4-BE49-F238E27FC236}">
+                <a16:creationId xmlns:a16="http://schemas.microsoft.com/office/drawing/2014/main" id="{AAEF4E5E-C0AC-474B-8A4E-AFF19CD6C8F9}"/>
+              </a:ext>
+            </a:extLst>
+          </p:cNvPr>
+          <p:cNvSpPr>
+            <a:spLocks noGrp="1"/>
+          </p:cNvSpPr>
+          <p:nvPr>
+            <p:ph type="body" idx="1"/>
+          </p:nvPr>
+        </p:nvSpPr>
+        <p:spPr/>
+        <p:txBody>
+          <a:bodyPr/>
+          <a:lstStyle/>
+          <a:p>
+            <a:endParaRPr lang="ru-RU" dirty="0"/>
+          </a:p>
+        </p:txBody>
+      </p:sp>
+    </p:spTree>
+    <p:extLst>
+      <p:ext uri="{BB962C8B-B14F-4D97-AF65-F5344CB8AC3E}">
+        <p14:creationId xmlns:p14="http://schemas.microsoft.com/office/powerpoint/2010/main" val="1207458558"/>
       </p:ext>
     </p:extLst>
   </p:cSld>

--- a/Presentation/Разработка ботов для телеграмм на Python.pptx
+++ b/Presentation/Разработка ботов для телеграмм на Python.pptx
@@ -89,6 +89,8 @@
     <p:sldId id="337" r:id="rId83"/>
     <p:sldId id="338" r:id="rId84"/>
     <p:sldId id="339" r:id="rId85"/>
+    <p:sldId id="340" r:id="rId86"/>
+    <p:sldId id="341" r:id="rId87"/>
   </p:sldIdLst>
   <p:sldSz cx="12192000" cy="6858000"/>
   <p:notesSz cx="6858000" cy="9144000"/>
@@ -38310,7 +38312,10 @@
           <a:bodyPr/>
           <a:lstStyle/>
           <a:p>
-            <a:endParaRPr lang="ru-RU" dirty="0"/>
+            <a:r>
+              <a:rPr lang="ru-RU" dirty="0"/>
+              <a:t>Модуль 6</a:t>
+            </a:r>
           </a:p>
         </p:txBody>
       </p:sp>
@@ -38318,6 +38323,295 @@
     <p:extLst>
       <p:ext uri="{BB962C8B-B14F-4D97-AF65-F5344CB8AC3E}">
         <p14:creationId xmlns:p14="http://schemas.microsoft.com/office/powerpoint/2010/main" val="1207458558"/>
+      </p:ext>
+    </p:extLst>
+  </p:cSld>
+  <p:clrMapOvr>
+    <a:masterClrMapping/>
+  </p:clrMapOvr>
+</p:sld>
+</file>
+
+<file path=ppt/slides/slide85.xml><?xml version="1.0" encoding="utf-8"?>
+<p:sld xmlns:a="http://schemas.openxmlformats.org/drawingml/2006/main" xmlns:r="http://schemas.openxmlformats.org/officeDocument/2006/relationships" xmlns:p="http://schemas.openxmlformats.org/presentationml/2006/main">
+  <p:cSld>
+    <p:spTree>
+      <p:nvGrpSpPr>
+        <p:cNvPr id="1" name=""/>
+        <p:cNvGrpSpPr/>
+        <p:nvPr/>
+      </p:nvGrpSpPr>
+      <p:grpSpPr>
+        <a:xfrm>
+          <a:off x="0" y="0"/>
+          <a:ext cx="0" cy="0"/>
+          <a:chOff x="0" y="0"/>
+          <a:chExt cx="0" cy="0"/>
+        </a:xfrm>
+      </p:grpSpPr>
+      <p:sp>
+        <p:nvSpPr>
+          <p:cNvPr id="4" name="Заголовок 3">
+            <a:extLst>
+              <a:ext uri="{FF2B5EF4-FFF2-40B4-BE49-F238E27FC236}">
+                <a16:creationId xmlns:a16="http://schemas.microsoft.com/office/drawing/2014/main" id="{9ED9428A-6030-4E8D-81E8-B0FAA94C7816}"/>
+              </a:ext>
+            </a:extLst>
+          </p:cNvPr>
+          <p:cNvSpPr>
+            <a:spLocks noGrp="1"/>
+          </p:cNvSpPr>
+          <p:nvPr>
+            <p:ph type="title"/>
+          </p:nvPr>
+        </p:nvSpPr>
+        <p:spPr/>
+        <p:txBody>
+          <a:bodyPr/>
+          <a:lstStyle/>
+          <a:p>
+            <a:r>
+              <a:rPr lang="ru-RU" dirty="0"/>
+              <a:t>Типовые алгоритмы</a:t>
+            </a:r>
+          </a:p>
+        </p:txBody>
+      </p:sp>
+      <p:sp>
+        <p:nvSpPr>
+          <p:cNvPr id="5" name="Объект 4">
+            <a:extLst>
+              <a:ext uri="{FF2B5EF4-FFF2-40B4-BE49-F238E27FC236}">
+                <a16:creationId xmlns:a16="http://schemas.microsoft.com/office/drawing/2014/main" id="{C152B89A-868E-4A39-AA72-6F659743ED0A}"/>
+              </a:ext>
+            </a:extLst>
+          </p:cNvPr>
+          <p:cNvSpPr>
+            <a:spLocks noGrp="1"/>
+          </p:cNvSpPr>
+          <p:nvPr>
+            <p:ph idx="1"/>
+          </p:nvPr>
+        </p:nvSpPr>
+        <p:spPr/>
+        <p:txBody>
+          <a:bodyPr/>
+          <a:lstStyle/>
+          <a:p>
+            <a:r>
+              <a:rPr lang="ru-RU" dirty="0"/>
+              <a:t>Работа с текстом</a:t>
+            </a:r>
+          </a:p>
+          <a:p>
+            <a:r>
+              <a:rPr lang="ru-RU" dirty="0"/>
+              <a:t>Элементарные графы</a:t>
+            </a:r>
+          </a:p>
+          <a:p>
+            <a:r>
+              <a:rPr lang="ru-RU" dirty="0"/>
+              <a:t>Машина состояний</a:t>
+            </a:r>
+          </a:p>
+        </p:txBody>
+      </p:sp>
+    </p:spTree>
+    <p:extLst>
+      <p:ext uri="{BB962C8B-B14F-4D97-AF65-F5344CB8AC3E}">
+        <p14:creationId xmlns:p14="http://schemas.microsoft.com/office/powerpoint/2010/main" val="1962352580"/>
+      </p:ext>
+    </p:extLst>
+  </p:cSld>
+  <p:clrMapOvr>
+    <a:masterClrMapping/>
+  </p:clrMapOvr>
+</p:sld>
+</file>
+
+<file path=ppt/slides/slide86.xml><?xml version="1.0" encoding="utf-8"?>
+<p:sld xmlns:a="http://schemas.openxmlformats.org/drawingml/2006/main" xmlns:r="http://schemas.openxmlformats.org/officeDocument/2006/relationships" xmlns:p="http://schemas.openxmlformats.org/presentationml/2006/main">
+  <p:cSld>
+    <p:spTree>
+      <p:nvGrpSpPr>
+        <p:cNvPr id="1" name=""/>
+        <p:cNvGrpSpPr/>
+        <p:nvPr/>
+      </p:nvGrpSpPr>
+      <p:grpSpPr>
+        <a:xfrm>
+          <a:off x="0" y="0"/>
+          <a:ext cx="0" cy="0"/>
+          <a:chOff x="0" y="0"/>
+          <a:chExt cx="0" cy="0"/>
+        </a:xfrm>
+      </p:grpSpPr>
+      <p:sp>
+        <p:nvSpPr>
+          <p:cNvPr id="2" name="Заголовок 1">
+            <a:extLst>
+              <a:ext uri="{FF2B5EF4-FFF2-40B4-BE49-F238E27FC236}">
+                <a16:creationId xmlns:a16="http://schemas.microsoft.com/office/drawing/2014/main" id="{11D5C1EA-B3C5-455E-8203-611457C5DEED}"/>
+              </a:ext>
+            </a:extLst>
+          </p:cNvPr>
+          <p:cNvSpPr>
+            <a:spLocks noGrp="1"/>
+          </p:cNvSpPr>
+          <p:nvPr>
+            <p:ph type="title"/>
+          </p:nvPr>
+        </p:nvSpPr>
+        <p:spPr/>
+        <p:txBody>
+          <a:bodyPr/>
+          <a:lstStyle/>
+          <a:p>
+            <a:r>
+              <a:rPr lang="ru-RU" dirty="0"/>
+              <a:t>Постановка примера</a:t>
+            </a:r>
+          </a:p>
+        </p:txBody>
+      </p:sp>
+      <p:sp>
+        <p:nvSpPr>
+          <p:cNvPr id="3" name="Объект 2">
+            <a:extLst>
+              <a:ext uri="{FF2B5EF4-FFF2-40B4-BE49-F238E27FC236}">
+                <a16:creationId xmlns:a16="http://schemas.microsoft.com/office/drawing/2014/main" id="{AF11C7D5-419D-4180-AAC1-6D7548143AF4}"/>
+              </a:ext>
+            </a:extLst>
+          </p:cNvPr>
+          <p:cNvSpPr>
+            <a:spLocks noGrp="1"/>
+          </p:cNvSpPr>
+          <p:nvPr>
+            <p:ph idx="1"/>
+          </p:nvPr>
+        </p:nvSpPr>
+        <p:spPr>
+          <a:xfrm>
+            <a:off x="838200" y="1464117"/>
+            <a:ext cx="10515600" cy="5181231"/>
+          </a:xfrm>
+        </p:spPr>
+        <p:txBody>
+          <a:bodyPr>
+            <a:normAutofit/>
+          </a:bodyPr>
+          <a:lstStyle/>
+          <a:p>
+            <a:r>
+              <a:rPr lang="ru-RU" dirty="0"/>
+              <a:t>Нам необходимо разработать бота, который будет вашим электронным секретарем</a:t>
+            </a:r>
+          </a:p>
+          <a:p>
+            <a:r>
+              <a:rPr lang="ru-RU" dirty="0"/>
+              <a:t>Функции бота:</a:t>
+            </a:r>
+          </a:p>
+          <a:p>
+            <a:pPr lvl="1"/>
+            <a:r>
+              <a:rPr lang="ru-RU" dirty="0"/>
+              <a:t>Напоминание о заданных событиях</a:t>
+            </a:r>
+          </a:p>
+          <a:p>
+            <a:pPr lvl="1"/>
+            <a:r>
+              <a:rPr lang="ru-RU" dirty="0"/>
+              <a:t>Получение курса валют</a:t>
+            </a:r>
+          </a:p>
+          <a:p>
+            <a:pPr lvl="1"/>
+            <a:r>
+              <a:rPr lang="ru-RU" dirty="0"/>
+              <a:t>Формирование расписания на день</a:t>
+            </a:r>
+          </a:p>
+          <a:p>
+            <a:pPr lvl="1"/>
+            <a:r>
+              <a:rPr lang="ru-RU" dirty="0"/>
+              <a:t>Заметки</a:t>
+            </a:r>
+          </a:p>
+          <a:p>
+            <a:r>
+              <a:rPr lang="ru-RU" dirty="0"/>
+              <a:t>Дополнительные требования</a:t>
+            </a:r>
+          </a:p>
+          <a:p>
+            <a:pPr lvl="1"/>
+            <a:r>
+              <a:rPr lang="ru-RU" dirty="0"/>
+              <a:t>Взаимодействие бота должно идти в режиме </a:t>
+            </a:r>
+            <a:br>
+              <a:rPr lang="ru-RU" dirty="0"/>
+            </a:br>
+            <a:r>
+              <a:rPr lang="ru-RU" dirty="0"/>
+              <a:t>естественного диалога</a:t>
+            </a:r>
+            <a:br>
+              <a:rPr lang="ru-RU" dirty="0"/>
+            </a:br>
+            <a:r>
+              <a:rPr lang="ru-RU" dirty="0"/>
+              <a:t>Взаимодействия бота может идти в режиме </a:t>
+            </a:r>
+            <a:br>
+              <a:rPr lang="ru-RU" dirty="0"/>
+            </a:br>
+            <a:r>
+              <a:rPr lang="ru-RU" dirty="0"/>
+              <a:t>выбора команд из меню</a:t>
+            </a:r>
+          </a:p>
+        </p:txBody>
+      </p:sp>
+      <p:pic>
+        <p:nvPicPr>
+          <p:cNvPr id="4" name="Рисунок 3">
+            <a:extLst>
+              <a:ext uri="{FF2B5EF4-FFF2-40B4-BE49-F238E27FC236}">
+                <a16:creationId xmlns:a16="http://schemas.microsoft.com/office/drawing/2014/main" id="{FDA24987-D99F-4BF8-882D-3261D6759192}"/>
+              </a:ext>
+            </a:extLst>
+          </p:cNvPr>
+          <p:cNvPicPr>
+            <a:picLocks noChangeAspect="1"/>
+          </p:cNvPicPr>
+          <p:nvPr/>
+        </p:nvPicPr>
+        <p:blipFill>
+          <a:blip r:embed="rId2"/>
+          <a:stretch>
+            <a:fillRect/>
+          </a:stretch>
+        </p:blipFill>
+        <p:spPr>
+          <a:xfrm>
+            <a:off x="8172560" y="2347497"/>
+            <a:ext cx="2343040" cy="4145378"/>
+          </a:xfrm>
+          <a:prstGeom prst="rect">
+            <a:avLst/>
+          </a:prstGeom>
+        </p:spPr>
+      </p:pic>
+    </p:spTree>
+    <p:extLst>
+      <p:ext uri="{BB962C8B-B14F-4D97-AF65-F5344CB8AC3E}">
+        <p14:creationId xmlns:p14="http://schemas.microsoft.com/office/powerpoint/2010/main" val="890815415"/>
       </p:ext>
     </p:extLst>
   </p:cSld>

--- a/Presentation/Разработка ботов для телеграмм на Python.pptx
+++ b/Presentation/Разработка ботов для телеграмм на Python.pptx
@@ -92,7 +92,7 @@
     <p:sldId id="338" r:id="rId86"/>
     <p:sldId id="342" r:id="rId87"/>
     <p:sldId id="339" r:id="rId88"/>
-    <p:sldId id="340" r:id="rId89"/>
+    <p:sldId id="344" r:id="rId89"/>
   </p:sldIdLst>
   <p:sldSz cx="12192000" cy="6858000"/>
   <p:notesSz cx="6858000" cy="9144000"/>
@@ -358,7 +358,7 @@
           <a:p>
             <a:fld id="{FA984E8B-3F5A-48DE-8BA5-BCD329794D47}" type="datetimeFigureOut">
               <a:rPr lang="ru-RU" smtClean="0"/>
-              <a:t>29.10.2020</a:t>
+              <a:t>30.10.2020</a:t>
             </a:fld>
             <a:endParaRPr lang="ru-RU"/>
           </a:p>
@@ -650,7 +650,7 @@
           <a:p>
             <a:fld id="{FA984E8B-3F5A-48DE-8BA5-BCD329794D47}" type="datetimeFigureOut">
               <a:rPr lang="ru-RU" smtClean="0"/>
-              <a:t>29.10.2020</a:t>
+              <a:t>30.10.2020</a:t>
             </a:fld>
             <a:endParaRPr lang="ru-RU"/>
           </a:p>
@@ -848,7 +848,7 @@
           <a:p>
             <a:fld id="{FA984E8B-3F5A-48DE-8BA5-BCD329794D47}" type="datetimeFigureOut">
               <a:rPr lang="ru-RU" smtClean="0"/>
-              <a:t>29.10.2020</a:t>
+              <a:t>30.10.2020</a:t>
             </a:fld>
             <a:endParaRPr lang="ru-RU"/>
           </a:p>
@@ -1056,7 +1056,7 @@
           <a:p>
             <a:fld id="{FA984E8B-3F5A-48DE-8BA5-BCD329794D47}" type="datetimeFigureOut">
               <a:rPr lang="ru-RU" smtClean="0"/>
-              <a:t>29.10.2020</a:t>
+              <a:t>30.10.2020</a:t>
             </a:fld>
             <a:endParaRPr lang="ru-RU"/>
           </a:p>
@@ -1254,7 +1254,7 @@
           <a:p>
             <a:fld id="{FA984E8B-3F5A-48DE-8BA5-BCD329794D47}" type="datetimeFigureOut">
               <a:rPr lang="ru-RU" smtClean="0"/>
-              <a:t>29.10.2020</a:t>
+              <a:t>30.10.2020</a:t>
             </a:fld>
             <a:endParaRPr lang="ru-RU"/>
           </a:p>
@@ -1459,7 +1459,7 @@
           <a:p>
             <a:fld id="{FA984E8B-3F5A-48DE-8BA5-BCD329794D47}" type="datetimeFigureOut">
               <a:rPr lang="ru-RU" smtClean="0"/>
-              <a:t>29.10.2020</a:t>
+              <a:t>30.10.2020</a:t>
             </a:fld>
             <a:endParaRPr lang="ru-RU"/>
           </a:p>
@@ -1796,7 +1796,7 @@
           <a:p>
             <a:fld id="{FA984E8B-3F5A-48DE-8BA5-BCD329794D47}" type="datetimeFigureOut">
               <a:rPr lang="ru-RU" smtClean="0"/>
-              <a:t>29.10.2020</a:t>
+              <a:t>30.10.2020</a:t>
             </a:fld>
             <a:endParaRPr lang="ru-RU"/>
           </a:p>
@@ -2065,7 +2065,7 @@
           <a:p>
             <a:fld id="{FA984E8B-3F5A-48DE-8BA5-BCD329794D47}" type="datetimeFigureOut">
               <a:rPr lang="ru-RU" smtClean="0"/>
-              <a:t>29.10.2020</a:t>
+              <a:t>30.10.2020</a:t>
             </a:fld>
             <a:endParaRPr lang="ru-RU"/>
           </a:p>
@@ -2481,7 +2481,7 @@
           <a:p>
             <a:fld id="{FA984E8B-3F5A-48DE-8BA5-BCD329794D47}" type="datetimeFigureOut">
               <a:rPr lang="ru-RU" smtClean="0"/>
-              <a:t>29.10.2020</a:t>
+              <a:t>30.10.2020</a:t>
             </a:fld>
             <a:endParaRPr lang="ru-RU"/>
           </a:p>
@@ -2626,7 +2626,7 @@
           <a:p>
             <a:fld id="{FA984E8B-3F5A-48DE-8BA5-BCD329794D47}" type="datetimeFigureOut">
               <a:rPr lang="ru-RU" smtClean="0"/>
-              <a:t>29.10.2020</a:t>
+              <a:t>30.10.2020</a:t>
             </a:fld>
             <a:endParaRPr lang="ru-RU"/>
           </a:p>
@@ -2743,7 +2743,7 @@
           <a:p>
             <a:fld id="{FA984E8B-3F5A-48DE-8BA5-BCD329794D47}" type="datetimeFigureOut">
               <a:rPr lang="ru-RU" smtClean="0"/>
-              <a:t>29.10.2020</a:t>
+              <a:t>30.10.2020</a:t>
             </a:fld>
             <a:endParaRPr lang="ru-RU"/>
           </a:p>
@@ -3054,7 +3054,7 @@
           <a:p>
             <a:fld id="{FA984E8B-3F5A-48DE-8BA5-BCD329794D47}" type="datetimeFigureOut">
               <a:rPr lang="ru-RU" smtClean="0"/>
-              <a:t>29.10.2020</a:t>
+              <a:t>30.10.2020</a:t>
             </a:fld>
             <a:endParaRPr lang="ru-RU"/>
           </a:p>
@@ -3295,7 +3295,7 @@
           <a:p>
             <a:fld id="{FA984E8B-3F5A-48DE-8BA5-BCD329794D47}" type="datetimeFigureOut">
               <a:rPr lang="ru-RU" smtClean="0"/>
-              <a:t>29.10.2020</a:t>
+              <a:t>30.10.2020</a:t>
             </a:fld>
             <a:endParaRPr lang="ru-RU"/>
           </a:p>
@@ -39427,7 +39427,7 @@
           <a:p>
             <a:r>
               <a:rPr lang="ru-RU" dirty="0"/>
-              <a:t>Типовые алгоритмы</a:t>
+              <a:t>Работа с текстом</a:t>
             </a:r>
           </a:p>
         </p:txBody>
@@ -39492,10 +39492,10 @@
       </p:grpSpPr>
       <p:sp>
         <p:nvSpPr>
-          <p:cNvPr id="4" name="Заголовок 3">
+          <p:cNvPr id="2" name="Заголовок 1">
             <a:extLst>
               <a:ext uri="{FF2B5EF4-FFF2-40B4-BE49-F238E27FC236}">
-                <a16:creationId xmlns:a16="http://schemas.microsoft.com/office/drawing/2014/main" id="{9ED9428A-6030-4E8D-81E8-B0FAA94C7816}"/>
+                <a16:creationId xmlns:a16="http://schemas.microsoft.com/office/drawing/2014/main" id="{CAC736A6-A88B-4EDE-B25A-E8D4E4B9203D}"/>
               </a:ext>
             </a:extLst>
           </p:cNvPr>
@@ -39513,17 +39513,17 @@
           <a:p>
             <a:r>
               <a:rPr lang="ru-RU" dirty="0"/>
-              <a:t>Типовые алгоритмы</a:t>
+              <a:t>Цель модуля</a:t>
             </a:r>
           </a:p>
         </p:txBody>
       </p:sp>
       <p:sp>
         <p:nvSpPr>
-          <p:cNvPr id="5" name="Объект 4">
+          <p:cNvPr id="3" name="Объект 2">
             <a:extLst>
               <a:ext uri="{FF2B5EF4-FFF2-40B4-BE49-F238E27FC236}">
-                <a16:creationId xmlns:a16="http://schemas.microsoft.com/office/drawing/2014/main" id="{C152B89A-868E-4A39-AA72-6F659743ED0A}"/>
+                <a16:creationId xmlns:a16="http://schemas.microsoft.com/office/drawing/2014/main" id="{8E330AEC-F854-4C19-80FE-FD7A0C5E1D10}"/>
               </a:ext>
             </a:extLst>
           </p:cNvPr>
@@ -39541,19 +39541,15 @@
           <a:p>
             <a:r>
               <a:rPr lang="ru-RU" dirty="0"/>
-              <a:t>Работа с текстом</a:t>
-            </a:r>
-          </a:p>
-          <a:p>
+              <a:t>Изучить типовые алгоритмы и возможности языка </a:t>
+            </a:r>
+            <a:r>
+              <a:rPr lang="en-US" dirty="0"/>
+              <a:t>Python</a:t>
+            </a:r>
             <a:r>
               <a:rPr lang="ru-RU" dirty="0"/>
-              <a:t>Элементарные графы</a:t>
-            </a:r>
-          </a:p>
-          <a:p>
-            <a:r>
-              <a:rPr lang="ru-RU" dirty="0"/>
-              <a:t>Машина состояний</a:t>
+              <a:t>, которые могут быть использованы при разработке бота</a:t>
             </a:r>
           </a:p>
         </p:txBody>
@@ -39561,7 +39557,7 @@
     </p:spTree>
     <p:extLst>
       <p:ext uri="{BB962C8B-B14F-4D97-AF65-F5344CB8AC3E}">
-        <p14:creationId xmlns:p14="http://schemas.microsoft.com/office/powerpoint/2010/main" val="1962352580"/>
+        <p14:creationId xmlns:p14="http://schemas.microsoft.com/office/powerpoint/2010/main" val="1542653455"/>
       </p:ext>
     </p:extLst>
   </p:cSld>

--- a/Presentation/Разработка ботов для телеграмм на Python.pptx
+++ b/Presentation/Разработка ботов для телеграмм на Python.pptx
@@ -93,6 +93,9 @@
     <p:sldId id="342" r:id="rId87"/>
     <p:sldId id="339" r:id="rId88"/>
     <p:sldId id="344" r:id="rId89"/>
+    <p:sldId id="345" r:id="rId90"/>
+    <p:sldId id="346" r:id="rId91"/>
+    <p:sldId id="347" r:id="rId92"/>
   </p:sldIdLst>
   <p:sldSz cx="12192000" cy="6858000"/>
   <p:notesSz cx="6858000" cy="9144000"/>
@@ -19234,53 +19237,6 @@
           </a:p>
         </p:txBody>
       </p:sp>
-      <p:pic>
-        <p:nvPicPr>
-          <p:cNvPr id="2050" name="Picture 2">
-            <a:extLst>
-              <a:ext uri="{FF2B5EF4-FFF2-40B4-BE49-F238E27FC236}">
-                <a16:creationId xmlns:a16="http://schemas.microsoft.com/office/drawing/2014/main" id="{C699E148-3FE6-4A61-B485-D30B9E9FC434}"/>
-              </a:ext>
-            </a:extLst>
-          </p:cNvPr>
-          <p:cNvPicPr>
-            <a:picLocks noChangeAspect="1" noChangeArrowheads="1"/>
-          </p:cNvPicPr>
-          <p:nvPr/>
-        </p:nvPicPr>
-        <p:blipFill>
-          <a:blip r:embed="rId2">
-            <a:extLst>
-              <a:ext uri="{28A0092B-C50C-407E-A947-70E740481C1C}">
-                <a14:useLocalDpi xmlns:a14="http://schemas.microsoft.com/office/drawing/2010/main" val="0"/>
-              </a:ext>
-            </a:extLst>
-          </a:blip>
-          <a:srcRect/>
-          <a:stretch>
-            <a:fillRect/>
-          </a:stretch>
-        </p:blipFill>
-        <p:spPr bwMode="auto">
-          <a:xfrm>
-            <a:off x="6358641" y="47624"/>
-            <a:ext cx="5833359" cy="6810375"/>
-          </a:xfrm>
-          <a:prstGeom prst="rect">
-            <a:avLst/>
-          </a:prstGeom>
-          <a:noFill/>
-          <a:extLst>
-            <a:ext uri="{909E8E84-426E-40DD-AFC4-6F175D3DCCD1}">
-              <a14:hiddenFill xmlns:a14="http://schemas.microsoft.com/office/drawing/2010/main">
-                <a:solidFill>
-                  <a:srgbClr val="FFFFFF"/>
-                </a:solidFill>
-              </a14:hiddenFill>
-            </a:ext>
-          </a:extLst>
-        </p:spPr>
-      </p:pic>
     </p:spTree>
     <p:extLst>
       <p:ext uri="{BB962C8B-B14F-4D97-AF65-F5344CB8AC3E}">
@@ -39374,6 +39330,53 @@
           </a:p>
         </p:txBody>
       </p:sp>
+      <p:pic>
+        <p:nvPicPr>
+          <p:cNvPr id="1026" name="Picture 2" descr="Схема Векторная графика - Скачать бесплатные изображения - Pixabay">
+            <a:extLst>
+              <a:ext uri="{FF2B5EF4-FFF2-40B4-BE49-F238E27FC236}">
+                <a16:creationId xmlns:a16="http://schemas.microsoft.com/office/drawing/2014/main" id="{C6C7AB41-4900-4FA7-9955-A553F4F38B05}"/>
+              </a:ext>
+            </a:extLst>
+          </p:cNvPr>
+          <p:cNvPicPr>
+            <a:picLocks noChangeAspect="1" noChangeArrowheads="1"/>
+          </p:cNvPicPr>
+          <p:nvPr/>
+        </p:nvPicPr>
+        <p:blipFill>
+          <a:blip r:embed="rId2">
+            <a:extLst>
+              <a:ext uri="{28A0092B-C50C-407E-A947-70E740481C1C}">
+                <a14:useLocalDpi xmlns:a14="http://schemas.microsoft.com/office/drawing/2010/main" val="0"/>
+              </a:ext>
+            </a:extLst>
+          </a:blip>
+          <a:srcRect/>
+          <a:stretch>
+            <a:fillRect/>
+          </a:stretch>
+        </p:blipFill>
+        <p:spPr bwMode="auto">
+          <a:xfrm>
+            <a:off x="5627171" y="169678"/>
+            <a:ext cx="6039332" cy="6518644"/>
+          </a:xfrm>
+          <a:prstGeom prst="rect">
+            <a:avLst/>
+          </a:prstGeom>
+          <a:noFill/>
+          <a:extLst>
+            <a:ext uri="{909E8E84-426E-40DD-AFC4-6F175D3DCCD1}">
+              <a14:hiddenFill xmlns:a14="http://schemas.microsoft.com/office/drawing/2010/main">
+                <a:solidFill>
+                  <a:srgbClr val="FFFFFF"/>
+                </a:solidFill>
+              </a14:hiddenFill>
+            </a:ext>
+          </a:extLst>
+        </p:spPr>
+      </p:pic>
     </p:spTree>
     <p:extLst>
       <p:ext uri="{BB962C8B-B14F-4D97-AF65-F5344CB8AC3E}">
@@ -39567,6 +39570,106 @@
 </p:sld>
 </file>
 
+<file path=ppt/slides/slide89.xml><?xml version="1.0" encoding="utf-8"?>
+<p:sld xmlns:a="http://schemas.openxmlformats.org/drawingml/2006/main" xmlns:r="http://schemas.openxmlformats.org/officeDocument/2006/relationships" xmlns:p="http://schemas.openxmlformats.org/presentationml/2006/main">
+  <p:cSld>
+    <p:spTree>
+      <p:nvGrpSpPr>
+        <p:cNvPr id="1" name=""/>
+        <p:cNvGrpSpPr/>
+        <p:nvPr/>
+      </p:nvGrpSpPr>
+      <p:grpSpPr>
+        <a:xfrm>
+          <a:off x="0" y="0"/>
+          <a:ext cx="0" cy="0"/>
+          <a:chOff x="0" y="0"/>
+          <a:chExt cx="0" cy="0"/>
+        </a:xfrm>
+      </p:grpSpPr>
+      <p:sp>
+        <p:nvSpPr>
+          <p:cNvPr id="2" name="Заголовок 1">
+            <a:extLst>
+              <a:ext uri="{FF2B5EF4-FFF2-40B4-BE49-F238E27FC236}">
+                <a16:creationId xmlns:a16="http://schemas.microsoft.com/office/drawing/2014/main" id="{56B86CC5-6D77-4C38-A663-424706A69989}"/>
+              </a:ext>
+            </a:extLst>
+          </p:cNvPr>
+          <p:cNvSpPr>
+            <a:spLocks noGrp="1"/>
+          </p:cNvSpPr>
+          <p:nvPr>
+            <p:ph type="title"/>
+          </p:nvPr>
+        </p:nvSpPr>
+        <p:spPr/>
+        <p:txBody>
+          <a:bodyPr/>
+          <a:lstStyle/>
+          <a:p>
+            <a:r>
+              <a:rPr lang="ru-RU" dirty="0"/>
+              <a:t>Задача</a:t>
+            </a:r>
+          </a:p>
+        </p:txBody>
+      </p:sp>
+      <p:sp>
+        <p:nvSpPr>
+          <p:cNvPr id="3" name="Объект 2">
+            <a:extLst>
+              <a:ext uri="{FF2B5EF4-FFF2-40B4-BE49-F238E27FC236}">
+                <a16:creationId xmlns:a16="http://schemas.microsoft.com/office/drawing/2014/main" id="{37B2E93D-7199-4787-9223-E63913959507}"/>
+              </a:ext>
+            </a:extLst>
+          </p:cNvPr>
+          <p:cNvSpPr>
+            <a:spLocks noGrp="1"/>
+          </p:cNvSpPr>
+          <p:nvPr>
+            <p:ph idx="1"/>
+          </p:nvPr>
+        </p:nvSpPr>
+        <p:spPr/>
+        <p:txBody>
+          <a:bodyPr/>
+          <a:lstStyle/>
+          <a:p>
+            <a:r>
+              <a:rPr lang="ru-RU" dirty="0"/>
+              <a:t>Выдаем случайные приветствия:</a:t>
+            </a:r>
+          </a:p>
+          <a:p>
+            <a:pPr lvl="1"/>
+            <a:r>
+              <a:rPr lang="ru-RU" dirty="0"/>
+              <a:t>Текст случайных приветствий мы храним в текстовом файле</a:t>
+            </a:r>
+          </a:p>
+          <a:p>
+            <a:pPr lvl="1"/>
+            <a:r>
+              <a:rPr lang="ru-RU" dirty="0"/>
+              <a:t>Нам необходимо прочитать строки, выбрать случайную из них и вернуть нашему боту, который отправит их пользователю</a:t>
+            </a:r>
+          </a:p>
+        </p:txBody>
+      </p:sp>
+    </p:spTree>
+    <p:extLst>
+      <p:ext uri="{BB962C8B-B14F-4D97-AF65-F5344CB8AC3E}">
+        <p14:creationId xmlns:p14="http://schemas.microsoft.com/office/powerpoint/2010/main" val="963926448"/>
+      </p:ext>
+    </p:extLst>
+  </p:cSld>
+  <p:clrMapOvr>
+    <a:masterClrMapping/>
+  </p:clrMapOvr>
+</p:sld>
+</file>
+
 <file path=ppt/slides/slide9.xml><?xml version="1.0" encoding="utf-8"?>
 <p:sld xmlns:a="http://schemas.openxmlformats.org/drawingml/2006/main" xmlns:r="http://schemas.openxmlformats.org/officeDocument/2006/relationships" xmlns:p="http://schemas.openxmlformats.org/presentationml/2006/main">
   <p:cSld>
@@ -40184,6 +40287,202 @@
     <p:extLst>
       <p:ext uri="{BB962C8B-B14F-4D97-AF65-F5344CB8AC3E}">
         <p14:creationId xmlns:p14="http://schemas.microsoft.com/office/powerpoint/2010/main" val="1320950089"/>
+      </p:ext>
+    </p:extLst>
+  </p:cSld>
+  <p:clrMapOvr>
+    <a:masterClrMapping/>
+  </p:clrMapOvr>
+</p:sld>
+</file>
+
+<file path=ppt/slides/slide90.xml><?xml version="1.0" encoding="utf-8"?>
+<p:sld xmlns:a="http://schemas.openxmlformats.org/drawingml/2006/main" xmlns:r="http://schemas.openxmlformats.org/officeDocument/2006/relationships" xmlns:p="http://schemas.openxmlformats.org/presentationml/2006/main">
+  <p:cSld>
+    <p:spTree>
+      <p:nvGrpSpPr>
+        <p:cNvPr id="1" name=""/>
+        <p:cNvGrpSpPr/>
+        <p:nvPr/>
+      </p:nvGrpSpPr>
+      <p:grpSpPr>
+        <a:xfrm>
+          <a:off x="0" y="0"/>
+          <a:ext cx="0" cy="0"/>
+          <a:chOff x="0" y="0"/>
+          <a:chExt cx="0" cy="0"/>
+        </a:xfrm>
+      </p:grpSpPr>
+      <p:sp>
+        <p:nvSpPr>
+          <p:cNvPr id="2" name="Заголовок 1">
+            <a:extLst>
+              <a:ext uri="{FF2B5EF4-FFF2-40B4-BE49-F238E27FC236}">
+                <a16:creationId xmlns:a16="http://schemas.microsoft.com/office/drawing/2014/main" id="{E011A2C4-FB8D-431E-B54E-EE0F746D557A}"/>
+              </a:ext>
+            </a:extLst>
+          </p:cNvPr>
+          <p:cNvSpPr>
+            <a:spLocks noGrp="1"/>
+          </p:cNvSpPr>
+          <p:nvPr>
+            <p:ph type="title"/>
+          </p:nvPr>
+        </p:nvSpPr>
+        <p:spPr/>
+        <p:txBody>
+          <a:bodyPr/>
+          <a:lstStyle/>
+          <a:p>
+            <a:r>
+              <a:rPr lang="ru-RU" dirty="0"/>
+              <a:t>Задача</a:t>
+            </a:r>
+          </a:p>
+        </p:txBody>
+      </p:sp>
+      <p:sp>
+        <p:nvSpPr>
+          <p:cNvPr id="3" name="Объект 2">
+            <a:extLst>
+              <a:ext uri="{FF2B5EF4-FFF2-40B4-BE49-F238E27FC236}">
+                <a16:creationId xmlns:a16="http://schemas.microsoft.com/office/drawing/2014/main" id="{B188C367-418E-46E2-BB67-60B1463116D7}"/>
+              </a:ext>
+            </a:extLst>
+          </p:cNvPr>
+          <p:cNvSpPr>
+            <a:spLocks noGrp="1"/>
+          </p:cNvSpPr>
+          <p:nvPr>
+            <p:ph idx="1"/>
+          </p:nvPr>
+        </p:nvSpPr>
+        <p:spPr/>
+        <p:txBody>
+          <a:bodyPr/>
+          <a:lstStyle/>
+          <a:p>
+            <a:r>
+              <a:rPr lang="ru-RU" dirty="0"/>
+              <a:t>Пользователь в сообщении указывает некоторые ключевые слова, на которые наш бот должен определенным образом ответить</a:t>
+            </a:r>
+          </a:p>
+          <a:p>
+            <a:pPr lvl="1"/>
+            <a:r>
+              <a:rPr lang="ru-RU" dirty="0"/>
+              <a:t>Разбираемся как искать подстроку в </a:t>
+            </a:r>
+            <a:r>
+              <a:rPr lang="en-US" dirty="0"/>
+              <a:t>Python</a:t>
+            </a:r>
+            <a:endParaRPr lang="ru-RU" dirty="0"/>
+          </a:p>
+          <a:p>
+            <a:pPr lvl="1"/>
+            <a:endParaRPr lang="ru-RU" dirty="0"/>
+          </a:p>
+        </p:txBody>
+      </p:sp>
+    </p:spTree>
+    <p:extLst>
+      <p:ext uri="{BB962C8B-B14F-4D97-AF65-F5344CB8AC3E}">
+        <p14:creationId xmlns:p14="http://schemas.microsoft.com/office/powerpoint/2010/main" val="3629564465"/>
+      </p:ext>
+    </p:extLst>
+  </p:cSld>
+  <p:clrMapOvr>
+    <a:masterClrMapping/>
+  </p:clrMapOvr>
+</p:sld>
+</file>
+
+<file path=ppt/slides/slide91.xml><?xml version="1.0" encoding="utf-8"?>
+<p:sld xmlns:a="http://schemas.openxmlformats.org/drawingml/2006/main" xmlns:r="http://schemas.openxmlformats.org/officeDocument/2006/relationships" xmlns:p="http://schemas.openxmlformats.org/presentationml/2006/main">
+  <p:cSld>
+    <p:spTree>
+      <p:nvGrpSpPr>
+        <p:cNvPr id="1" name=""/>
+        <p:cNvGrpSpPr/>
+        <p:nvPr/>
+      </p:nvGrpSpPr>
+      <p:grpSpPr>
+        <a:xfrm>
+          <a:off x="0" y="0"/>
+          <a:ext cx="0" cy="0"/>
+          <a:chOff x="0" y="0"/>
+          <a:chExt cx="0" cy="0"/>
+        </a:xfrm>
+      </p:grpSpPr>
+      <p:sp>
+        <p:nvSpPr>
+          <p:cNvPr id="2" name="Заголовок 1">
+            <a:extLst>
+              <a:ext uri="{FF2B5EF4-FFF2-40B4-BE49-F238E27FC236}">
+                <a16:creationId xmlns:a16="http://schemas.microsoft.com/office/drawing/2014/main" id="{072AD1C1-DFAC-4DC7-86CA-ECF093E8EA20}"/>
+              </a:ext>
+            </a:extLst>
+          </p:cNvPr>
+          <p:cNvSpPr>
+            <a:spLocks noGrp="1"/>
+          </p:cNvSpPr>
+          <p:nvPr>
+            <p:ph type="title"/>
+          </p:nvPr>
+        </p:nvSpPr>
+        <p:spPr/>
+        <p:txBody>
+          <a:bodyPr/>
+          <a:lstStyle/>
+          <a:p>
+            <a:r>
+              <a:rPr lang="ru-RU" dirty="0"/>
+              <a:t>Задача</a:t>
+            </a:r>
+          </a:p>
+        </p:txBody>
+      </p:sp>
+      <p:sp>
+        <p:nvSpPr>
+          <p:cNvPr id="3" name="Объект 2">
+            <a:extLst>
+              <a:ext uri="{FF2B5EF4-FFF2-40B4-BE49-F238E27FC236}">
+                <a16:creationId xmlns:a16="http://schemas.microsoft.com/office/drawing/2014/main" id="{F22465BA-C9F2-4AD1-9D5B-7FE9B5EC398D}"/>
+              </a:ext>
+            </a:extLst>
+          </p:cNvPr>
+          <p:cNvSpPr>
+            <a:spLocks noGrp="1"/>
+          </p:cNvSpPr>
+          <p:nvPr>
+            <p:ph idx="1"/>
+          </p:nvPr>
+        </p:nvSpPr>
+        <p:spPr/>
+        <p:txBody>
+          <a:bodyPr/>
+          <a:lstStyle/>
+          <a:p>
+            <a:r>
+              <a:rPr lang="ru-RU" dirty="0"/>
+              <a:t>Пользователь вводит свои реквизиты. Мы должны проверить правильность ввода телефонного номера и адреса электронной почты</a:t>
+            </a:r>
+            <a:endParaRPr lang="en-US" dirty="0"/>
+          </a:p>
+          <a:p>
+            <a:pPr lvl="1"/>
+            <a:r>
+              <a:rPr lang="ru-RU" dirty="0"/>
+              <a:t>Учимся работать с регулярными выражениями</a:t>
+            </a:r>
+          </a:p>
+        </p:txBody>
+      </p:sp>
+    </p:spTree>
+    <p:extLst>
+      <p:ext uri="{BB962C8B-B14F-4D97-AF65-F5344CB8AC3E}">
+        <p14:creationId xmlns:p14="http://schemas.microsoft.com/office/powerpoint/2010/main" val="362811289"/>
       </p:ext>
     </p:extLst>
   </p:cSld>

--- a/Presentation/Разработка ботов для телеграмм на Python.pptx
+++ b/Presentation/Разработка ботов для телеграмм на Python.pptx
@@ -94,8 +94,9 @@
     <p:sldId id="339" r:id="rId88"/>
     <p:sldId id="344" r:id="rId89"/>
     <p:sldId id="345" r:id="rId90"/>
-    <p:sldId id="346" r:id="rId91"/>
-    <p:sldId id="347" r:id="rId92"/>
+    <p:sldId id="348" r:id="rId91"/>
+    <p:sldId id="346" r:id="rId92"/>
+    <p:sldId id="347" r:id="rId93"/>
   </p:sldIdLst>
   <p:sldSz cx="12192000" cy="6858000"/>
   <p:notesSz cx="6858000" cy="9144000"/>
@@ -40318,6 +40319,120 @@
           <p:cNvPr id="2" name="Заголовок 1">
             <a:extLst>
               <a:ext uri="{FF2B5EF4-FFF2-40B4-BE49-F238E27FC236}">
+                <a16:creationId xmlns:a16="http://schemas.microsoft.com/office/drawing/2014/main" id="{F0478325-00CC-4420-95E3-1AFE08E54D86}"/>
+              </a:ext>
+            </a:extLst>
+          </p:cNvPr>
+          <p:cNvSpPr>
+            <a:spLocks noGrp="1"/>
+          </p:cNvSpPr>
+          <p:nvPr>
+            <p:ph type="title"/>
+          </p:nvPr>
+        </p:nvSpPr>
+        <p:spPr/>
+        <p:txBody>
+          <a:bodyPr/>
+          <a:lstStyle/>
+          <a:p>
+            <a:r>
+              <a:rPr lang="ru-RU" dirty="0"/>
+              <a:t>Работа с файлами</a:t>
+            </a:r>
+          </a:p>
+        </p:txBody>
+      </p:sp>
+      <p:sp>
+        <p:nvSpPr>
+          <p:cNvPr id="3" name="Объект 2">
+            <a:extLst>
+              <a:ext uri="{FF2B5EF4-FFF2-40B4-BE49-F238E27FC236}">
+                <a16:creationId xmlns:a16="http://schemas.microsoft.com/office/drawing/2014/main" id="{FEE7B12C-C592-48DE-A5BC-9D1621ACBC7E}"/>
+              </a:ext>
+            </a:extLst>
+          </p:cNvPr>
+          <p:cNvSpPr>
+            <a:spLocks noGrp="1"/>
+          </p:cNvSpPr>
+          <p:nvPr>
+            <p:ph idx="1"/>
+          </p:nvPr>
+        </p:nvSpPr>
+        <p:spPr/>
+        <p:txBody>
+          <a:bodyPr/>
+          <a:lstStyle/>
+          <a:p>
+            <a:r>
+              <a:rPr lang="en-US" dirty="0"/>
+              <a:t>open(“</a:t>
+            </a:r>
+            <a:r>
+              <a:rPr lang="ru-RU" dirty="0"/>
+              <a:t>имя файла</a:t>
+            </a:r>
+            <a:r>
+              <a:rPr lang="en-US" dirty="0"/>
+              <a:t>”</a:t>
+            </a:r>
+            <a:r>
+              <a:rPr lang="ru-RU" dirty="0"/>
+              <a:t>,</a:t>
+            </a:r>
+            <a:r>
+              <a:rPr lang="en-US" dirty="0"/>
+              <a:t>”</a:t>
+            </a:r>
+            <a:r>
+              <a:rPr lang="ru-RU" dirty="0"/>
+              <a:t>РЕЖИМ ОТКРЫТИЯ ФАЙЛА</a:t>
+            </a:r>
+            <a:r>
+              <a:rPr lang="en-US" dirty="0"/>
+              <a:t>”)</a:t>
+            </a:r>
+            <a:r>
+              <a:rPr lang="ru-RU" dirty="0"/>
+              <a:t> - </a:t>
+            </a:r>
+          </a:p>
+        </p:txBody>
+      </p:sp>
+    </p:spTree>
+    <p:extLst>
+      <p:ext uri="{BB962C8B-B14F-4D97-AF65-F5344CB8AC3E}">
+        <p14:creationId xmlns:p14="http://schemas.microsoft.com/office/powerpoint/2010/main" val="3876876042"/>
+      </p:ext>
+    </p:extLst>
+  </p:cSld>
+  <p:clrMapOvr>
+    <a:masterClrMapping/>
+  </p:clrMapOvr>
+</p:sld>
+</file>
+
+<file path=ppt/slides/slide91.xml><?xml version="1.0" encoding="utf-8"?>
+<p:sld xmlns:a="http://schemas.openxmlformats.org/drawingml/2006/main" xmlns:r="http://schemas.openxmlformats.org/officeDocument/2006/relationships" xmlns:p="http://schemas.openxmlformats.org/presentationml/2006/main">
+  <p:cSld>
+    <p:spTree>
+      <p:nvGrpSpPr>
+        <p:cNvPr id="1" name=""/>
+        <p:cNvGrpSpPr/>
+        <p:nvPr/>
+      </p:nvGrpSpPr>
+      <p:grpSpPr>
+        <a:xfrm>
+          <a:off x="0" y="0"/>
+          <a:ext cx="0" cy="0"/>
+          <a:chOff x="0" y="0"/>
+          <a:chExt cx="0" cy="0"/>
+        </a:xfrm>
+      </p:grpSpPr>
+      <p:sp>
+        <p:nvSpPr>
+          <p:cNvPr id="2" name="Заголовок 1">
+            <a:extLst>
+              <a:ext uri="{FF2B5EF4-FFF2-40B4-BE49-F238E27FC236}">
                 <a16:creationId xmlns:a16="http://schemas.microsoft.com/office/drawing/2014/main" id="{E011A2C4-FB8D-431E-B54E-EE0F746D557A}"/>
               </a:ext>
             </a:extLst>
@@ -40398,7 +40513,7 @@
 </p:sld>
 </file>
 
-<file path=ppt/slides/slide91.xml><?xml version="1.0" encoding="utf-8"?>
+<file path=ppt/slides/slide92.xml><?xml version="1.0" encoding="utf-8"?>
 <p:sld xmlns:a="http://schemas.openxmlformats.org/drawingml/2006/main" xmlns:r="http://schemas.openxmlformats.org/officeDocument/2006/relationships" xmlns:p="http://schemas.openxmlformats.org/presentationml/2006/main">
   <p:cSld>
     <p:spTree>

--- a/Presentation/Разработка ботов для телеграмм на Python.pptx
+++ b/Presentation/Разработка ботов для телеграмм на Python.pptx
@@ -67,36 +67,37 @@
     <p:sldId id="313" r:id="rId61"/>
     <p:sldId id="314" r:id="rId62"/>
     <p:sldId id="317" r:id="rId63"/>
-    <p:sldId id="307" r:id="rId64"/>
-    <p:sldId id="315" r:id="rId65"/>
-    <p:sldId id="318" r:id="rId66"/>
-    <p:sldId id="319" r:id="rId67"/>
-    <p:sldId id="320" r:id="rId68"/>
-    <p:sldId id="321" r:id="rId69"/>
-    <p:sldId id="322" r:id="rId70"/>
-    <p:sldId id="323" r:id="rId71"/>
-    <p:sldId id="324" r:id="rId72"/>
-    <p:sldId id="325" r:id="rId73"/>
-    <p:sldId id="326" r:id="rId74"/>
-    <p:sldId id="327" r:id="rId75"/>
-    <p:sldId id="328" r:id="rId76"/>
-    <p:sldId id="329" r:id="rId77"/>
-    <p:sldId id="330" r:id="rId78"/>
-    <p:sldId id="331" r:id="rId79"/>
-    <p:sldId id="332" r:id="rId80"/>
-    <p:sldId id="333" r:id="rId81"/>
-    <p:sldId id="334" r:id="rId82"/>
-    <p:sldId id="335" r:id="rId83"/>
-    <p:sldId id="336" r:id="rId84"/>
-    <p:sldId id="337" r:id="rId85"/>
-    <p:sldId id="338" r:id="rId86"/>
-    <p:sldId id="342" r:id="rId87"/>
-    <p:sldId id="339" r:id="rId88"/>
-    <p:sldId id="344" r:id="rId89"/>
-    <p:sldId id="345" r:id="rId90"/>
-    <p:sldId id="348" r:id="rId91"/>
-    <p:sldId id="346" r:id="rId92"/>
-    <p:sldId id="347" r:id="rId93"/>
+    <p:sldId id="349" r:id="rId64"/>
+    <p:sldId id="307" r:id="rId65"/>
+    <p:sldId id="315" r:id="rId66"/>
+    <p:sldId id="318" r:id="rId67"/>
+    <p:sldId id="319" r:id="rId68"/>
+    <p:sldId id="320" r:id="rId69"/>
+    <p:sldId id="321" r:id="rId70"/>
+    <p:sldId id="322" r:id="rId71"/>
+    <p:sldId id="323" r:id="rId72"/>
+    <p:sldId id="324" r:id="rId73"/>
+    <p:sldId id="325" r:id="rId74"/>
+    <p:sldId id="326" r:id="rId75"/>
+    <p:sldId id="327" r:id="rId76"/>
+    <p:sldId id="328" r:id="rId77"/>
+    <p:sldId id="329" r:id="rId78"/>
+    <p:sldId id="330" r:id="rId79"/>
+    <p:sldId id="331" r:id="rId80"/>
+    <p:sldId id="332" r:id="rId81"/>
+    <p:sldId id="333" r:id="rId82"/>
+    <p:sldId id="334" r:id="rId83"/>
+    <p:sldId id="335" r:id="rId84"/>
+    <p:sldId id="336" r:id="rId85"/>
+    <p:sldId id="337" r:id="rId86"/>
+    <p:sldId id="338" r:id="rId87"/>
+    <p:sldId id="342" r:id="rId88"/>
+    <p:sldId id="339" r:id="rId89"/>
+    <p:sldId id="344" r:id="rId90"/>
+    <p:sldId id="345" r:id="rId91"/>
+    <p:sldId id="348" r:id="rId92"/>
+    <p:sldId id="346" r:id="rId93"/>
+    <p:sldId id="347" r:id="rId94"/>
   </p:sldIdLst>
   <p:sldSz cx="12192000" cy="6858000"/>
   <p:notesSz cx="6858000" cy="9144000"/>
@@ -205,7 +206,7 @@
 
 <file path=ppt/commentAuthors.xml><?xml version="1.0" encoding="utf-8"?>
 <p:cmAuthorLst xmlns:a="http://schemas.openxmlformats.org/drawingml/2006/main" xmlns:r="http://schemas.openxmlformats.org/officeDocument/2006/relationships" xmlns:p="http://schemas.openxmlformats.org/presentationml/2006/main">
-  <p:cmAuthor id="1" name="Tsytovich, Pavel" initials="TP" lastIdx="1" clrIdx="0">
+  <p:cmAuthor id="1" name="Tsytovich, Pavel" initials="TP" lastIdx="2" clrIdx="0">
     <p:extLst>
       <p:ext uri="{19B8F6BF-5375-455C-9EA6-DF929625EA0E}">
         <p15:presenceInfo xmlns:p15="http://schemas.microsoft.com/office/powerpoint/2012/main" userId="Tsytovich, Pavel" providerId="None"/>
@@ -213,6 +214,20 @@
     </p:extLst>
   </p:cmAuthor>
 </p:cmAuthorLst>
+</file>
+
+<file path=ppt/comments/comment1.xml><?xml version="1.0" encoding="utf-8"?>
+<p:cmLst xmlns:a="http://schemas.openxmlformats.org/drawingml/2006/main" xmlns:r="http://schemas.openxmlformats.org/officeDocument/2006/relationships" xmlns:p="http://schemas.openxmlformats.org/presentationml/2006/main">
+  <p:cm authorId="1" dt="2020-10-31T09:11:01.078" idx="2">
+    <p:pos x="10" y="10"/>
+    <p:text>Нужно добавить блок list comprehensive</p:text>
+    <p:extLst>
+      <p:ext uri="{C676402C-5697-4E1C-873F-D02D1690AC5C}">
+        <p15:threadingInfo xmlns:p15="http://schemas.microsoft.com/office/powerpoint/2012/main" timeZoneBias="-180"/>
+      </p:ext>
+    </p:extLst>
+  </p:cm>
+</p:cmLst>
 </file>
 
 <file path=ppt/slideLayouts/slideLayout1.xml><?xml version="1.0" encoding="utf-8"?>
@@ -362,7 +377,7 @@
           <a:p>
             <a:fld id="{FA984E8B-3F5A-48DE-8BA5-BCD329794D47}" type="datetimeFigureOut">
               <a:rPr lang="ru-RU" smtClean="0"/>
-              <a:t>30.10.2020</a:t>
+              <a:t>31.10.2020</a:t>
             </a:fld>
             <a:endParaRPr lang="ru-RU"/>
           </a:p>
@@ -654,7 +669,7 @@
           <a:p>
             <a:fld id="{FA984E8B-3F5A-48DE-8BA5-BCD329794D47}" type="datetimeFigureOut">
               <a:rPr lang="ru-RU" smtClean="0"/>
-              <a:t>30.10.2020</a:t>
+              <a:t>31.10.2020</a:t>
             </a:fld>
             <a:endParaRPr lang="ru-RU"/>
           </a:p>
@@ -852,7 +867,7 @@
           <a:p>
             <a:fld id="{FA984E8B-3F5A-48DE-8BA5-BCD329794D47}" type="datetimeFigureOut">
               <a:rPr lang="ru-RU" smtClean="0"/>
-              <a:t>30.10.2020</a:t>
+              <a:t>31.10.2020</a:t>
             </a:fld>
             <a:endParaRPr lang="ru-RU"/>
           </a:p>
@@ -1060,7 +1075,7 @@
           <a:p>
             <a:fld id="{FA984E8B-3F5A-48DE-8BA5-BCD329794D47}" type="datetimeFigureOut">
               <a:rPr lang="ru-RU" smtClean="0"/>
-              <a:t>30.10.2020</a:t>
+              <a:t>31.10.2020</a:t>
             </a:fld>
             <a:endParaRPr lang="ru-RU"/>
           </a:p>
@@ -1258,7 +1273,7 @@
           <a:p>
             <a:fld id="{FA984E8B-3F5A-48DE-8BA5-BCD329794D47}" type="datetimeFigureOut">
               <a:rPr lang="ru-RU" smtClean="0"/>
-              <a:t>30.10.2020</a:t>
+              <a:t>31.10.2020</a:t>
             </a:fld>
             <a:endParaRPr lang="ru-RU"/>
           </a:p>
@@ -1463,7 +1478,7 @@
           <a:p>
             <a:fld id="{FA984E8B-3F5A-48DE-8BA5-BCD329794D47}" type="datetimeFigureOut">
               <a:rPr lang="ru-RU" smtClean="0"/>
-              <a:t>30.10.2020</a:t>
+              <a:t>31.10.2020</a:t>
             </a:fld>
             <a:endParaRPr lang="ru-RU"/>
           </a:p>
@@ -1800,7 +1815,7 @@
           <a:p>
             <a:fld id="{FA984E8B-3F5A-48DE-8BA5-BCD329794D47}" type="datetimeFigureOut">
               <a:rPr lang="ru-RU" smtClean="0"/>
-              <a:t>30.10.2020</a:t>
+              <a:t>31.10.2020</a:t>
             </a:fld>
             <a:endParaRPr lang="ru-RU"/>
           </a:p>
@@ -2069,7 +2084,7 @@
           <a:p>
             <a:fld id="{FA984E8B-3F5A-48DE-8BA5-BCD329794D47}" type="datetimeFigureOut">
               <a:rPr lang="ru-RU" smtClean="0"/>
-              <a:t>30.10.2020</a:t>
+              <a:t>31.10.2020</a:t>
             </a:fld>
             <a:endParaRPr lang="ru-RU"/>
           </a:p>
@@ -2485,7 +2500,7 @@
           <a:p>
             <a:fld id="{FA984E8B-3F5A-48DE-8BA5-BCD329794D47}" type="datetimeFigureOut">
               <a:rPr lang="ru-RU" smtClean="0"/>
-              <a:t>30.10.2020</a:t>
+              <a:t>31.10.2020</a:t>
             </a:fld>
             <a:endParaRPr lang="ru-RU"/>
           </a:p>
@@ -2630,7 +2645,7 @@
           <a:p>
             <a:fld id="{FA984E8B-3F5A-48DE-8BA5-BCD329794D47}" type="datetimeFigureOut">
               <a:rPr lang="ru-RU" smtClean="0"/>
-              <a:t>30.10.2020</a:t>
+              <a:t>31.10.2020</a:t>
             </a:fld>
             <a:endParaRPr lang="ru-RU"/>
           </a:p>
@@ -2747,7 +2762,7 @@
           <a:p>
             <a:fld id="{FA984E8B-3F5A-48DE-8BA5-BCD329794D47}" type="datetimeFigureOut">
               <a:rPr lang="ru-RU" smtClean="0"/>
-              <a:t>30.10.2020</a:t>
+              <a:t>31.10.2020</a:t>
             </a:fld>
             <a:endParaRPr lang="ru-RU"/>
           </a:p>
@@ -3058,7 +3073,7 @@
           <a:p>
             <a:fld id="{FA984E8B-3F5A-48DE-8BA5-BCD329794D47}" type="datetimeFigureOut">
               <a:rPr lang="ru-RU" smtClean="0"/>
-              <a:t>30.10.2020</a:t>
+              <a:t>31.10.2020</a:t>
             </a:fld>
             <a:endParaRPr lang="ru-RU"/>
           </a:p>
@@ -3299,7 +3314,7 @@
           <a:p>
             <a:fld id="{FA984E8B-3F5A-48DE-8BA5-BCD329794D47}" type="datetimeFigureOut">
               <a:rPr lang="ru-RU" smtClean="0"/>
-              <a:t>30.10.2020</a:t>
+              <a:t>31.10.2020</a:t>
             </a:fld>
             <a:endParaRPr lang="ru-RU"/>
           </a:p>
@@ -26354,6 +26369,86 @@
           <p:cNvPr id="2" name="Заголовок 1">
             <a:extLst>
               <a:ext uri="{FF2B5EF4-FFF2-40B4-BE49-F238E27FC236}">
+                <a16:creationId xmlns:a16="http://schemas.microsoft.com/office/drawing/2014/main" id="{8FBCEB10-CB35-4C35-8004-7020C568EAE2}"/>
+              </a:ext>
+            </a:extLst>
+          </p:cNvPr>
+          <p:cNvSpPr>
+            <a:spLocks noGrp="1"/>
+          </p:cNvSpPr>
+          <p:nvPr>
+            <p:ph type="title"/>
+          </p:nvPr>
+        </p:nvSpPr>
+        <p:spPr/>
+        <p:txBody>
+          <a:bodyPr/>
+          <a:lstStyle/>
+          <a:p>
+            <a:endParaRPr lang="ru-RU"/>
+          </a:p>
+        </p:txBody>
+      </p:sp>
+      <p:sp>
+        <p:nvSpPr>
+          <p:cNvPr id="3" name="Объект 2">
+            <a:extLst>
+              <a:ext uri="{FF2B5EF4-FFF2-40B4-BE49-F238E27FC236}">
+                <a16:creationId xmlns:a16="http://schemas.microsoft.com/office/drawing/2014/main" id="{B0296742-E23E-432C-9552-F27BC3BAAE20}"/>
+              </a:ext>
+            </a:extLst>
+          </p:cNvPr>
+          <p:cNvSpPr>
+            <a:spLocks noGrp="1"/>
+          </p:cNvSpPr>
+          <p:nvPr>
+            <p:ph idx="1"/>
+          </p:nvPr>
+        </p:nvSpPr>
+        <p:spPr/>
+        <p:txBody>
+          <a:bodyPr/>
+          <a:lstStyle/>
+          <a:p>
+            <a:endParaRPr lang="ru-RU"/>
+          </a:p>
+        </p:txBody>
+      </p:sp>
+    </p:spTree>
+    <p:extLst>
+      <p:ext uri="{BB962C8B-B14F-4D97-AF65-F5344CB8AC3E}">
+        <p14:creationId xmlns:p14="http://schemas.microsoft.com/office/powerpoint/2010/main" val="1262513986"/>
+      </p:ext>
+    </p:extLst>
+  </p:cSld>
+  <p:clrMapOvr>
+    <a:masterClrMapping/>
+  </p:clrMapOvr>
+</p:sld>
+</file>
+
+<file path=ppt/slides/slide64.xml><?xml version="1.0" encoding="utf-8"?>
+<p:sld xmlns:a="http://schemas.openxmlformats.org/drawingml/2006/main" xmlns:r="http://schemas.openxmlformats.org/officeDocument/2006/relationships" xmlns:p="http://schemas.openxmlformats.org/presentationml/2006/main">
+  <p:cSld>
+    <p:spTree>
+      <p:nvGrpSpPr>
+        <p:cNvPr id="1" name=""/>
+        <p:cNvGrpSpPr/>
+        <p:nvPr/>
+      </p:nvGrpSpPr>
+      <p:grpSpPr>
+        <a:xfrm>
+          <a:off x="0" y="0"/>
+          <a:ext cx="0" cy="0"/>
+          <a:chOff x="0" y="0"/>
+          <a:chExt cx="0" cy="0"/>
+        </a:xfrm>
+      </p:grpSpPr>
+      <p:sp>
+        <p:nvSpPr>
+          <p:cNvPr id="2" name="Заголовок 1">
+            <a:extLst>
+              <a:ext uri="{FF2B5EF4-FFF2-40B4-BE49-F238E27FC236}">
                 <a16:creationId xmlns:a16="http://schemas.microsoft.com/office/drawing/2014/main" id="{EFCE8630-B5EC-42B9-9AA2-9443375532D2}"/>
               </a:ext>
             </a:extLst>
@@ -26395,7 +26490,7 @@
 </p:sld>
 </file>
 
-<file path=ppt/slides/slide64.xml><?xml version="1.0" encoding="utf-8"?>
+<file path=ppt/slides/slide65.xml><?xml version="1.0" encoding="utf-8"?>
 <p:sld xmlns:a="http://schemas.openxmlformats.org/drawingml/2006/main" xmlns:r="http://schemas.openxmlformats.org/officeDocument/2006/relationships" xmlns:p="http://schemas.openxmlformats.org/presentationml/2006/main">
   <p:cSld>
     <p:spTree>
@@ -26907,144 +27002,6 @@
 </p:sld>
 </file>
 
-<file path=ppt/slides/slide65.xml><?xml version="1.0" encoding="utf-8"?>
-<p:sld xmlns:a="http://schemas.openxmlformats.org/drawingml/2006/main" xmlns:r="http://schemas.openxmlformats.org/officeDocument/2006/relationships" xmlns:p="http://schemas.openxmlformats.org/presentationml/2006/main">
-  <p:cSld>
-    <p:spTree>
-      <p:nvGrpSpPr>
-        <p:cNvPr id="1" name=""/>
-        <p:cNvGrpSpPr/>
-        <p:nvPr/>
-      </p:nvGrpSpPr>
-      <p:grpSpPr>
-        <a:xfrm>
-          <a:off x="0" y="0"/>
-          <a:ext cx="0" cy="0"/>
-          <a:chOff x="0" y="0"/>
-          <a:chExt cx="0" cy="0"/>
-        </a:xfrm>
-      </p:grpSpPr>
-      <p:sp>
-        <p:nvSpPr>
-          <p:cNvPr id="2" name="Заголовок 1">
-            <a:extLst>
-              <a:ext uri="{FF2B5EF4-FFF2-40B4-BE49-F238E27FC236}">
-                <a16:creationId xmlns:a16="http://schemas.microsoft.com/office/drawing/2014/main" id="{187D35C8-3BA3-4721-9139-10681DED6409}"/>
-              </a:ext>
-            </a:extLst>
-          </p:cNvPr>
-          <p:cNvSpPr>
-            <a:spLocks noGrp="1"/>
-          </p:cNvSpPr>
-          <p:nvPr>
-            <p:ph type="title"/>
-          </p:nvPr>
-        </p:nvSpPr>
-        <p:spPr/>
-        <p:txBody>
-          <a:bodyPr/>
-          <a:lstStyle/>
-          <a:p>
-            <a:r>
-              <a:rPr lang="ru-RU" dirty="0"/>
-              <a:t>Преобразование типа данных</a:t>
-            </a:r>
-          </a:p>
-        </p:txBody>
-      </p:sp>
-      <p:sp>
-        <p:nvSpPr>
-          <p:cNvPr id="3" name="Объект 2">
-            <a:extLst>
-              <a:ext uri="{FF2B5EF4-FFF2-40B4-BE49-F238E27FC236}">
-                <a16:creationId xmlns:a16="http://schemas.microsoft.com/office/drawing/2014/main" id="{D04C92CB-6E43-437E-AFD9-ADFCC76F75B3}"/>
-              </a:ext>
-            </a:extLst>
-          </p:cNvPr>
-          <p:cNvSpPr>
-            <a:spLocks noGrp="1"/>
-          </p:cNvSpPr>
-          <p:nvPr>
-            <p:ph idx="1"/>
-          </p:nvPr>
-        </p:nvSpPr>
-        <p:spPr>
-          <a:xfrm>
-            <a:off x="838200" y="1825624"/>
-            <a:ext cx="10515600" cy="4883519"/>
-          </a:xfrm>
-        </p:spPr>
-        <p:txBody>
-          <a:bodyPr>
-            <a:normAutofit fontScale="92500" lnSpcReduction="10000"/>
-          </a:bodyPr>
-          <a:lstStyle/>
-          <a:p>
-            <a:r>
-              <a:rPr lang="ru-RU" dirty="0"/>
-              <a:t>С помощью функции </a:t>
-            </a:r>
-            <a:r>
-              <a:rPr lang="en-US" dirty="0"/>
-              <a:t>input() </a:t>
-            </a:r>
-            <a:r>
-              <a:rPr lang="ru-RU" dirty="0"/>
-              <a:t>введите строку</a:t>
-            </a:r>
-          </a:p>
-          <a:p>
-            <a:r>
-              <a:rPr lang="ru-RU" dirty="0"/>
-              <a:t>Переведите строку в целое число. Обратите внимание на ошибку, которая может возникнуть, если строку нельзя перевести в целое число</a:t>
-            </a:r>
-          </a:p>
-          <a:p>
-            <a:r>
-              <a:rPr lang="ru-RU" dirty="0"/>
-              <a:t>Снова введите строку с помощью функции </a:t>
-            </a:r>
-            <a:r>
-              <a:rPr lang="en-US" dirty="0"/>
-              <a:t>input( )</a:t>
-            </a:r>
-          </a:p>
-          <a:p>
-            <a:r>
-              <a:rPr lang="ru-RU" dirty="0"/>
-              <a:t>Переведите строку в число с плавающей точкой. Обратите внимание на ошибку, которая может возникнуть, если строку нельзя перевести в число с плавающей точкой</a:t>
-            </a:r>
-          </a:p>
-          <a:p>
-            <a:r>
-              <a:rPr lang="ru-RU" dirty="0"/>
-              <a:t>Распечатайте целое число, полученное на втором шаге в двоичном виде</a:t>
-            </a:r>
-          </a:p>
-          <a:p>
-            <a:r>
-              <a:rPr lang="ru-RU" dirty="0"/>
-              <a:t>Распечатайте целое число, полученное на втором шаге в шестнадцатеричном виде</a:t>
-            </a:r>
-          </a:p>
-          <a:p>
-            <a:endParaRPr lang="ru-RU" dirty="0"/>
-          </a:p>
-        </p:txBody>
-      </p:sp>
-    </p:spTree>
-    <p:extLst>
-      <p:ext uri="{BB962C8B-B14F-4D97-AF65-F5344CB8AC3E}">
-        <p14:creationId xmlns:p14="http://schemas.microsoft.com/office/powerpoint/2010/main" val="1909734272"/>
-      </p:ext>
-    </p:extLst>
-  </p:cSld>
-  <p:clrMapOvr>
-    <a:masterClrMapping/>
-  </p:clrMapOvr>
-</p:sld>
-</file>
-
 <file path=ppt/slides/slide66.xml><?xml version="1.0" encoding="utf-8"?>
 <p:sld xmlns:a="http://schemas.openxmlformats.org/drawingml/2006/main" xmlns:r="http://schemas.openxmlformats.org/officeDocument/2006/relationships" xmlns:p="http://schemas.openxmlformats.org/presentationml/2006/main">
   <p:cSld>
@@ -27067,7 +27024,7 @@
           <p:cNvPr id="2" name="Заголовок 1">
             <a:extLst>
               <a:ext uri="{FF2B5EF4-FFF2-40B4-BE49-F238E27FC236}">
-                <a16:creationId xmlns:a16="http://schemas.microsoft.com/office/drawing/2014/main" id="{8FA745C0-4AC2-4771-B1C1-AE0DE2CE2D48}"/>
+                <a16:creationId xmlns:a16="http://schemas.microsoft.com/office/drawing/2014/main" id="{187D35C8-3BA3-4721-9139-10681DED6409}"/>
               </a:ext>
             </a:extLst>
           </p:cNvPr>
@@ -27085,22 +27042,17 @@
           <a:p>
             <a:r>
               <a:rPr lang="ru-RU" dirty="0"/>
-              <a:t>Операторы </a:t>
-            </a:r>
-            <a:r>
-              <a:rPr lang="en-US" dirty="0"/>
-              <a:t>Python</a:t>
-            </a:r>
-            <a:endParaRPr lang="ru-RU" dirty="0"/>
+              <a:t>Преобразование типа данных</a:t>
+            </a:r>
           </a:p>
         </p:txBody>
       </p:sp>
       <p:sp>
         <p:nvSpPr>
-          <p:cNvPr id="3" name="Текст 2">
+          <p:cNvPr id="3" name="Объект 2">
             <a:extLst>
               <a:ext uri="{FF2B5EF4-FFF2-40B4-BE49-F238E27FC236}">
-                <a16:creationId xmlns:a16="http://schemas.microsoft.com/office/drawing/2014/main" id="{4470EEC2-F867-4A49-829E-85469A6FE87A}"/>
+                <a16:creationId xmlns:a16="http://schemas.microsoft.com/office/drawing/2014/main" id="{D04C92CB-6E43-437E-AFD9-ADFCC76F75B3}"/>
               </a:ext>
             </a:extLst>
           </p:cNvPr>
@@ -27108,25 +27060,77 @@
             <a:spLocks noGrp="1"/>
           </p:cNvSpPr>
           <p:nvPr>
-            <p:ph type="body" idx="1"/>
+            <p:ph idx="1"/>
           </p:nvPr>
         </p:nvSpPr>
-        <p:spPr/>
+        <p:spPr>
+          <a:xfrm>
+            <a:off x="838200" y="1825624"/>
+            <a:ext cx="10515600" cy="4883519"/>
+          </a:xfrm>
+        </p:spPr>
         <p:txBody>
-          <a:bodyPr/>
+          <a:bodyPr>
+            <a:normAutofit fontScale="92500" lnSpcReduction="10000"/>
+          </a:bodyPr>
           <a:lstStyle/>
           <a:p>
             <a:r>
               <a:rPr lang="ru-RU" dirty="0"/>
-              <a:t>Модуль 4</a:t>
-            </a:r>
+              <a:t>С помощью функции </a:t>
+            </a:r>
+            <a:r>
+              <a:rPr lang="en-US" dirty="0"/>
+              <a:t>input() </a:t>
+            </a:r>
+            <a:r>
+              <a:rPr lang="ru-RU" dirty="0"/>
+              <a:t>введите строку</a:t>
+            </a:r>
+          </a:p>
+          <a:p>
+            <a:r>
+              <a:rPr lang="ru-RU" dirty="0"/>
+              <a:t>Переведите строку в целое число. Обратите внимание на ошибку, которая может возникнуть, если строку нельзя перевести в целое число</a:t>
+            </a:r>
+          </a:p>
+          <a:p>
+            <a:r>
+              <a:rPr lang="ru-RU" dirty="0"/>
+              <a:t>Снова введите строку с помощью функции </a:t>
+            </a:r>
+            <a:r>
+              <a:rPr lang="en-US" dirty="0"/>
+              <a:t>input( )</a:t>
+            </a:r>
+          </a:p>
+          <a:p>
+            <a:r>
+              <a:rPr lang="ru-RU" dirty="0"/>
+              <a:t>Переведите строку в число с плавающей точкой. Обратите внимание на ошибку, которая может возникнуть, если строку нельзя перевести в число с плавающей точкой</a:t>
+            </a:r>
+          </a:p>
+          <a:p>
+            <a:r>
+              <a:rPr lang="ru-RU" dirty="0"/>
+              <a:t>Распечатайте целое число, полученное на втором шаге в двоичном виде</a:t>
+            </a:r>
+          </a:p>
+          <a:p>
+            <a:r>
+              <a:rPr lang="ru-RU" dirty="0"/>
+              <a:t>Распечатайте целое число, полученное на втором шаге в шестнадцатеричном виде</a:t>
+            </a:r>
+          </a:p>
+          <a:p>
+            <a:endParaRPr lang="ru-RU" dirty="0"/>
           </a:p>
         </p:txBody>
       </p:sp>
     </p:spTree>
     <p:extLst>
       <p:ext uri="{BB962C8B-B14F-4D97-AF65-F5344CB8AC3E}">
-        <p14:creationId xmlns:p14="http://schemas.microsoft.com/office/powerpoint/2010/main" val="1277365166"/>
+        <p14:creationId xmlns:p14="http://schemas.microsoft.com/office/powerpoint/2010/main" val="1909734272"/>
       </p:ext>
     </p:extLst>
   </p:cSld>
@@ -27158,6 +27162,97 @@
           <p:cNvPr id="2" name="Заголовок 1">
             <a:extLst>
               <a:ext uri="{FF2B5EF4-FFF2-40B4-BE49-F238E27FC236}">
+                <a16:creationId xmlns:a16="http://schemas.microsoft.com/office/drawing/2014/main" id="{8FA745C0-4AC2-4771-B1C1-AE0DE2CE2D48}"/>
+              </a:ext>
+            </a:extLst>
+          </p:cNvPr>
+          <p:cNvSpPr>
+            <a:spLocks noGrp="1"/>
+          </p:cNvSpPr>
+          <p:nvPr>
+            <p:ph type="title"/>
+          </p:nvPr>
+        </p:nvSpPr>
+        <p:spPr/>
+        <p:txBody>
+          <a:bodyPr/>
+          <a:lstStyle/>
+          <a:p>
+            <a:r>
+              <a:rPr lang="ru-RU" dirty="0"/>
+              <a:t>Операторы </a:t>
+            </a:r>
+            <a:r>
+              <a:rPr lang="en-US" dirty="0"/>
+              <a:t>Python</a:t>
+            </a:r>
+            <a:endParaRPr lang="ru-RU" dirty="0"/>
+          </a:p>
+        </p:txBody>
+      </p:sp>
+      <p:sp>
+        <p:nvSpPr>
+          <p:cNvPr id="3" name="Текст 2">
+            <a:extLst>
+              <a:ext uri="{FF2B5EF4-FFF2-40B4-BE49-F238E27FC236}">
+                <a16:creationId xmlns:a16="http://schemas.microsoft.com/office/drawing/2014/main" id="{4470EEC2-F867-4A49-829E-85469A6FE87A}"/>
+              </a:ext>
+            </a:extLst>
+          </p:cNvPr>
+          <p:cNvSpPr>
+            <a:spLocks noGrp="1"/>
+          </p:cNvSpPr>
+          <p:nvPr>
+            <p:ph type="body" idx="1"/>
+          </p:nvPr>
+        </p:nvSpPr>
+        <p:spPr/>
+        <p:txBody>
+          <a:bodyPr/>
+          <a:lstStyle/>
+          <a:p>
+            <a:r>
+              <a:rPr lang="ru-RU" dirty="0"/>
+              <a:t>Модуль 4</a:t>
+            </a:r>
+          </a:p>
+        </p:txBody>
+      </p:sp>
+    </p:spTree>
+    <p:extLst>
+      <p:ext uri="{BB962C8B-B14F-4D97-AF65-F5344CB8AC3E}">
+        <p14:creationId xmlns:p14="http://schemas.microsoft.com/office/powerpoint/2010/main" val="1277365166"/>
+      </p:ext>
+    </p:extLst>
+  </p:cSld>
+  <p:clrMapOvr>
+    <a:masterClrMapping/>
+  </p:clrMapOvr>
+</p:sld>
+</file>
+
+<file path=ppt/slides/slide68.xml><?xml version="1.0" encoding="utf-8"?>
+<p:sld xmlns:a="http://schemas.openxmlformats.org/drawingml/2006/main" xmlns:r="http://schemas.openxmlformats.org/officeDocument/2006/relationships" xmlns:p="http://schemas.openxmlformats.org/presentationml/2006/main">
+  <p:cSld>
+    <p:spTree>
+      <p:nvGrpSpPr>
+        <p:cNvPr id="1" name=""/>
+        <p:cNvGrpSpPr/>
+        <p:nvPr/>
+      </p:nvGrpSpPr>
+      <p:grpSpPr>
+        <a:xfrm>
+          <a:off x="0" y="0"/>
+          <a:ext cx="0" cy="0"/>
+          <a:chOff x="0" y="0"/>
+          <a:chExt cx="0" cy="0"/>
+        </a:xfrm>
+      </p:grpSpPr>
+      <p:sp>
+        <p:nvSpPr>
+          <p:cNvPr id="2" name="Заголовок 1">
+            <a:extLst>
+              <a:ext uri="{FF2B5EF4-FFF2-40B4-BE49-F238E27FC236}">
                 <a16:creationId xmlns:a16="http://schemas.microsoft.com/office/drawing/2014/main" id="{94BA997D-77DA-4447-BC1C-32C7D7DF54F3}"/>
               </a:ext>
             </a:extLst>
@@ -27275,7 +27370,7 @@
 </p:sld>
 </file>
 
-<file path=ppt/slides/slide68.xml><?xml version="1.0" encoding="utf-8"?>
+<file path=ppt/slides/slide69.xml><?xml version="1.0" encoding="utf-8"?>
 <p:sld xmlns:a="http://schemas.openxmlformats.org/drawingml/2006/main" xmlns:r="http://schemas.openxmlformats.org/officeDocument/2006/relationships" xmlns:p="http://schemas.openxmlformats.org/presentationml/2006/main">
   <p:cSld>
     <p:spTree>
@@ -27601,7 +27696,261 @@
 </p:sld>
 </file>
 
-<file path=ppt/slides/slide69.xml><?xml version="1.0" encoding="utf-8"?>
+<file path=ppt/slides/slide7.xml><?xml version="1.0" encoding="utf-8"?>
+<p:sld xmlns:a="http://schemas.openxmlformats.org/drawingml/2006/main" xmlns:r="http://schemas.openxmlformats.org/officeDocument/2006/relationships" xmlns:p="http://schemas.openxmlformats.org/presentationml/2006/main">
+  <p:cSld>
+    <p:spTree>
+      <p:nvGrpSpPr>
+        <p:cNvPr id="1" name=""/>
+        <p:cNvGrpSpPr/>
+        <p:nvPr/>
+      </p:nvGrpSpPr>
+      <p:grpSpPr>
+        <a:xfrm>
+          <a:off x="0" y="0"/>
+          <a:ext cx="0" cy="0"/>
+          <a:chOff x="0" y="0"/>
+          <a:chExt cx="0" cy="0"/>
+        </a:xfrm>
+      </p:grpSpPr>
+      <p:sp>
+        <p:nvSpPr>
+          <p:cNvPr id="2" name="Заголовок 1">
+            <a:extLst>
+              <a:ext uri="{FF2B5EF4-FFF2-40B4-BE49-F238E27FC236}">
+                <a16:creationId xmlns:a16="http://schemas.microsoft.com/office/drawing/2014/main" id="{2E9699DB-4689-42A0-B4C6-10931F4026D1}"/>
+              </a:ext>
+            </a:extLst>
+          </p:cNvPr>
+          <p:cNvSpPr>
+            <a:spLocks noGrp="1"/>
+          </p:cNvSpPr>
+          <p:nvPr>
+            <p:ph type="title"/>
+          </p:nvPr>
+        </p:nvSpPr>
+        <p:spPr/>
+        <p:txBody>
+          <a:bodyPr/>
+          <a:lstStyle/>
+          <a:p>
+            <a:r>
+              <a:rPr lang="ru-RU" dirty="0"/>
+              <a:t>История </a:t>
+            </a:r>
+            <a:r>
+              <a:rPr lang="en-US" dirty="0"/>
+              <a:t>Python</a:t>
+            </a:r>
+            <a:endParaRPr lang="ru-RU" dirty="0"/>
+          </a:p>
+        </p:txBody>
+      </p:sp>
+      <p:sp>
+        <p:nvSpPr>
+          <p:cNvPr id="3" name="Объект 2">
+            <a:extLst>
+              <a:ext uri="{FF2B5EF4-FFF2-40B4-BE49-F238E27FC236}">
+                <a16:creationId xmlns:a16="http://schemas.microsoft.com/office/drawing/2014/main" id="{848D5F79-3AAD-4F0C-BE10-CF67002CF300}"/>
+              </a:ext>
+            </a:extLst>
+          </p:cNvPr>
+          <p:cNvSpPr>
+            <a:spLocks noGrp="1"/>
+          </p:cNvSpPr>
+          <p:nvPr>
+            <p:ph idx="1"/>
+          </p:nvPr>
+        </p:nvSpPr>
+        <p:spPr/>
+        <p:txBody>
+          <a:bodyPr/>
+          <a:lstStyle/>
+          <a:p>
+            <a:r>
+              <a:rPr lang="ru-RU" b="0" i="0" dirty="0">
+                <a:solidFill>
+                  <a:srgbClr val="202122"/>
+                </a:solidFill>
+                <a:effectLst/>
+                <a:latin typeface="Arial" panose="020B0604020202020204" pitchFamily="34" charset="0"/>
+              </a:rPr>
+              <a:t>В феврале 1991 года Гвидо </a:t>
+            </a:r>
+            <a:r>
+              <a:rPr lang="ru-RU" b="0" i="0" dirty="0" err="1">
+                <a:solidFill>
+                  <a:srgbClr val="202122"/>
+                </a:solidFill>
+                <a:effectLst/>
+                <a:latin typeface="Arial" panose="020B0604020202020204" pitchFamily="34" charset="0"/>
+              </a:rPr>
+              <a:t>ван</a:t>
+            </a:r>
+            <a:r>
+              <a:rPr lang="ru-RU" b="0" i="0" dirty="0">
+                <a:solidFill>
+                  <a:srgbClr val="202122"/>
+                </a:solidFill>
+                <a:effectLst/>
+                <a:latin typeface="Arial" panose="020B0604020202020204" pitchFamily="34" charset="0"/>
+              </a:rPr>
+              <a:t> </a:t>
+            </a:r>
+            <a:r>
+              <a:rPr lang="ru-RU" b="0" i="0" dirty="0" err="1">
+                <a:solidFill>
+                  <a:srgbClr val="202122"/>
+                </a:solidFill>
+                <a:effectLst/>
+                <a:latin typeface="Arial" panose="020B0604020202020204" pitchFamily="34" charset="0"/>
+              </a:rPr>
+              <a:t>Россум</a:t>
+            </a:r>
+            <a:r>
+              <a:rPr lang="ru-RU" b="0" i="0" dirty="0">
+                <a:solidFill>
+                  <a:srgbClr val="202122"/>
+                </a:solidFill>
+                <a:effectLst/>
+                <a:latin typeface="Arial" panose="020B0604020202020204" pitchFamily="34" charset="0"/>
+              </a:rPr>
+              <a:t> опубликовал код </a:t>
+            </a:r>
+            <a:r>
+              <a:rPr lang="ru-RU" b="0" i="0" dirty="0" err="1">
+                <a:solidFill>
+                  <a:srgbClr val="202122"/>
+                </a:solidFill>
+                <a:effectLst/>
+                <a:latin typeface="Arial" panose="020B0604020202020204" pitchFamily="34" charset="0"/>
+              </a:rPr>
+              <a:t>Python</a:t>
+            </a:r>
+            <a:r>
+              <a:rPr lang="ru-RU" b="0" i="0" dirty="0">
+                <a:solidFill>
+                  <a:srgbClr val="202122"/>
+                </a:solidFill>
+                <a:effectLst/>
+                <a:latin typeface="Arial" panose="020B0604020202020204" pitchFamily="34" charset="0"/>
+              </a:rPr>
+              <a:t>, помеченный версией 0.9.0</a:t>
+            </a:r>
+            <a:endParaRPr lang="en-US" b="0" i="0" dirty="0">
+              <a:solidFill>
+                <a:srgbClr val="202122"/>
+              </a:solidFill>
+              <a:effectLst/>
+              <a:latin typeface="Arial" panose="020B0604020202020204" pitchFamily="34" charset="0"/>
+            </a:endParaRPr>
+          </a:p>
+          <a:p>
+            <a:r>
+              <a:rPr lang="ru-RU" b="0" i="0" dirty="0" err="1">
+                <a:solidFill>
+                  <a:srgbClr val="202122"/>
+                </a:solidFill>
+                <a:effectLst/>
+                <a:latin typeface="Arial" panose="020B0604020202020204" pitchFamily="34" charset="0"/>
+              </a:rPr>
+              <a:t>Python</a:t>
+            </a:r>
+            <a:r>
+              <a:rPr lang="ru-RU" b="0" i="0" dirty="0">
+                <a:solidFill>
+                  <a:srgbClr val="202122"/>
+                </a:solidFill>
+                <a:effectLst/>
+                <a:latin typeface="Arial" panose="020B0604020202020204" pitchFamily="34" charset="0"/>
+              </a:rPr>
+              <a:t> 1.0 появился в январе 1994 года. Основными новыми возможностями, включёнными в этот релиз, были средства функционального программирования</a:t>
+            </a:r>
+            <a:endParaRPr lang="en-US" dirty="0">
+              <a:solidFill>
+                <a:srgbClr val="202122"/>
+              </a:solidFill>
+              <a:latin typeface="Arial" panose="020B0604020202020204" pitchFamily="34" charset="0"/>
+            </a:endParaRPr>
+          </a:p>
+          <a:p>
+            <a:r>
+              <a:rPr lang="ru-RU" b="0" i="0" dirty="0">
+                <a:solidFill>
+                  <a:srgbClr val="202122"/>
+                </a:solidFill>
+                <a:effectLst/>
+                <a:latin typeface="Arial" panose="020B0604020202020204" pitchFamily="34" charset="0"/>
+              </a:rPr>
+              <a:t>В ноябре 2014 было объявлено, что </a:t>
+            </a:r>
+            <a:r>
+              <a:rPr lang="ru-RU" b="0" i="0" dirty="0" err="1">
+                <a:solidFill>
+                  <a:srgbClr val="202122"/>
+                </a:solidFill>
+                <a:effectLst/>
+                <a:latin typeface="Arial" panose="020B0604020202020204" pitchFamily="34" charset="0"/>
+              </a:rPr>
+              <a:t>Python</a:t>
+            </a:r>
+            <a:r>
+              <a:rPr lang="ru-RU" b="0" i="0" dirty="0">
+                <a:solidFill>
+                  <a:srgbClr val="202122"/>
+                </a:solidFill>
+                <a:effectLst/>
+                <a:latin typeface="Arial" panose="020B0604020202020204" pitchFamily="34" charset="0"/>
+              </a:rPr>
+              <a:t> 2.7 будет поддерживаться до 2020 года</a:t>
+            </a:r>
+            <a:endParaRPr lang="en-US" b="0" i="0" dirty="0">
+              <a:solidFill>
+                <a:srgbClr val="202122"/>
+              </a:solidFill>
+              <a:effectLst/>
+              <a:latin typeface="Arial" panose="020B0604020202020204" pitchFamily="34" charset="0"/>
+            </a:endParaRPr>
+          </a:p>
+          <a:p>
+            <a:r>
+              <a:rPr lang="ru-RU" b="0" i="0" dirty="0" err="1">
+                <a:solidFill>
+                  <a:srgbClr val="202122"/>
+                </a:solidFill>
+                <a:effectLst/>
+                <a:latin typeface="Arial" panose="020B0604020202020204" pitchFamily="34" charset="0"/>
+              </a:rPr>
+              <a:t>Python</a:t>
+            </a:r>
+            <a:r>
+              <a:rPr lang="ru-RU" b="0" i="0" dirty="0">
+                <a:solidFill>
+                  <a:srgbClr val="202122"/>
+                </a:solidFill>
+                <a:effectLst/>
+                <a:latin typeface="Arial" panose="020B0604020202020204" pitchFamily="34" charset="0"/>
+              </a:rPr>
+              <a:t> 3.0 был выпущен 3 декабря 2008 года</a:t>
+            </a:r>
+            <a:endParaRPr lang="ru-RU" dirty="0"/>
+          </a:p>
+        </p:txBody>
+      </p:sp>
+    </p:spTree>
+    <p:extLst>
+      <p:ext uri="{BB962C8B-B14F-4D97-AF65-F5344CB8AC3E}">
+        <p14:creationId xmlns:p14="http://schemas.microsoft.com/office/powerpoint/2010/main" val="1585202983"/>
+      </p:ext>
+    </p:extLst>
+  </p:cSld>
+  <p:clrMapOvr>
+    <a:masterClrMapping/>
+  </p:clrMapOvr>
+</p:sld>
+</file>
+
+<file path=ppt/slides/slide70.xml><?xml version="1.0" encoding="utf-8"?>
 <p:sld xmlns:a="http://schemas.openxmlformats.org/drawingml/2006/main" xmlns:r="http://schemas.openxmlformats.org/officeDocument/2006/relationships" xmlns:p="http://schemas.openxmlformats.org/presentationml/2006/main">
   <p:cSld>
     <p:spTree>
@@ -28207,261 +28556,7 @@
 </p:sld>
 </file>
 
-<file path=ppt/slides/slide7.xml><?xml version="1.0" encoding="utf-8"?>
-<p:sld xmlns:a="http://schemas.openxmlformats.org/drawingml/2006/main" xmlns:r="http://schemas.openxmlformats.org/officeDocument/2006/relationships" xmlns:p="http://schemas.openxmlformats.org/presentationml/2006/main">
-  <p:cSld>
-    <p:spTree>
-      <p:nvGrpSpPr>
-        <p:cNvPr id="1" name=""/>
-        <p:cNvGrpSpPr/>
-        <p:nvPr/>
-      </p:nvGrpSpPr>
-      <p:grpSpPr>
-        <a:xfrm>
-          <a:off x="0" y="0"/>
-          <a:ext cx="0" cy="0"/>
-          <a:chOff x="0" y="0"/>
-          <a:chExt cx="0" cy="0"/>
-        </a:xfrm>
-      </p:grpSpPr>
-      <p:sp>
-        <p:nvSpPr>
-          <p:cNvPr id="2" name="Заголовок 1">
-            <a:extLst>
-              <a:ext uri="{FF2B5EF4-FFF2-40B4-BE49-F238E27FC236}">
-                <a16:creationId xmlns:a16="http://schemas.microsoft.com/office/drawing/2014/main" id="{2E9699DB-4689-42A0-B4C6-10931F4026D1}"/>
-              </a:ext>
-            </a:extLst>
-          </p:cNvPr>
-          <p:cNvSpPr>
-            <a:spLocks noGrp="1"/>
-          </p:cNvSpPr>
-          <p:nvPr>
-            <p:ph type="title"/>
-          </p:nvPr>
-        </p:nvSpPr>
-        <p:spPr/>
-        <p:txBody>
-          <a:bodyPr/>
-          <a:lstStyle/>
-          <a:p>
-            <a:r>
-              <a:rPr lang="ru-RU" dirty="0"/>
-              <a:t>История </a:t>
-            </a:r>
-            <a:r>
-              <a:rPr lang="en-US" dirty="0"/>
-              <a:t>Python</a:t>
-            </a:r>
-            <a:endParaRPr lang="ru-RU" dirty="0"/>
-          </a:p>
-        </p:txBody>
-      </p:sp>
-      <p:sp>
-        <p:nvSpPr>
-          <p:cNvPr id="3" name="Объект 2">
-            <a:extLst>
-              <a:ext uri="{FF2B5EF4-FFF2-40B4-BE49-F238E27FC236}">
-                <a16:creationId xmlns:a16="http://schemas.microsoft.com/office/drawing/2014/main" id="{848D5F79-3AAD-4F0C-BE10-CF67002CF300}"/>
-              </a:ext>
-            </a:extLst>
-          </p:cNvPr>
-          <p:cNvSpPr>
-            <a:spLocks noGrp="1"/>
-          </p:cNvSpPr>
-          <p:nvPr>
-            <p:ph idx="1"/>
-          </p:nvPr>
-        </p:nvSpPr>
-        <p:spPr/>
-        <p:txBody>
-          <a:bodyPr/>
-          <a:lstStyle/>
-          <a:p>
-            <a:r>
-              <a:rPr lang="ru-RU" b="0" i="0" dirty="0">
-                <a:solidFill>
-                  <a:srgbClr val="202122"/>
-                </a:solidFill>
-                <a:effectLst/>
-                <a:latin typeface="Arial" panose="020B0604020202020204" pitchFamily="34" charset="0"/>
-              </a:rPr>
-              <a:t>В феврале 1991 года Гвидо </a:t>
-            </a:r>
-            <a:r>
-              <a:rPr lang="ru-RU" b="0" i="0" dirty="0" err="1">
-                <a:solidFill>
-                  <a:srgbClr val="202122"/>
-                </a:solidFill>
-                <a:effectLst/>
-                <a:latin typeface="Arial" panose="020B0604020202020204" pitchFamily="34" charset="0"/>
-              </a:rPr>
-              <a:t>ван</a:t>
-            </a:r>
-            <a:r>
-              <a:rPr lang="ru-RU" b="0" i="0" dirty="0">
-                <a:solidFill>
-                  <a:srgbClr val="202122"/>
-                </a:solidFill>
-                <a:effectLst/>
-                <a:latin typeface="Arial" panose="020B0604020202020204" pitchFamily="34" charset="0"/>
-              </a:rPr>
-              <a:t> </a:t>
-            </a:r>
-            <a:r>
-              <a:rPr lang="ru-RU" b="0" i="0" dirty="0" err="1">
-                <a:solidFill>
-                  <a:srgbClr val="202122"/>
-                </a:solidFill>
-                <a:effectLst/>
-                <a:latin typeface="Arial" panose="020B0604020202020204" pitchFamily="34" charset="0"/>
-              </a:rPr>
-              <a:t>Россум</a:t>
-            </a:r>
-            <a:r>
-              <a:rPr lang="ru-RU" b="0" i="0" dirty="0">
-                <a:solidFill>
-                  <a:srgbClr val="202122"/>
-                </a:solidFill>
-                <a:effectLst/>
-                <a:latin typeface="Arial" panose="020B0604020202020204" pitchFamily="34" charset="0"/>
-              </a:rPr>
-              <a:t> опубликовал код </a:t>
-            </a:r>
-            <a:r>
-              <a:rPr lang="ru-RU" b="0" i="0" dirty="0" err="1">
-                <a:solidFill>
-                  <a:srgbClr val="202122"/>
-                </a:solidFill>
-                <a:effectLst/>
-                <a:latin typeface="Arial" panose="020B0604020202020204" pitchFamily="34" charset="0"/>
-              </a:rPr>
-              <a:t>Python</a:t>
-            </a:r>
-            <a:r>
-              <a:rPr lang="ru-RU" b="0" i="0" dirty="0">
-                <a:solidFill>
-                  <a:srgbClr val="202122"/>
-                </a:solidFill>
-                <a:effectLst/>
-                <a:latin typeface="Arial" panose="020B0604020202020204" pitchFamily="34" charset="0"/>
-              </a:rPr>
-              <a:t>, помеченный версией 0.9.0</a:t>
-            </a:r>
-            <a:endParaRPr lang="en-US" b="0" i="0" dirty="0">
-              <a:solidFill>
-                <a:srgbClr val="202122"/>
-              </a:solidFill>
-              <a:effectLst/>
-              <a:latin typeface="Arial" panose="020B0604020202020204" pitchFamily="34" charset="0"/>
-            </a:endParaRPr>
-          </a:p>
-          <a:p>
-            <a:r>
-              <a:rPr lang="ru-RU" b="0" i="0" dirty="0" err="1">
-                <a:solidFill>
-                  <a:srgbClr val="202122"/>
-                </a:solidFill>
-                <a:effectLst/>
-                <a:latin typeface="Arial" panose="020B0604020202020204" pitchFamily="34" charset="0"/>
-              </a:rPr>
-              <a:t>Python</a:t>
-            </a:r>
-            <a:r>
-              <a:rPr lang="ru-RU" b="0" i="0" dirty="0">
-                <a:solidFill>
-                  <a:srgbClr val="202122"/>
-                </a:solidFill>
-                <a:effectLst/>
-                <a:latin typeface="Arial" panose="020B0604020202020204" pitchFamily="34" charset="0"/>
-              </a:rPr>
-              <a:t> 1.0 появился в январе 1994 года. Основными новыми возможностями, включёнными в этот релиз, были средства функционального программирования</a:t>
-            </a:r>
-            <a:endParaRPr lang="en-US" dirty="0">
-              <a:solidFill>
-                <a:srgbClr val="202122"/>
-              </a:solidFill>
-              <a:latin typeface="Arial" panose="020B0604020202020204" pitchFamily="34" charset="0"/>
-            </a:endParaRPr>
-          </a:p>
-          <a:p>
-            <a:r>
-              <a:rPr lang="ru-RU" b="0" i="0" dirty="0">
-                <a:solidFill>
-                  <a:srgbClr val="202122"/>
-                </a:solidFill>
-                <a:effectLst/>
-                <a:latin typeface="Arial" panose="020B0604020202020204" pitchFamily="34" charset="0"/>
-              </a:rPr>
-              <a:t>В ноябре 2014 было объявлено, что </a:t>
-            </a:r>
-            <a:r>
-              <a:rPr lang="ru-RU" b="0" i="0" dirty="0" err="1">
-                <a:solidFill>
-                  <a:srgbClr val="202122"/>
-                </a:solidFill>
-                <a:effectLst/>
-                <a:latin typeface="Arial" panose="020B0604020202020204" pitchFamily="34" charset="0"/>
-              </a:rPr>
-              <a:t>Python</a:t>
-            </a:r>
-            <a:r>
-              <a:rPr lang="ru-RU" b="0" i="0" dirty="0">
-                <a:solidFill>
-                  <a:srgbClr val="202122"/>
-                </a:solidFill>
-                <a:effectLst/>
-                <a:latin typeface="Arial" panose="020B0604020202020204" pitchFamily="34" charset="0"/>
-              </a:rPr>
-              <a:t> 2.7 будет поддерживаться до 2020 года</a:t>
-            </a:r>
-            <a:endParaRPr lang="en-US" b="0" i="0" dirty="0">
-              <a:solidFill>
-                <a:srgbClr val="202122"/>
-              </a:solidFill>
-              <a:effectLst/>
-              <a:latin typeface="Arial" panose="020B0604020202020204" pitchFamily="34" charset="0"/>
-            </a:endParaRPr>
-          </a:p>
-          <a:p>
-            <a:r>
-              <a:rPr lang="ru-RU" b="0" i="0" dirty="0" err="1">
-                <a:solidFill>
-                  <a:srgbClr val="202122"/>
-                </a:solidFill>
-                <a:effectLst/>
-                <a:latin typeface="Arial" panose="020B0604020202020204" pitchFamily="34" charset="0"/>
-              </a:rPr>
-              <a:t>Python</a:t>
-            </a:r>
-            <a:r>
-              <a:rPr lang="ru-RU" b="0" i="0" dirty="0">
-                <a:solidFill>
-                  <a:srgbClr val="202122"/>
-                </a:solidFill>
-                <a:effectLst/>
-                <a:latin typeface="Arial" panose="020B0604020202020204" pitchFamily="34" charset="0"/>
-              </a:rPr>
-              <a:t> 3.0 был выпущен 3 декабря 2008 года</a:t>
-            </a:r>
-            <a:endParaRPr lang="ru-RU" dirty="0"/>
-          </a:p>
-        </p:txBody>
-      </p:sp>
-    </p:spTree>
-    <p:extLst>
-      <p:ext uri="{BB962C8B-B14F-4D97-AF65-F5344CB8AC3E}">
-        <p14:creationId xmlns:p14="http://schemas.microsoft.com/office/powerpoint/2010/main" val="1585202983"/>
-      </p:ext>
-    </p:extLst>
-  </p:cSld>
-  <p:clrMapOvr>
-    <a:masterClrMapping/>
-  </p:clrMapOvr>
-</p:sld>
-</file>
-
-<file path=ppt/slides/slide70.xml><?xml version="1.0" encoding="utf-8"?>
+<file path=ppt/slides/slide71.xml><?xml version="1.0" encoding="utf-8"?>
 <p:sld xmlns:a="http://schemas.openxmlformats.org/drawingml/2006/main" xmlns:r="http://schemas.openxmlformats.org/officeDocument/2006/relationships" xmlns:p="http://schemas.openxmlformats.org/presentationml/2006/main">
   <p:cSld>
     <p:spTree>
@@ -28807,7 +28902,7 @@
 </p:sld>
 </file>
 
-<file path=ppt/slides/slide71.xml><?xml version="1.0" encoding="utf-8"?>
+<file path=ppt/slides/slide72.xml><?xml version="1.0" encoding="utf-8"?>
 <p:sld xmlns:a="http://schemas.openxmlformats.org/drawingml/2006/main" xmlns:r="http://schemas.openxmlformats.org/officeDocument/2006/relationships" xmlns:p="http://schemas.openxmlformats.org/presentationml/2006/main">
   <p:cSld>
     <p:spTree>
@@ -29133,7 +29228,7 @@
 </p:sld>
 </file>
 
-<file path=ppt/slides/slide72.xml><?xml version="1.0" encoding="utf-8"?>
+<file path=ppt/slides/slide73.xml><?xml version="1.0" encoding="utf-8"?>
 <p:sld xmlns:a="http://schemas.openxmlformats.org/drawingml/2006/main" xmlns:r="http://schemas.openxmlformats.org/officeDocument/2006/relationships" xmlns:p="http://schemas.openxmlformats.org/presentationml/2006/main">
   <p:cSld>
     <p:spTree>
@@ -29654,7 +29749,7 @@
 </p:sld>
 </file>
 
-<file path=ppt/slides/slide73.xml><?xml version="1.0" encoding="utf-8"?>
+<file path=ppt/slides/slide74.xml><?xml version="1.0" encoding="utf-8"?>
 <p:sld xmlns:a="http://schemas.openxmlformats.org/drawingml/2006/main" xmlns:r="http://schemas.openxmlformats.org/officeDocument/2006/relationships" xmlns:p="http://schemas.openxmlformats.org/presentationml/2006/main">
   <p:cSld>
     <p:spTree>
@@ -30041,198 +30136,6 @@
 </p:sld>
 </file>
 
-<file path=ppt/slides/slide74.xml><?xml version="1.0" encoding="utf-8"?>
-<p:sld xmlns:a="http://schemas.openxmlformats.org/drawingml/2006/main" xmlns:r="http://schemas.openxmlformats.org/officeDocument/2006/relationships" xmlns:p="http://schemas.openxmlformats.org/presentationml/2006/main">
-  <p:cSld>
-    <p:spTree>
-      <p:nvGrpSpPr>
-        <p:cNvPr id="1" name=""/>
-        <p:cNvGrpSpPr/>
-        <p:nvPr/>
-      </p:nvGrpSpPr>
-      <p:grpSpPr>
-        <a:xfrm>
-          <a:off x="0" y="0"/>
-          <a:ext cx="0" cy="0"/>
-          <a:chOff x="0" y="0"/>
-          <a:chExt cx="0" cy="0"/>
-        </a:xfrm>
-      </p:grpSpPr>
-      <p:sp>
-        <p:nvSpPr>
-          <p:cNvPr id="2" name="Заголовок 1">
-            <a:extLst>
-              <a:ext uri="{FF2B5EF4-FFF2-40B4-BE49-F238E27FC236}">
-                <a16:creationId xmlns:a16="http://schemas.microsoft.com/office/drawing/2014/main" id="{CDF86B11-7BCE-48FE-8670-CE4D3A68F10E}"/>
-              </a:ext>
-            </a:extLst>
-          </p:cNvPr>
-          <p:cNvSpPr>
-            <a:spLocks noGrp="1"/>
-          </p:cNvSpPr>
-          <p:nvPr>
-            <p:ph type="title"/>
-          </p:nvPr>
-        </p:nvSpPr>
-        <p:spPr/>
-        <p:txBody>
-          <a:bodyPr/>
-          <a:lstStyle/>
-          <a:p>
-            <a:r>
-              <a:rPr lang="ru-RU" dirty="0"/>
-              <a:t>Операторы перехода </a:t>
-            </a:r>
-            <a:r>
-              <a:rPr lang="en-US" dirty="0"/>
-              <a:t>break </a:t>
-            </a:r>
-            <a:r>
-              <a:rPr lang="ru-RU" dirty="0"/>
-              <a:t>и </a:t>
-            </a:r>
-            <a:r>
-              <a:rPr lang="en-US" dirty="0"/>
-              <a:t>continue</a:t>
-            </a:r>
-            <a:endParaRPr lang="ru-RU" dirty="0"/>
-          </a:p>
-        </p:txBody>
-      </p:sp>
-      <p:sp>
-        <p:nvSpPr>
-          <p:cNvPr id="3" name="Объект 2">
-            <a:extLst>
-              <a:ext uri="{FF2B5EF4-FFF2-40B4-BE49-F238E27FC236}">
-                <a16:creationId xmlns:a16="http://schemas.microsoft.com/office/drawing/2014/main" id="{5B0907C1-70EF-468D-B180-452059B2D840}"/>
-              </a:ext>
-            </a:extLst>
-          </p:cNvPr>
-          <p:cNvSpPr>
-            <a:spLocks noGrp="1"/>
-          </p:cNvSpPr>
-          <p:nvPr>
-            <p:ph idx="1"/>
-          </p:nvPr>
-        </p:nvSpPr>
-        <p:spPr/>
-        <p:txBody>
-          <a:bodyPr/>
-          <a:lstStyle/>
-          <a:p>
-            <a:r>
-              <a:rPr lang="ru-RU" dirty="0"/>
-              <a:t>Оператор </a:t>
-            </a:r>
-            <a:r>
-              <a:rPr lang="en-US" b="1" dirty="0"/>
-              <a:t>break</a:t>
-            </a:r>
-            <a:r>
-              <a:rPr lang="en-US" dirty="0"/>
-              <a:t> </a:t>
-            </a:r>
-            <a:r>
-              <a:rPr lang="ru-RU" dirty="0"/>
-              <a:t>немедленно прерывает цикл и передает управление оператору следующему за циклом</a:t>
-            </a:r>
-          </a:p>
-          <a:p>
-            <a:r>
-              <a:rPr lang="ru-RU" dirty="0"/>
-              <a:t>При срабатывании оператора </a:t>
-            </a:r>
-            <a:r>
-              <a:rPr lang="en-US" b="1" dirty="0"/>
-              <a:t>break</a:t>
-            </a:r>
-            <a:r>
-              <a:rPr lang="ru-RU" dirty="0"/>
-              <a:t>, часть </a:t>
-            </a:r>
-            <a:r>
-              <a:rPr lang="en-US" i="1" dirty="0"/>
-              <a:t>else</a:t>
-            </a:r>
-            <a:r>
-              <a:rPr lang="ru-RU" dirty="0"/>
-              <a:t>, если она присутствует в операторах </a:t>
-            </a:r>
-            <a:r>
-              <a:rPr lang="en-US" i="1" dirty="0"/>
-              <a:t>while</a:t>
-            </a:r>
-            <a:r>
-              <a:rPr lang="en-US" dirty="0"/>
-              <a:t> </a:t>
-            </a:r>
-            <a:r>
-              <a:rPr lang="ru-RU" dirty="0"/>
-              <a:t>или </a:t>
-            </a:r>
-            <a:r>
-              <a:rPr lang="en-US" i="1" dirty="0"/>
-              <a:t>for</a:t>
-            </a:r>
-            <a:r>
-              <a:rPr lang="en-US" dirty="0"/>
-              <a:t> </a:t>
-            </a:r>
-            <a:r>
-              <a:rPr lang="ru-RU" dirty="0"/>
-              <a:t>не выполняется</a:t>
-            </a:r>
-          </a:p>
-          <a:p>
-            <a:r>
-              <a:rPr lang="ru-RU" dirty="0"/>
-              <a:t>Оператор </a:t>
-            </a:r>
-            <a:r>
-              <a:rPr lang="en-US" b="1" dirty="0"/>
-              <a:t>continue</a:t>
-            </a:r>
-            <a:r>
-              <a:rPr lang="en-US" dirty="0"/>
-              <a:t> </a:t>
-            </a:r>
-            <a:r>
-              <a:rPr lang="ru-RU" dirty="0"/>
-              <a:t>позволяет досрочно завершить блок цикла и перейти к повторной итерации при соблюдении условия в </a:t>
-            </a:r>
-            <a:r>
-              <a:rPr lang="en-US" i="1" dirty="0"/>
-              <a:t>while</a:t>
-            </a:r>
-            <a:r>
-              <a:rPr lang="en-US" dirty="0"/>
-              <a:t> </a:t>
-            </a:r>
-            <a:r>
-              <a:rPr lang="ru-RU" dirty="0"/>
-              <a:t>и существовании очередного элемента контейнера в цикле </a:t>
-            </a:r>
-            <a:r>
-              <a:rPr lang="en-US" i="1" dirty="0"/>
-              <a:t>for</a:t>
-            </a:r>
-            <a:endParaRPr lang="ru-RU" i="1" dirty="0"/>
-          </a:p>
-        </p:txBody>
-      </p:sp>
-    </p:spTree>
-    <p:extLst>
-      <p:ext uri="{BB962C8B-B14F-4D97-AF65-F5344CB8AC3E}">
-        <p14:creationId xmlns:p14="http://schemas.microsoft.com/office/powerpoint/2010/main" val="3466538317"/>
-      </p:ext>
-    </p:extLst>
-  </p:cSld>
-  <p:clrMapOvr>
-    <a:masterClrMapping/>
-  </p:clrMapOvr>
-</p:sld>
-</file>
-
 <file path=ppt/slides/slide75.xml><?xml version="1.0" encoding="utf-8"?>
 <p:sld xmlns:a="http://schemas.openxmlformats.org/drawingml/2006/main" xmlns:r="http://schemas.openxmlformats.org/officeDocument/2006/relationships" xmlns:p="http://schemas.openxmlformats.org/presentationml/2006/main">
   <p:cSld>
@@ -30255,7 +30158,7 @@
           <p:cNvPr id="2" name="Заголовок 1">
             <a:extLst>
               <a:ext uri="{FF2B5EF4-FFF2-40B4-BE49-F238E27FC236}">
-                <a16:creationId xmlns:a16="http://schemas.microsoft.com/office/drawing/2014/main" id="{193D5B6E-0C18-43C1-902C-CCB56F1B963F}"/>
+                <a16:creationId xmlns:a16="http://schemas.microsoft.com/office/drawing/2014/main" id="{CDF86B11-7BCE-48FE-8670-CE4D3A68F10E}"/>
               </a:ext>
             </a:extLst>
           </p:cNvPr>
@@ -30273,8 +30176,21 @@
           <a:p>
             <a:r>
               <a:rPr lang="ru-RU" dirty="0"/>
-              <a:t>Элементарные операции с логикой ветвления</a:t>
-            </a:r>
+              <a:t>Операторы перехода </a:t>
+            </a:r>
+            <a:r>
+              <a:rPr lang="en-US" dirty="0"/>
+              <a:t>break </a:t>
+            </a:r>
+            <a:r>
+              <a:rPr lang="ru-RU" dirty="0"/>
+              <a:t>и </a:t>
+            </a:r>
+            <a:r>
+              <a:rPr lang="en-US" dirty="0"/>
+              <a:t>continue</a:t>
+            </a:r>
+            <a:endParaRPr lang="ru-RU" dirty="0"/>
           </a:p>
         </p:txBody>
       </p:sp>
@@ -30283,7 +30199,7 @@
           <p:cNvPr id="3" name="Объект 2">
             <a:extLst>
               <a:ext uri="{FF2B5EF4-FFF2-40B4-BE49-F238E27FC236}">
-                <a16:creationId xmlns:a16="http://schemas.microsoft.com/office/drawing/2014/main" id="{0D156E39-B370-4977-9DE9-E13E07529FFF}"/>
+                <a16:creationId xmlns:a16="http://schemas.microsoft.com/office/drawing/2014/main" id="{5B0907C1-70EF-468D-B180-452059B2D840}"/>
               </a:ext>
             </a:extLst>
           </p:cNvPr>
@@ -30301,67 +30217,108 @@
           <a:p>
             <a:r>
               <a:rPr lang="ru-RU" dirty="0"/>
-              <a:t>Организуйте ввод чисел с помощью конструкции </a:t>
+              <a:t>Оператор </a:t>
+            </a:r>
+            <a:r>
+              <a:rPr lang="en-US" b="1" dirty="0"/>
+              <a:t>break</a:t>
             </a:r>
             <a:r>
               <a:rPr lang="en-US" dirty="0"/>
-              <a:t>x = int(input(‘&gt;’)) </a:t>
-            </a:r>
-          </a:p>
-          <a:p>
+              <a:t> </a:t>
+            </a:r>
             <a:r>
               <a:rPr lang="ru-RU" dirty="0"/>
-              <a:t>Пользователь вводит числа, пока очередным числом не будет «0»</a:t>
+              <a:t>немедленно прерывает цикл и передает управление оператору следующему за циклом</a:t>
             </a:r>
           </a:p>
           <a:p>
             <a:r>
               <a:rPr lang="ru-RU" dirty="0"/>
-              <a:t>Используя цикл </a:t>
+              <a:t>При срабатывании оператора </a:t>
+            </a:r>
+            <a:r>
+              <a:rPr lang="en-US" b="1" dirty="0"/>
+              <a:t>break</a:t>
+            </a:r>
+            <a:r>
+              <a:rPr lang="ru-RU" dirty="0"/>
+              <a:t>, часть </a:t>
+            </a:r>
+            <a:r>
+              <a:rPr lang="en-US" i="1" dirty="0"/>
+              <a:t>else</a:t>
+            </a:r>
+            <a:r>
+              <a:rPr lang="ru-RU" dirty="0"/>
+              <a:t>, если она присутствует в операторах </a:t>
+            </a:r>
+            <a:r>
+              <a:rPr lang="en-US" i="1" dirty="0"/>
+              <a:t>while</a:t>
             </a:r>
             <a:r>
               <a:rPr lang="en-US" dirty="0"/>
-              <a:t>while </a:t>
+              <a:t> </a:t>
             </a:r>
             <a:r>
               <a:rPr lang="ru-RU" dirty="0"/>
-              <a:t>посчитайте сумму введенных чисел</a:t>
-            </a:r>
-          </a:p>
-          <a:p>
+              <a:t>или </a:t>
+            </a:r>
+            <a:r>
+              <a:rPr lang="en-US" i="1" dirty="0"/>
+              <a:t>for</a:t>
+            </a:r>
+            <a:r>
+              <a:rPr lang="en-US" dirty="0"/>
+              <a:t> </a:t>
+            </a:r>
             <a:r>
               <a:rPr lang="ru-RU" dirty="0"/>
-              <a:t>Используя цикл </a:t>
+              <a:t>не выполняется</a:t>
+            </a:r>
+          </a:p>
+          <a:p>
+            <a:r>
+              <a:rPr lang="ru-RU" dirty="0"/>
+              <a:t>Оператор </a:t>
+            </a:r>
+            <a:r>
+              <a:rPr lang="en-US" b="1" dirty="0"/>
+              <a:t>continue</a:t>
             </a:r>
             <a:r>
               <a:rPr lang="en-US" dirty="0"/>
-              <a:t>for </a:t>
+              <a:t> </a:t>
             </a:r>
             <a:r>
               <a:rPr lang="ru-RU" dirty="0"/>
-              <a:t>посчитайте произведение введенных чисел</a:t>
-            </a:r>
-          </a:p>
-          <a:p>
+              <a:t>позволяет досрочно завершить блок цикла и перейти к повторной итерации при соблюдении условия в </a:t>
+            </a:r>
+            <a:r>
+              <a:rPr lang="en-US" i="1" dirty="0"/>
+              <a:t>while</a:t>
+            </a:r>
+            <a:r>
+              <a:rPr lang="en-US" dirty="0"/>
+              <a:t> </a:t>
+            </a:r>
             <a:r>
               <a:rPr lang="ru-RU" dirty="0"/>
-              <a:t>Используя оператор </a:t>
-            </a:r>
-            <a:r>
-              <a:rPr lang="en-US" dirty="0"/>
-              <a:t>if </a:t>
-            </a:r>
-            <a:r>
-              <a:rPr lang="ru-RU" dirty="0"/>
-              <a:t>исключите из подсчета сумму в циклах нечетные числа</a:t>
-            </a:r>
+              <a:t>и существовании очередного элемента контейнера в цикле </a:t>
+            </a:r>
+            <a:r>
+              <a:rPr lang="en-US" i="1" dirty="0"/>
+              <a:t>for</a:t>
+            </a:r>
+            <a:endParaRPr lang="ru-RU" i="1" dirty="0"/>
           </a:p>
         </p:txBody>
       </p:sp>
     </p:spTree>
     <p:extLst>
       <p:ext uri="{BB962C8B-B14F-4D97-AF65-F5344CB8AC3E}">
-        <p14:creationId xmlns:p14="http://schemas.microsoft.com/office/powerpoint/2010/main" val="4002637206"/>
+        <p14:creationId xmlns:p14="http://schemas.microsoft.com/office/powerpoint/2010/main" val="3466538317"/>
       </p:ext>
     </p:extLst>
   </p:cSld>
@@ -30393,7 +30350,7 @@
           <p:cNvPr id="2" name="Заголовок 1">
             <a:extLst>
               <a:ext uri="{FF2B5EF4-FFF2-40B4-BE49-F238E27FC236}">
-                <a16:creationId xmlns:a16="http://schemas.microsoft.com/office/drawing/2014/main" id="{8EF8096A-4C51-4B82-8E44-39942205C264}"/>
+                <a16:creationId xmlns:a16="http://schemas.microsoft.com/office/drawing/2014/main" id="{193D5B6E-0C18-43C1-902C-CCB56F1B963F}"/>
               </a:ext>
             </a:extLst>
           </p:cNvPr>
@@ -30411,17 +30368,17 @@
           <a:p>
             <a:r>
               <a:rPr lang="ru-RU" dirty="0"/>
-              <a:t>Функции</a:t>
+              <a:t>Элементарные операции с логикой ветвления</a:t>
             </a:r>
           </a:p>
         </p:txBody>
       </p:sp>
       <p:sp>
         <p:nvSpPr>
-          <p:cNvPr id="3" name="Текст 2">
+          <p:cNvPr id="3" name="Объект 2">
             <a:extLst>
               <a:ext uri="{FF2B5EF4-FFF2-40B4-BE49-F238E27FC236}">
-                <a16:creationId xmlns:a16="http://schemas.microsoft.com/office/drawing/2014/main" id="{6F6550D9-7193-4092-8E1D-C2685FDC3375}"/>
+                <a16:creationId xmlns:a16="http://schemas.microsoft.com/office/drawing/2014/main" id="{0D156E39-B370-4977-9DE9-E13E07529FFF}"/>
               </a:ext>
             </a:extLst>
           </p:cNvPr>
@@ -30429,7 +30386,7 @@
             <a:spLocks noGrp="1"/>
           </p:cNvSpPr>
           <p:nvPr>
-            <p:ph type="body" idx="1"/>
+            <p:ph idx="1"/>
           </p:nvPr>
         </p:nvSpPr>
         <p:spPr/>
@@ -30439,7 +30396,59 @@
           <a:p>
             <a:r>
               <a:rPr lang="ru-RU" dirty="0"/>
-              <a:t>Модуль 5</a:t>
+              <a:t>Организуйте ввод чисел с помощью конструкции </a:t>
+            </a:r>
+            <a:r>
+              <a:rPr lang="en-US" dirty="0"/>
+              <a:t>x = int(input(‘&gt;’)) </a:t>
+            </a:r>
+          </a:p>
+          <a:p>
+            <a:r>
+              <a:rPr lang="ru-RU" dirty="0"/>
+              <a:t>Пользователь вводит числа, пока очередным числом не будет «0»</a:t>
+            </a:r>
+          </a:p>
+          <a:p>
+            <a:r>
+              <a:rPr lang="ru-RU" dirty="0"/>
+              <a:t>Используя цикл </a:t>
+            </a:r>
+            <a:r>
+              <a:rPr lang="en-US" dirty="0"/>
+              <a:t>while </a:t>
+            </a:r>
+            <a:r>
+              <a:rPr lang="ru-RU" dirty="0"/>
+              <a:t>посчитайте сумму введенных чисел</a:t>
+            </a:r>
+          </a:p>
+          <a:p>
+            <a:r>
+              <a:rPr lang="ru-RU" dirty="0"/>
+              <a:t>Используя цикл </a:t>
+            </a:r>
+            <a:r>
+              <a:rPr lang="en-US" dirty="0"/>
+              <a:t>for </a:t>
+            </a:r>
+            <a:r>
+              <a:rPr lang="ru-RU" dirty="0"/>
+              <a:t>посчитайте произведение введенных чисел</a:t>
+            </a:r>
+          </a:p>
+          <a:p>
+            <a:r>
+              <a:rPr lang="ru-RU" dirty="0"/>
+              <a:t>Используя оператор </a:t>
+            </a:r>
+            <a:r>
+              <a:rPr lang="en-US" dirty="0"/>
+              <a:t>if </a:t>
+            </a:r>
+            <a:r>
+              <a:rPr lang="ru-RU" dirty="0"/>
+              <a:t>исключите из подсчета сумму в циклах нечетные числа</a:t>
             </a:r>
           </a:p>
         </p:txBody>
@@ -30447,7 +30456,7 @@
     </p:spTree>
     <p:extLst>
       <p:ext uri="{BB962C8B-B14F-4D97-AF65-F5344CB8AC3E}">
-        <p14:creationId xmlns:p14="http://schemas.microsoft.com/office/powerpoint/2010/main" val="3118658722"/>
+        <p14:creationId xmlns:p14="http://schemas.microsoft.com/office/powerpoint/2010/main" val="4002637206"/>
       </p:ext>
     </p:extLst>
   </p:cSld>
@@ -30479,6 +30488,92 @@
           <p:cNvPr id="2" name="Заголовок 1">
             <a:extLst>
               <a:ext uri="{FF2B5EF4-FFF2-40B4-BE49-F238E27FC236}">
+                <a16:creationId xmlns:a16="http://schemas.microsoft.com/office/drawing/2014/main" id="{8EF8096A-4C51-4B82-8E44-39942205C264}"/>
+              </a:ext>
+            </a:extLst>
+          </p:cNvPr>
+          <p:cNvSpPr>
+            <a:spLocks noGrp="1"/>
+          </p:cNvSpPr>
+          <p:nvPr>
+            <p:ph type="title"/>
+          </p:nvPr>
+        </p:nvSpPr>
+        <p:spPr/>
+        <p:txBody>
+          <a:bodyPr/>
+          <a:lstStyle/>
+          <a:p>
+            <a:r>
+              <a:rPr lang="ru-RU" dirty="0"/>
+              <a:t>Функции</a:t>
+            </a:r>
+          </a:p>
+        </p:txBody>
+      </p:sp>
+      <p:sp>
+        <p:nvSpPr>
+          <p:cNvPr id="3" name="Текст 2">
+            <a:extLst>
+              <a:ext uri="{FF2B5EF4-FFF2-40B4-BE49-F238E27FC236}">
+                <a16:creationId xmlns:a16="http://schemas.microsoft.com/office/drawing/2014/main" id="{6F6550D9-7193-4092-8E1D-C2685FDC3375}"/>
+              </a:ext>
+            </a:extLst>
+          </p:cNvPr>
+          <p:cNvSpPr>
+            <a:spLocks noGrp="1"/>
+          </p:cNvSpPr>
+          <p:nvPr>
+            <p:ph type="body" idx="1"/>
+          </p:nvPr>
+        </p:nvSpPr>
+        <p:spPr/>
+        <p:txBody>
+          <a:bodyPr/>
+          <a:lstStyle/>
+          <a:p>
+            <a:r>
+              <a:rPr lang="ru-RU" dirty="0"/>
+              <a:t>Модуль 5</a:t>
+            </a:r>
+          </a:p>
+        </p:txBody>
+      </p:sp>
+    </p:spTree>
+    <p:extLst>
+      <p:ext uri="{BB962C8B-B14F-4D97-AF65-F5344CB8AC3E}">
+        <p14:creationId xmlns:p14="http://schemas.microsoft.com/office/powerpoint/2010/main" val="3118658722"/>
+      </p:ext>
+    </p:extLst>
+  </p:cSld>
+  <p:clrMapOvr>
+    <a:masterClrMapping/>
+  </p:clrMapOvr>
+</p:sld>
+</file>
+
+<file path=ppt/slides/slide78.xml><?xml version="1.0" encoding="utf-8"?>
+<p:sld xmlns:a="http://schemas.openxmlformats.org/drawingml/2006/main" xmlns:r="http://schemas.openxmlformats.org/officeDocument/2006/relationships" xmlns:p="http://schemas.openxmlformats.org/presentationml/2006/main">
+  <p:cSld>
+    <p:spTree>
+      <p:nvGrpSpPr>
+        <p:cNvPr id="1" name=""/>
+        <p:cNvGrpSpPr/>
+        <p:nvPr/>
+      </p:nvGrpSpPr>
+      <p:grpSpPr>
+        <a:xfrm>
+          <a:off x="0" y="0"/>
+          <a:ext cx="0" cy="0"/>
+          <a:chOff x="0" y="0"/>
+          <a:chExt cx="0" cy="0"/>
+        </a:xfrm>
+      </p:grpSpPr>
+      <p:sp>
+        <p:nvSpPr>
+          <p:cNvPr id="2" name="Заголовок 1">
+            <a:extLst>
+              <a:ext uri="{FF2B5EF4-FFF2-40B4-BE49-F238E27FC236}">
                 <a16:creationId xmlns:a16="http://schemas.microsoft.com/office/drawing/2014/main" id="{F6712528-071A-4F3D-AC41-84BF917261B4}"/>
               </a:ext>
             </a:extLst>
@@ -30583,7 +30678,7 @@
 </p:sld>
 </file>
 
-<file path=ppt/slides/slide78.xml><?xml version="1.0" encoding="utf-8"?>
+<file path=ppt/slides/slide79.xml><?xml version="1.0" encoding="utf-8"?>
 <p:sld xmlns:a="http://schemas.openxmlformats.org/drawingml/2006/main" xmlns:r="http://schemas.openxmlformats.org/officeDocument/2006/relationships" xmlns:p="http://schemas.openxmlformats.org/presentationml/2006/main">
   <p:cSld>
     <p:spTree>
@@ -31069,151 +31164,6 @@
     <p:extLst>
       <p:ext uri="{BB962C8B-B14F-4D97-AF65-F5344CB8AC3E}">
         <p14:creationId xmlns:p14="http://schemas.microsoft.com/office/powerpoint/2010/main" val="3983217674"/>
-      </p:ext>
-    </p:extLst>
-  </p:cSld>
-  <p:clrMapOvr>
-    <a:masterClrMapping/>
-  </p:clrMapOvr>
-</p:sld>
-</file>
-
-<file path=ppt/slides/slide79.xml><?xml version="1.0" encoding="utf-8"?>
-<p:sld xmlns:a="http://schemas.openxmlformats.org/drawingml/2006/main" xmlns:r="http://schemas.openxmlformats.org/officeDocument/2006/relationships" xmlns:p="http://schemas.openxmlformats.org/presentationml/2006/main">
-  <p:cSld>
-    <p:spTree>
-      <p:nvGrpSpPr>
-        <p:cNvPr id="1" name=""/>
-        <p:cNvGrpSpPr/>
-        <p:nvPr/>
-      </p:nvGrpSpPr>
-      <p:grpSpPr>
-        <a:xfrm>
-          <a:off x="0" y="0"/>
-          <a:ext cx="0" cy="0"/>
-          <a:chOff x="0" y="0"/>
-          <a:chExt cx="0" cy="0"/>
-        </a:xfrm>
-      </p:grpSpPr>
-      <p:sp>
-        <p:nvSpPr>
-          <p:cNvPr id="2" name="Заголовок 1">
-            <a:extLst>
-              <a:ext uri="{FF2B5EF4-FFF2-40B4-BE49-F238E27FC236}">
-                <a16:creationId xmlns:a16="http://schemas.microsoft.com/office/drawing/2014/main" id="{2DA1CAB0-1B2B-45E3-8D05-2902FBF525CA}"/>
-              </a:ext>
-            </a:extLst>
-          </p:cNvPr>
-          <p:cNvSpPr>
-            <a:spLocks noGrp="1"/>
-          </p:cNvSpPr>
-          <p:nvPr>
-            <p:ph type="title"/>
-          </p:nvPr>
-        </p:nvSpPr>
-        <p:spPr>
-          <a:xfrm>
-            <a:off x="838200" y="0"/>
-            <a:ext cx="10515600" cy="1325563"/>
-          </a:xfrm>
-        </p:spPr>
-        <p:txBody>
-          <a:bodyPr/>
-          <a:lstStyle/>
-          <a:p>
-            <a:r>
-              <a:rPr lang="ru-RU" dirty="0"/>
-              <a:t>Функции и параметры</a:t>
-            </a:r>
-          </a:p>
-        </p:txBody>
-      </p:sp>
-      <p:sp>
-        <p:nvSpPr>
-          <p:cNvPr id="3" name="Объект 2">
-            <a:extLst>
-              <a:ext uri="{FF2B5EF4-FFF2-40B4-BE49-F238E27FC236}">
-                <a16:creationId xmlns:a16="http://schemas.microsoft.com/office/drawing/2014/main" id="{D23BFEE0-577C-4264-98E5-ED4E869263DD}"/>
-              </a:ext>
-            </a:extLst>
-          </p:cNvPr>
-          <p:cNvSpPr>
-            <a:spLocks noGrp="1"/>
-          </p:cNvSpPr>
-          <p:nvPr>
-            <p:ph idx="1"/>
-          </p:nvPr>
-        </p:nvSpPr>
-        <p:spPr>
-          <a:xfrm>
-            <a:off x="742507" y="1325563"/>
-            <a:ext cx="10515600" cy="5255990"/>
-          </a:xfrm>
-        </p:spPr>
-        <p:txBody>
-          <a:bodyPr>
-            <a:normAutofit fontScale="92500"/>
-          </a:bodyPr>
-          <a:lstStyle/>
-          <a:p>
-            <a:r>
-              <a:rPr lang="ru-RU" dirty="0"/>
-              <a:t>Функция вызывается по имени. При вызове указываются параметры функции</a:t>
-            </a:r>
-          </a:p>
-          <a:p>
-            <a:r>
-              <a:rPr lang="ru-RU" dirty="0"/>
-              <a:t>Параметры позволяют указать функции начальные значения, которые могут быть потом использованы в коде функции</a:t>
-            </a:r>
-          </a:p>
-          <a:p>
-            <a:r>
-              <a:rPr lang="ru-RU" dirty="0"/>
-              <a:t>Параметры бывают:</a:t>
-            </a:r>
-          </a:p>
-          <a:p>
-            <a:pPr lvl="1"/>
-            <a:r>
-              <a:rPr lang="ru-RU" dirty="0"/>
-              <a:t>Обязательными – их нужно указывать в строгом порядке при вызове функции</a:t>
-            </a:r>
-          </a:p>
-          <a:p>
-            <a:pPr lvl="1"/>
-            <a:r>
-              <a:rPr lang="ru-RU" dirty="0"/>
-              <a:t>Именованными – их можно указывать в любом порядке, если указываются их имя</a:t>
-            </a:r>
-          </a:p>
-          <a:p>
-            <a:pPr lvl="1"/>
-            <a:r>
-              <a:rPr lang="ru-RU" dirty="0"/>
-              <a:t>Со значениями по умолчанию – если при вызове значение не указывается, то их значение подставляется автоматически из значения по умолчанию</a:t>
-            </a:r>
-          </a:p>
-          <a:p>
-            <a:r>
-              <a:rPr lang="ru-RU" dirty="0"/>
-              <a:t>Функция может возвращать значение оператором </a:t>
-            </a:r>
-            <a:r>
-              <a:rPr lang="en-US" dirty="0"/>
-              <a:t>return. </a:t>
-            </a:r>
-            <a:r>
-              <a:rPr lang="ru-RU" dirty="0"/>
-              <a:t>В этом случае, это значение может быть использовано дальше при вычислении другого выражения</a:t>
-            </a:r>
-          </a:p>
-        </p:txBody>
-      </p:sp>
-    </p:spTree>
-    <p:extLst>
-      <p:ext uri="{BB962C8B-B14F-4D97-AF65-F5344CB8AC3E}">
-        <p14:creationId xmlns:p14="http://schemas.microsoft.com/office/powerpoint/2010/main" val="3778455000"/>
       </p:ext>
     </p:extLst>
   </p:cSld>
@@ -31824,6 +31774,151 @@
 </file>
 
 <file path=ppt/slides/slide80.xml><?xml version="1.0" encoding="utf-8"?>
+<p:sld xmlns:a="http://schemas.openxmlformats.org/drawingml/2006/main" xmlns:r="http://schemas.openxmlformats.org/officeDocument/2006/relationships" xmlns:p="http://schemas.openxmlformats.org/presentationml/2006/main">
+  <p:cSld>
+    <p:spTree>
+      <p:nvGrpSpPr>
+        <p:cNvPr id="1" name=""/>
+        <p:cNvGrpSpPr/>
+        <p:nvPr/>
+      </p:nvGrpSpPr>
+      <p:grpSpPr>
+        <a:xfrm>
+          <a:off x="0" y="0"/>
+          <a:ext cx="0" cy="0"/>
+          <a:chOff x="0" y="0"/>
+          <a:chExt cx="0" cy="0"/>
+        </a:xfrm>
+      </p:grpSpPr>
+      <p:sp>
+        <p:nvSpPr>
+          <p:cNvPr id="2" name="Заголовок 1">
+            <a:extLst>
+              <a:ext uri="{FF2B5EF4-FFF2-40B4-BE49-F238E27FC236}">
+                <a16:creationId xmlns:a16="http://schemas.microsoft.com/office/drawing/2014/main" id="{2DA1CAB0-1B2B-45E3-8D05-2902FBF525CA}"/>
+              </a:ext>
+            </a:extLst>
+          </p:cNvPr>
+          <p:cNvSpPr>
+            <a:spLocks noGrp="1"/>
+          </p:cNvSpPr>
+          <p:nvPr>
+            <p:ph type="title"/>
+          </p:nvPr>
+        </p:nvSpPr>
+        <p:spPr>
+          <a:xfrm>
+            <a:off x="838200" y="0"/>
+            <a:ext cx="10515600" cy="1325563"/>
+          </a:xfrm>
+        </p:spPr>
+        <p:txBody>
+          <a:bodyPr/>
+          <a:lstStyle/>
+          <a:p>
+            <a:r>
+              <a:rPr lang="ru-RU" dirty="0"/>
+              <a:t>Функции и параметры</a:t>
+            </a:r>
+          </a:p>
+        </p:txBody>
+      </p:sp>
+      <p:sp>
+        <p:nvSpPr>
+          <p:cNvPr id="3" name="Объект 2">
+            <a:extLst>
+              <a:ext uri="{FF2B5EF4-FFF2-40B4-BE49-F238E27FC236}">
+                <a16:creationId xmlns:a16="http://schemas.microsoft.com/office/drawing/2014/main" id="{D23BFEE0-577C-4264-98E5-ED4E869263DD}"/>
+              </a:ext>
+            </a:extLst>
+          </p:cNvPr>
+          <p:cNvSpPr>
+            <a:spLocks noGrp="1"/>
+          </p:cNvSpPr>
+          <p:nvPr>
+            <p:ph idx="1"/>
+          </p:nvPr>
+        </p:nvSpPr>
+        <p:spPr>
+          <a:xfrm>
+            <a:off x="742507" y="1325563"/>
+            <a:ext cx="10515600" cy="5255990"/>
+          </a:xfrm>
+        </p:spPr>
+        <p:txBody>
+          <a:bodyPr>
+            <a:normAutofit fontScale="92500"/>
+          </a:bodyPr>
+          <a:lstStyle/>
+          <a:p>
+            <a:r>
+              <a:rPr lang="ru-RU" dirty="0"/>
+              <a:t>Функция вызывается по имени. При вызове указываются параметры функции</a:t>
+            </a:r>
+          </a:p>
+          <a:p>
+            <a:r>
+              <a:rPr lang="ru-RU" dirty="0"/>
+              <a:t>Параметры позволяют указать функции начальные значения, которые могут быть потом использованы в коде функции</a:t>
+            </a:r>
+          </a:p>
+          <a:p>
+            <a:r>
+              <a:rPr lang="ru-RU" dirty="0"/>
+              <a:t>Параметры бывают:</a:t>
+            </a:r>
+          </a:p>
+          <a:p>
+            <a:pPr lvl="1"/>
+            <a:r>
+              <a:rPr lang="ru-RU" dirty="0"/>
+              <a:t>Обязательными – их нужно указывать в строгом порядке при вызове функции</a:t>
+            </a:r>
+          </a:p>
+          <a:p>
+            <a:pPr lvl="1"/>
+            <a:r>
+              <a:rPr lang="ru-RU" dirty="0"/>
+              <a:t>Именованными – их можно указывать в любом порядке, если указываются их имя</a:t>
+            </a:r>
+          </a:p>
+          <a:p>
+            <a:pPr lvl="1"/>
+            <a:r>
+              <a:rPr lang="ru-RU" dirty="0"/>
+              <a:t>Со значениями по умолчанию – если при вызове значение не указывается, то их значение подставляется автоматически из значения по умолчанию</a:t>
+            </a:r>
+          </a:p>
+          <a:p>
+            <a:r>
+              <a:rPr lang="ru-RU" dirty="0"/>
+              <a:t>Функция может возвращать значение оператором </a:t>
+            </a:r>
+            <a:r>
+              <a:rPr lang="en-US" dirty="0"/>
+              <a:t>return. </a:t>
+            </a:r>
+            <a:r>
+              <a:rPr lang="ru-RU" dirty="0"/>
+              <a:t>В этом случае, это значение может быть использовано дальше при вычислении другого выражения</a:t>
+            </a:r>
+          </a:p>
+        </p:txBody>
+      </p:sp>
+    </p:spTree>
+    <p:extLst>
+      <p:ext uri="{BB962C8B-B14F-4D97-AF65-F5344CB8AC3E}">
+        <p14:creationId xmlns:p14="http://schemas.microsoft.com/office/powerpoint/2010/main" val="3778455000"/>
+      </p:ext>
+    </p:extLst>
+  </p:cSld>
+  <p:clrMapOvr>
+    <a:masterClrMapping/>
+  </p:clrMapOvr>
+</p:sld>
+</file>
+
+<file path=ppt/slides/slide81.xml><?xml version="1.0" encoding="utf-8"?>
 <p:sld xmlns:a="http://schemas.openxmlformats.org/drawingml/2006/main" xmlns:r="http://schemas.openxmlformats.org/officeDocument/2006/relationships" xmlns:p="http://schemas.openxmlformats.org/presentationml/2006/main">
   <p:cSld>
     <p:spTree>
@@ -35272,7 +35367,7 @@
 </p:sld>
 </file>
 
-<file path=ppt/slides/slide81.xml><?xml version="1.0" encoding="utf-8"?>
+<file path=ppt/slides/slide82.xml><?xml version="1.0" encoding="utf-8"?>
 <p:sld xmlns:a="http://schemas.openxmlformats.org/drawingml/2006/main" xmlns:r="http://schemas.openxmlformats.org/officeDocument/2006/relationships" xmlns:p="http://schemas.openxmlformats.org/presentationml/2006/main">
   <p:cSld>
     <p:spTree>
@@ -35627,7 +35722,7 @@
 </p:sld>
 </file>
 
-<file path=ppt/slides/slide82.xml><?xml version="1.0" encoding="utf-8"?>
+<file path=ppt/slides/slide83.xml><?xml version="1.0" encoding="utf-8"?>
 <p:sld xmlns:a="http://schemas.openxmlformats.org/drawingml/2006/main" xmlns:r="http://schemas.openxmlformats.org/officeDocument/2006/relationships" xmlns:p="http://schemas.openxmlformats.org/presentationml/2006/main">
   <p:cSld>
     <p:spTree>
@@ -36568,7 +36663,7 @@
 </p:sld>
 </file>
 
-<file path=ppt/slides/slide83.xml><?xml version="1.0" encoding="utf-8"?>
+<file path=ppt/slides/slide84.xml><?xml version="1.0" encoding="utf-8"?>
 <p:sld xmlns:a="http://schemas.openxmlformats.org/drawingml/2006/main" xmlns:r="http://schemas.openxmlformats.org/officeDocument/2006/relationships" xmlns:p="http://schemas.openxmlformats.org/presentationml/2006/main">
   <p:cSld>
     <p:spTree>
@@ -38109,7 +38204,7 @@
 </p:sld>
 </file>
 
-<file path=ppt/slides/slide84.xml><?xml version="1.0" encoding="utf-8"?>
+<file path=ppt/slides/slide85.xml><?xml version="1.0" encoding="utf-8"?>
 <p:sld xmlns:a="http://schemas.openxmlformats.org/drawingml/2006/main" xmlns:r="http://schemas.openxmlformats.org/officeDocument/2006/relationships" xmlns:p="http://schemas.openxmlformats.org/presentationml/2006/main">
   <p:cSld>
     <p:spTree>
@@ -39143,116 +39238,6 @@
 </p:sld>
 </file>
 
-<file path=ppt/slides/slide85.xml><?xml version="1.0" encoding="utf-8"?>
-<p:sld xmlns:a="http://schemas.openxmlformats.org/drawingml/2006/main" xmlns:r="http://schemas.openxmlformats.org/officeDocument/2006/relationships" xmlns:p="http://schemas.openxmlformats.org/presentationml/2006/main">
-  <p:cSld>
-    <p:spTree>
-      <p:nvGrpSpPr>
-        <p:cNvPr id="1" name=""/>
-        <p:cNvGrpSpPr/>
-        <p:nvPr/>
-      </p:nvGrpSpPr>
-      <p:grpSpPr>
-        <a:xfrm>
-          <a:off x="0" y="0"/>
-          <a:ext cx="0" cy="0"/>
-          <a:chOff x="0" y="0"/>
-          <a:chExt cx="0" cy="0"/>
-        </a:xfrm>
-      </p:grpSpPr>
-      <p:sp>
-        <p:nvSpPr>
-          <p:cNvPr id="2" name="Заголовок 1">
-            <a:extLst>
-              <a:ext uri="{FF2B5EF4-FFF2-40B4-BE49-F238E27FC236}">
-                <a16:creationId xmlns:a16="http://schemas.microsoft.com/office/drawing/2014/main" id="{69FEA5A0-4FBA-4CB8-935F-BEEB41B88C80}"/>
-              </a:ext>
-            </a:extLst>
-          </p:cNvPr>
-          <p:cNvSpPr>
-            <a:spLocks noGrp="1"/>
-          </p:cNvSpPr>
-          <p:nvPr>
-            <p:ph type="title"/>
-          </p:nvPr>
-        </p:nvSpPr>
-        <p:spPr/>
-        <p:txBody>
-          <a:bodyPr/>
-          <a:lstStyle/>
-          <a:p>
-            <a:r>
-              <a:rPr lang="ru-RU" dirty="0"/>
-              <a:t>Задачи на функции</a:t>
-            </a:r>
-          </a:p>
-        </p:txBody>
-      </p:sp>
-      <p:sp>
-        <p:nvSpPr>
-          <p:cNvPr id="3" name="Объект 2">
-            <a:extLst>
-              <a:ext uri="{FF2B5EF4-FFF2-40B4-BE49-F238E27FC236}">
-                <a16:creationId xmlns:a16="http://schemas.microsoft.com/office/drawing/2014/main" id="{2B6486E3-E072-4667-953A-B9EEA7D6B81D}"/>
-              </a:ext>
-            </a:extLst>
-          </p:cNvPr>
-          <p:cNvSpPr>
-            <a:spLocks noGrp="1"/>
-          </p:cNvSpPr>
-          <p:nvPr>
-            <p:ph idx="1"/>
-          </p:nvPr>
-        </p:nvSpPr>
-        <p:spPr/>
-        <p:txBody>
-          <a:bodyPr/>
-          <a:lstStyle/>
-          <a:p>
-            <a:r>
-              <a:rPr lang="ru-RU" dirty="0"/>
-              <a:t>Напишите функцию, которая определяет является ли последовательность арифметической или геометрической. Последовательность передается в параметре в виде списка или кортежа</a:t>
-            </a:r>
-          </a:p>
-          <a:p>
-            <a:r>
-              <a:rPr lang="ru-RU" dirty="0"/>
-              <a:t>Напишите функцию, которая ищет подстроку в строке. Не используйте операцию </a:t>
-            </a:r>
-            <a:r>
-              <a:rPr lang="en-US" dirty="0"/>
-              <a:t>in </a:t>
-            </a:r>
-            <a:r>
-              <a:rPr lang="ru-RU" dirty="0"/>
-              <a:t>в </a:t>
-            </a:r>
-            <a:r>
-              <a:rPr lang="en-US" dirty="0"/>
-              <a:t>Python</a:t>
-            </a:r>
-          </a:p>
-          <a:p>
-            <a:pPr marL="0" indent="0">
-              <a:buNone/>
-            </a:pPr>
-            <a:endParaRPr lang="ru-RU" dirty="0"/>
-          </a:p>
-        </p:txBody>
-      </p:sp>
-    </p:spTree>
-    <p:extLst>
-      <p:ext uri="{BB962C8B-B14F-4D97-AF65-F5344CB8AC3E}">
-        <p14:creationId xmlns:p14="http://schemas.microsoft.com/office/powerpoint/2010/main" val="542864104"/>
-      </p:ext>
-    </p:extLst>
-  </p:cSld>
-  <p:clrMapOvr>
-    <a:masterClrMapping/>
-  </p:clrMapOvr>
-</p:sld>
-</file>
-
 <file path=ppt/slides/slide86.xml><?xml version="1.0" encoding="utf-8"?>
 <p:sld xmlns:a="http://schemas.openxmlformats.org/drawingml/2006/main" xmlns:r="http://schemas.openxmlformats.org/officeDocument/2006/relationships" xmlns:p="http://schemas.openxmlformats.org/presentationml/2006/main">
   <p:cSld>
@@ -39275,7 +39260,7 @@
           <p:cNvPr id="2" name="Заголовок 1">
             <a:extLst>
               <a:ext uri="{FF2B5EF4-FFF2-40B4-BE49-F238E27FC236}">
-                <a16:creationId xmlns:a16="http://schemas.microsoft.com/office/drawing/2014/main" id="{E76BAD10-F4D8-4A74-88B4-B2F934F02066}"/>
+                <a16:creationId xmlns:a16="http://schemas.microsoft.com/office/drawing/2014/main" id="{69FEA5A0-4FBA-4CB8-935F-BEEB41B88C80}"/>
               </a:ext>
             </a:extLst>
           </p:cNvPr>
@@ -39293,17 +39278,17 @@
           <a:p>
             <a:r>
               <a:rPr lang="ru-RU" dirty="0"/>
-              <a:t>Алгоритмы</a:t>
+              <a:t>Задачи на функции</a:t>
             </a:r>
           </a:p>
         </p:txBody>
       </p:sp>
       <p:sp>
         <p:nvSpPr>
-          <p:cNvPr id="3" name="Текст 2">
+          <p:cNvPr id="3" name="Объект 2">
             <a:extLst>
               <a:ext uri="{FF2B5EF4-FFF2-40B4-BE49-F238E27FC236}">
-                <a16:creationId xmlns:a16="http://schemas.microsoft.com/office/drawing/2014/main" id="{69E544A7-B5EC-497C-BBCE-DD6B726FEB31}"/>
+                <a16:creationId xmlns:a16="http://schemas.microsoft.com/office/drawing/2014/main" id="{2B6486E3-E072-4667-953A-B9EEA7D6B81D}"/>
               </a:ext>
             </a:extLst>
           </p:cNvPr>
@@ -39311,7 +39296,7 @@
             <a:spLocks noGrp="1"/>
           </p:cNvSpPr>
           <p:nvPr>
-            <p:ph type="body" idx="1"/>
+            <p:ph idx="1"/>
           </p:nvPr>
         </p:nvSpPr>
         <p:spPr/>
@@ -39321,67 +39306,39 @@
           <a:p>
             <a:r>
               <a:rPr lang="ru-RU" dirty="0"/>
-              <a:t>Часть </a:t>
+              <a:t>Напишите функцию, которая определяет является ли последовательность арифметической или геометрической. Последовательность передается в параметре в виде списка или кортежа</a:t>
+            </a:r>
+          </a:p>
+          <a:p>
+            <a:r>
+              <a:rPr lang="ru-RU" dirty="0"/>
+              <a:t>Напишите функцию, которая ищет подстроку в строке. Не используйте операцию </a:t>
             </a:r>
             <a:r>
               <a:rPr lang="en-US" dirty="0"/>
-              <a:t>II</a:t>
-            </a:r>
+              <a:t>in </a:t>
+            </a:r>
+            <a:r>
+              <a:rPr lang="ru-RU" dirty="0"/>
+              <a:t>в </a:t>
+            </a:r>
+            <a:r>
+              <a:rPr lang="en-US" dirty="0"/>
+              <a:t>Python</a:t>
+            </a:r>
+          </a:p>
+          <a:p>
+            <a:pPr marL="0" indent="0">
+              <a:buNone/>
+            </a:pPr>
             <a:endParaRPr lang="ru-RU" dirty="0"/>
           </a:p>
         </p:txBody>
       </p:sp>
-      <p:pic>
-        <p:nvPicPr>
-          <p:cNvPr id="1026" name="Picture 2" descr="Схема Векторная графика - Скачать бесплатные изображения - Pixabay">
-            <a:extLst>
-              <a:ext uri="{FF2B5EF4-FFF2-40B4-BE49-F238E27FC236}">
-                <a16:creationId xmlns:a16="http://schemas.microsoft.com/office/drawing/2014/main" id="{C6C7AB41-4900-4FA7-9955-A553F4F38B05}"/>
-              </a:ext>
-            </a:extLst>
-          </p:cNvPr>
-          <p:cNvPicPr>
-            <a:picLocks noChangeAspect="1" noChangeArrowheads="1"/>
-          </p:cNvPicPr>
-          <p:nvPr/>
-        </p:nvPicPr>
-        <p:blipFill>
-          <a:blip r:embed="rId2">
-            <a:extLst>
-              <a:ext uri="{28A0092B-C50C-407E-A947-70E740481C1C}">
-                <a14:useLocalDpi xmlns:a14="http://schemas.microsoft.com/office/drawing/2010/main" val="0"/>
-              </a:ext>
-            </a:extLst>
-          </a:blip>
-          <a:srcRect/>
-          <a:stretch>
-            <a:fillRect/>
-          </a:stretch>
-        </p:blipFill>
-        <p:spPr bwMode="auto">
-          <a:xfrm>
-            <a:off x="5627171" y="169678"/>
-            <a:ext cx="6039332" cy="6518644"/>
-          </a:xfrm>
-          <a:prstGeom prst="rect">
-            <a:avLst/>
-          </a:prstGeom>
-          <a:noFill/>
-          <a:extLst>
-            <a:ext uri="{909E8E84-426E-40DD-AFC4-6F175D3DCCD1}">
-              <a14:hiddenFill xmlns:a14="http://schemas.microsoft.com/office/drawing/2010/main">
-                <a:solidFill>
-                  <a:srgbClr val="FFFFFF"/>
-                </a:solidFill>
-              </a14:hiddenFill>
-            </a:ext>
-          </a:extLst>
-        </p:spPr>
-      </p:pic>
     </p:spTree>
     <p:extLst>
       <p:ext uri="{BB962C8B-B14F-4D97-AF65-F5344CB8AC3E}">
-        <p14:creationId xmlns:p14="http://schemas.microsoft.com/office/powerpoint/2010/main" val="2797496812"/>
+        <p14:creationId xmlns:p14="http://schemas.microsoft.com/office/powerpoint/2010/main" val="542864104"/>
       </p:ext>
     </p:extLst>
   </p:cSld>
@@ -39413,7 +39370,7 @@
           <p:cNvPr id="2" name="Заголовок 1">
             <a:extLst>
               <a:ext uri="{FF2B5EF4-FFF2-40B4-BE49-F238E27FC236}">
-                <a16:creationId xmlns:a16="http://schemas.microsoft.com/office/drawing/2014/main" id="{C3AA918C-05A6-4B47-8389-ECFE93C89B66}"/>
+                <a16:creationId xmlns:a16="http://schemas.microsoft.com/office/drawing/2014/main" id="{E76BAD10-F4D8-4A74-88B4-B2F934F02066}"/>
               </a:ext>
             </a:extLst>
           </p:cNvPr>
@@ -39431,7 +39388,7 @@
           <a:p>
             <a:r>
               <a:rPr lang="ru-RU" dirty="0"/>
-              <a:t>Работа с текстом</a:t>
+              <a:t>Алгоритмы</a:t>
             </a:r>
           </a:p>
         </p:txBody>
@@ -39441,7 +39398,7 @@
           <p:cNvPr id="3" name="Текст 2">
             <a:extLst>
               <a:ext uri="{FF2B5EF4-FFF2-40B4-BE49-F238E27FC236}">
-                <a16:creationId xmlns:a16="http://schemas.microsoft.com/office/drawing/2014/main" id="{AAEF4E5E-C0AC-474B-8A4E-AFF19CD6C8F9}"/>
+                <a16:creationId xmlns:a16="http://schemas.microsoft.com/office/drawing/2014/main" id="{69E544A7-B5EC-497C-BBCE-DD6B726FEB31}"/>
               </a:ext>
             </a:extLst>
           </p:cNvPr>
@@ -39459,15 +39416,67 @@
           <a:p>
             <a:r>
               <a:rPr lang="ru-RU" dirty="0"/>
-              <a:t>Модуль 6</a:t>
-            </a:r>
+              <a:t>Часть </a:t>
+            </a:r>
+            <a:r>
+              <a:rPr lang="en-US" dirty="0"/>
+              <a:t>II</a:t>
+            </a:r>
+            <a:endParaRPr lang="ru-RU" dirty="0"/>
           </a:p>
         </p:txBody>
       </p:sp>
+      <p:pic>
+        <p:nvPicPr>
+          <p:cNvPr id="1026" name="Picture 2" descr="Схема Векторная графика - Скачать бесплатные изображения - Pixabay">
+            <a:extLst>
+              <a:ext uri="{FF2B5EF4-FFF2-40B4-BE49-F238E27FC236}">
+                <a16:creationId xmlns:a16="http://schemas.microsoft.com/office/drawing/2014/main" id="{C6C7AB41-4900-4FA7-9955-A553F4F38B05}"/>
+              </a:ext>
+            </a:extLst>
+          </p:cNvPr>
+          <p:cNvPicPr>
+            <a:picLocks noChangeAspect="1" noChangeArrowheads="1"/>
+          </p:cNvPicPr>
+          <p:nvPr/>
+        </p:nvPicPr>
+        <p:blipFill>
+          <a:blip r:embed="rId2">
+            <a:extLst>
+              <a:ext uri="{28A0092B-C50C-407E-A947-70E740481C1C}">
+                <a14:useLocalDpi xmlns:a14="http://schemas.microsoft.com/office/drawing/2010/main" val="0"/>
+              </a:ext>
+            </a:extLst>
+          </a:blip>
+          <a:srcRect/>
+          <a:stretch>
+            <a:fillRect/>
+          </a:stretch>
+        </p:blipFill>
+        <p:spPr bwMode="auto">
+          <a:xfrm>
+            <a:off x="5627171" y="169678"/>
+            <a:ext cx="6039332" cy="6518644"/>
+          </a:xfrm>
+          <a:prstGeom prst="rect">
+            <a:avLst/>
+          </a:prstGeom>
+          <a:noFill/>
+          <a:extLst>
+            <a:ext uri="{909E8E84-426E-40DD-AFC4-6F175D3DCCD1}">
+              <a14:hiddenFill xmlns:a14="http://schemas.microsoft.com/office/drawing/2010/main">
+                <a:solidFill>
+                  <a:srgbClr val="FFFFFF"/>
+                </a:solidFill>
+              </a14:hiddenFill>
+            </a:ext>
+          </a:extLst>
+        </p:spPr>
+      </p:pic>
     </p:spTree>
     <p:extLst>
       <p:ext uri="{BB962C8B-B14F-4D97-AF65-F5344CB8AC3E}">
-        <p14:creationId xmlns:p14="http://schemas.microsoft.com/office/powerpoint/2010/main" val="1207458558"/>
+        <p14:creationId xmlns:p14="http://schemas.microsoft.com/office/powerpoint/2010/main" val="2797496812"/>
       </p:ext>
     </p:extLst>
   </p:cSld>
@@ -39499,7 +39508,7 @@
           <p:cNvPr id="2" name="Заголовок 1">
             <a:extLst>
               <a:ext uri="{FF2B5EF4-FFF2-40B4-BE49-F238E27FC236}">
-                <a16:creationId xmlns:a16="http://schemas.microsoft.com/office/drawing/2014/main" id="{CAC736A6-A88B-4EDE-B25A-E8D4E4B9203D}"/>
+                <a16:creationId xmlns:a16="http://schemas.microsoft.com/office/drawing/2014/main" id="{C3AA918C-05A6-4B47-8389-ECFE93C89B66}"/>
               </a:ext>
             </a:extLst>
           </p:cNvPr>
@@ -39517,17 +39526,17 @@
           <a:p>
             <a:r>
               <a:rPr lang="ru-RU" dirty="0"/>
-              <a:t>Цель модуля</a:t>
+              <a:t>Работа с текстом</a:t>
             </a:r>
           </a:p>
         </p:txBody>
       </p:sp>
       <p:sp>
         <p:nvSpPr>
-          <p:cNvPr id="3" name="Объект 2">
+          <p:cNvPr id="3" name="Текст 2">
             <a:extLst>
               <a:ext uri="{FF2B5EF4-FFF2-40B4-BE49-F238E27FC236}">
-                <a16:creationId xmlns:a16="http://schemas.microsoft.com/office/drawing/2014/main" id="{8E330AEC-F854-4C19-80FE-FD7A0C5E1D10}"/>
+                <a16:creationId xmlns:a16="http://schemas.microsoft.com/office/drawing/2014/main" id="{AAEF4E5E-C0AC-474B-8A4E-AFF19CD6C8F9}"/>
               </a:ext>
             </a:extLst>
           </p:cNvPr>
@@ -39535,7 +39544,7 @@
             <a:spLocks noGrp="1"/>
           </p:cNvSpPr>
           <p:nvPr>
-            <p:ph idx="1"/>
+            <p:ph type="body" idx="1"/>
           </p:nvPr>
         </p:nvSpPr>
         <p:spPr/>
@@ -39545,15 +39554,7 @@
           <a:p>
             <a:r>
               <a:rPr lang="ru-RU" dirty="0"/>
-              <a:t>Изучить типовые алгоритмы и возможности языка </a:t>
-            </a:r>
-            <a:r>
-              <a:rPr lang="en-US" dirty="0"/>
-              <a:t>Python</a:t>
-            </a:r>
-            <a:r>
-              <a:rPr lang="ru-RU" dirty="0"/>
-              <a:t>, которые могут быть использованы при разработке бота</a:t>
+              <a:t>Модуль 6</a:t>
             </a:r>
           </a:p>
         </p:txBody>
@@ -39561,7 +39562,7 @@
     </p:spTree>
     <p:extLst>
       <p:ext uri="{BB962C8B-B14F-4D97-AF65-F5344CB8AC3E}">
-        <p14:creationId xmlns:p14="http://schemas.microsoft.com/office/powerpoint/2010/main" val="1542653455"/>
+        <p14:creationId xmlns:p14="http://schemas.microsoft.com/office/powerpoint/2010/main" val="1207458558"/>
       </p:ext>
     </p:extLst>
   </p:cSld>
@@ -39593,7 +39594,7 @@
           <p:cNvPr id="2" name="Заголовок 1">
             <a:extLst>
               <a:ext uri="{FF2B5EF4-FFF2-40B4-BE49-F238E27FC236}">
-                <a16:creationId xmlns:a16="http://schemas.microsoft.com/office/drawing/2014/main" id="{56B86CC5-6D77-4C38-A663-424706A69989}"/>
+                <a16:creationId xmlns:a16="http://schemas.microsoft.com/office/drawing/2014/main" id="{CAC736A6-A88B-4EDE-B25A-E8D4E4B9203D}"/>
               </a:ext>
             </a:extLst>
           </p:cNvPr>
@@ -39611,7 +39612,7 @@
           <a:p>
             <a:r>
               <a:rPr lang="ru-RU" dirty="0"/>
-              <a:t>Задача</a:t>
+              <a:t>Цель модуля</a:t>
             </a:r>
           </a:p>
         </p:txBody>
@@ -39621,7 +39622,7 @@
           <p:cNvPr id="3" name="Объект 2">
             <a:extLst>
               <a:ext uri="{FF2B5EF4-FFF2-40B4-BE49-F238E27FC236}">
-                <a16:creationId xmlns:a16="http://schemas.microsoft.com/office/drawing/2014/main" id="{37B2E93D-7199-4787-9223-E63913959507}"/>
+                <a16:creationId xmlns:a16="http://schemas.microsoft.com/office/drawing/2014/main" id="{8E330AEC-F854-4C19-80FE-FD7A0C5E1D10}"/>
               </a:ext>
             </a:extLst>
           </p:cNvPr>
@@ -39639,21 +39640,15 @@
           <a:p>
             <a:r>
               <a:rPr lang="ru-RU" dirty="0"/>
-              <a:t>Выдаем случайные приветствия:</a:t>
-            </a:r>
-          </a:p>
-          <a:p>
-            <a:pPr lvl="1"/>
+              <a:t>Изучить типовые алгоритмы и возможности языка </a:t>
+            </a:r>
+            <a:r>
+              <a:rPr lang="en-US" dirty="0"/>
+              <a:t>Python</a:t>
+            </a:r>
             <a:r>
               <a:rPr lang="ru-RU" dirty="0"/>
-              <a:t>Текст случайных приветствий мы храним в текстовом файле</a:t>
-            </a:r>
-          </a:p>
-          <a:p>
-            <a:pPr lvl="1"/>
-            <a:r>
-              <a:rPr lang="ru-RU" dirty="0"/>
-              <a:t>Нам необходимо прочитать строки, выбрать случайную из них и вернуть нашему боту, который отправит их пользователю</a:t>
+              <a:t>, которые могут быть использованы при разработке бота</a:t>
             </a:r>
           </a:p>
         </p:txBody>
@@ -39661,7 +39656,7 @@
     </p:spTree>
     <p:extLst>
       <p:ext uri="{BB962C8B-B14F-4D97-AF65-F5344CB8AC3E}">
-        <p14:creationId xmlns:p14="http://schemas.microsoft.com/office/powerpoint/2010/main" val="963926448"/>
+        <p14:creationId xmlns:p14="http://schemas.microsoft.com/office/powerpoint/2010/main" val="1542653455"/>
       </p:ext>
     </p:extLst>
   </p:cSld>
@@ -40319,7 +40314,7 @@
           <p:cNvPr id="2" name="Заголовок 1">
             <a:extLst>
               <a:ext uri="{FF2B5EF4-FFF2-40B4-BE49-F238E27FC236}">
-                <a16:creationId xmlns:a16="http://schemas.microsoft.com/office/drawing/2014/main" id="{F0478325-00CC-4420-95E3-1AFE08E54D86}"/>
+                <a16:creationId xmlns:a16="http://schemas.microsoft.com/office/drawing/2014/main" id="{56B86CC5-6D77-4C38-A663-424706A69989}"/>
               </a:ext>
             </a:extLst>
           </p:cNvPr>
@@ -40337,7 +40332,7 @@
           <a:p>
             <a:r>
               <a:rPr lang="ru-RU" dirty="0"/>
-              <a:t>Работа с файлами</a:t>
+              <a:t>Задача</a:t>
             </a:r>
           </a:p>
         </p:txBody>
@@ -40347,7 +40342,7 @@
           <p:cNvPr id="3" name="Объект 2">
             <a:extLst>
               <a:ext uri="{FF2B5EF4-FFF2-40B4-BE49-F238E27FC236}">
-                <a16:creationId xmlns:a16="http://schemas.microsoft.com/office/drawing/2014/main" id="{FEE7B12C-C592-48DE-A5BC-9D1621ACBC7E}"/>
+                <a16:creationId xmlns:a16="http://schemas.microsoft.com/office/drawing/2014/main" id="{37B2E93D-7199-4787-9223-E63913959507}"/>
               </a:ext>
             </a:extLst>
           </p:cNvPr>
@@ -40364,36 +40359,22 @@
           <a:lstStyle/>
           <a:p>
             <a:r>
-              <a:rPr lang="en-US" dirty="0"/>
-              <a:t>open(“</a:t>
-            </a:r>
-            <a:r>
               <a:rPr lang="ru-RU" dirty="0"/>
-              <a:t>имя файла</a:t>
-            </a:r>
-            <a:r>
-              <a:rPr lang="en-US" dirty="0"/>
-              <a:t>”</a:t>
-            </a:r>
+              <a:t>Выдаем случайные приветствия:</a:t>
+            </a:r>
+          </a:p>
+          <a:p>
+            <a:pPr lvl="1"/>
             <a:r>
               <a:rPr lang="ru-RU" dirty="0"/>
-              <a:t>,</a:t>
-            </a:r>
-            <a:r>
-              <a:rPr lang="en-US" dirty="0"/>
-              <a:t>”</a:t>
-            </a:r>
+              <a:t>Текст случайных приветствий мы храним в текстовом файле</a:t>
+            </a:r>
+          </a:p>
+          <a:p>
+            <a:pPr lvl="1"/>
             <a:r>
               <a:rPr lang="ru-RU" dirty="0"/>
-              <a:t>РЕЖИМ ОТКРЫТИЯ ФАЙЛА</a:t>
-            </a:r>
-            <a:r>
-              <a:rPr lang="en-US" dirty="0"/>
-              <a:t>”)</a:t>
-            </a:r>
-            <a:r>
-              <a:rPr lang="ru-RU" dirty="0"/>
-              <a:t> - </a:t>
+              <a:t>Нам необходимо прочитать строки, выбрать случайную из них и вернуть нашему боту, который отправит их пользователю</a:t>
             </a:r>
           </a:p>
         </p:txBody>
@@ -40401,7 +40382,7 @@
     </p:spTree>
     <p:extLst>
       <p:ext uri="{BB962C8B-B14F-4D97-AF65-F5344CB8AC3E}">
-        <p14:creationId xmlns:p14="http://schemas.microsoft.com/office/powerpoint/2010/main" val="3876876042"/>
+        <p14:creationId xmlns:p14="http://schemas.microsoft.com/office/powerpoint/2010/main" val="963926448"/>
       </p:ext>
     </p:extLst>
   </p:cSld>
@@ -40433,6 +40414,487 @@
           <p:cNvPr id="2" name="Заголовок 1">
             <a:extLst>
               <a:ext uri="{FF2B5EF4-FFF2-40B4-BE49-F238E27FC236}">
+                <a16:creationId xmlns:a16="http://schemas.microsoft.com/office/drawing/2014/main" id="{F0478325-00CC-4420-95E3-1AFE08E54D86}"/>
+              </a:ext>
+            </a:extLst>
+          </p:cNvPr>
+          <p:cNvSpPr>
+            <a:spLocks noGrp="1"/>
+          </p:cNvSpPr>
+          <p:nvPr>
+            <p:ph type="title"/>
+          </p:nvPr>
+        </p:nvSpPr>
+        <p:spPr>
+          <a:xfrm>
+            <a:off x="838200" y="0"/>
+            <a:ext cx="10515600" cy="1325563"/>
+          </a:xfrm>
+        </p:spPr>
+        <p:txBody>
+          <a:bodyPr/>
+          <a:lstStyle/>
+          <a:p>
+            <a:r>
+              <a:rPr lang="ru-RU" dirty="0"/>
+              <a:t>Работа с файлами. </a:t>
+            </a:r>
+            <a:r>
+              <a:rPr lang="ru-RU"/>
+              <a:t>Открытие файла</a:t>
+            </a:r>
+            <a:endParaRPr lang="ru-RU" dirty="0"/>
+          </a:p>
+        </p:txBody>
+      </p:sp>
+      <p:sp>
+        <p:nvSpPr>
+          <p:cNvPr id="3" name="Объект 2">
+            <a:extLst>
+              <a:ext uri="{FF2B5EF4-FFF2-40B4-BE49-F238E27FC236}">
+                <a16:creationId xmlns:a16="http://schemas.microsoft.com/office/drawing/2014/main" id="{FEE7B12C-C592-48DE-A5BC-9D1621ACBC7E}"/>
+              </a:ext>
+            </a:extLst>
+          </p:cNvPr>
+          <p:cNvSpPr>
+            <a:spLocks noGrp="1"/>
+          </p:cNvSpPr>
+          <p:nvPr>
+            <p:ph idx="1"/>
+          </p:nvPr>
+        </p:nvSpPr>
+        <p:spPr>
+          <a:xfrm>
+            <a:off x="838200" y="1253331"/>
+            <a:ext cx="10515600" cy="4351338"/>
+          </a:xfrm>
+        </p:spPr>
+        <p:txBody>
+          <a:bodyPr/>
+          <a:lstStyle/>
+          <a:p>
+            <a:r>
+              <a:rPr lang="en-US" dirty="0"/>
+              <a:t>open(“</a:t>
+            </a:r>
+            <a:r>
+              <a:rPr lang="ru-RU" dirty="0"/>
+              <a:t>имя файла</a:t>
+            </a:r>
+            <a:r>
+              <a:rPr lang="en-US" dirty="0"/>
+              <a:t>”</a:t>
+            </a:r>
+            <a:r>
+              <a:rPr lang="ru-RU" dirty="0"/>
+              <a:t>,</a:t>
+            </a:r>
+            <a:r>
+              <a:rPr lang="en-US" dirty="0"/>
+              <a:t>”</a:t>
+            </a:r>
+            <a:r>
+              <a:rPr lang="ru-RU" dirty="0"/>
+              <a:t>РЕЖИМ ОТКРЫТИЯ ФАЙЛА</a:t>
+            </a:r>
+            <a:r>
+              <a:rPr lang="en-US" dirty="0"/>
+              <a:t>”)</a:t>
+            </a:r>
+            <a:r>
+              <a:rPr lang="ru-RU" dirty="0"/>
+              <a:t> – открывает файл на чтение или запись. Возвращает объект файла, через который вы получаете доступ к содержимому файла</a:t>
+            </a:r>
+          </a:p>
+          <a:p>
+            <a:r>
+              <a:rPr lang="ru-RU" dirty="0"/>
+              <a:t>Режимы открытия файла:</a:t>
+            </a:r>
+          </a:p>
+          <a:p>
+            <a:pPr lvl="1"/>
+            <a:endParaRPr lang="ru-RU" dirty="0"/>
+          </a:p>
+        </p:txBody>
+      </p:sp>
+      <p:graphicFrame>
+        <p:nvGraphicFramePr>
+          <p:cNvPr id="4" name="Таблица 4">
+            <a:extLst>
+              <a:ext uri="{FF2B5EF4-FFF2-40B4-BE49-F238E27FC236}">
+                <a16:creationId xmlns:a16="http://schemas.microsoft.com/office/drawing/2014/main" id="{BCBF93F1-2BA3-476C-8192-1F7E433AFAC4}"/>
+              </a:ext>
+            </a:extLst>
+          </p:cNvPr>
+          <p:cNvGraphicFramePr>
+            <a:graphicFrameLocks noGrp="1"/>
+          </p:cNvGraphicFramePr>
+          <p:nvPr>
+            <p:extLst>
+              <p:ext uri="{D42A27DB-BD31-4B8C-83A1-F6EECF244321}">
+                <p14:modId xmlns:p14="http://schemas.microsoft.com/office/powerpoint/2010/main" val="3371230900"/>
+              </p:ext>
+            </p:extLst>
+          </p:nvPr>
+        </p:nvGraphicFramePr>
+        <p:xfrm>
+          <a:off x="1893776" y="3239076"/>
+          <a:ext cx="8128000" cy="3505200"/>
+        </p:xfrm>
+        <a:graphic>
+          <a:graphicData uri="http://schemas.openxmlformats.org/drawingml/2006/table">
+            <a:tbl>
+              <a:tblPr firstRow="1" bandRow="1">
+                <a:tableStyleId>{5C22544A-7EE6-4342-B048-85BDC9FD1C3A}</a:tableStyleId>
+              </a:tblPr>
+              <a:tblGrid>
+                <a:gridCol w="1338521">
+                  <a:extLst>
+                    <a:ext uri="{9D8B030D-6E8A-4147-A177-3AD203B41FA5}">
+                      <a16:colId xmlns:a16="http://schemas.microsoft.com/office/drawing/2014/main" val="869377024"/>
+                    </a:ext>
+                  </a:extLst>
+                </a:gridCol>
+                <a:gridCol w="6789479">
+                  <a:extLst>
+                    <a:ext uri="{9D8B030D-6E8A-4147-A177-3AD203B41FA5}">
+                      <a16:colId xmlns:a16="http://schemas.microsoft.com/office/drawing/2014/main" val="3099647917"/>
+                    </a:ext>
+                  </a:extLst>
+                </a:gridCol>
+              </a:tblGrid>
+              <a:tr h="370840">
+                <a:tc>
+                  <a:txBody>
+                    <a:bodyPr/>
+                    <a:lstStyle/>
+                    <a:p>
+                      <a:r>
+                        <a:rPr lang="ru-RU" dirty="0"/>
+                        <a:t>Режим</a:t>
+                      </a:r>
+                    </a:p>
+                  </a:txBody>
+                  <a:tcPr/>
+                </a:tc>
+                <a:tc>
+                  <a:txBody>
+                    <a:bodyPr/>
+                    <a:lstStyle/>
+                    <a:p>
+                      <a:r>
+                        <a:rPr lang="ru-RU" dirty="0"/>
+                        <a:t>Описание</a:t>
+                      </a:r>
+                    </a:p>
+                  </a:txBody>
+                  <a:tcPr/>
+                </a:tc>
+                <a:extLst>
+                  <a:ext uri="{0D108BD9-81ED-4DB2-BD59-A6C34878D82A}">
+                    <a16:rowId xmlns:a16="http://schemas.microsoft.com/office/drawing/2014/main" val="3565474623"/>
+                  </a:ext>
+                </a:extLst>
+              </a:tr>
+              <a:tr h="370840">
+                <a:tc>
+                  <a:txBody>
+                    <a:bodyPr/>
+                    <a:lstStyle/>
+                    <a:p>
+                      <a:r>
+                        <a:rPr lang="en-US" dirty="0">
+                          <a:effectLst/>
+                        </a:rPr>
+                        <a:t>'r'</a:t>
+                      </a:r>
+                    </a:p>
+                  </a:txBody>
+                  <a:tcPr anchor="ctr"/>
+                </a:tc>
+                <a:tc>
+                  <a:txBody>
+                    <a:bodyPr/>
+                    <a:lstStyle/>
+                    <a:p>
+                      <a:r>
+                        <a:rPr lang="ru-RU">
+                          <a:effectLst/>
+                        </a:rPr>
+                        <a:t>открытие на чтение (является значением по умолчанию).</a:t>
+                      </a:r>
+                    </a:p>
+                  </a:txBody>
+                  <a:tcPr anchor="ctr"/>
+                </a:tc>
+                <a:extLst>
+                  <a:ext uri="{0D108BD9-81ED-4DB2-BD59-A6C34878D82A}">
+                    <a16:rowId xmlns:a16="http://schemas.microsoft.com/office/drawing/2014/main" val="631988604"/>
+                  </a:ext>
+                </a:extLst>
+              </a:tr>
+              <a:tr h="370840">
+                <a:tc>
+                  <a:txBody>
+                    <a:bodyPr/>
+                    <a:lstStyle/>
+                    <a:p>
+                      <a:r>
+                        <a:rPr lang="en-US">
+                          <a:effectLst/>
+                        </a:rPr>
+                        <a:t>'w'</a:t>
+                      </a:r>
+                    </a:p>
+                  </a:txBody>
+                  <a:tcPr anchor="ctr"/>
+                </a:tc>
+                <a:tc>
+                  <a:txBody>
+                    <a:bodyPr/>
+                    <a:lstStyle/>
+                    <a:p>
+                      <a:r>
+                        <a:rPr lang="ru-RU">
+                          <a:effectLst/>
+                        </a:rPr>
+                        <a:t>открытие на запись, содержимое файла удаляется, если файла не существует, создается новый.</a:t>
+                      </a:r>
+                    </a:p>
+                  </a:txBody>
+                  <a:tcPr anchor="ctr"/>
+                </a:tc>
+                <a:extLst>
+                  <a:ext uri="{0D108BD9-81ED-4DB2-BD59-A6C34878D82A}">
+                    <a16:rowId xmlns:a16="http://schemas.microsoft.com/office/drawing/2014/main" val="2154914681"/>
+                  </a:ext>
+                </a:extLst>
+              </a:tr>
+              <a:tr h="370840">
+                <a:tc>
+                  <a:txBody>
+                    <a:bodyPr/>
+                    <a:lstStyle/>
+                    <a:p>
+                      <a:r>
+                        <a:rPr lang="en-US">
+                          <a:effectLst/>
+                        </a:rPr>
+                        <a:t>'x'</a:t>
+                      </a:r>
+                    </a:p>
+                  </a:txBody>
+                  <a:tcPr anchor="ctr"/>
+                </a:tc>
+                <a:tc>
+                  <a:txBody>
+                    <a:bodyPr/>
+                    <a:lstStyle/>
+                    <a:p>
+                      <a:r>
+                        <a:rPr lang="ru-RU">
+                          <a:effectLst/>
+                        </a:rPr>
+                        <a:t>открытие на запись, если файла не существует, иначе исключение.</a:t>
+                      </a:r>
+                    </a:p>
+                  </a:txBody>
+                  <a:tcPr anchor="ctr"/>
+                </a:tc>
+                <a:extLst>
+                  <a:ext uri="{0D108BD9-81ED-4DB2-BD59-A6C34878D82A}">
+                    <a16:rowId xmlns:a16="http://schemas.microsoft.com/office/drawing/2014/main" val="2916052980"/>
+                  </a:ext>
+                </a:extLst>
+              </a:tr>
+              <a:tr h="370840">
+                <a:tc>
+                  <a:txBody>
+                    <a:bodyPr/>
+                    <a:lstStyle/>
+                    <a:p>
+                      <a:r>
+                        <a:rPr lang="en-US">
+                          <a:effectLst/>
+                        </a:rPr>
+                        <a:t>'a'</a:t>
+                      </a:r>
+                    </a:p>
+                  </a:txBody>
+                  <a:tcPr anchor="ctr"/>
+                </a:tc>
+                <a:tc>
+                  <a:txBody>
+                    <a:bodyPr/>
+                    <a:lstStyle/>
+                    <a:p>
+                      <a:r>
+                        <a:rPr lang="ru-RU">
+                          <a:effectLst/>
+                        </a:rPr>
+                        <a:t>открытие на дозапись, информация добавляется в конец файла.</a:t>
+                      </a:r>
+                    </a:p>
+                  </a:txBody>
+                  <a:tcPr anchor="ctr"/>
+                </a:tc>
+                <a:extLst>
+                  <a:ext uri="{0D108BD9-81ED-4DB2-BD59-A6C34878D82A}">
+                    <a16:rowId xmlns:a16="http://schemas.microsoft.com/office/drawing/2014/main" val="1970164053"/>
+                  </a:ext>
+                </a:extLst>
+              </a:tr>
+              <a:tr h="370840">
+                <a:tc>
+                  <a:txBody>
+                    <a:bodyPr/>
+                    <a:lstStyle/>
+                    <a:p>
+                      <a:r>
+                        <a:rPr lang="en-US">
+                          <a:effectLst/>
+                        </a:rPr>
+                        <a:t>'b'</a:t>
+                      </a:r>
+                    </a:p>
+                  </a:txBody>
+                  <a:tcPr anchor="ctr"/>
+                </a:tc>
+                <a:tc>
+                  <a:txBody>
+                    <a:bodyPr/>
+                    <a:lstStyle/>
+                    <a:p>
+                      <a:r>
+                        <a:rPr lang="ru-RU">
+                          <a:effectLst/>
+                        </a:rPr>
+                        <a:t>открытие в двоичном режиме.</a:t>
+                      </a:r>
+                    </a:p>
+                  </a:txBody>
+                  <a:tcPr anchor="ctr"/>
+                </a:tc>
+                <a:extLst>
+                  <a:ext uri="{0D108BD9-81ED-4DB2-BD59-A6C34878D82A}">
+                    <a16:rowId xmlns:a16="http://schemas.microsoft.com/office/drawing/2014/main" val="218865794"/>
+                  </a:ext>
+                </a:extLst>
+              </a:tr>
+              <a:tr h="370840">
+                <a:tc>
+                  <a:txBody>
+                    <a:bodyPr/>
+                    <a:lstStyle/>
+                    <a:p>
+                      <a:r>
+                        <a:rPr lang="en-US">
+                          <a:effectLst/>
+                        </a:rPr>
+                        <a:t>'t'</a:t>
+                      </a:r>
+                    </a:p>
+                  </a:txBody>
+                  <a:tcPr anchor="ctr"/>
+                </a:tc>
+                <a:tc>
+                  <a:txBody>
+                    <a:bodyPr/>
+                    <a:lstStyle/>
+                    <a:p>
+                      <a:r>
+                        <a:rPr lang="ru-RU">
+                          <a:effectLst/>
+                        </a:rPr>
+                        <a:t>открытие в текстовом режиме (является значением по умолчанию).</a:t>
+                      </a:r>
+                    </a:p>
+                  </a:txBody>
+                  <a:tcPr anchor="ctr"/>
+                </a:tc>
+                <a:extLst>
+                  <a:ext uri="{0D108BD9-81ED-4DB2-BD59-A6C34878D82A}">
+                    <a16:rowId xmlns:a16="http://schemas.microsoft.com/office/drawing/2014/main" val="500840623"/>
+                  </a:ext>
+                </a:extLst>
+              </a:tr>
+              <a:tr h="370840">
+                <a:tc>
+                  <a:txBody>
+                    <a:bodyPr/>
+                    <a:lstStyle/>
+                    <a:p>
+                      <a:r>
+                        <a:rPr lang="ru-RU">
+                          <a:effectLst/>
+                        </a:rPr>
+                        <a:t>'+'</a:t>
+                      </a:r>
+                    </a:p>
+                  </a:txBody>
+                  <a:tcPr anchor="ctr"/>
+                </a:tc>
+                <a:tc>
+                  <a:txBody>
+                    <a:bodyPr/>
+                    <a:lstStyle/>
+                    <a:p>
+                      <a:r>
+                        <a:rPr lang="ru-RU" dirty="0">
+                          <a:effectLst/>
+                        </a:rPr>
+                        <a:t>открытие на чтение и запись</a:t>
+                      </a:r>
+                    </a:p>
+                  </a:txBody>
+                  <a:tcPr anchor="ctr"/>
+                </a:tc>
+                <a:extLst>
+                  <a:ext uri="{0D108BD9-81ED-4DB2-BD59-A6C34878D82A}">
+                    <a16:rowId xmlns:a16="http://schemas.microsoft.com/office/drawing/2014/main" val="3279687014"/>
+                  </a:ext>
+                </a:extLst>
+              </a:tr>
+            </a:tbl>
+          </a:graphicData>
+        </a:graphic>
+      </p:graphicFrame>
+    </p:spTree>
+    <p:extLst>
+      <p:ext uri="{BB962C8B-B14F-4D97-AF65-F5344CB8AC3E}">
+        <p14:creationId xmlns:p14="http://schemas.microsoft.com/office/powerpoint/2010/main" val="3876876042"/>
+      </p:ext>
+    </p:extLst>
+  </p:cSld>
+  <p:clrMapOvr>
+    <a:masterClrMapping/>
+  </p:clrMapOvr>
+</p:sld>
+</file>
+
+<file path=ppt/slides/slide92.xml><?xml version="1.0" encoding="utf-8"?>
+<p:sld xmlns:a="http://schemas.openxmlformats.org/drawingml/2006/main" xmlns:r="http://schemas.openxmlformats.org/officeDocument/2006/relationships" xmlns:p="http://schemas.openxmlformats.org/presentationml/2006/main">
+  <p:cSld>
+    <p:spTree>
+      <p:nvGrpSpPr>
+        <p:cNvPr id="1" name=""/>
+        <p:cNvGrpSpPr/>
+        <p:nvPr/>
+      </p:nvGrpSpPr>
+      <p:grpSpPr>
+        <a:xfrm>
+          <a:off x="0" y="0"/>
+          <a:ext cx="0" cy="0"/>
+          <a:chOff x="0" y="0"/>
+          <a:chExt cx="0" cy="0"/>
+        </a:xfrm>
+      </p:grpSpPr>
+      <p:sp>
+        <p:nvSpPr>
+          <p:cNvPr id="2" name="Заголовок 1">
+            <a:extLst>
+              <a:ext uri="{FF2B5EF4-FFF2-40B4-BE49-F238E27FC236}">
                 <a16:creationId xmlns:a16="http://schemas.microsoft.com/office/drawing/2014/main" id="{E011A2C4-FB8D-431E-B54E-EE0F746D557A}"/>
               </a:ext>
             </a:extLst>
@@ -40513,7 +40975,7 @@
 </p:sld>
 </file>
 
-<file path=ppt/slides/slide92.xml><?xml version="1.0" encoding="utf-8"?>
+<file path=ppt/slides/slide93.xml><?xml version="1.0" encoding="utf-8"?>
 <p:sld xmlns:a="http://schemas.openxmlformats.org/drawingml/2006/main" xmlns:r="http://schemas.openxmlformats.org/officeDocument/2006/relationships" xmlns:p="http://schemas.openxmlformats.org/presentationml/2006/main">
   <p:cSld>
     <p:spTree>

--- a/Presentation/Разработка ботов для телеграмм на Python.pptx
+++ b/Presentation/Разработка ботов для телеграмм на Python.pptx
@@ -96,8 +96,11 @@
     <p:sldId id="344" r:id="rId90"/>
     <p:sldId id="345" r:id="rId91"/>
     <p:sldId id="348" r:id="rId92"/>
-    <p:sldId id="346" r:id="rId93"/>
-    <p:sldId id="347" r:id="rId94"/>
+    <p:sldId id="350" r:id="rId93"/>
+    <p:sldId id="351" r:id="rId94"/>
+    <p:sldId id="352" r:id="rId95"/>
+    <p:sldId id="346" r:id="rId96"/>
+    <p:sldId id="347" r:id="rId97"/>
   </p:sldIdLst>
   <p:sldSz cx="12192000" cy="6858000"/>
   <p:notesSz cx="6858000" cy="9144000"/>
@@ -40437,13 +40440,8 @@
           <a:p>
             <a:r>
               <a:rPr lang="ru-RU" dirty="0"/>
-              <a:t>Работа с файлами. </a:t>
-            </a:r>
-            <a:r>
-              <a:rPr lang="ru-RU"/>
-              <a:t>Открытие файла</a:t>
-            </a:r>
-            <a:endParaRPr lang="ru-RU" dirty="0"/>
+              <a:t>Работа с файлами. Открытие файла</a:t>
+            </a:r>
           </a:p>
         </p:txBody>
       </p:sp>
@@ -40895,6 +40893,2179 @@
           <p:cNvPr id="2" name="Заголовок 1">
             <a:extLst>
               <a:ext uri="{FF2B5EF4-FFF2-40B4-BE49-F238E27FC236}">
+                <a16:creationId xmlns:a16="http://schemas.microsoft.com/office/drawing/2014/main" id="{DB17F420-FAE2-4318-9603-0228A62248B9}"/>
+              </a:ext>
+            </a:extLst>
+          </p:cNvPr>
+          <p:cNvSpPr>
+            <a:spLocks noGrp="1"/>
+          </p:cNvSpPr>
+          <p:nvPr>
+            <p:ph type="title"/>
+          </p:nvPr>
+        </p:nvSpPr>
+        <p:spPr/>
+        <p:txBody>
+          <a:bodyPr/>
+          <a:lstStyle/>
+          <a:p>
+            <a:r>
+              <a:rPr lang="ru-RU" dirty="0"/>
+              <a:t>Работа  с файлами. Чтение из файла</a:t>
+            </a:r>
+          </a:p>
+        </p:txBody>
+      </p:sp>
+      <p:sp>
+        <p:nvSpPr>
+          <p:cNvPr id="5" name="TextBox 4">
+            <a:extLst>
+              <a:ext uri="{FF2B5EF4-FFF2-40B4-BE49-F238E27FC236}">
+                <a16:creationId xmlns:a16="http://schemas.microsoft.com/office/drawing/2014/main" id="{882FA3FB-AC0C-41B6-98A0-126FE3B07BA2}"/>
+              </a:ext>
+            </a:extLst>
+          </p:cNvPr>
+          <p:cNvSpPr txBox="1"/>
+          <p:nvPr/>
+        </p:nvSpPr>
+        <p:spPr>
+          <a:xfrm>
+            <a:off x="337583" y="2690889"/>
+            <a:ext cx="4181254" cy="923330"/>
+          </a:xfrm>
+          <a:prstGeom prst="rect">
+            <a:avLst/>
+          </a:prstGeom>
+          <a:noFill/>
+        </p:spPr>
+        <p:txBody>
+          <a:bodyPr wrap="square">
+            <a:spAutoFit/>
+          </a:bodyPr>
+          <a:lstStyle/>
+          <a:p>
+            <a:r>
+              <a:rPr lang="en-US" b="0" dirty="0">
+                <a:solidFill>
+                  <a:srgbClr val="C586C0"/>
+                </a:solidFill>
+                <a:effectLst/>
+                <a:latin typeface="Consolas" panose="020B0609020204030204" pitchFamily="49" charset="0"/>
+              </a:rPr>
+              <a:t>with</a:t>
+            </a:r>
+            <a:r>
+              <a:rPr lang="en-US" b="0" dirty="0">
+                <a:solidFill>
+                  <a:srgbClr val="D4D4D4"/>
+                </a:solidFill>
+                <a:effectLst/>
+                <a:latin typeface="Consolas" panose="020B0609020204030204" pitchFamily="49" charset="0"/>
+              </a:rPr>
+              <a:t> </a:t>
+            </a:r>
+            <a:r>
+              <a:rPr lang="en-US" b="0" dirty="0">
+                <a:solidFill>
+                  <a:srgbClr val="DCDCAA"/>
+                </a:solidFill>
+                <a:effectLst/>
+                <a:latin typeface="Consolas" panose="020B0609020204030204" pitchFamily="49" charset="0"/>
+              </a:rPr>
+              <a:t>open</a:t>
+            </a:r>
+            <a:r>
+              <a:rPr lang="en-US" b="0" dirty="0">
+                <a:solidFill>
+                  <a:srgbClr val="D4D4D4"/>
+                </a:solidFill>
+                <a:effectLst/>
+                <a:latin typeface="Consolas" panose="020B0609020204030204" pitchFamily="49" charset="0"/>
+              </a:rPr>
+              <a:t>(</a:t>
+            </a:r>
+            <a:r>
+              <a:rPr lang="en-US" b="0" dirty="0">
+                <a:solidFill>
+                  <a:srgbClr val="CE9178"/>
+                </a:solidFill>
+                <a:effectLst/>
+                <a:latin typeface="Consolas" panose="020B0609020204030204" pitchFamily="49" charset="0"/>
+              </a:rPr>
+              <a:t>'sandbox.txt'</a:t>
+            </a:r>
+            <a:r>
+              <a:rPr lang="en-US" b="0" dirty="0">
+                <a:solidFill>
+                  <a:srgbClr val="D4D4D4"/>
+                </a:solidFill>
+                <a:effectLst/>
+                <a:latin typeface="Consolas" panose="020B0609020204030204" pitchFamily="49" charset="0"/>
+              </a:rPr>
+              <a:t>) </a:t>
+            </a:r>
+            <a:r>
+              <a:rPr lang="en-US" b="0" dirty="0">
+                <a:solidFill>
+                  <a:srgbClr val="C586C0"/>
+                </a:solidFill>
+                <a:effectLst/>
+                <a:latin typeface="Consolas" panose="020B0609020204030204" pitchFamily="49" charset="0"/>
+              </a:rPr>
+              <a:t>as</a:t>
+            </a:r>
+            <a:r>
+              <a:rPr lang="en-US" b="0" dirty="0">
+                <a:solidFill>
+                  <a:srgbClr val="D4D4D4"/>
+                </a:solidFill>
+                <a:effectLst/>
+                <a:latin typeface="Consolas" panose="020B0609020204030204" pitchFamily="49" charset="0"/>
+              </a:rPr>
+              <a:t> f:</a:t>
+            </a:r>
+          </a:p>
+          <a:p>
+            <a:r>
+              <a:rPr lang="en-US" b="0" dirty="0">
+                <a:solidFill>
+                  <a:srgbClr val="D4D4D4"/>
+                </a:solidFill>
+                <a:effectLst/>
+                <a:latin typeface="Consolas" panose="020B0609020204030204" pitchFamily="49" charset="0"/>
+              </a:rPr>
+              <a:t>    text = </a:t>
+            </a:r>
+            <a:r>
+              <a:rPr lang="en-US" b="0" dirty="0" err="1">
+                <a:solidFill>
+                  <a:srgbClr val="D4D4D4"/>
+                </a:solidFill>
+                <a:effectLst/>
+                <a:latin typeface="Consolas" panose="020B0609020204030204" pitchFamily="49" charset="0"/>
+              </a:rPr>
+              <a:t>f.read</a:t>
+            </a:r>
+            <a:r>
+              <a:rPr lang="en-US" b="0" dirty="0">
+                <a:solidFill>
+                  <a:srgbClr val="D4D4D4"/>
+                </a:solidFill>
+                <a:effectLst/>
+                <a:latin typeface="Consolas" panose="020B0609020204030204" pitchFamily="49" charset="0"/>
+              </a:rPr>
+              <a:t>()</a:t>
+            </a:r>
+          </a:p>
+          <a:p>
+            <a:r>
+              <a:rPr lang="en-US" b="0" dirty="0">
+                <a:solidFill>
+                  <a:srgbClr val="DCDCAA"/>
+                </a:solidFill>
+                <a:effectLst/>
+                <a:latin typeface="Consolas" panose="020B0609020204030204" pitchFamily="49" charset="0"/>
+              </a:rPr>
+              <a:t>print</a:t>
+            </a:r>
+            <a:r>
+              <a:rPr lang="en-US" b="0" dirty="0">
+                <a:solidFill>
+                  <a:srgbClr val="D4D4D4"/>
+                </a:solidFill>
+                <a:effectLst/>
+                <a:latin typeface="Consolas" panose="020B0609020204030204" pitchFamily="49" charset="0"/>
+              </a:rPr>
+              <a:t>(text)</a:t>
+            </a:r>
+          </a:p>
+        </p:txBody>
+      </p:sp>
+      <p:cxnSp>
+        <p:nvCxnSpPr>
+          <p:cNvPr id="7" name="Прямая соединительная линия 6">
+            <a:extLst>
+              <a:ext uri="{FF2B5EF4-FFF2-40B4-BE49-F238E27FC236}">
+                <a16:creationId xmlns:a16="http://schemas.microsoft.com/office/drawing/2014/main" id="{167AC0E6-3420-425D-AF56-8A4E11A9ABFD}"/>
+              </a:ext>
+            </a:extLst>
+          </p:cNvPr>
+          <p:cNvCxnSpPr/>
+          <p:nvPr/>
+        </p:nvCxnSpPr>
+        <p:spPr>
+          <a:xfrm>
+            <a:off x="4306186" y="1562986"/>
+            <a:ext cx="0" cy="4731488"/>
+          </a:xfrm>
+          <a:prstGeom prst="line">
+            <a:avLst/>
+          </a:prstGeom>
+        </p:spPr>
+        <p:style>
+          <a:lnRef idx="1">
+            <a:schemeClr val="accent1"/>
+          </a:lnRef>
+          <a:fillRef idx="0">
+            <a:schemeClr val="accent1"/>
+          </a:fillRef>
+          <a:effectRef idx="0">
+            <a:schemeClr val="accent1"/>
+          </a:effectRef>
+          <a:fontRef idx="minor">
+            <a:schemeClr val="tx1"/>
+          </a:fontRef>
+        </p:style>
+      </p:cxnSp>
+      <p:sp>
+        <p:nvSpPr>
+          <p:cNvPr id="9" name="TextBox 8">
+            <a:extLst>
+              <a:ext uri="{FF2B5EF4-FFF2-40B4-BE49-F238E27FC236}">
+                <a16:creationId xmlns:a16="http://schemas.microsoft.com/office/drawing/2014/main" id="{DA6ADCB8-94DA-4C3E-8A65-96B8A72EC809}"/>
+              </a:ext>
+            </a:extLst>
+          </p:cNvPr>
+          <p:cNvSpPr txBox="1"/>
+          <p:nvPr/>
+        </p:nvSpPr>
+        <p:spPr>
+          <a:xfrm>
+            <a:off x="4515295" y="2690889"/>
+            <a:ext cx="7676705" cy="1200329"/>
+          </a:xfrm>
+          <a:prstGeom prst="rect">
+            <a:avLst/>
+          </a:prstGeom>
+          <a:noFill/>
+        </p:spPr>
+        <p:txBody>
+          <a:bodyPr wrap="square">
+            <a:spAutoFit/>
+          </a:bodyPr>
+          <a:lstStyle/>
+          <a:p>
+            <a:r>
+              <a:rPr lang="en-US" b="0" dirty="0">
+                <a:solidFill>
+                  <a:srgbClr val="C586C0"/>
+                </a:solidFill>
+                <a:effectLst/>
+                <a:latin typeface="Consolas" panose="020B0609020204030204" pitchFamily="49" charset="0"/>
+              </a:rPr>
+              <a:t>import</a:t>
+            </a:r>
+            <a:r>
+              <a:rPr lang="en-US" b="0" dirty="0">
+                <a:solidFill>
+                  <a:srgbClr val="D4D4D4"/>
+                </a:solidFill>
+                <a:effectLst/>
+                <a:latin typeface="Consolas" panose="020B0609020204030204" pitchFamily="49" charset="0"/>
+              </a:rPr>
+              <a:t> codecs</a:t>
+            </a:r>
+          </a:p>
+          <a:p>
+            <a:r>
+              <a:rPr lang="en-US" b="0" dirty="0">
+                <a:solidFill>
+                  <a:srgbClr val="C586C0"/>
+                </a:solidFill>
+                <a:effectLst/>
+                <a:latin typeface="Consolas" panose="020B0609020204030204" pitchFamily="49" charset="0"/>
+              </a:rPr>
+              <a:t>with</a:t>
+            </a:r>
+            <a:r>
+              <a:rPr lang="en-US" b="0" dirty="0">
+                <a:solidFill>
+                  <a:srgbClr val="D4D4D4"/>
+                </a:solidFill>
+                <a:effectLst/>
+                <a:latin typeface="Consolas" panose="020B0609020204030204" pitchFamily="49" charset="0"/>
+              </a:rPr>
+              <a:t> </a:t>
+            </a:r>
+            <a:r>
+              <a:rPr lang="en-US" b="0" dirty="0" err="1">
+                <a:solidFill>
+                  <a:srgbClr val="D4D4D4"/>
+                </a:solidFill>
+                <a:effectLst/>
+                <a:latin typeface="Consolas" panose="020B0609020204030204" pitchFamily="49" charset="0"/>
+              </a:rPr>
+              <a:t>codecs.open</a:t>
+            </a:r>
+            <a:r>
+              <a:rPr lang="en-US" b="0" dirty="0">
+                <a:solidFill>
+                  <a:srgbClr val="D4D4D4"/>
+                </a:solidFill>
+                <a:effectLst/>
+                <a:latin typeface="Consolas" panose="020B0609020204030204" pitchFamily="49" charset="0"/>
+              </a:rPr>
+              <a:t>(</a:t>
+            </a:r>
+            <a:r>
+              <a:rPr lang="en-US" b="0" dirty="0">
+                <a:solidFill>
+                  <a:srgbClr val="CE9178"/>
+                </a:solidFill>
+                <a:effectLst/>
+                <a:latin typeface="Consolas" panose="020B0609020204030204" pitchFamily="49" charset="0"/>
+              </a:rPr>
+              <a:t>'sandbox.txt'</a:t>
+            </a:r>
+            <a:r>
+              <a:rPr lang="en-US" b="0" dirty="0">
+                <a:solidFill>
+                  <a:srgbClr val="D4D4D4"/>
+                </a:solidFill>
+                <a:effectLst/>
+                <a:latin typeface="Consolas" panose="020B0609020204030204" pitchFamily="49" charset="0"/>
+              </a:rPr>
+              <a:t>, </a:t>
+            </a:r>
+            <a:r>
+              <a:rPr lang="en-US" b="0" dirty="0">
+                <a:solidFill>
+                  <a:srgbClr val="CE9178"/>
+                </a:solidFill>
+                <a:effectLst/>
+                <a:latin typeface="Consolas" panose="020B0609020204030204" pitchFamily="49" charset="0"/>
+              </a:rPr>
+              <a:t>’</a:t>
+            </a:r>
+            <a:r>
+              <a:rPr lang="en-US" b="0" dirty="0" err="1">
+                <a:solidFill>
+                  <a:srgbClr val="CE9178"/>
+                </a:solidFill>
+                <a:effectLst/>
+                <a:latin typeface="Consolas" panose="020B0609020204030204" pitchFamily="49" charset="0"/>
+              </a:rPr>
+              <a:t>r’</a:t>
+            </a:r>
+            <a:r>
+              <a:rPr lang="en-US" dirty="0" err="1">
+                <a:solidFill>
+                  <a:srgbClr val="D4D4D4"/>
+                </a:solidFill>
+                <a:latin typeface="Consolas" panose="020B0609020204030204" pitchFamily="49" charset="0"/>
+              </a:rPr>
+              <a:t>,</a:t>
+            </a:r>
+            <a:r>
+              <a:rPr lang="en-US" b="0" dirty="0" err="1">
+                <a:solidFill>
+                  <a:srgbClr val="9CDCFE"/>
+                </a:solidFill>
+                <a:effectLst/>
+                <a:latin typeface="Consolas" panose="020B0609020204030204" pitchFamily="49" charset="0"/>
+              </a:rPr>
+              <a:t>encoding</a:t>
+            </a:r>
+            <a:r>
+              <a:rPr lang="en-US" b="0" dirty="0">
+                <a:solidFill>
+                  <a:srgbClr val="D4D4D4"/>
+                </a:solidFill>
+                <a:effectLst/>
+                <a:latin typeface="Consolas" panose="020B0609020204030204" pitchFamily="49" charset="0"/>
+              </a:rPr>
+              <a:t>=</a:t>
+            </a:r>
+            <a:r>
+              <a:rPr lang="en-US" b="0" dirty="0">
+                <a:solidFill>
+                  <a:srgbClr val="CE9178"/>
+                </a:solidFill>
+                <a:effectLst/>
+                <a:latin typeface="Consolas" panose="020B0609020204030204" pitchFamily="49" charset="0"/>
+              </a:rPr>
+              <a:t>'utf8'</a:t>
+            </a:r>
+            <a:r>
+              <a:rPr lang="en-US" b="0" dirty="0">
+                <a:solidFill>
+                  <a:srgbClr val="D4D4D4"/>
+                </a:solidFill>
+                <a:effectLst/>
+                <a:latin typeface="Consolas" panose="020B0609020204030204" pitchFamily="49" charset="0"/>
+              </a:rPr>
+              <a:t>) </a:t>
+            </a:r>
+            <a:r>
+              <a:rPr lang="en-US" b="0" dirty="0">
+                <a:solidFill>
+                  <a:srgbClr val="C586C0"/>
+                </a:solidFill>
+                <a:effectLst/>
+                <a:latin typeface="Consolas" panose="020B0609020204030204" pitchFamily="49" charset="0"/>
+              </a:rPr>
+              <a:t>as</a:t>
+            </a:r>
+            <a:r>
+              <a:rPr lang="en-US" b="0" dirty="0">
+                <a:solidFill>
+                  <a:srgbClr val="D4D4D4"/>
+                </a:solidFill>
+                <a:effectLst/>
+                <a:latin typeface="Consolas" panose="020B0609020204030204" pitchFamily="49" charset="0"/>
+              </a:rPr>
+              <a:t> f:</a:t>
+            </a:r>
+          </a:p>
+          <a:p>
+            <a:r>
+              <a:rPr lang="en-US" b="0" dirty="0">
+                <a:solidFill>
+                  <a:srgbClr val="D4D4D4"/>
+                </a:solidFill>
+                <a:effectLst/>
+                <a:latin typeface="Consolas" panose="020B0609020204030204" pitchFamily="49" charset="0"/>
+              </a:rPr>
+              <a:t>    text = </a:t>
+            </a:r>
+            <a:r>
+              <a:rPr lang="en-US" b="0" dirty="0" err="1">
+                <a:solidFill>
+                  <a:srgbClr val="D4D4D4"/>
+                </a:solidFill>
+                <a:effectLst/>
+                <a:latin typeface="Consolas" panose="020B0609020204030204" pitchFamily="49" charset="0"/>
+              </a:rPr>
+              <a:t>f.read</a:t>
+            </a:r>
+            <a:r>
+              <a:rPr lang="en-US" b="0" dirty="0">
+                <a:solidFill>
+                  <a:srgbClr val="D4D4D4"/>
+                </a:solidFill>
+                <a:effectLst/>
+                <a:latin typeface="Consolas" panose="020B0609020204030204" pitchFamily="49" charset="0"/>
+              </a:rPr>
+              <a:t>()</a:t>
+            </a:r>
+          </a:p>
+          <a:p>
+            <a:r>
+              <a:rPr lang="en-US" b="0" dirty="0">
+                <a:solidFill>
+                  <a:srgbClr val="DCDCAA"/>
+                </a:solidFill>
+                <a:effectLst/>
+                <a:latin typeface="Consolas" panose="020B0609020204030204" pitchFamily="49" charset="0"/>
+              </a:rPr>
+              <a:t>print</a:t>
+            </a:r>
+            <a:r>
+              <a:rPr lang="en-US" b="0" dirty="0">
+                <a:solidFill>
+                  <a:srgbClr val="D4D4D4"/>
+                </a:solidFill>
+                <a:effectLst/>
+                <a:latin typeface="Consolas" panose="020B0609020204030204" pitchFamily="49" charset="0"/>
+              </a:rPr>
+              <a:t>(text)</a:t>
+            </a:r>
+          </a:p>
+        </p:txBody>
+      </p:sp>
+      <p:sp>
+        <p:nvSpPr>
+          <p:cNvPr id="10" name="Облачко с текстом: прямоугольное 9">
+            <a:extLst>
+              <a:ext uri="{FF2B5EF4-FFF2-40B4-BE49-F238E27FC236}">
+                <a16:creationId xmlns:a16="http://schemas.microsoft.com/office/drawing/2014/main" id="{C1DFE8B1-078A-437A-87F7-57C68326F40D}"/>
+              </a:ext>
+            </a:extLst>
+          </p:cNvPr>
+          <p:cNvSpPr/>
+          <p:nvPr/>
+        </p:nvSpPr>
+        <p:spPr>
+          <a:xfrm>
+            <a:off x="935665" y="5816009"/>
+            <a:ext cx="2434856" cy="776177"/>
+          </a:xfrm>
+          <a:prstGeom prst="wedgeRectCallout">
+            <a:avLst>
+              <a:gd name="adj1" fmla="val -7733"/>
+              <a:gd name="adj2" fmla="val -232020"/>
+            </a:avLst>
+          </a:prstGeom>
+        </p:spPr>
+        <p:style>
+          <a:lnRef idx="2">
+            <a:schemeClr val="accent1">
+              <a:shade val="50000"/>
+            </a:schemeClr>
+          </a:lnRef>
+          <a:fillRef idx="1">
+            <a:schemeClr val="accent1"/>
+          </a:fillRef>
+          <a:effectRef idx="0">
+            <a:schemeClr val="accent1"/>
+          </a:effectRef>
+          <a:fontRef idx="minor">
+            <a:schemeClr val="lt1"/>
+          </a:fontRef>
+        </p:style>
+        <p:txBody>
+          <a:bodyPr rtlCol="0" anchor="ctr"/>
+          <a:lstStyle/>
+          <a:p>
+            <a:pPr algn="ctr"/>
+            <a:r>
+              <a:rPr lang="ru-RU" dirty="0"/>
+              <a:t>Чтение файла обычной кодировки</a:t>
+            </a:r>
+          </a:p>
+        </p:txBody>
+      </p:sp>
+      <p:sp>
+        <p:nvSpPr>
+          <p:cNvPr id="11" name="Облачко с текстом: прямоугольное 10">
+            <a:extLst>
+              <a:ext uri="{FF2B5EF4-FFF2-40B4-BE49-F238E27FC236}">
+                <a16:creationId xmlns:a16="http://schemas.microsoft.com/office/drawing/2014/main" id="{296AA80B-B6D8-4579-BD54-EA2DCF30740C}"/>
+              </a:ext>
+            </a:extLst>
+          </p:cNvPr>
+          <p:cNvSpPr/>
+          <p:nvPr/>
+        </p:nvSpPr>
+        <p:spPr>
+          <a:xfrm>
+            <a:off x="7448109" y="5816009"/>
+            <a:ext cx="2434856" cy="776177"/>
+          </a:xfrm>
+          <a:prstGeom prst="wedgeRectCallout">
+            <a:avLst>
+              <a:gd name="adj1" fmla="val -65812"/>
+              <a:gd name="adj2" fmla="val -266267"/>
+            </a:avLst>
+          </a:prstGeom>
+        </p:spPr>
+        <p:style>
+          <a:lnRef idx="2">
+            <a:schemeClr val="accent1">
+              <a:shade val="50000"/>
+            </a:schemeClr>
+          </a:lnRef>
+          <a:fillRef idx="1">
+            <a:schemeClr val="accent1"/>
+          </a:fillRef>
+          <a:effectRef idx="0">
+            <a:schemeClr val="accent1"/>
+          </a:effectRef>
+          <a:fontRef idx="minor">
+            <a:schemeClr val="lt1"/>
+          </a:fontRef>
+        </p:style>
+        <p:txBody>
+          <a:bodyPr rtlCol="0" anchor="ctr"/>
+          <a:lstStyle/>
+          <a:p>
+            <a:pPr algn="ctr"/>
+            <a:r>
+              <a:rPr lang="ru-RU" dirty="0"/>
+              <a:t>Чтение файла кодировки </a:t>
+            </a:r>
+            <a:r>
+              <a:rPr lang="en-US" dirty="0"/>
+              <a:t>utr-8 (</a:t>
+            </a:r>
+            <a:r>
+              <a:rPr lang="ru-RU" dirty="0"/>
+              <a:t>кириллица и пр.)</a:t>
+            </a:r>
+          </a:p>
+        </p:txBody>
+      </p:sp>
+    </p:spTree>
+    <p:extLst>
+      <p:ext uri="{BB962C8B-B14F-4D97-AF65-F5344CB8AC3E}">
+        <p14:creationId xmlns:p14="http://schemas.microsoft.com/office/powerpoint/2010/main" val="1620453357"/>
+      </p:ext>
+    </p:extLst>
+  </p:cSld>
+  <p:clrMapOvr>
+    <a:masterClrMapping/>
+  </p:clrMapOvr>
+</p:sld>
+</file>
+
+<file path=ppt/slides/slide93.xml><?xml version="1.0" encoding="utf-8"?>
+<p:sld xmlns:a="http://schemas.openxmlformats.org/drawingml/2006/main" xmlns:r="http://schemas.openxmlformats.org/officeDocument/2006/relationships" xmlns:p="http://schemas.openxmlformats.org/presentationml/2006/main">
+  <p:cSld>
+    <p:spTree>
+      <p:nvGrpSpPr>
+        <p:cNvPr id="1" name=""/>
+        <p:cNvGrpSpPr/>
+        <p:nvPr/>
+      </p:nvGrpSpPr>
+      <p:grpSpPr>
+        <a:xfrm>
+          <a:off x="0" y="0"/>
+          <a:ext cx="0" cy="0"/>
+          <a:chOff x="0" y="0"/>
+          <a:chExt cx="0" cy="0"/>
+        </a:xfrm>
+      </p:grpSpPr>
+      <p:sp>
+        <p:nvSpPr>
+          <p:cNvPr id="2" name="Заголовок 1">
+            <a:extLst>
+              <a:ext uri="{FF2B5EF4-FFF2-40B4-BE49-F238E27FC236}">
+                <a16:creationId xmlns:a16="http://schemas.microsoft.com/office/drawing/2014/main" id="{7EFB3EE7-0CDF-4D0F-A907-5E99BD6BACDF}"/>
+              </a:ext>
+            </a:extLst>
+          </p:cNvPr>
+          <p:cNvSpPr>
+            <a:spLocks noGrp="1"/>
+          </p:cNvSpPr>
+          <p:nvPr>
+            <p:ph type="title"/>
+          </p:nvPr>
+        </p:nvSpPr>
+        <p:spPr/>
+        <p:txBody>
+          <a:bodyPr/>
+          <a:lstStyle/>
+          <a:p>
+            <a:r>
+              <a:rPr lang="ru-RU" dirty="0"/>
+              <a:t>Работа с файлом. Чтение из файла. Оператор </a:t>
+            </a:r>
+            <a:r>
+              <a:rPr lang="en-US" dirty="0"/>
+              <a:t>for</a:t>
+            </a:r>
+            <a:endParaRPr lang="ru-RU" dirty="0"/>
+          </a:p>
+        </p:txBody>
+      </p:sp>
+      <p:sp>
+        <p:nvSpPr>
+          <p:cNvPr id="4" name="TextBox 3">
+            <a:extLst>
+              <a:ext uri="{FF2B5EF4-FFF2-40B4-BE49-F238E27FC236}">
+                <a16:creationId xmlns:a16="http://schemas.microsoft.com/office/drawing/2014/main" id="{DAFD2AAF-F060-4228-8184-8FB7F9E064BC}"/>
+              </a:ext>
+            </a:extLst>
+          </p:cNvPr>
+          <p:cNvSpPr txBox="1"/>
+          <p:nvPr/>
+        </p:nvSpPr>
+        <p:spPr>
+          <a:xfrm>
+            <a:off x="305686" y="2818479"/>
+            <a:ext cx="4489598" cy="923330"/>
+          </a:xfrm>
+          <a:prstGeom prst="rect">
+            <a:avLst/>
+          </a:prstGeom>
+          <a:noFill/>
+        </p:spPr>
+        <p:txBody>
+          <a:bodyPr wrap="square">
+            <a:spAutoFit/>
+          </a:bodyPr>
+          <a:lstStyle/>
+          <a:p>
+            <a:r>
+              <a:rPr lang="en-US" b="0" dirty="0">
+                <a:solidFill>
+                  <a:srgbClr val="C586C0"/>
+                </a:solidFill>
+                <a:effectLst/>
+                <a:latin typeface="Consolas" panose="020B0609020204030204" pitchFamily="49" charset="0"/>
+              </a:rPr>
+              <a:t>with</a:t>
+            </a:r>
+            <a:r>
+              <a:rPr lang="en-US" b="0" dirty="0">
+                <a:solidFill>
+                  <a:srgbClr val="D4D4D4"/>
+                </a:solidFill>
+                <a:effectLst/>
+                <a:latin typeface="Consolas" panose="020B0609020204030204" pitchFamily="49" charset="0"/>
+              </a:rPr>
+              <a:t> </a:t>
+            </a:r>
+            <a:r>
+              <a:rPr lang="en-US" b="0" dirty="0">
+                <a:solidFill>
+                  <a:srgbClr val="DCDCAA"/>
+                </a:solidFill>
+                <a:effectLst/>
+                <a:latin typeface="Consolas" panose="020B0609020204030204" pitchFamily="49" charset="0"/>
+              </a:rPr>
+              <a:t>open</a:t>
+            </a:r>
+            <a:r>
+              <a:rPr lang="en-US" b="0" dirty="0">
+                <a:solidFill>
+                  <a:srgbClr val="D4D4D4"/>
+                </a:solidFill>
+                <a:effectLst/>
+                <a:latin typeface="Consolas" panose="020B0609020204030204" pitchFamily="49" charset="0"/>
+              </a:rPr>
+              <a:t>(</a:t>
+            </a:r>
+            <a:r>
+              <a:rPr lang="en-US" b="0" dirty="0">
+                <a:solidFill>
+                  <a:srgbClr val="CE9178"/>
+                </a:solidFill>
+                <a:effectLst/>
+                <a:latin typeface="Consolas" panose="020B0609020204030204" pitchFamily="49" charset="0"/>
+              </a:rPr>
+              <a:t>'</a:t>
+            </a:r>
+            <a:r>
+              <a:rPr lang="en-US" b="0" dirty="0" err="1">
+                <a:solidFill>
+                  <a:srgbClr val="CE9178"/>
+                </a:solidFill>
+                <a:effectLst/>
+                <a:latin typeface="Consolas" panose="020B0609020204030204" pitchFamily="49" charset="0"/>
+              </a:rPr>
+              <a:t>sandbox.txt'</a:t>
+            </a:r>
+            <a:r>
+              <a:rPr lang="en-US" b="0" dirty="0" err="1">
+                <a:solidFill>
+                  <a:srgbClr val="D4D4D4"/>
+                </a:solidFill>
+                <a:effectLst/>
+                <a:latin typeface="Consolas" panose="020B0609020204030204" pitchFamily="49" charset="0"/>
+              </a:rPr>
+              <a:t>,</a:t>
+            </a:r>
+            <a:r>
+              <a:rPr lang="en-US" b="0" dirty="0" err="1">
+                <a:solidFill>
+                  <a:srgbClr val="CE9178"/>
+                </a:solidFill>
+                <a:effectLst/>
+                <a:latin typeface="Consolas" panose="020B0609020204030204" pitchFamily="49" charset="0"/>
+              </a:rPr>
+              <a:t>'r</a:t>
+            </a:r>
+            <a:r>
+              <a:rPr lang="en-US" b="0" dirty="0">
+                <a:solidFill>
+                  <a:srgbClr val="CE9178"/>
+                </a:solidFill>
+                <a:effectLst/>
+                <a:latin typeface="Consolas" panose="020B0609020204030204" pitchFamily="49" charset="0"/>
+              </a:rPr>
+              <a:t>'</a:t>
+            </a:r>
+            <a:r>
+              <a:rPr lang="en-US" b="0" dirty="0">
+                <a:solidFill>
+                  <a:srgbClr val="D4D4D4"/>
+                </a:solidFill>
+                <a:effectLst/>
+                <a:latin typeface="Consolas" panose="020B0609020204030204" pitchFamily="49" charset="0"/>
+              </a:rPr>
+              <a:t>) </a:t>
+            </a:r>
+            <a:r>
+              <a:rPr lang="en-US" b="0" dirty="0">
+                <a:solidFill>
+                  <a:srgbClr val="C586C0"/>
+                </a:solidFill>
+                <a:effectLst/>
+                <a:latin typeface="Consolas" panose="020B0609020204030204" pitchFamily="49" charset="0"/>
+              </a:rPr>
+              <a:t>as</a:t>
+            </a:r>
+            <a:r>
+              <a:rPr lang="en-US" b="0" dirty="0">
+                <a:solidFill>
+                  <a:srgbClr val="D4D4D4"/>
+                </a:solidFill>
+                <a:effectLst/>
+                <a:latin typeface="Consolas" panose="020B0609020204030204" pitchFamily="49" charset="0"/>
+              </a:rPr>
+              <a:t> f:</a:t>
+            </a:r>
+          </a:p>
+          <a:p>
+            <a:r>
+              <a:rPr lang="en-US" b="0" dirty="0">
+                <a:solidFill>
+                  <a:srgbClr val="D4D4D4"/>
+                </a:solidFill>
+                <a:effectLst/>
+                <a:latin typeface="Consolas" panose="020B0609020204030204" pitchFamily="49" charset="0"/>
+              </a:rPr>
+              <a:t>    </a:t>
+            </a:r>
+            <a:r>
+              <a:rPr lang="en-US" b="0" dirty="0">
+                <a:solidFill>
+                  <a:srgbClr val="C586C0"/>
+                </a:solidFill>
+                <a:effectLst/>
+                <a:latin typeface="Consolas" panose="020B0609020204030204" pitchFamily="49" charset="0"/>
+              </a:rPr>
+              <a:t>for</a:t>
+            </a:r>
+            <a:r>
+              <a:rPr lang="en-US" b="0" dirty="0">
+                <a:solidFill>
+                  <a:srgbClr val="D4D4D4"/>
+                </a:solidFill>
+                <a:effectLst/>
+                <a:latin typeface="Consolas" panose="020B0609020204030204" pitchFamily="49" charset="0"/>
+              </a:rPr>
+              <a:t> </a:t>
+            </a:r>
+            <a:r>
+              <a:rPr lang="en-US" b="0" dirty="0" err="1">
+                <a:solidFill>
+                  <a:srgbClr val="D4D4D4"/>
+                </a:solidFill>
+                <a:effectLst/>
+                <a:latin typeface="Consolas" panose="020B0609020204030204" pitchFamily="49" charset="0"/>
+              </a:rPr>
+              <a:t>current_line</a:t>
+            </a:r>
+            <a:r>
+              <a:rPr lang="en-US" b="0" dirty="0">
+                <a:solidFill>
+                  <a:srgbClr val="D4D4D4"/>
+                </a:solidFill>
+                <a:effectLst/>
+                <a:latin typeface="Consolas" panose="020B0609020204030204" pitchFamily="49" charset="0"/>
+              </a:rPr>
+              <a:t> </a:t>
+            </a:r>
+            <a:r>
+              <a:rPr lang="en-US" b="0" dirty="0">
+                <a:solidFill>
+                  <a:srgbClr val="C586C0"/>
+                </a:solidFill>
+                <a:effectLst/>
+                <a:latin typeface="Consolas" panose="020B0609020204030204" pitchFamily="49" charset="0"/>
+              </a:rPr>
+              <a:t>in</a:t>
+            </a:r>
+            <a:r>
+              <a:rPr lang="en-US" b="0" dirty="0">
+                <a:solidFill>
+                  <a:srgbClr val="D4D4D4"/>
+                </a:solidFill>
+                <a:effectLst/>
+                <a:latin typeface="Consolas" panose="020B0609020204030204" pitchFamily="49" charset="0"/>
+              </a:rPr>
+              <a:t> f:</a:t>
+            </a:r>
+          </a:p>
+          <a:p>
+            <a:r>
+              <a:rPr lang="en-US" b="0" dirty="0">
+                <a:solidFill>
+                  <a:srgbClr val="D4D4D4"/>
+                </a:solidFill>
+                <a:effectLst/>
+                <a:latin typeface="Consolas" panose="020B0609020204030204" pitchFamily="49" charset="0"/>
+              </a:rPr>
+              <a:t>        </a:t>
+            </a:r>
+            <a:r>
+              <a:rPr lang="en-US" b="0" dirty="0">
+                <a:solidFill>
+                  <a:srgbClr val="DCDCAA"/>
+                </a:solidFill>
+                <a:effectLst/>
+                <a:latin typeface="Consolas" panose="020B0609020204030204" pitchFamily="49" charset="0"/>
+              </a:rPr>
+              <a:t>print</a:t>
+            </a:r>
+            <a:r>
+              <a:rPr lang="en-US" b="0" dirty="0">
+                <a:solidFill>
+                  <a:srgbClr val="D4D4D4"/>
+                </a:solidFill>
+                <a:effectLst/>
+                <a:latin typeface="Consolas" panose="020B0609020204030204" pitchFamily="49" charset="0"/>
+              </a:rPr>
+              <a:t>(</a:t>
+            </a:r>
+            <a:r>
+              <a:rPr lang="en-US" b="0" dirty="0" err="1">
+                <a:solidFill>
+                  <a:srgbClr val="D4D4D4"/>
+                </a:solidFill>
+                <a:effectLst/>
+                <a:latin typeface="Consolas" panose="020B0609020204030204" pitchFamily="49" charset="0"/>
+              </a:rPr>
+              <a:t>current_line</a:t>
+            </a:r>
+            <a:r>
+              <a:rPr lang="en-US" b="0" dirty="0">
+                <a:solidFill>
+                  <a:srgbClr val="D4D4D4"/>
+                </a:solidFill>
+                <a:effectLst/>
+                <a:latin typeface="Consolas" panose="020B0609020204030204" pitchFamily="49" charset="0"/>
+              </a:rPr>
+              <a:t>)</a:t>
+            </a:r>
+          </a:p>
+        </p:txBody>
+      </p:sp>
+      <p:cxnSp>
+        <p:nvCxnSpPr>
+          <p:cNvPr id="6" name="Прямая соединительная линия 5">
+            <a:extLst>
+              <a:ext uri="{FF2B5EF4-FFF2-40B4-BE49-F238E27FC236}">
+                <a16:creationId xmlns:a16="http://schemas.microsoft.com/office/drawing/2014/main" id="{7B56EBEA-81E8-4009-A774-110F1B2824FF}"/>
+              </a:ext>
+            </a:extLst>
+          </p:cNvPr>
+          <p:cNvCxnSpPr/>
+          <p:nvPr/>
+        </p:nvCxnSpPr>
+        <p:spPr>
+          <a:xfrm>
+            <a:off x="4795284" y="2020186"/>
+            <a:ext cx="0" cy="4561367"/>
+          </a:xfrm>
+          <a:prstGeom prst="line">
+            <a:avLst/>
+          </a:prstGeom>
+        </p:spPr>
+        <p:style>
+          <a:lnRef idx="1">
+            <a:schemeClr val="accent1"/>
+          </a:lnRef>
+          <a:fillRef idx="0">
+            <a:schemeClr val="accent1"/>
+          </a:fillRef>
+          <a:effectRef idx="0">
+            <a:schemeClr val="accent1"/>
+          </a:effectRef>
+          <a:fontRef idx="minor">
+            <a:schemeClr val="tx1"/>
+          </a:fontRef>
+        </p:style>
+      </p:cxnSp>
+      <p:sp>
+        <p:nvSpPr>
+          <p:cNvPr id="8" name="TextBox 7">
+            <a:extLst>
+              <a:ext uri="{FF2B5EF4-FFF2-40B4-BE49-F238E27FC236}">
+                <a16:creationId xmlns:a16="http://schemas.microsoft.com/office/drawing/2014/main" id="{2CE5721D-28C5-403B-A793-E2327FA5AC32}"/>
+              </a:ext>
+            </a:extLst>
+          </p:cNvPr>
+          <p:cNvSpPr txBox="1"/>
+          <p:nvPr/>
+        </p:nvSpPr>
+        <p:spPr>
+          <a:xfrm>
+            <a:off x="5100983" y="2818479"/>
+            <a:ext cx="7091017" cy="1477328"/>
+          </a:xfrm>
+          <a:prstGeom prst="rect">
+            <a:avLst/>
+          </a:prstGeom>
+          <a:noFill/>
+        </p:spPr>
+        <p:txBody>
+          <a:bodyPr wrap="square">
+            <a:spAutoFit/>
+          </a:bodyPr>
+          <a:lstStyle/>
+          <a:p>
+            <a:r>
+              <a:rPr lang="en-US" b="0" dirty="0" err="1">
+                <a:solidFill>
+                  <a:srgbClr val="C586C0"/>
+                </a:solidFill>
+                <a:effectLst/>
+                <a:latin typeface="Consolas" panose="020B0609020204030204" pitchFamily="49" charset="0"/>
+              </a:rPr>
+              <a:t>mport</a:t>
+            </a:r>
+            <a:r>
+              <a:rPr lang="en-US" b="0" dirty="0">
+                <a:solidFill>
+                  <a:srgbClr val="D4D4D4"/>
+                </a:solidFill>
+                <a:effectLst/>
+                <a:latin typeface="Consolas" panose="020B0609020204030204" pitchFamily="49" charset="0"/>
+              </a:rPr>
+              <a:t> codecs</a:t>
+            </a:r>
+          </a:p>
+          <a:p>
+            <a:br>
+              <a:rPr lang="en-US" b="0" dirty="0">
+                <a:solidFill>
+                  <a:srgbClr val="D4D4D4"/>
+                </a:solidFill>
+                <a:effectLst/>
+                <a:latin typeface="Consolas" panose="020B0609020204030204" pitchFamily="49" charset="0"/>
+              </a:rPr>
+            </a:br>
+            <a:r>
+              <a:rPr lang="en-US" b="0" dirty="0">
+                <a:solidFill>
+                  <a:srgbClr val="C586C0"/>
+                </a:solidFill>
+                <a:effectLst/>
+                <a:latin typeface="Consolas" panose="020B0609020204030204" pitchFamily="49" charset="0"/>
+              </a:rPr>
+              <a:t>with</a:t>
+            </a:r>
+            <a:r>
+              <a:rPr lang="en-US" b="0" dirty="0">
+                <a:solidFill>
+                  <a:srgbClr val="D4D4D4"/>
+                </a:solidFill>
+                <a:effectLst/>
+                <a:latin typeface="Consolas" panose="020B0609020204030204" pitchFamily="49" charset="0"/>
+              </a:rPr>
+              <a:t> </a:t>
+            </a:r>
+            <a:r>
+              <a:rPr lang="en-US" b="0" dirty="0" err="1">
+                <a:solidFill>
+                  <a:srgbClr val="D4D4D4"/>
+                </a:solidFill>
+                <a:effectLst/>
+                <a:latin typeface="Consolas" panose="020B0609020204030204" pitchFamily="49" charset="0"/>
+              </a:rPr>
+              <a:t>codecs.open</a:t>
+            </a:r>
+            <a:r>
+              <a:rPr lang="en-US" b="0" dirty="0">
+                <a:solidFill>
+                  <a:srgbClr val="D4D4D4"/>
+                </a:solidFill>
+                <a:effectLst/>
+                <a:latin typeface="Consolas" panose="020B0609020204030204" pitchFamily="49" charset="0"/>
+              </a:rPr>
+              <a:t>(</a:t>
+            </a:r>
+            <a:r>
+              <a:rPr lang="en-US" b="0" dirty="0">
+                <a:solidFill>
+                  <a:srgbClr val="CE9178"/>
+                </a:solidFill>
+                <a:effectLst/>
+                <a:latin typeface="Consolas" panose="020B0609020204030204" pitchFamily="49" charset="0"/>
+              </a:rPr>
+              <a:t>'sandbox.txt'</a:t>
+            </a:r>
+            <a:r>
+              <a:rPr lang="en-US" b="0" dirty="0">
+                <a:solidFill>
+                  <a:srgbClr val="D4D4D4"/>
+                </a:solidFill>
+                <a:effectLst/>
+                <a:latin typeface="Consolas" panose="020B0609020204030204" pitchFamily="49" charset="0"/>
+              </a:rPr>
+              <a:t>,</a:t>
+            </a:r>
+            <a:r>
+              <a:rPr lang="en-US" b="0" dirty="0">
+                <a:solidFill>
+                  <a:srgbClr val="CE9178"/>
+                </a:solidFill>
+                <a:effectLst/>
+                <a:latin typeface="Consolas" panose="020B0609020204030204" pitchFamily="49" charset="0"/>
+              </a:rPr>
+              <a:t>'r'</a:t>
+            </a:r>
+            <a:r>
+              <a:rPr lang="en-US" b="0" dirty="0">
+                <a:solidFill>
+                  <a:srgbClr val="D4D4D4"/>
+                </a:solidFill>
+                <a:effectLst/>
+                <a:latin typeface="Consolas" panose="020B0609020204030204" pitchFamily="49" charset="0"/>
+              </a:rPr>
+              <a:t>,</a:t>
+            </a:r>
+            <a:r>
+              <a:rPr lang="en-US" b="0" dirty="0">
+                <a:solidFill>
+                  <a:srgbClr val="CE9178"/>
+                </a:solidFill>
+                <a:effectLst/>
+                <a:latin typeface="Consolas" panose="020B0609020204030204" pitchFamily="49" charset="0"/>
+              </a:rPr>
+              <a:t>'utf-8'</a:t>
+            </a:r>
+            <a:r>
+              <a:rPr lang="en-US" b="0" dirty="0">
+                <a:solidFill>
+                  <a:srgbClr val="D4D4D4"/>
+                </a:solidFill>
+                <a:effectLst/>
+                <a:latin typeface="Consolas" panose="020B0609020204030204" pitchFamily="49" charset="0"/>
+              </a:rPr>
+              <a:t>) </a:t>
+            </a:r>
+            <a:r>
+              <a:rPr lang="en-US" b="0" dirty="0">
+                <a:solidFill>
+                  <a:srgbClr val="C586C0"/>
+                </a:solidFill>
+                <a:effectLst/>
+                <a:latin typeface="Consolas" panose="020B0609020204030204" pitchFamily="49" charset="0"/>
+              </a:rPr>
+              <a:t>as</a:t>
+            </a:r>
+            <a:r>
+              <a:rPr lang="en-US" b="0" dirty="0">
+                <a:solidFill>
+                  <a:srgbClr val="D4D4D4"/>
+                </a:solidFill>
+                <a:effectLst/>
+                <a:latin typeface="Consolas" panose="020B0609020204030204" pitchFamily="49" charset="0"/>
+              </a:rPr>
+              <a:t> f:</a:t>
+            </a:r>
+          </a:p>
+          <a:p>
+            <a:r>
+              <a:rPr lang="en-US" b="0" dirty="0">
+                <a:solidFill>
+                  <a:srgbClr val="D4D4D4"/>
+                </a:solidFill>
+                <a:effectLst/>
+                <a:latin typeface="Consolas" panose="020B0609020204030204" pitchFamily="49" charset="0"/>
+              </a:rPr>
+              <a:t>    </a:t>
+            </a:r>
+            <a:r>
+              <a:rPr lang="en-US" b="0" dirty="0">
+                <a:solidFill>
+                  <a:srgbClr val="C586C0"/>
+                </a:solidFill>
+                <a:effectLst/>
+                <a:latin typeface="Consolas" panose="020B0609020204030204" pitchFamily="49" charset="0"/>
+              </a:rPr>
+              <a:t>for</a:t>
+            </a:r>
+            <a:r>
+              <a:rPr lang="en-US" b="0" dirty="0">
+                <a:solidFill>
+                  <a:srgbClr val="D4D4D4"/>
+                </a:solidFill>
+                <a:effectLst/>
+                <a:latin typeface="Consolas" panose="020B0609020204030204" pitchFamily="49" charset="0"/>
+              </a:rPr>
+              <a:t> </a:t>
+            </a:r>
+            <a:r>
+              <a:rPr lang="en-US" b="0" dirty="0" err="1">
+                <a:solidFill>
+                  <a:srgbClr val="D4D4D4"/>
+                </a:solidFill>
+                <a:effectLst/>
+                <a:latin typeface="Consolas" panose="020B0609020204030204" pitchFamily="49" charset="0"/>
+              </a:rPr>
+              <a:t>current_line</a:t>
+            </a:r>
+            <a:r>
+              <a:rPr lang="en-US" b="0" dirty="0">
+                <a:solidFill>
+                  <a:srgbClr val="D4D4D4"/>
+                </a:solidFill>
+                <a:effectLst/>
+                <a:latin typeface="Consolas" panose="020B0609020204030204" pitchFamily="49" charset="0"/>
+              </a:rPr>
+              <a:t> </a:t>
+            </a:r>
+            <a:r>
+              <a:rPr lang="en-US" b="0" dirty="0">
+                <a:solidFill>
+                  <a:srgbClr val="C586C0"/>
+                </a:solidFill>
+                <a:effectLst/>
+                <a:latin typeface="Consolas" panose="020B0609020204030204" pitchFamily="49" charset="0"/>
+              </a:rPr>
+              <a:t>in</a:t>
+            </a:r>
+            <a:r>
+              <a:rPr lang="en-US" b="0" dirty="0">
+                <a:solidFill>
+                  <a:srgbClr val="D4D4D4"/>
+                </a:solidFill>
+                <a:effectLst/>
+                <a:latin typeface="Consolas" panose="020B0609020204030204" pitchFamily="49" charset="0"/>
+              </a:rPr>
+              <a:t> f:</a:t>
+            </a:r>
+          </a:p>
+          <a:p>
+            <a:r>
+              <a:rPr lang="en-US" b="0" dirty="0">
+                <a:solidFill>
+                  <a:srgbClr val="D4D4D4"/>
+                </a:solidFill>
+                <a:effectLst/>
+                <a:latin typeface="Consolas" panose="020B0609020204030204" pitchFamily="49" charset="0"/>
+              </a:rPr>
+              <a:t>        </a:t>
+            </a:r>
+            <a:r>
+              <a:rPr lang="en-US" b="0" dirty="0">
+                <a:solidFill>
+                  <a:srgbClr val="DCDCAA"/>
+                </a:solidFill>
+                <a:effectLst/>
+                <a:latin typeface="Consolas" panose="020B0609020204030204" pitchFamily="49" charset="0"/>
+              </a:rPr>
+              <a:t>print</a:t>
+            </a:r>
+            <a:r>
+              <a:rPr lang="en-US" b="0" dirty="0">
+                <a:solidFill>
+                  <a:srgbClr val="D4D4D4"/>
+                </a:solidFill>
+                <a:effectLst/>
+                <a:latin typeface="Consolas" panose="020B0609020204030204" pitchFamily="49" charset="0"/>
+              </a:rPr>
+              <a:t>(</a:t>
+            </a:r>
+            <a:r>
+              <a:rPr lang="en-US" b="0" dirty="0" err="1">
+                <a:solidFill>
+                  <a:srgbClr val="D4D4D4"/>
+                </a:solidFill>
+                <a:effectLst/>
+                <a:latin typeface="Consolas" panose="020B0609020204030204" pitchFamily="49" charset="0"/>
+              </a:rPr>
+              <a:t>current_line</a:t>
+            </a:r>
+            <a:r>
+              <a:rPr lang="en-US" b="0" dirty="0">
+                <a:solidFill>
+                  <a:srgbClr val="D4D4D4"/>
+                </a:solidFill>
+                <a:effectLst/>
+                <a:latin typeface="Consolas" panose="020B0609020204030204" pitchFamily="49" charset="0"/>
+              </a:rPr>
+              <a:t>)</a:t>
+            </a:r>
+          </a:p>
+        </p:txBody>
+      </p:sp>
+      <p:sp>
+        <p:nvSpPr>
+          <p:cNvPr id="10" name="Облачко с текстом: прямоугольное 9">
+            <a:extLst>
+              <a:ext uri="{FF2B5EF4-FFF2-40B4-BE49-F238E27FC236}">
+                <a16:creationId xmlns:a16="http://schemas.microsoft.com/office/drawing/2014/main" id="{99EF36BF-3360-4786-9D26-87767E4C0950}"/>
+              </a:ext>
+            </a:extLst>
+          </p:cNvPr>
+          <p:cNvSpPr/>
+          <p:nvPr/>
+        </p:nvSpPr>
+        <p:spPr>
+          <a:xfrm>
+            <a:off x="935665" y="5816009"/>
+            <a:ext cx="2434856" cy="776177"/>
+          </a:xfrm>
+          <a:prstGeom prst="wedgeRectCallout">
+            <a:avLst>
+              <a:gd name="adj1" fmla="val -7733"/>
+              <a:gd name="adj2" fmla="val -232020"/>
+            </a:avLst>
+          </a:prstGeom>
+        </p:spPr>
+        <p:style>
+          <a:lnRef idx="2">
+            <a:schemeClr val="accent1">
+              <a:shade val="50000"/>
+            </a:schemeClr>
+          </a:lnRef>
+          <a:fillRef idx="1">
+            <a:schemeClr val="accent1"/>
+          </a:fillRef>
+          <a:effectRef idx="0">
+            <a:schemeClr val="accent1"/>
+          </a:effectRef>
+          <a:fontRef idx="minor">
+            <a:schemeClr val="lt1"/>
+          </a:fontRef>
+        </p:style>
+        <p:txBody>
+          <a:bodyPr rtlCol="0" anchor="ctr"/>
+          <a:lstStyle/>
+          <a:p>
+            <a:pPr algn="ctr"/>
+            <a:r>
+              <a:rPr lang="ru-RU" dirty="0"/>
+              <a:t>Чтение файла обычной кодировки</a:t>
+            </a:r>
+          </a:p>
+        </p:txBody>
+      </p:sp>
+      <p:sp>
+        <p:nvSpPr>
+          <p:cNvPr id="12" name="Облачко с текстом: прямоугольное 11">
+            <a:extLst>
+              <a:ext uri="{FF2B5EF4-FFF2-40B4-BE49-F238E27FC236}">
+                <a16:creationId xmlns:a16="http://schemas.microsoft.com/office/drawing/2014/main" id="{41CE54C4-2DD0-4375-BAB9-B6FC7545BF2D}"/>
+              </a:ext>
+            </a:extLst>
+          </p:cNvPr>
+          <p:cNvSpPr/>
+          <p:nvPr/>
+        </p:nvSpPr>
+        <p:spPr>
+          <a:xfrm>
+            <a:off x="7448109" y="5816009"/>
+            <a:ext cx="2434856" cy="776177"/>
+          </a:xfrm>
+          <a:prstGeom prst="wedgeRectCallout">
+            <a:avLst>
+              <a:gd name="adj1" fmla="val -65812"/>
+              <a:gd name="adj2" fmla="val -266267"/>
+            </a:avLst>
+          </a:prstGeom>
+        </p:spPr>
+        <p:style>
+          <a:lnRef idx="2">
+            <a:schemeClr val="accent1">
+              <a:shade val="50000"/>
+            </a:schemeClr>
+          </a:lnRef>
+          <a:fillRef idx="1">
+            <a:schemeClr val="accent1"/>
+          </a:fillRef>
+          <a:effectRef idx="0">
+            <a:schemeClr val="accent1"/>
+          </a:effectRef>
+          <a:fontRef idx="minor">
+            <a:schemeClr val="lt1"/>
+          </a:fontRef>
+        </p:style>
+        <p:txBody>
+          <a:bodyPr rtlCol="0" anchor="ctr"/>
+          <a:lstStyle/>
+          <a:p>
+            <a:pPr algn="ctr"/>
+            <a:r>
+              <a:rPr lang="ru-RU" dirty="0"/>
+              <a:t>Чтение файла кодировки </a:t>
+            </a:r>
+            <a:r>
+              <a:rPr lang="en-US" dirty="0"/>
+              <a:t>utr-8 (</a:t>
+            </a:r>
+            <a:r>
+              <a:rPr lang="ru-RU" dirty="0"/>
+              <a:t>кириллица и пр.)</a:t>
+            </a:r>
+          </a:p>
+        </p:txBody>
+      </p:sp>
+    </p:spTree>
+    <p:extLst>
+      <p:ext uri="{BB962C8B-B14F-4D97-AF65-F5344CB8AC3E}">
+        <p14:creationId xmlns:p14="http://schemas.microsoft.com/office/powerpoint/2010/main" val="406251339"/>
+      </p:ext>
+    </p:extLst>
+  </p:cSld>
+  <p:clrMapOvr>
+    <a:masterClrMapping/>
+  </p:clrMapOvr>
+</p:sld>
+</file>
+
+<file path=ppt/slides/slide94.xml><?xml version="1.0" encoding="utf-8"?>
+<p:sld xmlns:a="http://schemas.openxmlformats.org/drawingml/2006/main" xmlns:r="http://schemas.openxmlformats.org/officeDocument/2006/relationships" xmlns:p="http://schemas.openxmlformats.org/presentationml/2006/main">
+  <p:cSld>
+    <p:spTree>
+      <p:nvGrpSpPr>
+        <p:cNvPr id="1" name=""/>
+        <p:cNvGrpSpPr/>
+        <p:nvPr/>
+      </p:nvGrpSpPr>
+      <p:grpSpPr>
+        <a:xfrm>
+          <a:off x="0" y="0"/>
+          <a:ext cx="0" cy="0"/>
+          <a:chOff x="0" y="0"/>
+          <a:chExt cx="0" cy="0"/>
+        </a:xfrm>
+      </p:grpSpPr>
+      <p:sp>
+        <p:nvSpPr>
+          <p:cNvPr id="2" name="Заголовок 1">
+            <a:extLst>
+              <a:ext uri="{FF2B5EF4-FFF2-40B4-BE49-F238E27FC236}">
+                <a16:creationId xmlns:a16="http://schemas.microsoft.com/office/drawing/2014/main" id="{D6ED920C-2DEF-4FC7-80A3-CDD3286859BC}"/>
+              </a:ext>
+            </a:extLst>
+          </p:cNvPr>
+          <p:cNvSpPr>
+            <a:spLocks noGrp="1"/>
+          </p:cNvSpPr>
+          <p:nvPr>
+            <p:ph type="title"/>
+          </p:nvPr>
+        </p:nvSpPr>
+        <p:spPr/>
+        <p:txBody>
+          <a:bodyPr/>
+          <a:lstStyle/>
+          <a:p>
+            <a:r>
+              <a:rPr lang="ru-RU" dirty="0"/>
+              <a:t>Работа с файлом. Запись в файл</a:t>
+            </a:r>
+          </a:p>
+        </p:txBody>
+      </p:sp>
+      <p:sp>
+        <p:nvSpPr>
+          <p:cNvPr id="4" name="TextBox 3">
+            <a:extLst>
+              <a:ext uri="{FF2B5EF4-FFF2-40B4-BE49-F238E27FC236}">
+                <a16:creationId xmlns:a16="http://schemas.microsoft.com/office/drawing/2014/main" id="{4F998C3C-926F-4B7B-9BFD-B65C22E9548D}"/>
+              </a:ext>
+            </a:extLst>
+          </p:cNvPr>
+          <p:cNvSpPr txBox="1"/>
+          <p:nvPr/>
+        </p:nvSpPr>
+        <p:spPr>
+          <a:xfrm>
+            <a:off x="2389667" y="1999496"/>
+            <a:ext cx="7583671" cy="369332"/>
+          </a:xfrm>
+          <a:prstGeom prst="rect">
+            <a:avLst/>
+          </a:prstGeom>
+          <a:noFill/>
+        </p:spPr>
+        <p:txBody>
+          <a:bodyPr wrap="square">
+            <a:spAutoFit/>
+          </a:bodyPr>
+          <a:lstStyle/>
+          <a:p>
+            <a:r>
+              <a:rPr lang="en-US" b="0" dirty="0" err="1">
+                <a:solidFill>
+                  <a:srgbClr val="D4D4D4"/>
+                </a:solidFill>
+                <a:effectLst/>
+                <a:latin typeface="Consolas" panose="020B0609020204030204" pitchFamily="49" charset="0"/>
+              </a:rPr>
+              <a:t>buf</a:t>
+            </a:r>
+            <a:r>
+              <a:rPr lang="en-US" b="0" dirty="0">
+                <a:solidFill>
+                  <a:srgbClr val="D4D4D4"/>
+                </a:solidFill>
+                <a:effectLst/>
+                <a:latin typeface="Consolas" panose="020B0609020204030204" pitchFamily="49" charset="0"/>
+              </a:rPr>
+              <a:t> = </a:t>
+            </a:r>
+            <a:r>
+              <a:rPr lang="en-US" b="0" dirty="0">
+                <a:solidFill>
+                  <a:srgbClr val="CE9178"/>
+                </a:solidFill>
+                <a:effectLst/>
+                <a:latin typeface="Consolas" panose="020B0609020204030204" pitchFamily="49" charset="0"/>
+              </a:rPr>
+              <a:t>"</a:t>
+            </a:r>
+            <a:r>
+              <a:rPr lang="ru-RU" b="0" dirty="0">
+                <a:solidFill>
+                  <a:srgbClr val="CE9178"/>
+                </a:solidFill>
+                <a:effectLst/>
+                <a:latin typeface="Consolas" panose="020B0609020204030204" pitchFamily="49" charset="0"/>
+              </a:rPr>
+              <a:t>Это строка текста,</a:t>
+            </a:r>
+            <a:r>
+              <a:rPr lang="ru-RU" b="0" dirty="0">
+                <a:solidFill>
+                  <a:srgbClr val="D7BA7D"/>
+                </a:solidFill>
+                <a:effectLst/>
+                <a:latin typeface="Consolas" panose="020B0609020204030204" pitchFamily="49" charset="0"/>
+              </a:rPr>
+              <a:t>\</a:t>
+            </a:r>
+            <a:r>
+              <a:rPr lang="en-US" b="0" dirty="0">
+                <a:solidFill>
+                  <a:srgbClr val="D7BA7D"/>
+                </a:solidFill>
+                <a:effectLst/>
+                <a:latin typeface="Consolas" panose="020B0609020204030204" pitchFamily="49" charset="0"/>
+              </a:rPr>
+              <a:t>n</a:t>
+            </a:r>
+            <a:r>
+              <a:rPr lang="ru-RU" b="0" dirty="0">
+                <a:solidFill>
+                  <a:srgbClr val="CE9178"/>
+                </a:solidFill>
+                <a:effectLst/>
+                <a:latin typeface="Consolas" panose="020B0609020204030204" pitchFamily="49" charset="0"/>
+              </a:rPr>
+              <a:t>которая будет записана в файл"</a:t>
+            </a:r>
+            <a:endParaRPr lang="ru-RU" b="0" dirty="0">
+              <a:solidFill>
+                <a:srgbClr val="D4D4D4"/>
+              </a:solidFill>
+              <a:effectLst/>
+              <a:latin typeface="Consolas" panose="020B0609020204030204" pitchFamily="49" charset="0"/>
+            </a:endParaRPr>
+          </a:p>
+        </p:txBody>
+      </p:sp>
+      <p:sp>
+        <p:nvSpPr>
+          <p:cNvPr id="6" name="TextBox 5">
+            <a:extLst>
+              <a:ext uri="{FF2B5EF4-FFF2-40B4-BE49-F238E27FC236}">
+                <a16:creationId xmlns:a16="http://schemas.microsoft.com/office/drawing/2014/main" id="{5F322444-5711-43C5-AD4A-427178039D95}"/>
+              </a:ext>
+            </a:extLst>
+          </p:cNvPr>
+          <p:cNvSpPr txBox="1"/>
+          <p:nvPr/>
+        </p:nvSpPr>
+        <p:spPr>
+          <a:xfrm>
+            <a:off x="83730" y="3105834"/>
+            <a:ext cx="4211823" cy="646331"/>
+          </a:xfrm>
+          <a:prstGeom prst="rect">
+            <a:avLst/>
+          </a:prstGeom>
+          <a:noFill/>
+        </p:spPr>
+        <p:txBody>
+          <a:bodyPr wrap="square">
+            <a:spAutoFit/>
+          </a:bodyPr>
+          <a:lstStyle/>
+          <a:p>
+            <a:r>
+              <a:rPr lang="en-US" b="0" dirty="0">
+                <a:solidFill>
+                  <a:srgbClr val="C586C0"/>
+                </a:solidFill>
+                <a:effectLst/>
+                <a:latin typeface="Consolas" panose="020B0609020204030204" pitchFamily="49" charset="0"/>
+              </a:rPr>
+              <a:t>with</a:t>
+            </a:r>
+            <a:r>
+              <a:rPr lang="en-US" b="0" dirty="0">
+                <a:solidFill>
+                  <a:srgbClr val="D4D4D4"/>
+                </a:solidFill>
+                <a:effectLst/>
+                <a:latin typeface="Consolas" panose="020B0609020204030204" pitchFamily="49" charset="0"/>
+              </a:rPr>
+              <a:t> </a:t>
+            </a:r>
+            <a:r>
+              <a:rPr lang="en-US" b="0" dirty="0">
+                <a:solidFill>
+                  <a:srgbClr val="DCDCAA"/>
+                </a:solidFill>
+                <a:effectLst/>
+                <a:latin typeface="Consolas" panose="020B0609020204030204" pitchFamily="49" charset="0"/>
+              </a:rPr>
+              <a:t>open</a:t>
+            </a:r>
+            <a:r>
+              <a:rPr lang="en-US" b="0" dirty="0">
+                <a:solidFill>
+                  <a:srgbClr val="D4D4D4"/>
+                </a:solidFill>
+                <a:effectLst/>
+                <a:latin typeface="Consolas" panose="020B0609020204030204" pitchFamily="49" charset="0"/>
+              </a:rPr>
+              <a:t>(</a:t>
+            </a:r>
+            <a:r>
+              <a:rPr lang="en-US" b="0" dirty="0">
+                <a:solidFill>
+                  <a:srgbClr val="CE9178"/>
+                </a:solidFill>
+                <a:effectLst/>
+                <a:latin typeface="Consolas" panose="020B0609020204030204" pitchFamily="49" charset="0"/>
+              </a:rPr>
+              <a:t>'</a:t>
+            </a:r>
+            <a:r>
+              <a:rPr lang="en-US" b="0" dirty="0" err="1">
+                <a:solidFill>
+                  <a:srgbClr val="CE9178"/>
+                </a:solidFill>
+                <a:effectLst/>
+                <a:latin typeface="Consolas" panose="020B0609020204030204" pitchFamily="49" charset="0"/>
+              </a:rPr>
+              <a:t>test.txt'</a:t>
+            </a:r>
+            <a:r>
+              <a:rPr lang="en-US" b="0" dirty="0" err="1">
+                <a:solidFill>
+                  <a:srgbClr val="D4D4D4"/>
+                </a:solidFill>
+                <a:effectLst/>
+                <a:latin typeface="Consolas" panose="020B0609020204030204" pitchFamily="49" charset="0"/>
+              </a:rPr>
+              <a:t>,</a:t>
+            </a:r>
+            <a:r>
+              <a:rPr lang="en-US" b="0" dirty="0" err="1">
+                <a:solidFill>
+                  <a:srgbClr val="CE9178"/>
+                </a:solidFill>
+                <a:effectLst/>
+                <a:latin typeface="Consolas" panose="020B0609020204030204" pitchFamily="49" charset="0"/>
+              </a:rPr>
+              <a:t>'w</a:t>
+            </a:r>
+            <a:r>
+              <a:rPr lang="en-US" b="0" dirty="0">
+                <a:solidFill>
+                  <a:srgbClr val="CE9178"/>
+                </a:solidFill>
+                <a:effectLst/>
+                <a:latin typeface="Consolas" panose="020B0609020204030204" pitchFamily="49" charset="0"/>
+              </a:rPr>
+              <a:t>'</a:t>
+            </a:r>
+            <a:r>
+              <a:rPr lang="en-US" b="0" dirty="0">
+                <a:solidFill>
+                  <a:srgbClr val="D4D4D4"/>
+                </a:solidFill>
+                <a:effectLst/>
+                <a:latin typeface="Consolas" panose="020B0609020204030204" pitchFamily="49" charset="0"/>
+              </a:rPr>
+              <a:t>) </a:t>
+            </a:r>
+            <a:r>
+              <a:rPr lang="en-US" b="0" dirty="0">
+                <a:solidFill>
+                  <a:srgbClr val="C586C0"/>
+                </a:solidFill>
+                <a:effectLst/>
+                <a:latin typeface="Consolas" panose="020B0609020204030204" pitchFamily="49" charset="0"/>
+              </a:rPr>
+              <a:t>as</a:t>
+            </a:r>
+            <a:r>
+              <a:rPr lang="en-US" b="0" dirty="0">
+                <a:solidFill>
+                  <a:srgbClr val="D4D4D4"/>
+                </a:solidFill>
+                <a:effectLst/>
+                <a:latin typeface="Consolas" panose="020B0609020204030204" pitchFamily="49" charset="0"/>
+              </a:rPr>
+              <a:t> f:</a:t>
+            </a:r>
+          </a:p>
+          <a:p>
+            <a:r>
+              <a:rPr lang="en-US" b="0" dirty="0">
+                <a:solidFill>
+                  <a:srgbClr val="D4D4D4"/>
+                </a:solidFill>
+                <a:effectLst/>
+                <a:latin typeface="Consolas" panose="020B0609020204030204" pitchFamily="49" charset="0"/>
+              </a:rPr>
+              <a:t>    </a:t>
+            </a:r>
+            <a:r>
+              <a:rPr lang="en-US" b="0" dirty="0" err="1">
+                <a:solidFill>
+                  <a:srgbClr val="D4D4D4"/>
+                </a:solidFill>
+                <a:effectLst/>
+                <a:latin typeface="Consolas" panose="020B0609020204030204" pitchFamily="49" charset="0"/>
+              </a:rPr>
+              <a:t>f.write</a:t>
+            </a:r>
+            <a:r>
+              <a:rPr lang="en-US" b="0" dirty="0">
+                <a:solidFill>
+                  <a:srgbClr val="D4D4D4"/>
+                </a:solidFill>
+                <a:effectLst/>
+                <a:latin typeface="Consolas" panose="020B0609020204030204" pitchFamily="49" charset="0"/>
+              </a:rPr>
+              <a:t>(</a:t>
+            </a:r>
+            <a:r>
+              <a:rPr lang="en-US" b="0" dirty="0" err="1">
+                <a:solidFill>
+                  <a:srgbClr val="D4D4D4"/>
+                </a:solidFill>
+                <a:effectLst/>
+                <a:latin typeface="Consolas" panose="020B0609020204030204" pitchFamily="49" charset="0"/>
+              </a:rPr>
+              <a:t>buf</a:t>
+            </a:r>
+            <a:r>
+              <a:rPr lang="en-US" b="0" dirty="0">
+                <a:solidFill>
+                  <a:srgbClr val="D4D4D4"/>
+                </a:solidFill>
+                <a:effectLst/>
+                <a:latin typeface="Consolas" panose="020B0609020204030204" pitchFamily="49" charset="0"/>
+              </a:rPr>
+              <a:t>)</a:t>
+            </a:r>
+          </a:p>
+        </p:txBody>
+      </p:sp>
+      <p:cxnSp>
+        <p:nvCxnSpPr>
+          <p:cNvPr id="8" name="Прямая соединительная линия 7">
+            <a:extLst>
+              <a:ext uri="{FF2B5EF4-FFF2-40B4-BE49-F238E27FC236}">
+                <a16:creationId xmlns:a16="http://schemas.microsoft.com/office/drawing/2014/main" id="{FF991F0C-997D-44E2-8D22-7C451F2324F8}"/>
+              </a:ext>
+            </a:extLst>
+          </p:cNvPr>
+          <p:cNvCxnSpPr/>
+          <p:nvPr/>
+        </p:nvCxnSpPr>
+        <p:spPr>
+          <a:xfrm>
+            <a:off x="4444409" y="2573079"/>
+            <a:ext cx="0" cy="3880884"/>
+          </a:xfrm>
+          <a:prstGeom prst="line">
+            <a:avLst/>
+          </a:prstGeom>
+        </p:spPr>
+        <p:style>
+          <a:lnRef idx="1">
+            <a:schemeClr val="accent1"/>
+          </a:lnRef>
+          <a:fillRef idx="0">
+            <a:schemeClr val="accent1"/>
+          </a:fillRef>
+          <a:effectRef idx="0">
+            <a:schemeClr val="accent1"/>
+          </a:effectRef>
+          <a:fontRef idx="minor">
+            <a:schemeClr val="tx1"/>
+          </a:fontRef>
+        </p:style>
+      </p:cxnSp>
+      <p:sp>
+        <p:nvSpPr>
+          <p:cNvPr id="10" name="TextBox 9">
+            <a:extLst>
+              <a:ext uri="{FF2B5EF4-FFF2-40B4-BE49-F238E27FC236}">
+                <a16:creationId xmlns:a16="http://schemas.microsoft.com/office/drawing/2014/main" id="{2A67E5B4-12FE-416C-9859-EAE1CA14552F}"/>
+              </a:ext>
+            </a:extLst>
+          </p:cNvPr>
+          <p:cNvSpPr txBox="1"/>
+          <p:nvPr/>
+        </p:nvSpPr>
+        <p:spPr>
+          <a:xfrm>
+            <a:off x="4877685" y="3013501"/>
+            <a:ext cx="6733067" cy="1200329"/>
+          </a:xfrm>
+          <a:prstGeom prst="rect">
+            <a:avLst/>
+          </a:prstGeom>
+          <a:noFill/>
+        </p:spPr>
+        <p:txBody>
+          <a:bodyPr wrap="square">
+            <a:spAutoFit/>
+          </a:bodyPr>
+          <a:lstStyle/>
+          <a:p>
+            <a:r>
+              <a:rPr lang="en-US" b="0" dirty="0">
+                <a:solidFill>
+                  <a:srgbClr val="C586C0"/>
+                </a:solidFill>
+                <a:effectLst/>
+                <a:latin typeface="Consolas" panose="020B0609020204030204" pitchFamily="49" charset="0"/>
+              </a:rPr>
+              <a:t>import</a:t>
+            </a:r>
+            <a:r>
+              <a:rPr lang="en-US" b="0" dirty="0">
+                <a:solidFill>
+                  <a:srgbClr val="D4D4D4"/>
+                </a:solidFill>
+                <a:effectLst/>
+                <a:latin typeface="Consolas" panose="020B0609020204030204" pitchFamily="49" charset="0"/>
+              </a:rPr>
+              <a:t> codecs</a:t>
+            </a:r>
+          </a:p>
+          <a:p>
+            <a:r>
+              <a:rPr lang="en-US" b="0" dirty="0">
+                <a:solidFill>
+                  <a:srgbClr val="C586C0"/>
+                </a:solidFill>
+                <a:effectLst/>
+                <a:latin typeface="Consolas" panose="020B0609020204030204" pitchFamily="49" charset="0"/>
+              </a:rPr>
+              <a:t>with</a:t>
+            </a:r>
+            <a:r>
+              <a:rPr lang="en-US" b="0" dirty="0">
+                <a:solidFill>
+                  <a:srgbClr val="D4D4D4"/>
+                </a:solidFill>
+                <a:effectLst/>
+                <a:latin typeface="Consolas" panose="020B0609020204030204" pitchFamily="49" charset="0"/>
+              </a:rPr>
+              <a:t> </a:t>
+            </a:r>
+            <a:r>
+              <a:rPr lang="en-US" b="0" dirty="0" err="1">
+                <a:solidFill>
+                  <a:srgbClr val="D4D4D4"/>
+                </a:solidFill>
+                <a:effectLst/>
+                <a:latin typeface="Consolas" panose="020B0609020204030204" pitchFamily="49" charset="0"/>
+              </a:rPr>
+              <a:t>codecs.open</a:t>
+            </a:r>
+            <a:r>
+              <a:rPr lang="en-US" b="0" dirty="0">
+                <a:solidFill>
+                  <a:srgbClr val="D4D4D4"/>
+                </a:solidFill>
+                <a:effectLst/>
+                <a:latin typeface="Consolas" panose="020B0609020204030204" pitchFamily="49" charset="0"/>
+              </a:rPr>
+              <a:t>(</a:t>
+            </a:r>
+            <a:r>
+              <a:rPr lang="en-US" b="0" dirty="0">
+                <a:solidFill>
+                  <a:srgbClr val="CE9178"/>
+                </a:solidFill>
+                <a:effectLst/>
+                <a:latin typeface="Consolas" panose="020B0609020204030204" pitchFamily="49" charset="0"/>
+              </a:rPr>
+              <a:t>'test.txt'</a:t>
+            </a:r>
+            <a:r>
+              <a:rPr lang="en-US" b="0" dirty="0">
+                <a:solidFill>
+                  <a:srgbClr val="D4D4D4"/>
+                </a:solidFill>
+                <a:effectLst/>
+                <a:latin typeface="Consolas" panose="020B0609020204030204" pitchFamily="49" charset="0"/>
+              </a:rPr>
+              <a:t>,</a:t>
+            </a:r>
+            <a:r>
+              <a:rPr lang="en-US" b="0" dirty="0">
+                <a:solidFill>
+                  <a:srgbClr val="CE9178"/>
+                </a:solidFill>
+                <a:effectLst/>
+                <a:latin typeface="Consolas" panose="020B0609020204030204" pitchFamily="49" charset="0"/>
+              </a:rPr>
+              <a:t>'w'</a:t>
+            </a:r>
+            <a:r>
+              <a:rPr lang="en-US" b="0" dirty="0">
+                <a:solidFill>
+                  <a:srgbClr val="D4D4D4"/>
+                </a:solidFill>
+                <a:effectLst/>
+                <a:latin typeface="Consolas" panose="020B0609020204030204" pitchFamily="49" charset="0"/>
+              </a:rPr>
+              <a:t>,</a:t>
+            </a:r>
+            <a:r>
+              <a:rPr lang="en-US" b="0" dirty="0">
+                <a:solidFill>
+                  <a:srgbClr val="CE9178"/>
+                </a:solidFill>
+                <a:effectLst/>
+                <a:latin typeface="Consolas" panose="020B0609020204030204" pitchFamily="49" charset="0"/>
+              </a:rPr>
+              <a:t>'utf-8'</a:t>
+            </a:r>
+            <a:r>
+              <a:rPr lang="en-US" b="0" dirty="0">
+                <a:solidFill>
+                  <a:srgbClr val="D4D4D4"/>
+                </a:solidFill>
+                <a:effectLst/>
+                <a:latin typeface="Consolas" panose="020B0609020204030204" pitchFamily="49" charset="0"/>
+              </a:rPr>
+              <a:t>) </a:t>
+            </a:r>
+            <a:r>
+              <a:rPr lang="en-US" b="0" dirty="0">
+                <a:solidFill>
+                  <a:srgbClr val="C586C0"/>
+                </a:solidFill>
+                <a:effectLst/>
+                <a:latin typeface="Consolas" panose="020B0609020204030204" pitchFamily="49" charset="0"/>
+              </a:rPr>
+              <a:t>as</a:t>
+            </a:r>
+            <a:r>
+              <a:rPr lang="en-US" b="0" dirty="0">
+                <a:solidFill>
+                  <a:srgbClr val="D4D4D4"/>
+                </a:solidFill>
+                <a:effectLst/>
+                <a:latin typeface="Consolas" panose="020B0609020204030204" pitchFamily="49" charset="0"/>
+              </a:rPr>
+              <a:t> f:</a:t>
+            </a:r>
+          </a:p>
+          <a:p>
+            <a:r>
+              <a:rPr lang="en-US" b="0" dirty="0">
+                <a:solidFill>
+                  <a:srgbClr val="D4D4D4"/>
+                </a:solidFill>
+                <a:effectLst/>
+                <a:latin typeface="Consolas" panose="020B0609020204030204" pitchFamily="49" charset="0"/>
+              </a:rPr>
+              <a:t>    </a:t>
+            </a:r>
+            <a:r>
+              <a:rPr lang="en-US" b="0" dirty="0" err="1">
+                <a:solidFill>
+                  <a:srgbClr val="D4D4D4"/>
+                </a:solidFill>
+                <a:effectLst/>
+                <a:latin typeface="Consolas" panose="020B0609020204030204" pitchFamily="49" charset="0"/>
+              </a:rPr>
+              <a:t>f.write</a:t>
+            </a:r>
+            <a:r>
+              <a:rPr lang="en-US" b="0" dirty="0">
+                <a:solidFill>
+                  <a:srgbClr val="D4D4D4"/>
+                </a:solidFill>
+                <a:effectLst/>
+                <a:latin typeface="Consolas" panose="020B0609020204030204" pitchFamily="49" charset="0"/>
+              </a:rPr>
+              <a:t>(</a:t>
+            </a:r>
+            <a:r>
+              <a:rPr lang="en-US" b="0" dirty="0" err="1">
+                <a:solidFill>
+                  <a:srgbClr val="D4D4D4"/>
+                </a:solidFill>
+                <a:effectLst/>
+                <a:latin typeface="Consolas" panose="020B0609020204030204" pitchFamily="49" charset="0"/>
+              </a:rPr>
+              <a:t>buf</a:t>
+            </a:r>
+            <a:r>
+              <a:rPr lang="en-US" b="0" dirty="0">
+                <a:solidFill>
+                  <a:srgbClr val="D4D4D4"/>
+                </a:solidFill>
+                <a:effectLst/>
+                <a:latin typeface="Consolas" panose="020B0609020204030204" pitchFamily="49" charset="0"/>
+              </a:rPr>
+              <a:t>)</a:t>
+            </a:r>
+          </a:p>
+          <a:p>
+            <a:r>
+              <a:rPr lang="en-US" b="0" dirty="0">
+                <a:solidFill>
+                  <a:srgbClr val="D4D4D4"/>
+                </a:solidFill>
+                <a:effectLst/>
+                <a:latin typeface="Consolas" panose="020B0609020204030204" pitchFamily="49" charset="0"/>
+              </a:rPr>
+              <a:t>    </a:t>
+            </a:r>
+          </a:p>
+        </p:txBody>
+      </p:sp>
+      <p:sp>
+        <p:nvSpPr>
+          <p:cNvPr id="12" name="Облачко с текстом: прямоугольное 11">
+            <a:extLst>
+              <a:ext uri="{FF2B5EF4-FFF2-40B4-BE49-F238E27FC236}">
+                <a16:creationId xmlns:a16="http://schemas.microsoft.com/office/drawing/2014/main" id="{81298135-149E-45F6-B3F1-28947B2A3668}"/>
+              </a:ext>
+            </a:extLst>
+          </p:cNvPr>
+          <p:cNvSpPr/>
+          <p:nvPr/>
+        </p:nvSpPr>
+        <p:spPr>
+          <a:xfrm>
+            <a:off x="935665" y="5816009"/>
+            <a:ext cx="2434856" cy="776177"/>
+          </a:xfrm>
+          <a:prstGeom prst="wedgeRectCallout">
+            <a:avLst>
+              <a:gd name="adj1" fmla="val -7733"/>
+              <a:gd name="adj2" fmla="val -232020"/>
+            </a:avLst>
+          </a:prstGeom>
+        </p:spPr>
+        <p:style>
+          <a:lnRef idx="2">
+            <a:schemeClr val="accent1">
+              <a:shade val="50000"/>
+            </a:schemeClr>
+          </a:lnRef>
+          <a:fillRef idx="1">
+            <a:schemeClr val="accent1"/>
+          </a:fillRef>
+          <a:effectRef idx="0">
+            <a:schemeClr val="accent1"/>
+          </a:effectRef>
+          <a:fontRef idx="minor">
+            <a:schemeClr val="lt1"/>
+          </a:fontRef>
+        </p:style>
+        <p:txBody>
+          <a:bodyPr rtlCol="0" anchor="ctr"/>
+          <a:lstStyle/>
+          <a:p>
+            <a:pPr algn="ctr"/>
+            <a:r>
+              <a:rPr lang="ru-RU" dirty="0"/>
+              <a:t>запись файла обычной кодировки</a:t>
+            </a:r>
+          </a:p>
+        </p:txBody>
+      </p:sp>
+      <p:sp>
+        <p:nvSpPr>
+          <p:cNvPr id="14" name="Облачко с текстом: прямоугольное 13">
+            <a:extLst>
+              <a:ext uri="{FF2B5EF4-FFF2-40B4-BE49-F238E27FC236}">
+                <a16:creationId xmlns:a16="http://schemas.microsoft.com/office/drawing/2014/main" id="{589D9056-1749-4C60-8D94-69C9FC426840}"/>
+              </a:ext>
+            </a:extLst>
+          </p:cNvPr>
+          <p:cNvSpPr/>
+          <p:nvPr/>
+        </p:nvSpPr>
+        <p:spPr>
+          <a:xfrm>
+            <a:off x="7448109" y="5816009"/>
+            <a:ext cx="2434856" cy="776177"/>
+          </a:xfrm>
+          <a:prstGeom prst="wedgeRectCallout">
+            <a:avLst>
+              <a:gd name="adj1" fmla="val -65812"/>
+              <a:gd name="adj2" fmla="val -266267"/>
+            </a:avLst>
+          </a:prstGeom>
+        </p:spPr>
+        <p:style>
+          <a:lnRef idx="2">
+            <a:schemeClr val="accent1">
+              <a:shade val="50000"/>
+            </a:schemeClr>
+          </a:lnRef>
+          <a:fillRef idx="1">
+            <a:schemeClr val="accent1"/>
+          </a:fillRef>
+          <a:effectRef idx="0">
+            <a:schemeClr val="accent1"/>
+          </a:effectRef>
+          <a:fontRef idx="minor">
+            <a:schemeClr val="lt1"/>
+          </a:fontRef>
+        </p:style>
+        <p:txBody>
+          <a:bodyPr rtlCol="0" anchor="ctr"/>
+          <a:lstStyle/>
+          <a:p>
+            <a:pPr algn="ctr"/>
+            <a:r>
+              <a:rPr lang="ru-RU" dirty="0"/>
+              <a:t>запись файла кодировки </a:t>
+            </a:r>
+            <a:r>
+              <a:rPr lang="en-US" dirty="0"/>
+              <a:t>utr-8 (</a:t>
+            </a:r>
+            <a:r>
+              <a:rPr lang="ru-RU" dirty="0"/>
+              <a:t>кириллица и пр.)</a:t>
+            </a:r>
+          </a:p>
+        </p:txBody>
+      </p:sp>
+    </p:spTree>
+    <p:extLst>
+      <p:ext uri="{BB962C8B-B14F-4D97-AF65-F5344CB8AC3E}">
+        <p14:creationId xmlns:p14="http://schemas.microsoft.com/office/powerpoint/2010/main" val="3988353019"/>
+      </p:ext>
+    </p:extLst>
+  </p:cSld>
+  <p:clrMapOvr>
+    <a:masterClrMapping/>
+  </p:clrMapOvr>
+</p:sld>
+</file>
+
+<file path=ppt/slides/slide95.xml><?xml version="1.0" encoding="utf-8"?>
+<p:sld xmlns:a="http://schemas.openxmlformats.org/drawingml/2006/main" xmlns:r="http://schemas.openxmlformats.org/officeDocument/2006/relationships" xmlns:p="http://schemas.openxmlformats.org/presentationml/2006/main">
+  <p:cSld>
+    <p:spTree>
+      <p:nvGrpSpPr>
+        <p:cNvPr id="1" name=""/>
+        <p:cNvGrpSpPr/>
+        <p:nvPr/>
+      </p:nvGrpSpPr>
+      <p:grpSpPr>
+        <a:xfrm>
+          <a:off x="0" y="0"/>
+          <a:ext cx="0" cy="0"/>
+          <a:chOff x="0" y="0"/>
+          <a:chExt cx="0" cy="0"/>
+        </a:xfrm>
+      </p:grpSpPr>
+      <p:sp>
+        <p:nvSpPr>
+          <p:cNvPr id="2" name="Заголовок 1">
+            <a:extLst>
+              <a:ext uri="{FF2B5EF4-FFF2-40B4-BE49-F238E27FC236}">
                 <a16:creationId xmlns:a16="http://schemas.microsoft.com/office/drawing/2014/main" id="{E011A2C4-FB8D-431E-B54E-EE0F746D557A}"/>
               </a:ext>
             </a:extLst>
@@ -40975,7 +43146,7 @@
 </p:sld>
 </file>
 
-<file path=ppt/slides/slide93.xml><?xml version="1.0" encoding="utf-8"?>
+<file path=ppt/slides/slide96.xml><?xml version="1.0" encoding="utf-8"?>
 <p:sld xmlns:a="http://schemas.openxmlformats.org/drawingml/2006/main" xmlns:r="http://schemas.openxmlformats.org/officeDocument/2006/relationships" xmlns:p="http://schemas.openxmlformats.org/presentationml/2006/main">
   <p:cSld>
     <p:spTree>

--- a/Presentation/Разработка ботов для телеграмм на Python.pptx
+++ b/Presentation/Разработка ботов для телеграмм на Python.pptx
@@ -99,8 +99,15 @@
     <p:sldId id="350" r:id="rId93"/>
     <p:sldId id="351" r:id="rId94"/>
     <p:sldId id="352" r:id="rId95"/>
-    <p:sldId id="346" r:id="rId96"/>
-    <p:sldId id="347" r:id="rId97"/>
+    <p:sldId id="353" r:id="rId96"/>
+    <p:sldId id="354" r:id="rId97"/>
+    <p:sldId id="355" r:id="rId98"/>
+    <p:sldId id="356" r:id="rId99"/>
+    <p:sldId id="357" r:id="rId100"/>
+    <p:sldId id="358" r:id="rId101"/>
+    <p:sldId id="359" r:id="rId102"/>
+    <p:sldId id="346" r:id="rId103"/>
+    <p:sldId id="347" r:id="rId104"/>
   </p:sldIdLst>
   <p:sldSz cx="12192000" cy="6858000"/>
   <p:notesSz cx="6858000" cy="9144000"/>
@@ -3942,6 +3949,909 @@
     <p:extLst>
       <p:ext uri="{BB962C8B-B14F-4D97-AF65-F5344CB8AC3E}">
         <p14:creationId xmlns:p14="http://schemas.microsoft.com/office/powerpoint/2010/main" val="1755346359"/>
+      </p:ext>
+    </p:extLst>
+  </p:cSld>
+  <p:clrMapOvr>
+    <a:masterClrMapping/>
+  </p:clrMapOvr>
+</p:sld>
+</file>
+
+<file path=ppt/slides/slide100.xml><?xml version="1.0" encoding="utf-8"?>
+<p:sld xmlns:a="http://schemas.openxmlformats.org/drawingml/2006/main" xmlns:r="http://schemas.openxmlformats.org/officeDocument/2006/relationships" xmlns:p="http://schemas.openxmlformats.org/presentationml/2006/main">
+  <p:cSld>
+    <p:spTree>
+      <p:nvGrpSpPr>
+        <p:cNvPr id="1" name=""/>
+        <p:cNvGrpSpPr/>
+        <p:nvPr/>
+      </p:nvGrpSpPr>
+      <p:grpSpPr>
+        <a:xfrm>
+          <a:off x="0" y="0"/>
+          <a:ext cx="0" cy="0"/>
+          <a:chOff x="0" y="0"/>
+          <a:chExt cx="0" cy="0"/>
+        </a:xfrm>
+      </p:grpSpPr>
+      <p:sp>
+        <p:nvSpPr>
+          <p:cNvPr id="2" name="Заголовок 1">
+            <a:extLst>
+              <a:ext uri="{FF2B5EF4-FFF2-40B4-BE49-F238E27FC236}">
+                <a16:creationId xmlns:a16="http://schemas.microsoft.com/office/drawing/2014/main" id="{D4E0677F-8E17-4F0F-BEC7-423F8981A077}"/>
+              </a:ext>
+            </a:extLst>
+          </p:cNvPr>
+          <p:cNvSpPr>
+            <a:spLocks noGrp="1"/>
+          </p:cNvSpPr>
+          <p:nvPr>
+            <p:ph type="title"/>
+          </p:nvPr>
+        </p:nvSpPr>
+        <p:spPr/>
+        <p:txBody>
+          <a:bodyPr/>
+          <a:lstStyle/>
+          <a:p>
+            <a:r>
+              <a:rPr lang="ru-RU" dirty="0"/>
+              <a:t>Работа с файлом. Обработка ошибок</a:t>
+            </a:r>
+          </a:p>
+        </p:txBody>
+      </p:sp>
+      <p:sp>
+        <p:nvSpPr>
+          <p:cNvPr id="3" name="Объект 2">
+            <a:extLst>
+              <a:ext uri="{FF2B5EF4-FFF2-40B4-BE49-F238E27FC236}">
+                <a16:creationId xmlns:a16="http://schemas.microsoft.com/office/drawing/2014/main" id="{0FE94A9E-51BF-487C-889E-1E0624DA25ED}"/>
+              </a:ext>
+            </a:extLst>
+          </p:cNvPr>
+          <p:cNvSpPr>
+            <a:spLocks noGrp="1"/>
+          </p:cNvSpPr>
+          <p:nvPr>
+            <p:ph idx="1"/>
+          </p:nvPr>
+        </p:nvSpPr>
+        <p:spPr/>
+        <p:txBody>
+          <a:bodyPr/>
+          <a:lstStyle/>
+          <a:p>
+            <a:r>
+              <a:rPr lang="ru-RU" dirty="0"/>
+              <a:t>В ходе работы программы могут возникать разные ошибки</a:t>
+            </a:r>
+          </a:p>
+          <a:p>
+            <a:r>
+              <a:rPr lang="ru-RU" dirty="0"/>
+              <a:t>Для указания ошибки программа создает специальные объекты, называемые исключения</a:t>
+            </a:r>
+          </a:p>
+          <a:p>
+            <a:r>
+              <a:rPr lang="ru-RU" dirty="0"/>
+              <a:t>Исключения описаны в документации</a:t>
+            </a:r>
+          </a:p>
+          <a:p>
+            <a:r>
+              <a:rPr lang="ru-RU" dirty="0"/>
+              <a:t>Исключения могут быть обработаны в специальном блоке обработки ошибок</a:t>
+            </a:r>
+          </a:p>
+        </p:txBody>
+      </p:sp>
+    </p:spTree>
+    <p:extLst>
+      <p:ext uri="{BB962C8B-B14F-4D97-AF65-F5344CB8AC3E}">
+        <p14:creationId xmlns:p14="http://schemas.microsoft.com/office/powerpoint/2010/main" val="2161149804"/>
+      </p:ext>
+    </p:extLst>
+  </p:cSld>
+  <p:clrMapOvr>
+    <a:masterClrMapping/>
+  </p:clrMapOvr>
+</p:sld>
+</file>
+
+<file path=ppt/slides/slide101.xml><?xml version="1.0" encoding="utf-8"?>
+<p:sld xmlns:a="http://schemas.openxmlformats.org/drawingml/2006/main" xmlns:r="http://schemas.openxmlformats.org/officeDocument/2006/relationships" xmlns:p="http://schemas.openxmlformats.org/presentationml/2006/main">
+  <p:cSld>
+    <p:spTree>
+      <p:nvGrpSpPr>
+        <p:cNvPr id="1" name=""/>
+        <p:cNvGrpSpPr/>
+        <p:nvPr/>
+      </p:nvGrpSpPr>
+      <p:grpSpPr>
+        <a:xfrm>
+          <a:off x="0" y="0"/>
+          <a:ext cx="0" cy="0"/>
+          <a:chOff x="0" y="0"/>
+          <a:chExt cx="0" cy="0"/>
+        </a:xfrm>
+      </p:grpSpPr>
+      <p:sp>
+        <p:nvSpPr>
+          <p:cNvPr id="2" name="Заголовок 1">
+            <a:extLst>
+              <a:ext uri="{FF2B5EF4-FFF2-40B4-BE49-F238E27FC236}">
+                <a16:creationId xmlns:a16="http://schemas.microsoft.com/office/drawing/2014/main" id="{D4E0677F-8E17-4F0F-BEC7-423F8981A077}"/>
+              </a:ext>
+            </a:extLst>
+          </p:cNvPr>
+          <p:cNvSpPr>
+            <a:spLocks noGrp="1"/>
+          </p:cNvSpPr>
+          <p:nvPr>
+            <p:ph type="title"/>
+          </p:nvPr>
+        </p:nvSpPr>
+        <p:spPr>
+          <a:xfrm>
+            <a:off x="668080" y="-4436"/>
+            <a:ext cx="10515600" cy="1325563"/>
+          </a:xfrm>
+        </p:spPr>
+        <p:txBody>
+          <a:bodyPr/>
+          <a:lstStyle/>
+          <a:p>
+            <a:r>
+              <a:rPr lang="ru-RU" dirty="0"/>
+              <a:t>Работа с файлом. Обработка ошибок</a:t>
+            </a:r>
+          </a:p>
+        </p:txBody>
+      </p:sp>
+      <p:grpSp>
+        <p:nvGrpSpPr>
+          <p:cNvPr id="16" name="Группа 15">
+            <a:extLst>
+              <a:ext uri="{FF2B5EF4-FFF2-40B4-BE49-F238E27FC236}">
+                <a16:creationId xmlns:a16="http://schemas.microsoft.com/office/drawing/2014/main" id="{4666CE2E-99A7-4044-845C-B4E27667FA77}"/>
+              </a:ext>
+            </a:extLst>
+          </p:cNvPr>
+          <p:cNvGrpSpPr/>
+          <p:nvPr/>
+        </p:nvGrpSpPr>
+        <p:grpSpPr>
+          <a:xfrm>
+            <a:off x="2169042" y="1573619"/>
+            <a:ext cx="6634716" cy="5071730"/>
+            <a:chOff x="2169042" y="1573619"/>
+            <a:chExt cx="6634716" cy="5071730"/>
+          </a:xfrm>
+        </p:grpSpPr>
+        <p:sp>
+          <p:nvSpPr>
+            <p:cNvPr id="6" name="Прямоугольник: скругленные углы 5">
+              <a:extLst>
+                <a:ext uri="{FF2B5EF4-FFF2-40B4-BE49-F238E27FC236}">
+                  <a16:creationId xmlns:a16="http://schemas.microsoft.com/office/drawing/2014/main" id="{0A8F59FF-A629-43FB-A9B0-0158AB473AD2}"/>
+                </a:ext>
+              </a:extLst>
+            </p:cNvPr>
+            <p:cNvSpPr/>
+            <p:nvPr/>
+          </p:nvSpPr>
+          <p:spPr>
+            <a:xfrm>
+              <a:off x="2169042" y="1573619"/>
+              <a:ext cx="6634716" cy="5071730"/>
+            </a:xfrm>
+            <a:prstGeom prst="roundRect">
+              <a:avLst/>
+            </a:prstGeom>
+          </p:spPr>
+          <p:style>
+            <a:lnRef idx="2">
+              <a:schemeClr val="accent1">
+                <a:shade val="50000"/>
+              </a:schemeClr>
+            </a:lnRef>
+            <a:fillRef idx="1">
+              <a:schemeClr val="accent1"/>
+            </a:fillRef>
+            <a:effectRef idx="0">
+              <a:schemeClr val="accent1"/>
+            </a:effectRef>
+            <a:fontRef idx="minor">
+              <a:schemeClr val="lt1"/>
+            </a:fontRef>
+          </p:style>
+          <p:txBody>
+            <a:bodyPr rtlCol="0" anchor="ctr"/>
+            <a:lstStyle/>
+            <a:p>
+              <a:r>
+                <a:rPr lang="en-US" sz="2000" dirty="0"/>
+                <a:t>try:</a:t>
+              </a:r>
+            </a:p>
+            <a:p>
+              <a:endParaRPr lang="en-US" sz="2000" dirty="0"/>
+            </a:p>
+            <a:p>
+              <a:endParaRPr lang="en-US" sz="2000" dirty="0"/>
+            </a:p>
+            <a:p>
+              <a:endParaRPr lang="en-US" sz="2000" dirty="0"/>
+            </a:p>
+            <a:p>
+              <a:endParaRPr lang="ru-RU" sz="2000" dirty="0"/>
+            </a:p>
+            <a:p>
+              <a:r>
+                <a:rPr lang="en-US" sz="2000" dirty="0"/>
+                <a:t>except    </a:t>
+              </a:r>
+              <a:r>
+                <a:rPr lang="ru-RU" sz="2000" dirty="0"/>
+                <a:t>    </a:t>
+              </a:r>
+              <a:r>
+                <a:rPr lang="en-US" sz="2000" dirty="0"/>
+                <a:t>            </a:t>
+              </a:r>
+              <a:r>
+                <a:rPr lang="ru-RU" sz="2000" dirty="0"/>
+                <a:t>            </a:t>
+              </a:r>
+              <a:r>
+                <a:rPr lang="en-US" sz="2000" dirty="0"/>
+                <a:t> as:</a:t>
+              </a:r>
+            </a:p>
+            <a:p>
+              <a:endParaRPr lang="ru-RU" sz="2000" dirty="0"/>
+            </a:p>
+            <a:p>
+              <a:endParaRPr lang="en-US" sz="2000" dirty="0"/>
+            </a:p>
+            <a:p>
+              <a:endParaRPr lang="en-US" sz="2000" dirty="0"/>
+            </a:p>
+            <a:p>
+              <a:r>
+                <a:rPr lang="en-US" sz="2000" dirty="0"/>
+                <a:t>except             </a:t>
+              </a:r>
+              <a:r>
+                <a:rPr lang="ru-RU" sz="2000" dirty="0"/>
+                <a:t>    </a:t>
+              </a:r>
+              <a:r>
+                <a:rPr lang="en-US" sz="2000" dirty="0"/>
+                <a:t>  </a:t>
+              </a:r>
+              <a:r>
+                <a:rPr lang="ru-RU" sz="2000" dirty="0"/>
+                <a:t>             </a:t>
+              </a:r>
+              <a:r>
+                <a:rPr lang="en-US" sz="2000" dirty="0"/>
+                <a:t> as:</a:t>
+              </a:r>
+            </a:p>
+            <a:p>
+              <a:r>
+                <a:rPr lang="ru-RU" sz="2000" dirty="0"/>
+                <a:t>      </a:t>
+              </a:r>
+              <a:endParaRPr lang="en-US" sz="2000" dirty="0"/>
+            </a:p>
+            <a:p>
+              <a:endParaRPr lang="en-US" sz="2000" dirty="0"/>
+            </a:p>
+            <a:p>
+              <a:endParaRPr lang="en-US" sz="2000" dirty="0"/>
+            </a:p>
+            <a:p>
+              <a:r>
+                <a:rPr lang="en-US" sz="2000" dirty="0"/>
+                <a:t>finally:</a:t>
+              </a:r>
+            </a:p>
+            <a:p>
+              <a:endParaRPr lang="ru-RU" sz="2000" dirty="0"/>
+            </a:p>
+          </p:txBody>
+        </p:sp>
+        <p:sp>
+          <p:nvSpPr>
+            <p:cNvPr id="7" name="Прямоугольник: скругленные углы 6">
+              <a:extLst>
+                <a:ext uri="{FF2B5EF4-FFF2-40B4-BE49-F238E27FC236}">
+                  <a16:creationId xmlns:a16="http://schemas.microsoft.com/office/drawing/2014/main" id="{9973E548-A29A-47AF-BE3A-101E0E122A86}"/>
+                </a:ext>
+              </a:extLst>
+            </p:cNvPr>
+            <p:cNvSpPr/>
+            <p:nvPr/>
+          </p:nvSpPr>
+          <p:spPr>
+            <a:xfrm>
+              <a:off x="2519916" y="2140764"/>
+              <a:ext cx="5709683" cy="701749"/>
+            </a:xfrm>
+            <a:prstGeom prst="roundRect">
+              <a:avLst/>
+            </a:prstGeom>
+            <a:solidFill>
+              <a:srgbClr val="00B050"/>
+            </a:solidFill>
+          </p:spPr>
+          <p:style>
+            <a:lnRef idx="0">
+              <a:schemeClr val="accent6"/>
+            </a:lnRef>
+            <a:fillRef idx="3">
+              <a:schemeClr val="accent6"/>
+            </a:fillRef>
+            <a:effectRef idx="3">
+              <a:schemeClr val="accent6"/>
+            </a:effectRef>
+            <a:fontRef idx="minor">
+              <a:schemeClr val="lt1"/>
+            </a:fontRef>
+          </p:style>
+          <p:txBody>
+            <a:bodyPr rtlCol="0" anchor="ctr"/>
+            <a:lstStyle/>
+            <a:p>
+              <a:pPr algn="ctr"/>
+              <a:r>
+                <a:rPr lang="ru-RU" dirty="0"/>
+                <a:t>КОД, В КОТОРОМ МОГУТ БЫТЬ ОШИБКИ</a:t>
+              </a:r>
+            </a:p>
+          </p:txBody>
+        </p:sp>
+        <p:sp>
+          <p:nvSpPr>
+            <p:cNvPr id="8" name="Прямоугольник: скругленные углы 7">
+              <a:extLst>
+                <a:ext uri="{FF2B5EF4-FFF2-40B4-BE49-F238E27FC236}">
+                  <a16:creationId xmlns:a16="http://schemas.microsoft.com/office/drawing/2014/main" id="{C84EE346-3F4A-42EA-8068-800AA6F7ABD4}"/>
+                </a:ext>
+              </a:extLst>
+            </p:cNvPr>
+            <p:cNvSpPr/>
+            <p:nvPr/>
+          </p:nvSpPr>
+          <p:spPr>
+            <a:xfrm>
+              <a:off x="3232298" y="3003753"/>
+              <a:ext cx="1743739" cy="531628"/>
+            </a:xfrm>
+            <a:prstGeom prst="roundRect">
+              <a:avLst/>
+            </a:prstGeom>
+          </p:spPr>
+          <p:style>
+            <a:lnRef idx="0">
+              <a:schemeClr val="accent3"/>
+            </a:lnRef>
+            <a:fillRef idx="3">
+              <a:schemeClr val="accent3"/>
+            </a:fillRef>
+            <a:effectRef idx="3">
+              <a:schemeClr val="accent3"/>
+            </a:effectRef>
+            <a:fontRef idx="minor">
+              <a:schemeClr val="lt1"/>
+            </a:fontRef>
+          </p:style>
+          <p:txBody>
+            <a:bodyPr rtlCol="0" anchor="ctr"/>
+            <a:lstStyle/>
+            <a:p>
+              <a:pPr algn="ctr"/>
+              <a:r>
+                <a:rPr lang="ru-RU" dirty="0"/>
+                <a:t>ИСКЛЮЧЕНИЕ</a:t>
+              </a:r>
+            </a:p>
+          </p:txBody>
+        </p:sp>
+        <p:sp>
+          <p:nvSpPr>
+            <p:cNvPr id="9" name="Прямоугольник: скругленные углы 8">
+              <a:extLst>
+                <a:ext uri="{FF2B5EF4-FFF2-40B4-BE49-F238E27FC236}">
+                  <a16:creationId xmlns:a16="http://schemas.microsoft.com/office/drawing/2014/main" id="{3965C8D6-FCCB-4268-BEAC-F058014319ED}"/>
+                </a:ext>
+              </a:extLst>
+            </p:cNvPr>
+            <p:cNvSpPr/>
+            <p:nvPr/>
+          </p:nvSpPr>
+          <p:spPr>
+            <a:xfrm>
+              <a:off x="3232297" y="4420568"/>
+              <a:ext cx="1743739" cy="531628"/>
+            </a:xfrm>
+            <a:prstGeom prst="roundRect">
+              <a:avLst/>
+            </a:prstGeom>
+            <a:solidFill>
+              <a:schemeClr val="bg2">
+                <a:lumMod val="50000"/>
+              </a:schemeClr>
+            </a:solidFill>
+          </p:spPr>
+          <p:style>
+            <a:lnRef idx="0">
+              <a:schemeClr val="accent3"/>
+            </a:lnRef>
+            <a:fillRef idx="3">
+              <a:schemeClr val="accent3"/>
+            </a:fillRef>
+            <a:effectRef idx="3">
+              <a:schemeClr val="accent3"/>
+            </a:effectRef>
+            <a:fontRef idx="minor">
+              <a:schemeClr val="lt1"/>
+            </a:fontRef>
+          </p:style>
+          <p:txBody>
+            <a:bodyPr rtlCol="0" anchor="ctr"/>
+            <a:lstStyle/>
+            <a:p>
+              <a:pPr algn="ctr"/>
+              <a:r>
+                <a:rPr lang="ru-RU" dirty="0"/>
+                <a:t>ИСКЛЮЧЕНИЕ</a:t>
+              </a:r>
+            </a:p>
+          </p:txBody>
+        </p:sp>
+        <p:sp>
+          <p:nvSpPr>
+            <p:cNvPr id="10" name="Прямоугольник: скругленные углы 9">
+              <a:extLst>
+                <a:ext uri="{FF2B5EF4-FFF2-40B4-BE49-F238E27FC236}">
+                  <a16:creationId xmlns:a16="http://schemas.microsoft.com/office/drawing/2014/main" id="{3EB3412A-A3A6-4070-9B75-B12EB9734214}"/>
+                </a:ext>
+              </a:extLst>
+            </p:cNvPr>
+            <p:cNvSpPr/>
+            <p:nvPr/>
+          </p:nvSpPr>
+          <p:spPr>
+            <a:xfrm>
+              <a:off x="5486400" y="3003753"/>
+              <a:ext cx="1601974" cy="531628"/>
+            </a:xfrm>
+            <a:prstGeom prst="roundRect">
+              <a:avLst/>
+            </a:prstGeom>
+          </p:spPr>
+          <p:style>
+            <a:lnRef idx="0">
+              <a:schemeClr val="dk1"/>
+            </a:lnRef>
+            <a:fillRef idx="3">
+              <a:schemeClr val="dk1"/>
+            </a:fillRef>
+            <a:effectRef idx="3">
+              <a:schemeClr val="dk1"/>
+            </a:effectRef>
+            <a:fontRef idx="minor">
+              <a:schemeClr val="lt1"/>
+            </a:fontRef>
+          </p:style>
+          <p:txBody>
+            <a:bodyPr rtlCol="0" anchor="ctr"/>
+            <a:lstStyle/>
+            <a:p>
+              <a:pPr algn="ctr"/>
+              <a:r>
+                <a:rPr lang="ru-RU" dirty="0"/>
+                <a:t>ПЕРЕМЕННАЯ</a:t>
+              </a:r>
+            </a:p>
+          </p:txBody>
+        </p:sp>
+        <p:sp>
+          <p:nvSpPr>
+            <p:cNvPr id="12" name="Прямоугольник: скругленные углы 11">
+              <a:extLst>
+                <a:ext uri="{FF2B5EF4-FFF2-40B4-BE49-F238E27FC236}">
+                  <a16:creationId xmlns:a16="http://schemas.microsoft.com/office/drawing/2014/main" id="{40A12E79-7BC5-4F86-B145-553B9ED1682A}"/>
+                </a:ext>
+              </a:extLst>
+            </p:cNvPr>
+            <p:cNvSpPr/>
+            <p:nvPr/>
+          </p:nvSpPr>
+          <p:spPr>
+            <a:xfrm>
+              <a:off x="5450070" y="4459536"/>
+              <a:ext cx="1601974" cy="531628"/>
+            </a:xfrm>
+            <a:prstGeom prst="roundRect">
+              <a:avLst/>
+            </a:prstGeom>
+          </p:spPr>
+          <p:style>
+            <a:lnRef idx="0">
+              <a:schemeClr val="dk1"/>
+            </a:lnRef>
+            <a:fillRef idx="3">
+              <a:schemeClr val="dk1"/>
+            </a:fillRef>
+            <a:effectRef idx="3">
+              <a:schemeClr val="dk1"/>
+            </a:effectRef>
+            <a:fontRef idx="minor">
+              <a:schemeClr val="lt1"/>
+            </a:fontRef>
+          </p:style>
+          <p:txBody>
+            <a:bodyPr rtlCol="0" anchor="ctr"/>
+            <a:lstStyle/>
+            <a:p>
+              <a:pPr algn="ctr"/>
+              <a:r>
+                <a:rPr lang="ru-RU" dirty="0"/>
+                <a:t>ПЕРЕМЕННАЯ</a:t>
+              </a:r>
+            </a:p>
+          </p:txBody>
+        </p:sp>
+        <p:sp>
+          <p:nvSpPr>
+            <p:cNvPr id="13" name="Прямоугольник: скругленные углы 12">
+              <a:extLst>
+                <a:ext uri="{FF2B5EF4-FFF2-40B4-BE49-F238E27FC236}">
+                  <a16:creationId xmlns:a16="http://schemas.microsoft.com/office/drawing/2014/main" id="{2B693087-C0C7-4F5A-8C64-6BF277180F51}"/>
+                </a:ext>
+              </a:extLst>
+            </p:cNvPr>
+            <p:cNvSpPr/>
+            <p:nvPr/>
+          </p:nvSpPr>
+          <p:spPr>
+            <a:xfrm>
+              <a:off x="3232297" y="3795823"/>
+              <a:ext cx="3856077" cy="531628"/>
+            </a:xfrm>
+            <a:prstGeom prst="roundRect">
+              <a:avLst/>
+            </a:prstGeom>
+          </p:spPr>
+          <p:style>
+            <a:lnRef idx="0">
+              <a:schemeClr val="accent4"/>
+            </a:lnRef>
+            <a:fillRef idx="3">
+              <a:schemeClr val="accent4"/>
+            </a:fillRef>
+            <a:effectRef idx="3">
+              <a:schemeClr val="accent4"/>
+            </a:effectRef>
+            <a:fontRef idx="minor">
+              <a:schemeClr val="lt1"/>
+            </a:fontRef>
+          </p:style>
+          <p:txBody>
+            <a:bodyPr rtlCol="0" anchor="ctr"/>
+            <a:lstStyle/>
+            <a:p>
+              <a:pPr algn="ctr"/>
+              <a:r>
+                <a:rPr lang="ru-RU" dirty="0"/>
+                <a:t>БЛОК ОБРАБОТКИ ОШИБОК</a:t>
+              </a:r>
+            </a:p>
+          </p:txBody>
+        </p:sp>
+        <p:sp>
+          <p:nvSpPr>
+            <p:cNvPr id="14" name="Прямоугольник: скругленные углы 13">
+              <a:extLst>
+                <a:ext uri="{FF2B5EF4-FFF2-40B4-BE49-F238E27FC236}">
+                  <a16:creationId xmlns:a16="http://schemas.microsoft.com/office/drawing/2014/main" id="{012D72BB-A051-4654-92BC-EB4B2244FA44}"/>
+                </a:ext>
+              </a:extLst>
+            </p:cNvPr>
+            <p:cNvSpPr/>
+            <p:nvPr/>
+          </p:nvSpPr>
+          <p:spPr>
+            <a:xfrm>
+              <a:off x="3160526" y="5123251"/>
+              <a:ext cx="3856077" cy="531628"/>
+            </a:xfrm>
+            <a:prstGeom prst="roundRect">
+              <a:avLst/>
+            </a:prstGeom>
+          </p:spPr>
+          <p:style>
+            <a:lnRef idx="0">
+              <a:schemeClr val="accent4"/>
+            </a:lnRef>
+            <a:fillRef idx="3">
+              <a:schemeClr val="accent4"/>
+            </a:fillRef>
+            <a:effectRef idx="3">
+              <a:schemeClr val="accent4"/>
+            </a:effectRef>
+            <a:fontRef idx="minor">
+              <a:schemeClr val="lt1"/>
+            </a:fontRef>
+          </p:style>
+          <p:txBody>
+            <a:bodyPr rtlCol="0" anchor="ctr"/>
+            <a:lstStyle/>
+            <a:p>
+              <a:pPr algn="ctr"/>
+              <a:r>
+                <a:rPr lang="ru-RU" dirty="0"/>
+                <a:t>БЛОК ОБРАБОТКИ ОШИБОК</a:t>
+              </a:r>
+            </a:p>
+          </p:txBody>
+        </p:sp>
+        <p:sp>
+          <p:nvSpPr>
+            <p:cNvPr id="15" name="Прямоугольник: скругленные углы 14">
+              <a:extLst>
+                <a:ext uri="{FF2B5EF4-FFF2-40B4-BE49-F238E27FC236}">
+                  <a16:creationId xmlns:a16="http://schemas.microsoft.com/office/drawing/2014/main" id="{B62B9E81-09DD-4131-BE5F-F8874E8DFE43}"/>
+                </a:ext>
+              </a:extLst>
+            </p:cNvPr>
+            <p:cNvSpPr/>
+            <p:nvPr/>
+          </p:nvSpPr>
+          <p:spPr>
+            <a:xfrm>
+              <a:off x="3160525" y="6074919"/>
+              <a:ext cx="3856077" cy="531628"/>
+            </a:xfrm>
+            <a:prstGeom prst="roundRect">
+              <a:avLst/>
+            </a:prstGeom>
+          </p:spPr>
+          <p:style>
+            <a:lnRef idx="0">
+              <a:schemeClr val="accent6"/>
+            </a:lnRef>
+            <a:fillRef idx="3">
+              <a:schemeClr val="accent6"/>
+            </a:fillRef>
+            <a:effectRef idx="3">
+              <a:schemeClr val="accent6"/>
+            </a:effectRef>
+            <a:fontRef idx="minor">
+              <a:schemeClr val="lt1"/>
+            </a:fontRef>
+          </p:style>
+          <p:txBody>
+            <a:bodyPr rtlCol="0" anchor="ctr"/>
+            <a:lstStyle/>
+            <a:p>
+              <a:pPr algn="ctr"/>
+              <a:r>
+                <a:rPr lang="ru-RU" dirty="0"/>
+                <a:t>БЛОК ГАРАНТИРОВАННОГО ВЫПОЛНЕНИЯ</a:t>
+              </a:r>
+            </a:p>
+          </p:txBody>
+        </p:sp>
+      </p:grpSp>
+    </p:spTree>
+    <p:extLst>
+      <p:ext uri="{BB962C8B-B14F-4D97-AF65-F5344CB8AC3E}">
+        <p14:creationId xmlns:p14="http://schemas.microsoft.com/office/powerpoint/2010/main" val="3577036703"/>
+      </p:ext>
+    </p:extLst>
+  </p:cSld>
+  <p:clrMapOvr>
+    <a:masterClrMapping/>
+  </p:clrMapOvr>
+</p:sld>
+</file>
+
+<file path=ppt/slides/slide102.xml><?xml version="1.0" encoding="utf-8"?>
+<p:sld xmlns:a="http://schemas.openxmlformats.org/drawingml/2006/main" xmlns:r="http://schemas.openxmlformats.org/officeDocument/2006/relationships" xmlns:p="http://schemas.openxmlformats.org/presentationml/2006/main">
+  <p:cSld>
+    <p:spTree>
+      <p:nvGrpSpPr>
+        <p:cNvPr id="1" name=""/>
+        <p:cNvGrpSpPr/>
+        <p:nvPr/>
+      </p:nvGrpSpPr>
+      <p:grpSpPr>
+        <a:xfrm>
+          <a:off x="0" y="0"/>
+          <a:ext cx="0" cy="0"/>
+          <a:chOff x="0" y="0"/>
+          <a:chExt cx="0" cy="0"/>
+        </a:xfrm>
+      </p:grpSpPr>
+      <p:sp>
+        <p:nvSpPr>
+          <p:cNvPr id="2" name="Заголовок 1">
+            <a:extLst>
+              <a:ext uri="{FF2B5EF4-FFF2-40B4-BE49-F238E27FC236}">
+                <a16:creationId xmlns:a16="http://schemas.microsoft.com/office/drawing/2014/main" id="{E011A2C4-FB8D-431E-B54E-EE0F746D557A}"/>
+              </a:ext>
+            </a:extLst>
+          </p:cNvPr>
+          <p:cNvSpPr>
+            <a:spLocks noGrp="1"/>
+          </p:cNvSpPr>
+          <p:nvPr>
+            <p:ph type="title"/>
+          </p:nvPr>
+        </p:nvSpPr>
+        <p:spPr/>
+        <p:txBody>
+          <a:bodyPr/>
+          <a:lstStyle/>
+          <a:p>
+            <a:r>
+              <a:rPr lang="ru-RU" dirty="0"/>
+              <a:t>Задача</a:t>
+            </a:r>
+          </a:p>
+        </p:txBody>
+      </p:sp>
+      <p:sp>
+        <p:nvSpPr>
+          <p:cNvPr id="3" name="Объект 2">
+            <a:extLst>
+              <a:ext uri="{FF2B5EF4-FFF2-40B4-BE49-F238E27FC236}">
+                <a16:creationId xmlns:a16="http://schemas.microsoft.com/office/drawing/2014/main" id="{B188C367-418E-46E2-BB67-60B1463116D7}"/>
+              </a:ext>
+            </a:extLst>
+          </p:cNvPr>
+          <p:cNvSpPr>
+            <a:spLocks noGrp="1"/>
+          </p:cNvSpPr>
+          <p:nvPr>
+            <p:ph idx="1"/>
+          </p:nvPr>
+        </p:nvSpPr>
+        <p:spPr/>
+        <p:txBody>
+          <a:bodyPr/>
+          <a:lstStyle/>
+          <a:p>
+            <a:r>
+              <a:rPr lang="ru-RU" dirty="0"/>
+              <a:t>Пользователь в сообщении указывает некоторые ключевые слова, на которые наш бот должен определенным образом ответить</a:t>
+            </a:r>
+          </a:p>
+          <a:p>
+            <a:pPr lvl="1"/>
+            <a:r>
+              <a:rPr lang="ru-RU" dirty="0"/>
+              <a:t>Разбираемся как искать подстроку в </a:t>
+            </a:r>
+            <a:r>
+              <a:rPr lang="en-US" dirty="0"/>
+              <a:t>Python</a:t>
+            </a:r>
+            <a:endParaRPr lang="ru-RU" dirty="0"/>
+          </a:p>
+          <a:p>
+            <a:pPr lvl="1"/>
+            <a:endParaRPr lang="ru-RU" dirty="0"/>
+          </a:p>
+        </p:txBody>
+      </p:sp>
+    </p:spTree>
+    <p:extLst>
+      <p:ext uri="{BB962C8B-B14F-4D97-AF65-F5344CB8AC3E}">
+        <p14:creationId xmlns:p14="http://schemas.microsoft.com/office/powerpoint/2010/main" val="3629564465"/>
+      </p:ext>
+    </p:extLst>
+  </p:cSld>
+  <p:clrMapOvr>
+    <a:masterClrMapping/>
+  </p:clrMapOvr>
+</p:sld>
+</file>
+
+<file path=ppt/slides/slide103.xml><?xml version="1.0" encoding="utf-8"?>
+<p:sld xmlns:a="http://schemas.openxmlformats.org/drawingml/2006/main" xmlns:r="http://schemas.openxmlformats.org/officeDocument/2006/relationships" xmlns:p="http://schemas.openxmlformats.org/presentationml/2006/main">
+  <p:cSld>
+    <p:spTree>
+      <p:nvGrpSpPr>
+        <p:cNvPr id="1" name=""/>
+        <p:cNvGrpSpPr/>
+        <p:nvPr/>
+      </p:nvGrpSpPr>
+      <p:grpSpPr>
+        <a:xfrm>
+          <a:off x="0" y="0"/>
+          <a:ext cx="0" cy="0"/>
+          <a:chOff x="0" y="0"/>
+          <a:chExt cx="0" cy="0"/>
+        </a:xfrm>
+      </p:grpSpPr>
+      <p:sp>
+        <p:nvSpPr>
+          <p:cNvPr id="2" name="Заголовок 1">
+            <a:extLst>
+              <a:ext uri="{FF2B5EF4-FFF2-40B4-BE49-F238E27FC236}">
+                <a16:creationId xmlns:a16="http://schemas.microsoft.com/office/drawing/2014/main" id="{072AD1C1-DFAC-4DC7-86CA-ECF093E8EA20}"/>
+              </a:ext>
+            </a:extLst>
+          </p:cNvPr>
+          <p:cNvSpPr>
+            <a:spLocks noGrp="1"/>
+          </p:cNvSpPr>
+          <p:nvPr>
+            <p:ph type="title"/>
+          </p:nvPr>
+        </p:nvSpPr>
+        <p:spPr/>
+        <p:txBody>
+          <a:bodyPr/>
+          <a:lstStyle/>
+          <a:p>
+            <a:r>
+              <a:rPr lang="ru-RU" dirty="0"/>
+              <a:t>Задача</a:t>
+            </a:r>
+          </a:p>
+        </p:txBody>
+      </p:sp>
+      <p:sp>
+        <p:nvSpPr>
+          <p:cNvPr id="3" name="Объект 2">
+            <a:extLst>
+              <a:ext uri="{FF2B5EF4-FFF2-40B4-BE49-F238E27FC236}">
+                <a16:creationId xmlns:a16="http://schemas.microsoft.com/office/drawing/2014/main" id="{F22465BA-C9F2-4AD1-9D5B-7FE9B5EC398D}"/>
+              </a:ext>
+            </a:extLst>
+          </p:cNvPr>
+          <p:cNvSpPr>
+            <a:spLocks noGrp="1"/>
+          </p:cNvSpPr>
+          <p:nvPr>
+            <p:ph idx="1"/>
+          </p:nvPr>
+        </p:nvSpPr>
+        <p:spPr/>
+        <p:txBody>
+          <a:bodyPr/>
+          <a:lstStyle/>
+          <a:p>
+            <a:r>
+              <a:rPr lang="ru-RU" dirty="0"/>
+              <a:t>Пользователь вводит свои реквизиты. Мы должны проверить правильность ввода телефонного номера и адреса электронной почты</a:t>
+            </a:r>
+            <a:endParaRPr lang="en-US" dirty="0"/>
+          </a:p>
+          <a:p>
+            <a:pPr lvl="1"/>
+            <a:r>
+              <a:rPr lang="ru-RU" dirty="0"/>
+              <a:t>Учимся работать с регулярными выражениями</a:t>
+            </a:r>
+          </a:p>
+        </p:txBody>
+      </p:sp>
+    </p:spTree>
+    <p:extLst>
+      <p:ext uri="{BB962C8B-B14F-4D97-AF65-F5344CB8AC3E}">
+        <p14:creationId xmlns:p14="http://schemas.microsoft.com/office/powerpoint/2010/main" val="362811289"/>
       </p:ext>
     </p:extLst>
   </p:cSld>
@@ -43066,7 +43976,7 @@
           <p:cNvPr id="2" name="Заголовок 1">
             <a:extLst>
               <a:ext uri="{FF2B5EF4-FFF2-40B4-BE49-F238E27FC236}">
-                <a16:creationId xmlns:a16="http://schemas.microsoft.com/office/drawing/2014/main" id="{E011A2C4-FB8D-431E-B54E-EE0F746D557A}"/>
+                <a16:creationId xmlns:a16="http://schemas.microsoft.com/office/drawing/2014/main" id="{18B4286A-125E-4AEC-A6D8-C097C04C5C0A}"/>
               </a:ext>
             </a:extLst>
           </p:cNvPr>
@@ -43084,7 +43994,23 @@
           <a:p>
             <a:r>
               <a:rPr lang="ru-RU" dirty="0"/>
-              <a:t>Задача</a:t>
+              <a:t>Работа с файлом. </a:t>
+            </a:r>
+            <a:r>
+              <a:rPr lang="ru-RU" dirty="0" err="1"/>
+              <a:t>Сериализация</a:t>
+            </a:r>
+            <a:r>
+              <a:rPr lang="ru-RU" dirty="0"/>
+              <a:t> и </a:t>
+            </a:r>
+            <a:r>
+              <a:rPr lang="ru-RU" dirty="0" err="1"/>
+              <a:t>десериализация</a:t>
+            </a:r>
+            <a:r>
+              <a:rPr lang="ru-RU" dirty="0"/>
+              <a:t> структур данных</a:t>
             </a:r>
           </a:p>
         </p:txBody>
@@ -43094,7 +44020,7 @@
           <p:cNvPr id="3" name="Объект 2">
             <a:extLst>
               <a:ext uri="{FF2B5EF4-FFF2-40B4-BE49-F238E27FC236}">
-                <a16:creationId xmlns:a16="http://schemas.microsoft.com/office/drawing/2014/main" id="{B188C367-418E-46E2-BB67-60B1463116D7}"/>
+                <a16:creationId xmlns:a16="http://schemas.microsoft.com/office/drawing/2014/main" id="{DE7838AE-339C-4240-BC69-22DDD13C4D8C}"/>
               </a:ext>
             </a:extLst>
           </p:cNvPr>
@@ -43111,32 +44037,54 @@
           <a:lstStyle/>
           <a:p>
             <a:r>
+              <a:rPr lang="en-US" dirty="0"/>
+              <a:t>Python </a:t>
+            </a:r>
+            <a:r>
               <a:rPr lang="ru-RU" dirty="0"/>
-              <a:t>Пользователь в сообщении указывает некоторые ключевые слова, на которые наш бот должен определенным образом ответить</a:t>
-            </a:r>
-          </a:p>
-          <a:p>
-            <a:pPr lvl="1"/>
+              <a:t>позволяет сохранить любую структуру памяти на диск и при необходимости снова ее прочитать и восстановить в оперативной памяти</a:t>
+            </a:r>
+          </a:p>
+          <a:p>
             <a:r>
               <a:rPr lang="ru-RU" dirty="0"/>
-              <a:t>Разбираемся как искать подстроку в </a:t>
-            </a:r>
-            <a:r>
-              <a:rPr lang="en-US" dirty="0"/>
-              <a:t>Python</a:t>
-            </a:r>
-            <a:endParaRPr lang="ru-RU" dirty="0"/>
-          </a:p>
-          <a:p>
-            <a:pPr lvl="1"/>
-            <a:endParaRPr lang="ru-RU" dirty="0"/>
+              <a:t>Любая структура данных имеет состояние – совокупность значений всех ее элементов в данный момент времени</a:t>
+            </a:r>
+          </a:p>
+          <a:p>
+            <a:r>
+              <a:rPr lang="ru-RU" dirty="0" err="1"/>
+              <a:t>Сериализация</a:t>
+            </a:r>
+            <a:r>
+              <a:rPr lang="ru-RU" dirty="0"/>
+              <a:t> – сохранения состояния структуры данных в долговременной памяти (диск и т.д.)</a:t>
+            </a:r>
+          </a:p>
+          <a:p>
+            <a:r>
+              <a:rPr lang="ru-RU" dirty="0" err="1"/>
+              <a:t>Десериализация</a:t>
+            </a:r>
+            <a:r>
+              <a:rPr lang="ru-RU" dirty="0"/>
+              <a:t> – создание структуры данных на основе ранее сохраненной в процессе </a:t>
+            </a:r>
+            <a:r>
+              <a:rPr lang="ru-RU" dirty="0" err="1"/>
+              <a:t>сериализации</a:t>
+            </a:r>
+            <a:r>
+              <a:rPr lang="ru-RU" dirty="0"/>
+              <a:t> информации</a:t>
+            </a:r>
           </a:p>
         </p:txBody>
       </p:sp>
     </p:spTree>
     <p:extLst>
       <p:ext uri="{BB962C8B-B14F-4D97-AF65-F5344CB8AC3E}">
-        <p14:creationId xmlns:p14="http://schemas.microsoft.com/office/powerpoint/2010/main" val="3629564465"/>
+        <p14:creationId xmlns:p14="http://schemas.microsoft.com/office/powerpoint/2010/main" val="3216991438"/>
       </p:ext>
     </p:extLst>
   </p:cSld>
@@ -43168,7 +44116,7 @@
           <p:cNvPr id="2" name="Заголовок 1">
             <a:extLst>
               <a:ext uri="{FF2B5EF4-FFF2-40B4-BE49-F238E27FC236}">
-                <a16:creationId xmlns:a16="http://schemas.microsoft.com/office/drawing/2014/main" id="{072AD1C1-DFAC-4DC7-86CA-ECF093E8EA20}"/>
+                <a16:creationId xmlns:a16="http://schemas.microsoft.com/office/drawing/2014/main" id="{71C88495-5343-4EA2-8CCF-55A84FF4D07B}"/>
               </a:ext>
             </a:extLst>
           </p:cNvPr>
@@ -43186,8 +44134,871 @@
           <a:p>
             <a:r>
               <a:rPr lang="ru-RU" dirty="0"/>
-              <a:t>Задача</a:t>
-            </a:r>
+              <a:t>Работа с файлом. </a:t>
+            </a:r>
+            <a:r>
+              <a:rPr lang="ru-RU" dirty="0" err="1"/>
+              <a:t>Сериализация</a:t>
+            </a:r>
+            <a:r>
+              <a:rPr lang="ru-RU" dirty="0"/>
+              <a:t> и </a:t>
+            </a:r>
+            <a:r>
+              <a:rPr lang="ru-RU" dirty="0" err="1"/>
+              <a:t>десериализация</a:t>
+            </a:r>
+            <a:r>
+              <a:rPr lang="ru-RU" dirty="0"/>
+              <a:t> структур данных</a:t>
+            </a:r>
+          </a:p>
+        </p:txBody>
+      </p:sp>
+      <p:sp>
+        <p:nvSpPr>
+          <p:cNvPr id="4" name="TextBox 3">
+            <a:extLst>
+              <a:ext uri="{FF2B5EF4-FFF2-40B4-BE49-F238E27FC236}">
+                <a16:creationId xmlns:a16="http://schemas.microsoft.com/office/drawing/2014/main" id="{C0514477-1C5E-4BDD-A8B7-7617F07963C4}"/>
+              </a:ext>
+            </a:extLst>
+          </p:cNvPr>
+          <p:cNvSpPr txBox="1"/>
+          <p:nvPr/>
+        </p:nvSpPr>
+        <p:spPr>
+          <a:xfrm>
+            <a:off x="1267489" y="2614252"/>
+            <a:ext cx="8104667" cy="3416320"/>
+          </a:xfrm>
+          <a:prstGeom prst="rect">
+            <a:avLst/>
+          </a:prstGeom>
+          <a:noFill/>
+        </p:spPr>
+        <p:txBody>
+          <a:bodyPr wrap="square">
+            <a:spAutoFit/>
+          </a:bodyPr>
+          <a:lstStyle/>
+          <a:p>
+            <a:r>
+              <a:rPr lang="en-US" b="0" dirty="0">
+                <a:solidFill>
+                  <a:srgbClr val="C586C0"/>
+                </a:solidFill>
+                <a:effectLst/>
+                <a:latin typeface="Consolas" panose="020B0609020204030204" pitchFamily="49" charset="0"/>
+              </a:rPr>
+              <a:t>import</a:t>
+            </a:r>
+            <a:r>
+              <a:rPr lang="en-US" b="0" dirty="0">
+                <a:solidFill>
+                  <a:srgbClr val="D4D4D4"/>
+                </a:solidFill>
+                <a:effectLst/>
+                <a:latin typeface="Consolas" panose="020B0609020204030204" pitchFamily="49" charset="0"/>
+              </a:rPr>
+              <a:t> pickle</a:t>
+            </a:r>
+          </a:p>
+          <a:p>
+            <a:br>
+              <a:rPr lang="en-US" b="0" dirty="0">
+                <a:solidFill>
+                  <a:srgbClr val="D4D4D4"/>
+                </a:solidFill>
+                <a:effectLst/>
+                <a:latin typeface="Consolas" panose="020B0609020204030204" pitchFamily="49" charset="0"/>
+              </a:rPr>
+            </a:br>
+            <a:r>
+              <a:rPr lang="en-US" b="0" dirty="0">
+                <a:solidFill>
+                  <a:srgbClr val="D4D4D4"/>
+                </a:solidFill>
+                <a:effectLst/>
+                <a:latin typeface="Consolas" panose="020B0609020204030204" pitchFamily="49" charset="0"/>
+              </a:rPr>
+              <a:t>source = [</a:t>
+            </a:r>
+            <a:r>
+              <a:rPr lang="en-US" b="0" dirty="0">
+                <a:solidFill>
+                  <a:srgbClr val="B5CEA8"/>
+                </a:solidFill>
+                <a:effectLst/>
+                <a:latin typeface="Consolas" panose="020B0609020204030204" pitchFamily="49" charset="0"/>
+              </a:rPr>
+              <a:t>1</a:t>
+            </a:r>
+            <a:r>
+              <a:rPr lang="en-US" b="0" dirty="0">
+                <a:solidFill>
+                  <a:srgbClr val="D4D4D4"/>
+                </a:solidFill>
+                <a:effectLst/>
+                <a:latin typeface="Consolas" panose="020B0609020204030204" pitchFamily="49" charset="0"/>
+              </a:rPr>
+              <a:t>,</a:t>
+            </a:r>
+            <a:r>
+              <a:rPr lang="en-US" b="0" dirty="0">
+                <a:solidFill>
+                  <a:srgbClr val="B5CEA8"/>
+                </a:solidFill>
+                <a:effectLst/>
+                <a:latin typeface="Consolas" panose="020B0609020204030204" pitchFamily="49" charset="0"/>
+              </a:rPr>
+              <a:t>2</a:t>
+            </a:r>
+            <a:r>
+              <a:rPr lang="en-US" b="0" dirty="0">
+                <a:solidFill>
+                  <a:srgbClr val="D4D4D4"/>
+                </a:solidFill>
+                <a:effectLst/>
+                <a:latin typeface="Consolas" panose="020B0609020204030204" pitchFamily="49" charset="0"/>
+              </a:rPr>
+              <a:t>,</a:t>
+            </a:r>
+            <a:r>
+              <a:rPr lang="en-US" b="0" dirty="0">
+                <a:solidFill>
+                  <a:srgbClr val="B5CEA8"/>
+                </a:solidFill>
+                <a:effectLst/>
+                <a:latin typeface="Consolas" panose="020B0609020204030204" pitchFamily="49" charset="0"/>
+              </a:rPr>
+              <a:t>3</a:t>
+            </a:r>
+            <a:r>
+              <a:rPr lang="en-US" b="0" dirty="0">
+                <a:solidFill>
+                  <a:srgbClr val="D4D4D4"/>
+                </a:solidFill>
+                <a:effectLst/>
+                <a:latin typeface="Consolas" panose="020B0609020204030204" pitchFamily="49" charset="0"/>
+              </a:rPr>
+              <a:t>,</a:t>
+            </a:r>
+            <a:r>
+              <a:rPr lang="en-US" b="0" dirty="0">
+                <a:solidFill>
+                  <a:srgbClr val="B5CEA8"/>
+                </a:solidFill>
+                <a:effectLst/>
+                <a:latin typeface="Consolas" panose="020B0609020204030204" pitchFamily="49" charset="0"/>
+              </a:rPr>
+              <a:t>3</a:t>
+            </a:r>
+            <a:r>
+              <a:rPr lang="en-US" b="0" dirty="0">
+                <a:solidFill>
+                  <a:srgbClr val="D4D4D4"/>
+                </a:solidFill>
+                <a:effectLst/>
+                <a:latin typeface="Consolas" panose="020B0609020204030204" pitchFamily="49" charset="0"/>
+              </a:rPr>
+              <a:t>,</a:t>
+            </a:r>
+            <a:r>
+              <a:rPr lang="en-US" b="0" dirty="0">
+                <a:solidFill>
+                  <a:srgbClr val="B5CEA8"/>
+                </a:solidFill>
+                <a:effectLst/>
+                <a:latin typeface="Consolas" panose="020B0609020204030204" pitchFamily="49" charset="0"/>
+              </a:rPr>
+              <a:t>4</a:t>
+            </a:r>
+            <a:r>
+              <a:rPr lang="en-US" b="0" dirty="0">
+                <a:solidFill>
+                  <a:srgbClr val="D4D4D4"/>
+                </a:solidFill>
+                <a:effectLst/>
+                <a:latin typeface="Consolas" panose="020B0609020204030204" pitchFamily="49" charset="0"/>
+              </a:rPr>
+              <a:t>,</a:t>
+            </a:r>
+            <a:r>
+              <a:rPr lang="en-US" b="0" dirty="0">
+                <a:solidFill>
+                  <a:srgbClr val="B5CEA8"/>
+                </a:solidFill>
+                <a:effectLst/>
+                <a:latin typeface="Consolas" panose="020B0609020204030204" pitchFamily="49" charset="0"/>
+              </a:rPr>
+              <a:t>5</a:t>
+            </a:r>
+            <a:r>
+              <a:rPr lang="en-US" b="0" dirty="0">
+                <a:solidFill>
+                  <a:srgbClr val="D4D4D4"/>
+                </a:solidFill>
+                <a:effectLst/>
+                <a:latin typeface="Consolas" panose="020B0609020204030204" pitchFamily="49" charset="0"/>
+              </a:rPr>
+              <a:t>]</a:t>
+            </a:r>
+          </a:p>
+          <a:p>
+            <a:r>
+              <a:rPr lang="en-US" b="0" dirty="0">
+                <a:solidFill>
+                  <a:srgbClr val="C586C0"/>
+                </a:solidFill>
+                <a:effectLst/>
+                <a:latin typeface="Consolas" panose="020B0609020204030204" pitchFamily="49" charset="0"/>
+              </a:rPr>
+              <a:t>with</a:t>
+            </a:r>
+            <a:r>
+              <a:rPr lang="en-US" b="0" dirty="0">
+                <a:solidFill>
+                  <a:srgbClr val="D4D4D4"/>
+                </a:solidFill>
+                <a:effectLst/>
+                <a:latin typeface="Consolas" panose="020B0609020204030204" pitchFamily="49" charset="0"/>
+              </a:rPr>
+              <a:t> </a:t>
+            </a:r>
+            <a:r>
+              <a:rPr lang="en-US" b="0" dirty="0">
+                <a:solidFill>
+                  <a:srgbClr val="DCDCAA"/>
+                </a:solidFill>
+                <a:effectLst/>
+                <a:latin typeface="Consolas" panose="020B0609020204030204" pitchFamily="49" charset="0"/>
+              </a:rPr>
+              <a:t>open</a:t>
+            </a:r>
+            <a:r>
+              <a:rPr lang="en-US" b="0" dirty="0">
+                <a:solidFill>
+                  <a:srgbClr val="D4D4D4"/>
+                </a:solidFill>
+                <a:effectLst/>
+                <a:latin typeface="Consolas" panose="020B0609020204030204" pitchFamily="49" charset="0"/>
+              </a:rPr>
+              <a:t>(</a:t>
+            </a:r>
+            <a:r>
+              <a:rPr lang="en-US" b="0" dirty="0">
+                <a:solidFill>
+                  <a:srgbClr val="CE9178"/>
+                </a:solidFill>
+                <a:effectLst/>
+                <a:latin typeface="Consolas" panose="020B0609020204030204" pitchFamily="49" charset="0"/>
+              </a:rPr>
+              <a:t>'test-list.bin'</a:t>
+            </a:r>
+            <a:r>
+              <a:rPr lang="en-US" b="0" dirty="0">
+                <a:solidFill>
+                  <a:srgbClr val="D4D4D4"/>
+                </a:solidFill>
+                <a:effectLst/>
+                <a:latin typeface="Consolas" panose="020B0609020204030204" pitchFamily="49" charset="0"/>
+              </a:rPr>
+              <a:t>,</a:t>
+            </a:r>
+            <a:r>
+              <a:rPr lang="en-US" b="0" dirty="0">
+                <a:solidFill>
+                  <a:srgbClr val="CE9178"/>
+                </a:solidFill>
+                <a:effectLst/>
+                <a:latin typeface="Consolas" panose="020B0609020204030204" pitchFamily="49" charset="0"/>
+              </a:rPr>
+              <a:t>'</a:t>
+            </a:r>
+            <a:r>
+              <a:rPr lang="en-US" b="0" dirty="0" err="1">
+                <a:solidFill>
+                  <a:srgbClr val="CE9178"/>
+                </a:solidFill>
+                <a:effectLst/>
+                <a:latin typeface="Consolas" panose="020B0609020204030204" pitchFamily="49" charset="0"/>
+              </a:rPr>
+              <a:t>wb</a:t>
+            </a:r>
+            <a:r>
+              <a:rPr lang="en-US" b="0" dirty="0">
+                <a:solidFill>
+                  <a:srgbClr val="CE9178"/>
+                </a:solidFill>
+                <a:effectLst/>
+                <a:latin typeface="Consolas" panose="020B0609020204030204" pitchFamily="49" charset="0"/>
+              </a:rPr>
+              <a:t>'</a:t>
+            </a:r>
+            <a:r>
+              <a:rPr lang="en-US" b="0" dirty="0">
+                <a:solidFill>
+                  <a:srgbClr val="D4D4D4"/>
+                </a:solidFill>
+                <a:effectLst/>
+                <a:latin typeface="Consolas" panose="020B0609020204030204" pitchFamily="49" charset="0"/>
+              </a:rPr>
+              <a:t>) </a:t>
+            </a:r>
+            <a:r>
+              <a:rPr lang="en-US" b="0" dirty="0">
+                <a:solidFill>
+                  <a:srgbClr val="C586C0"/>
+                </a:solidFill>
+                <a:effectLst/>
+                <a:latin typeface="Consolas" panose="020B0609020204030204" pitchFamily="49" charset="0"/>
+              </a:rPr>
+              <a:t>as</a:t>
+            </a:r>
+            <a:r>
+              <a:rPr lang="en-US" b="0" dirty="0">
+                <a:solidFill>
+                  <a:srgbClr val="D4D4D4"/>
+                </a:solidFill>
+                <a:effectLst/>
+                <a:latin typeface="Consolas" panose="020B0609020204030204" pitchFamily="49" charset="0"/>
+              </a:rPr>
+              <a:t> f:</a:t>
+            </a:r>
+          </a:p>
+          <a:p>
+            <a:r>
+              <a:rPr lang="en-US" b="0" dirty="0">
+                <a:solidFill>
+                  <a:srgbClr val="D4D4D4"/>
+                </a:solidFill>
+                <a:effectLst/>
+                <a:latin typeface="Consolas" panose="020B0609020204030204" pitchFamily="49" charset="0"/>
+              </a:rPr>
+              <a:t>    </a:t>
+            </a:r>
+            <a:r>
+              <a:rPr lang="en-US" b="0" dirty="0" err="1">
+                <a:solidFill>
+                  <a:srgbClr val="D4D4D4"/>
+                </a:solidFill>
+                <a:effectLst/>
+                <a:latin typeface="Consolas" panose="020B0609020204030204" pitchFamily="49" charset="0"/>
+              </a:rPr>
+              <a:t>pickle.dump</a:t>
+            </a:r>
+            <a:r>
+              <a:rPr lang="en-US" b="0" dirty="0">
+                <a:solidFill>
+                  <a:srgbClr val="D4D4D4"/>
+                </a:solidFill>
+                <a:effectLst/>
+                <a:latin typeface="Consolas" panose="020B0609020204030204" pitchFamily="49" charset="0"/>
+              </a:rPr>
+              <a:t>(</a:t>
+            </a:r>
+            <a:r>
+              <a:rPr lang="en-US" b="0" dirty="0" err="1">
+                <a:solidFill>
+                  <a:srgbClr val="D4D4D4"/>
+                </a:solidFill>
+                <a:effectLst/>
+                <a:latin typeface="Consolas" panose="020B0609020204030204" pitchFamily="49" charset="0"/>
+              </a:rPr>
+              <a:t>source,f</a:t>
+            </a:r>
+            <a:r>
+              <a:rPr lang="en-US" b="0" dirty="0">
+                <a:solidFill>
+                  <a:srgbClr val="D4D4D4"/>
+                </a:solidFill>
+                <a:effectLst/>
+                <a:latin typeface="Consolas" panose="020B0609020204030204" pitchFamily="49" charset="0"/>
+              </a:rPr>
+              <a:t>)</a:t>
+            </a:r>
+          </a:p>
+          <a:p>
+            <a:r>
+              <a:rPr lang="en-US" b="0" dirty="0">
+                <a:solidFill>
+                  <a:srgbClr val="D4D4D4"/>
+                </a:solidFill>
+                <a:effectLst/>
+                <a:latin typeface="Consolas" panose="020B0609020204030204" pitchFamily="49" charset="0"/>
+              </a:rPr>
+              <a:t>    </a:t>
+            </a:r>
+          </a:p>
+          <a:p>
+            <a:endParaRPr lang="en-US" b="0" dirty="0">
+              <a:solidFill>
+                <a:srgbClr val="D4D4D4"/>
+              </a:solidFill>
+              <a:effectLst/>
+              <a:latin typeface="Consolas" panose="020B0609020204030204" pitchFamily="49" charset="0"/>
+            </a:endParaRPr>
+          </a:p>
+          <a:p>
+            <a:r>
+              <a:rPr lang="en-US" b="0" dirty="0">
+                <a:solidFill>
+                  <a:srgbClr val="C586C0"/>
+                </a:solidFill>
+                <a:effectLst/>
+                <a:latin typeface="Consolas" panose="020B0609020204030204" pitchFamily="49" charset="0"/>
+              </a:rPr>
+              <a:t>with</a:t>
+            </a:r>
+            <a:r>
+              <a:rPr lang="en-US" b="0" dirty="0">
+                <a:solidFill>
+                  <a:srgbClr val="D4D4D4"/>
+                </a:solidFill>
+                <a:effectLst/>
+                <a:latin typeface="Consolas" panose="020B0609020204030204" pitchFamily="49" charset="0"/>
+              </a:rPr>
+              <a:t> </a:t>
+            </a:r>
+            <a:r>
+              <a:rPr lang="en-US" b="0" dirty="0">
+                <a:solidFill>
+                  <a:srgbClr val="DCDCAA"/>
+                </a:solidFill>
+                <a:effectLst/>
+                <a:latin typeface="Consolas" panose="020B0609020204030204" pitchFamily="49" charset="0"/>
+              </a:rPr>
+              <a:t>open</a:t>
+            </a:r>
+            <a:r>
+              <a:rPr lang="en-US" b="0" dirty="0">
+                <a:solidFill>
+                  <a:srgbClr val="D4D4D4"/>
+                </a:solidFill>
+                <a:effectLst/>
+                <a:latin typeface="Consolas" panose="020B0609020204030204" pitchFamily="49" charset="0"/>
+              </a:rPr>
+              <a:t>(</a:t>
+            </a:r>
+            <a:r>
+              <a:rPr lang="en-US" b="0" dirty="0">
+                <a:solidFill>
+                  <a:srgbClr val="CE9178"/>
+                </a:solidFill>
+                <a:effectLst/>
+                <a:latin typeface="Consolas" panose="020B0609020204030204" pitchFamily="49" charset="0"/>
+              </a:rPr>
+              <a:t>'test-list.bin'</a:t>
+            </a:r>
+            <a:r>
+              <a:rPr lang="en-US" b="0" dirty="0">
+                <a:solidFill>
+                  <a:srgbClr val="D4D4D4"/>
+                </a:solidFill>
+                <a:effectLst/>
+                <a:latin typeface="Consolas" panose="020B0609020204030204" pitchFamily="49" charset="0"/>
+              </a:rPr>
+              <a:t>,</a:t>
+            </a:r>
+            <a:r>
+              <a:rPr lang="en-US" b="0" dirty="0">
+                <a:solidFill>
+                  <a:srgbClr val="CE9178"/>
+                </a:solidFill>
+                <a:effectLst/>
+                <a:latin typeface="Consolas" panose="020B0609020204030204" pitchFamily="49" charset="0"/>
+              </a:rPr>
+              <a:t>'</a:t>
+            </a:r>
+            <a:r>
+              <a:rPr lang="en-US" b="0" dirty="0" err="1">
+                <a:solidFill>
+                  <a:srgbClr val="CE9178"/>
+                </a:solidFill>
+                <a:effectLst/>
+                <a:latin typeface="Consolas" panose="020B0609020204030204" pitchFamily="49" charset="0"/>
+              </a:rPr>
+              <a:t>rb</a:t>
+            </a:r>
+            <a:r>
+              <a:rPr lang="en-US" b="0" dirty="0">
+                <a:solidFill>
+                  <a:srgbClr val="CE9178"/>
+                </a:solidFill>
+                <a:effectLst/>
+                <a:latin typeface="Consolas" panose="020B0609020204030204" pitchFamily="49" charset="0"/>
+              </a:rPr>
+              <a:t>'</a:t>
+            </a:r>
+            <a:r>
+              <a:rPr lang="en-US" b="0" dirty="0">
+                <a:solidFill>
+                  <a:srgbClr val="D4D4D4"/>
+                </a:solidFill>
+                <a:effectLst/>
+                <a:latin typeface="Consolas" panose="020B0609020204030204" pitchFamily="49" charset="0"/>
+              </a:rPr>
+              <a:t>) </a:t>
+            </a:r>
+            <a:r>
+              <a:rPr lang="en-US" b="0" dirty="0">
+                <a:solidFill>
+                  <a:srgbClr val="C586C0"/>
+                </a:solidFill>
+                <a:effectLst/>
+                <a:latin typeface="Consolas" panose="020B0609020204030204" pitchFamily="49" charset="0"/>
+              </a:rPr>
+              <a:t>as</a:t>
+            </a:r>
+            <a:r>
+              <a:rPr lang="en-US" b="0" dirty="0">
+                <a:solidFill>
+                  <a:srgbClr val="D4D4D4"/>
+                </a:solidFill>
+                <a:effectLst/>
+                <a:latin typeface="Consolas" panose="020B0609020204030204" pitchFamily="49" charset="0"/>
+              </a:rPr>
+              <a:t> f:</a:t>
+            </a:r>
+          </a:p>
+          <a:p>
+            <a:r>
+              <a:rPr lang="en-US" b="0" dirty="0">
+                <a:solidFill>
+                  <a:srgbClr val="D4D4D4"/>
+                </a:solidFill>
+                <a:effectLst/>
+                <a:latin typeface="Consolas" panose="020B0609020204030204" pitchFamily="49" charset="0"/>
+              </a:rPr>
+              <a:t>    destination = </a:t>
+            </a:r>
+            <a:r>
+              <a:rPr lang="en-US" b="0" dirty="0" err="1">
+                <a:solidFill>
+                  <a:srgbClr val="D4D4D4"/>
+                </a:solidFill>
+                <a:effectLst/>
+                <a:latin typeface="Consolas" panose="020B0609020204030204" pitchFamily="49" charset="0"/>
+              </a:rPr>
+              <a:t>pickle.load</a:t>
+            </a:r>
+            <a:r>
+              <a:rPr lang="en-US" b="0" dirty="0">
+                <a:solidFill>
+                  <a:srgbClr val="D4D4D4"/>
+                </a:solidFill>
+                <a:effectLst/>
+                <a:latin typeface="Consolas" panose="020B0609020204030204" pitchFamily="49" charset="0"/>
+              </a:rPr>
+              <a:t>(f)    </a:t>
+            </a:r>
+          </a:p>
+          <a:p>
+            <a:r>
+              <a:rPr lang="en-US" b="0" dirty="0">
+                <a:solidFill>
+                  <a:srgbClr val="D4D4D4"/>
+                </a:solidFill>
+                <a:effectLst/>
+                <a:latin typeface="Consolas" panose="020B0609020204030204" pitchFamily="49" charset="0"/>
+              </a:rPr>
+              <a:t>    </a:t>
+            </a:r>
+          </a:p>
+          <a:p>
+            <a:r>
+              <a:rPr lang="en-US" b="0" dirty="0">
+                <a:solidFill>
+                  <a:srgbClr val="DCDCAA"/>
+                </a:solidFill>
+                <a:effectLst/>
+                <a:latin typeface="Consolas" panose="020B0609020204030204" pitchFamily="49" charset="0"/>
+              </a:rPr>
+              <a:t>print</a:t>
+            </a:r>
+            <a:r>
+              <a:rPr lang="en-US" b="0" dirty="0">
+                <a:solidFill>
+                  <a:srgbClr val="D4D4D4"/>
+                </a:solidFill>
+                <a:effectLst/>
+                <a:latin typeface="Consolas" panose="020B0609020204030204" pitchFamily="49" charset="0"/>
+              </a:rPr>
+              <a:t>(source)</a:t>
+            </a:r>
+          </a:p>
+          <a:p>
+            <a:r>
+              <a:rPr lang="en-US" b="0" dirty="0">
+                <a:solidFill>
+                  <a:srgbClr val="DCDCAA"/>
+                </a:solidFill>
+                <a:effectLst/>
+                <a:latin typeface="Consolas" panose="020B0609020204030204" pitchFamily="49" charset="0"/>
+              </a:rPr>
+              <a:t>print</a:t>
+            </a:r>
+            <a:r>
+              <a:rPr lang="en-US" b="0" dirty="0">
+                <a:solidFill>
+                  <a:srgbClr val="D4D4D4"/>
+                </a:solidFill>
+                <a:effectLst/>
+                <a:latin typeface="Consolas" panose="020B0609020204030204" pitchFamily="49" charset="0"/>
+              </a:rPr>
+              <a:t>(destination)</a:t>
+            </a:r>
+          </a:p>
+        </p:txBody>
+      </p:sp>
+      <p:sp>
+        <p:nvSpPr>
+          <p:cNvPr id="5" name="Облачко с текстом: прямоугольное 4">
+            <a:extLst>
+              <a:ext uri="{FF2B5EF4-FFF2-40B4-BE49-F238E27FC236}">
+                <a16:creationId xmlns:a16="http://schemas.microsoft.com/office/drawing/2014/main" id="{F2C05D9F-0193-4615-9740-582AA53DAD23}"/>
+              </a:ext>
+            </a:extLst>
+          </p:cNvPr>
+          <p:cNvSpPr/>
+          <p:nvPr/>
+        </p:nvSpPr>
+        <p:spPr>
+          <a:xfrm>
+            <a:off x="8123274" y="1903228"/>
+            <a:ext cx="2775098" cy="1010093"/>
+          </a:xfrm>
+          <a:prstGeom prst="wedgeRectCallout">
+            <a:avLst>
+              <a:gd name="adj1" fmla="val -227730"/>
+              <a:gd name="adj2" fmla="val 35132"/>
+            </a:avLst>
+          </a:prstGeom>
+        </p:spPr>
+        <p:style>
+          <a:lnRef idx="2">
+            <a:schemeClr val="accent1">
+              <a:shade val="50000"/>
+            </a:schemeClr>
+          </a:lnRef>
+          <a:fillRef idx="1">
+            <a:schemeClr val="accent1"/>
+          </a:fillRef>
+          <a:effectRef idx="0">
+            <a:schemeClr val="accent1"/>
+          </a:effectRef>
+          <a:fontRef idx="minor">
+            <a:schemeClr val="lt1"/>
+          </a:fontRef>
+        </p:style>
+        <p:txBody>
+          <a:bodyPr rtlCol="0" anchor="ctr"/>
+          <a:lstStyle/>
+          <a:p>
+            <a:pPr algn="ctr"/>
+            <a:r>
+              <a:rPr lang="ru-RU" dirty="0"/>
+              <a:t>Библиотека, сохраняющая</a:t>
+            </a:r>
+            <a:br>
+              <a:rPr lang="ru-RU" dirty="0"/>
+            </a:br>
+            <a:r>
+              <a:rPr lang="ru-RU" dirty="0"/>
+              <a:t>произвольную структуру данных</a:t>
+            </a:r>
+          </a:p>
+        </p:txBody>
+      </p:sp>
+      <p:sp>
+        <p:nvSpPr>
+          <p:cNvPr id="6" name="Облачко с текстом: прямоугольное 5">
+            <a:extLst>
+              <a:ext uri="{FF2B5EF4-FFF2-40B4-BE49-F238E27FC236}">
+                <a16:creationId xmlns:a16="http://schemas.microsoft.com/office/drawing/2014/main" id="{7FA55662-FE55-4BAF-B159-B07956417DDC}"/>
+              </a:ext>
+            </a:extLst>
+          </p:cNvPr>
+          <p:cNvSpPr/>
+          <p:nvPr/>
+        </p:nvSpPr>
+        <p:spPr>
+          <a:xfrm>
+            <a:off x="8197702" y="3721395"/>
+            <a:ext cx="2775098" cy="612648"/>
+          </a:xfrm>
+          <a:prstGeom prst="wedgeRectCallout">
+            <a:avLst>
+              <a:gd name="adj1" fmla="val -176370"/>
+              <a:gd name="adj2" fmla="val -12417"/>
+            </a:avLst>
+          </a:prstGeom>
+        </p:spPr>
+        <p:style>
+          <a:lnRef idx="2">
+            <a:schemeClr val="accent1">
+              <a:shade val="50000"/>
+            </a:schemeClr>
+          </a:lnRef>
+          <a:fillRef idx="1">
+            <a:schemeClr val="accent1"/>
+          </a:fillRef>
+          <a:effectRef idx="0">
+            <a:schemeClr val="accent1"/>
+          </a:effectRef>
+          <a:fontRef idx="minor">
+            <a:schemeClr val="lt1"/>
+          </a:fontRef>
+        </p:style>
+        <p:txBody>
+          <a:bodyPr rtlCol="0" anchor="ctr"/>
+          <a:lstStyle/>
+          <a:p>
+            <a:pPr algn="ctr"/>
+            <a:r>
+              <a:rPr lang="ru-RU" dirty="0" err="1"/>
+              <a:t>Сериализация</a:t>
+            </a:r>
+            <a:r>
+              <a:rPr lang="ru-RU" dirty="0"/>
+              <a:t> структуры данных</a:t>
+            </a:r>
+          </a:p>
+        </p:txBody>
+      </p:sp>
+      <p:sp>
+        <p:nvSpPr>
+          <p:cNvPr id="7" name="Облачко с текстом: прямоугольное 6">
+            <a:extLst>
+              <a:ext uri="{FF2B5EF4-FFF2-40B4-BE49-F238E27FC236}">
+                <a16:creationId xmlns:a16="http://schemas.microsoft.com/office/drawing/2014/main" id="{A75392B3-2C47-4444-968B-E3DFC3072F9D}"/>
+              </a:ext>
+            </a:extLst>
+          </p:cNvPr>
+          <p:cNvSpPr/>
+          <p:nvPr/>
+        </p:nvSpPr>
+        <p:spPr>
+          <a:xfrm>
+            <a:off x="8197702" y="5337544"/>
+            <a:ext cx="2775098" cy="612648"/>
+          </a:xfrm>
+          <a:prstGeom prst="wedgeRectCallout">
+            <a:avLst>
+              <a:gd name="adj1" fmla="val -147635"/>
+              <a:gd name="adj2" fmla="val -95722"/>
+            </a:avLst>
+          </a:prstGeom>
+        </p:spPr>
+        <p:style>
+          <a:lnRef idx="2">
+            <a:schemeClr val="accent1">
+              <a:shade val="50000"/>
+            </a:schemeClr>
+          </a:lnRef>
+          <a:fillRef idx="1">
+            <a:schemeClr val="accent1"/>
+          </a:fillRef>
+          <a:effectRef idx="0">
+            <a:schemeClr val="accent1"/>
+          </a:effectRef>
+          <a:fontRef idx="minor">
+            <a:schemeClr val="lt1"/>
+          </a:fontRef>
+        </p:style>
+        <p:txBody>
+          <a:bodyPr rtlCol="0" anchor="ctr"/>
+          <a:lstStyle/>
+          <a:p>
+            <a:pPr algn="ctr"/>
+            <a:r>
+              <a:rPr lang="ru-RU" dirty="0" err="1"/>
+              <a:t>Десериализация</a:t>
+            </a:r>
+            <a:r>
+              <a:rPr lang="ru-RU" dirty="0"/>
+              <a:t> структуры данных</a:t>
+            </a:r>
+          </a:p>
+        </p:txBody>
+      </p:sp>
+    </p:spTree>
+    <p:extLst>
+      <p:ext uri="{BB962C8B-B14F-4D97-AF65-F5344CB8AC3E}">
+        <p14:creationId xmlns:p14="http://schemas.microsoft.com/office/powerpoint/2010/main" val="1249559580"/>
+      </p:ext>
+    </p:extLst>
+  </p:cSld>
+  <p:clrMapOvr>
+    <a:masterClrMapping/>
+  </p:clrMapOvr>
+</p:sld>
+</file>
+
+<file path=ppt/slides/slide97.xml><?xml version="1.0" encoding="utf-8"?>
+<p:sld xmlns:a="http://schemas.openxmlformats.org/drawingml/2006/main" xmlns:r="http://schemas.openxmlformats.org/officeDocument/2006/relationships" xmlns:p="http://schemas.openxmlformats.org/presentationml/2006/main">
+  <p:cSld>
+    <p:spTree>
+      <p:nvGrpSpPr>
+        <p:cNvPr id="1" name=""/>
+        <p:cNvGrpSpPr/>
+        <p:nvPr/>
+      </p:nvGrpSpPr>
+      <p:grpSpPr>
+        <a:xfrm>
+          <a:off x="0" y="0"/>
+          <a:ext cx="0" cy="0"/>
+          <a:chOff x="0" y="0"/>
+          <a:chExt cx="0" cy="0"/>
+        </a:xfrm>
+      </p:grpSpPr>
+      <p:sp>
+        <p:nvSpPr>
+          <p:cNvPr id="2" name="Заголовок 1">
+            <a:extLst>
+              <a:ext uri="{FF2B5EF4-FFF2-40B4-BE49-F238E27FC236}">
+                <a16:creationId xmlns:a16="http://schemas.microsoft.com/office/drawing/2014/main" id="{1945261A-BF5D-4040-9557-3BDEDC9E077D}"/>
+              </a:ext>
+            </a:extLst>
+          </p:cNvPr>
+          <p:cNvSpPr>
+            <a:spLocks noGrp="1"/>
+          </p:cNvSpPr>
+          <p:nvPr>
+            <p:ph type="title"/>
+          </p:nvPr>
+        </p:nvSpPr>
+        <p:spPr/>
+        <p:txBody>
+          <a:bodyPr/>
+          <a:lstStyle/>
+          <a:p>
+            <a:r>
+              <a:rPr lang="ru-RU" dirty="0"/>
+              <a:t>Работа с файлом. </a:t>
+            </a:r>
+            <a:r>
+              <a:rPr lang="ru-RU" dirty="0" err="1"/>
+              <a:t>Сериализация</a:t>
+            </a:r>
+            <a:r>
+              <a:rPr lang="ru-RU" dirty="0"/>
+              <a:t> и </a:t>
+            </a:r>
+            <a:r>
+              <a:rPr lang="ru-RU" dirty="0" err="1"/>
+              <a:t>десериализация</a:t>
+            </a:r>
+            <a:r>
+              <a:rPr lang="ru-RU" dirty="0"/>
+              <a:t> структур данных в </a:t>
+            </a:r>
+            <a:r>
+              <a:rPr lang="en-US" dirty="0"/>
+              <a:t>JSON</a:t>
+            </a:r>
+            <a:endParaRPr lang="ru-RU" dirty="0"/>
           </a:p>
         </p:txBody>
       </p:sp>
@@ -43196,7 +45007,7 @@
           <p:cNvPr id="3" name="Объект 2">
             <a:extLst>
               <a:ext uri="{FF2B5EF4-FFF2-40B4-BE49-F238E27FC236}">
-                <a16:creationId xmlns:a16="http://schemas.microsoft.com/office/drawing/2014/main" id="{F22465BA-C9F2-4AD1-9D5B-7FE9B5EC398D}"/>
+                <a16:creationId xmlns:a16="http://schemas.microsoft.com/office/drawing/2014/main" id="{78A72477-C198-4E99-B948-FA21A0143753}"/>
               </a:ext>
             </a:extLst>
           </p:cNvPr>
@@ -43207,30 +45018,1579 @@
             <p:ph idx="1"/>
           </p:nvPr>
         </p:nvSpPr>
-        <p:spPr/>
+        <p:spPr>
+          <a:xfrm>
+            <a:off x="838200" y="1825625"/>
+            <a:ext cx="10515600" cy="4415687"/>
+          </a:xfrm>
+        </p:spPr>
         <p:txBody>
           <a:bodyPr/>
           <a:lstStyle/>
           <a:p>
             <a:r>
+              <a:rPr lang="en-US" dirty="0"/>
+              <a:t>JSON – </a:t>
+            </a:r>
+            <a:r>
+              <a:rPr lang="en-US" dirty="0" err="1"/>
+              <a:t>Javascript</a:t>
+            </a:r>
+            <a:r>
+              <a:rPr lang="en-US" dirty="0"/>
+              <a:t> Object Notation – </a:t>
+            </a:r>
+            <a:r>
               <a:rPr lang="ru-RU" dirty="0"/>
-              <a:t>Пользователь вводит свои реквизиты. Мы должны проверить правильность ввода телефонного номера и адреса электронной почты</a:t>
+              <a:t>универсальный формат данных, позволяющий обмениваться данными между разными программами, написанными на разных языках</a:t>
             </a:r>
             <a:endParaRPr lang="en-US" dirty="0"/>
           </a:p>
           <a:p>
-            <a:pPr lvl="1"/>
             <a:r>
               <a:rPr lang="ru-RU" dirty="0"/>
-              <a:t>Учимся работать с регулярными выражениями</a:t>
-            </a:r>
+              <a:t>Список сохраняется как последовательность в </a:t>
+            </a:r>
+            <a:r>
+              <a:rPr lang="en-US" dirty="0"/>
+              <a:t>[ </a:t>
+            </a:r>
+            <a:r>
+              <a:rPr lang="ru-RU" dirty="0"/>
+              <a:t>и </a:t>
+            </a:r>
+            <a:r>
+              <a:rPr lang="en-US" dirty="0"/>
+              <a:t>] </a:t>
+            </a:r>
+            <a:r>
+              <a:rPr lang="ru-RU" dirty="0"/>
+              <a:t>скобках</a:t>
+            </a:r>
+          </a:p>
+          <a:p>
+            <a:r>
+              <a:rPr lang="ru-RU" dirty="0"/>
+              <a:t>Словари и пользовательские структуры данных сохраняются как набор ключ-значения в </a:t>
+            </a:r>
+            <a:r>
+              <a:rPr lang="en-US" dirty="0"/>
+              <a:t>{ </a:t>
+            </a:r>
+            <a:r>
+              <a:rPr lang="ru-RU" dirty="0"/>
+              <a:t>и </a:t>
+            </a:r>
+            <a:r>
+              <a:rPr lang="en-US" dirty="0"/>
+              <a:t>} </a:t>
+            </a:r>
+            <a:r>
+              <a:rPr lang="ru-RU" dirty="0"/>
+              <a:t>скобках</a:t>
+            </a:r>
+          </a:p>
+          <a:p>
+            <a:endParaRPr lang="ru-RU" dirty="0"/>
           </a:p>
         </p:txBody>
       </p:sp>
     </p:spTree>
     <p:extLst>
       <p:ext uri="{BB962C8B-B14F-4D97-AF65-F5344CB8AC3E}">
-        <p14:creationId xmlns:p14="http://schemas.microsoft.com/office/powerpoint/2010/main" val="362811289"/>
+        <p14:creationId xmlns:p14="http://schemas.microsoft.com/office/powerpoint/2010/main" val="2539194170"/>
+      </p:ext>
+    </p:extLst>
+  </p:cSld>
+  <p:clrMapOvr>
+    <a:masterClrMapping/>
+  </p:clrMapOvr>
+</p:sld>
+</file>
+
+<file path=ppt/slides/slide98.xml><?xml version="1.0" encoding="utf-8"?>
+<p:sld xmlns:a="http://schemas.openxmlformats.org/drawingml/2006/main" xmlns:r="http://schemas.openxmlformats.org/officeDocument/2006/relationships" xmlns:p="http://schemas.openxmlformats.org/presentationml/2006/main">
+  <p:cSld>
+    <p:spTree>
+      <p:nvGrpSpPr>
+        <p:cNvPr id="1" name=""/>
+        <p:cNvGrpSpPr/>
+        <p:nvPr/>
+      </p:nvGrpSpPr>
+      <p:grpSpPr>
+        <a:xfrm>
+          <a:off x="0" y="0"/>
+          <a:ext cx="0" cy="0"/>
+          <a:chOff x="0" y="0"/>
+          <a:chExt cx="0" cy="0"/>
+        </a:xfrm>
+      </p:grpSpPr>
+      <p:sp>
+        <p:nvSpPr>
+          <p:cNvPr id="2" name="Заголовок 1">
+            <a:extLst>
+              <a:ext uri="{FF2B5EF4-FFF2-40B4-BE49-F238E27FC236}">
+                <a16:creationId xmlns:a16="http://schemas.microsoft.com/office/drawing/2014/main" id="{1945261A-BF5D-4040-9557-3BDEDC9E077D}"/>
+              </a:ext>
+            </a:extLst>
+          </p:cNvPr>
+          <p:cNvSpPr>
+            <a:spLocks noGrp="1"/>
+          </p:cNvSpPr>
+          <p:nvPr>
+            <p:ph type="title"/>
+          </p:nvPr>
+        </p:nvSpPr>
+        <p:spPr/>
+        <p:txBody>
+          <a:bodyPr/>
+          <a:lstStyle/>
+          <a:p>
+            <a:r>
+              <a:rPr lang="ru-RU" dirty="0"/>
+              <a:t>Работа с файлом. </a:t>
+            </a:r>
+            <a:r>
+              <a:rPr lang="ru-RU" dirty="0" err="1"/>
+              <a:t>Сериализация</a:t>
+            </a:r>
+            <a:r>
+              <a:rPr lang="ru-RU" dirty="0"/>
+              <a:t> и </a:t>
+            </a:r>
+            <a:r>
+              <a:rPr lang="ru-RU" dirty="0" err="1"/>
+              <a:t>десериализация</a:t>
+            </a:r>
+            <a:r>
+              <a:rPr lang="ru-RU" dirty="0"/>
+              <a:t> структур данных в </a:t>
+            </a:r>
+            <a:r>
+              <a:rPr lang="en-US" dirty="0"/>
+              <a:t>JSON</a:t>
+            </a:r>
+            <a:endParaRPr lang="ru-RU" dirty="0"/>
+          </a:p>
+        </p:txBody>
+      </p:sp>
+      <p:graphicFrame>
+        <p:nvGraphicFramePr>
+          <p:cNvPr id="4" name="Таблица 4">
+            <a:extLst>
+              <a:ext uri="{FF2B5EF4-FFF2-40B4-BE49-F238E27FC236}">
+                <a16:creationId xmlns:a16="http://schemas.microsoft.com/office/drawing/2014/main" id="{37CED992-8DCB-4EFC-A1BB-E14E28008C60}"/>
+              </a:ext>
+            </a:extLst>
+          </p:cNvPr>
+          <p:cNvGraphicFramePr>
+            <a:graphicFrameLocks noGrp="1"/>
+          </p:cNvGraphicFramePr>
+          <p:nvPr>
+            <p:ph idx="1"/>
+            <p:extLst>
+              <p:ext uri="{D42A27DB-BD31-4B8C-83A1-F6EECF244321}">
+                <p14:modId xmlns:p14="http://schemas.microsoft.com/office/powerpoint/2010/main" val="274096137"/>
+              </p:ext>
+            </p:extLst>
+          </p:nvPr>
+        </p:nvGraphicFramePr>
+        <p:xfrm>
+          <a:off x="1880191" y="2208397"/>
+          <a:ext cx="7010400" cy="3708400"/>
+        </p:xfrm>
+        <a:graphic>
+          <a:graphicData uri="http://schemas.openxmlformats.org/drawingml/2006/table">
+            <a:tbl>
+              <a:tblPr firstRow="1" bandRow="1">
+                <a:tableStyleId>{5C22544A-7EE6-4342-B048-85BDC9FD1C3A}</a:tableStyleId>
+              </a:tblPr>
+              <a:tblGrid>
+                <a:gridCol w="3505200">
+                  <a:extLst>
+                    <a:ext uri="{9D8B030D-6E8A-4147-A177-3AD203B41FA5}">
+                      <a16:colId xmlns:a16="http://schemas.microsoft.com/office/drawing/2014/main" val="547898327"/>
+                    </a:ext>
+                  </a:extLst>
+                </a:gridCol>
+                <a:gridCol w="3505200">
+                  <a:extLst>
+                    <a:ext uri="{9D8B030D-6E8A-4147-A177-3AD203B41FA5}">
+                      <a16:colId xmlns:a16="http://schemas.microsoft.com/office/drawing/2014/main" val="211993523"/>
+                    </a:ext>
+                  </a:extLst>
+                </a:gridCol>
+              </a:tblGrid>
+              <a:tr h="370840">
+                <a:tc>
+                  <a:txBody>
+                    <a:bodyPr/>
+                    <a:lstStyle/>
+                    <a:p>
+                      <a:r>
+                        <a:rPr lang="en-US" dirty="0"/>
+                        <a:t>JSON</a:t>
+                      </a:r>
+                      <a:endParaRPr lang="ru-RU" dirty="0"/>
+                    </a:p>
+                  </a:txBody>
+                  <a:tcPr/>
+                </a:tc>
+                <a:tc>
+                  <a:txBody>
+                    <a:bodyPr/>
+                    <a:lstStyle/>
+                    <a:p>
+                      <a:r>
+                        <a:rPr lang="en-US" dirty="0"/>
+                        <a:t>Python</a:t>
+                      </a:r>
+                      <a:endParaRPr lang="ru-RU" dirty="0"/>
+                    </a:p>
+                  </a:txBody>
+                  <a:tcPr/>
+                </a:tc>
+                <a:extLst>
+                  <a:ext uri="{0D108BD9-81ED-4DB2-BD59-A6C34878D82A}">
+                    <a16:rowId xmlns:a16="http://schemas.microsoft.com/office/drawing/2014/main" val="1651384645"/>
+                  </a:ext>
+                </a:extLst>
+              </a:tr>
+              <a:tr h="370840">
+                <a:tc>
+                  <a:txBody>
+                    <a:bodyPr/>
+                    <a:lstStyle/>
+                    <a:p>
+                      <a:pPr marL="0" marR="0" lvl="0" indent="0" algn="l" defTabSz="914400" rtl="0" eaLnBrk="1" fontAlgn="auto" latinLnBrk="0" hangingPunct="1">
+                        <a:lnSpc>
+                          <a:spcPct val="100000"/>
+                        </a:lnSpc>
+                        <a:spcBef>
+                          <a:spcPts val="0"/>
+                        </a:spcBef>
+                        <a:spcAft>
+                          <a:spcPts val="0"/>
+                        </a:spcAft>
+                        <a:buClrTx/>
+                        <a:buSzTx/>
+                        <a:buFontTx/>
+                        <a:buNone/>
+                        <a:tabLst/>
+                        <a:defRPr/>
+                      </a:pPr>
+                      <a:r>
+                        <a:rPr lang="en-US" dirty="0">
+                          <a:effectLst/>
+                        </a:rPr>
+                        <a:t>object</a:t>
+                      </a:r>
+                    </a:p>
+                  </a:txBody>
+                  <a:tcPr anchor="ctr"/>
+                </a:tc>
+                <a:tc>
+                  <a:txBody>
+                    <a:bodyPr/>
+                    <a:lstStyle/>
+                    <a:p>
+                      <a:pPr marL="0" marR="0" lvl="0" indent="0" algn="l" defTabSz="914400" rtl="0" eaLnBrk="1" fontAlgn="auto" latinLnBrk="0" hangingPunct="1">
+                        <a:lnSpc>
+                          <a:spcPct val="100000"/>
+                        </a:lnSpc>
+                        <a:spcBef>
+                          <a:spcPts val="0"/>
+                        </a:spcBef>
+                        <a:spcAft>
+                          <a:spcPts val="0"/>
+                        </a:spcAft>
+                        <a:buClrTx/>
+                        <a:buSzTx/>
+                        <a:buFontTx/>
+                        <a:buNone/>
+                        <a:tabLst/>
+                        <a:defRPr/>
+                      </a:pPr>
+                      <a:r>
+                        <a:rPr lang="en-US" dirty="0">
+                          <a:effectLst/>
+                        </a:rPr>
+                        <a:t>dictionary</a:t>
+                      </a:r>
+                    </a:p>
+                  </a:txBody>
+                  <a:tcPr/>
+                </a:tc>
+                <a:extLst>
+                  <a:ext uri="{0D108BD9-81ED-4DB2-BD59-A6C34878D82A}">
+                    <a16:rowId xmlns:a16="http://schemas.microsoft.com/office/drawing/2014/main" val="2461736702"/>
+                  </a:ext>
+                </a:extLst>
+              </a:tr>
+              <a:tr h="370840">
+                <a:tc>
+                  <a:txBody>
+                    <a:bodyPr/>
+                    <a:lstStyle/>
+                    <a:p>
+                      <a:r>
+                        <a:rPr lang="en-US">
+                          <a:effectLst/>
+                        </a:rPr>
+                        <a:t>array</a:t>
+                      </a:r>
+                    </a:p>
+                  </a:txBody>
+                  <a:tcPr anchor="ctr"/>
+                </a:tc>
+                <a:tc>
+                  <a:txBody>
+                    <a:bodyPr/>
+                    <a:lstStyle/>
+                    <a:p>
+                      <a:r>
+                        <a:rPr lang="en-US">
+                          <a:effectLst/>
+                        </a:rPr>
+                        <a:t>list</a:t>
+                      </a:r>
+                    </a:p>
+                  </a:txBody>
+                  <a:tcPr anchor="ctr"/>
+                </a:tc>
+                <a:extLst>
+                  <a:ext uri="{0D108BD9-81ED-4DB2-BD59-A6C34878D82A}">
+                    <a16:rowId xmlns:a16="http://schemas.microsoft.com/office/drawing/2014/main" val="2071016967"/>
+                  </a:ext>
+                </a:extLst>
+              </a:tr>
+              <a:tr h="370840">
+                <a:tc>
+                  <a:txBody>
+                    <a:bodyPr/>
+                    <a:lstStyle/>
+                    <a:p>
+                      <a:r>
+                        <a:rPr lang="en-US">
+                          <a:effectLst/>
+                        </a:rPr>
+                        <a:t>string</a:t>
+                      </a:r>
+                    </a:p>
+                  </a:txBody>
+                  <a:tcPr anchor="ctr"/>
+                </a:tc>
+                <a:tc>
+                  <a:txBody>
+                    <a:bodyPr/>
+                    <a:lstStyle/>
+                    <a:p>
+                      <a:r>
+                        <a:rPr lang="en-US">
+                          <a:effectLst/>
+                        </a:rPr>
+                        <a:t>string</a:t>
+                      </a:r>
+                    </a:p>
+                  </a:txBody>
+                  <a:tcPr anchor="ctr"/>
+                </a:tc>
+                <a:extLst>
+                  <a:ext uri="{0D108BD9-81ED-4DB2-BD59-A6C34878D82A}">
+                    <a16:rowId xmlns:a16="http://schemas.microsoft.com/office/drawing/2014/main" val="1808996414"/>
+                  </a:ext>
+                </a:extLst>
+              </a:tr>
+              <a:tr h="370840">
+                <a:tc>
+                  <a:txBody>
+                    <a:bodyPr/>
+                    <a:lstStyle/>
+                    <a:p>
+                      <a:r>
+                        <a:rPr lang="en-US">
+                          <a:effectLst/>
+                        </a:rPr>
+                        <a:t>integer</a:t>
+                      </a:r>
+                    </a:p>
+                  </a:txBody>
+                  <a:tcPr anchor="ctr"/>
+                </a:tc>
+                <a:tc>
+                  <a:txBody>
+                    <a:bodyPr/>
+                    <a:lstStyle/>
+                    <a:p>
+                      <a:r>
+                        <a:rPr lang="en-US">
+                          <a:effectLst/>
+                        </a:rPr>
+                        <a:t>integer</a:t>
+                      </a:r>
+                    </a:p>
+                  </a:txBody>
+                  <a:tcPr anchor="ctr"/>
+                </a:tc>
+                <a:extLst>
+                  <a:ext uri="{0D108BD9-81ED-4DB2-BD59-A6C34878D82A}">
+                    <a16:rowId xmlns:a16="http://schemas.microsoft.com/office/drawing/2014/main" val="4140776708"/>
+                  </a:ext>
+                </a:extLst>
+              </a:tr>
+              <a:tr h="370840">
+                <a:tc>
+                  <a:txBody>
+                    <a:bodyPr/>
+                    <a:lstStyle/>
+                    <a:p>
+                      <a:r>
+                        <a:rPr lang="en-US">
+                          <a:effectLst/>
+                        </a:rPr>
+                        <a:t>real number</a:t>
+                      </a:r>
+                    </a:p>
+                  </a:txBody>
+                  <a:tcPr anchor="ctr"/>
+                </a:tc>
+                <a:tc>
+                  <a:txBody>
+                    <a:bodyPr/>
+                    <a:lstStyle/>
+                    <a:p>
+                      <a:r>
+                        <a:rPr lang="en-US">
+                          <a:effectLst/>
+                        </a:rPr>
+                        <a:t>float</a:t>
+                      </a:r>
+                    </a:p>
+                  </a:txBody>
+                  <a:tcPr anchor="ctr"/>
+                </a:tc>
+                <a:extLst>
+                  <a:ext uri="{0D108BD9-81ED-4DB2-BD59-A6C34878D82A}">
+                    <a16:rowId xmlns:a16="http://schemas.microsoft.com/office/drawing/2014/main" val="1451391896"/>
+                  </a:ext>
+                </a:extLst>
+              </a:tr>
+              <a:tr h="370840">
+                <a:tc>
+                  <a:txBody>
+                    <a:bodyPr/>
+                    <a:lstStyle/>
+                    <a:p>
+                      <a:r>
+                        <a:rPr lang="en-US">
+                          <a:effectLst/>
+                        </a:rPr>
+                        <a:t>true</a:t>
+                      </a:r>
+                    </a:p>
+                  </a:txBody>
+                  <a:tcPr anchor="ctr"/>
+                </a:tc>
+                <a:tc>
+                  <a:txBody>
+                    <a:bodyPr/>
+                    <a:lstStyle/>
+                    <a:p>
+                      <a:r>
+                        <a:rPr lang="en-US">
+                          <a:effectLst/>
+                        </a:rPr>
+                        <a:t>True</a:t>
+                      </a:r>
+                    </a:p>
+                  </a:txBody>
+                  <a:tcPr anchor="ctr"/>
+                </a:tc>
+                <a:extLst>
+                  <a:ext uri="{0D108BD9-81ED-4DB2-BD59-A6C34878D82A}">
+                    <a16:rowId xmlns:a16="http://schemas.microsoft.com/office/drawing/2014/main" val="2156829200"/>
+                  </a:ext>
+                </a:extLst>
+              </a:tr>
+              <a:tr h="370840">
+                <a:tc>
+                  <a:txBody>
+                    <a:bodyPr/>
+                    <a:lstStyle/>
+                    <a:p>
+                      <a:r>
+                        <a:rPr lang="en-US">
+                          <a:effectLst/>
+                        </a:rPr>
+                        <a:t>false</a:t>
+                      </a:r>
+                    </a:p>
+                  </a:txBody>
+                  <a:tcPr anchor="ctr"/>
+                </a:tc>
+                <a:tc>
+                  <a:txBody>
+                    <a:bodyPr/>
+                    <a:lstStyle/>
+                    <a:p>
+                      <a:r>
+                        <a:rPr lang="en-US">
+                          <a:effectLst/>
+                        </a:rPr>
+                        <a:t>False</a:t>
+                      </a:r>
+                    </a:p>
+                  </a:txBody>
+                  <a:tcPr anchor="ctr"/>
+                </a:tc>
+                <a:extLst>
+                  <a:ext uri="{0D108BD9-81ED-4DB2-BD59-A6C34878D82A}">
+                    <a16:rowId xmlns:a16="http://schemas.microsoft.com/office/drawing/2014/main" val="2903376669"/>
+                  </a:ext>
+                </a:extLst>
+              </a:tr>
+              <a:tr h="370840">
+                <a:tc>
+                  <a:txBody>
+                    <a:bodyPr/>
+                    <a:lstStyle/>
+                    <a:p>
+                      <a:r>
+                        <a:rPr lang="en-US">
+                          <a:effectLst/>
+                        </a:rPr>
+                        <a:t>null</a:t>
+                      </a:r>
+                    </a:p>
+                  </a:txBody>
+                  <a:tcPr anchor="ctr"/>
+                </a:tc>
+                <a:tc>
+                  <a:txBody>
+                    <a:bodyPr/>
+                    <a:lstStyle/>
+                    <a:p>
+                      <a:r>
+                        <a:rPr lang="en-US">
+                          <a:effectLst/>
+                        </a:rPr>
+                        <a:t>None</a:t>
+                      </a:r>
+                    </a:p>
+                  </a:txBody>
+                  <a:tcPr anchor="ctr"/>
+                </a:tc>
+                <a:extLst>
+                  <a:ext uri="{0D108BD9-81ED-4DB2-BD59-A6C34878D82A}">
+                    <a16:rowId xmlns:a16="http://schemas.microsoft.com/office/drawing/2014/main" val="668563327"/>
+                  </a:ext>
+                </a:extLst>
+              </a:tr>
+              <a:tr h="370840">
+                <a:tc>
+                  <a:txBody>
+                    <a:bodyPr/>
+                    <a:lstStyle/>
+                    <a:p>
+                      <a:r>
+                        <a:rPr lang="ru-RU" dirty="0">
+                          <a:effectLst/>
+                        </a:rPr>
+                        <a:t>Текст ячейки</a:t>
+                      </a:r>
+                    </a:p>
+                  </a:txBody>
+                  <a:tcPr anchor="ctr"/>
+                </a:tc>
+                <a:tc>
+                  <a:txBody>
+                    <a:bodyPr/>
+                    <a:lstStyle/>
+                    <a:p>
+                      <a:r>
+                        <a:rPr lang="ru-RU" dirty="0">
+                          <a:effectLst/>
+                        </a:rPr>
+                        <a:t>Текст ячейки</a:t>
+                      </a:r>
+                    </a:p>
+                  </a:txBody>
+                  <a:tcPr anchor="ctr"/>
+                </a:tc>
+                <a:extLst>
+                  <a:ext uri="{0D108BD9-81ED-4DB2-BD59-A6C34878D82A}">
+                    <a16:rowId xmlns:a16="http://schemas.microsoft.com/office/drawing/2014/main" val="4065768860"/>
+                  </a:ext>
+                </a:extLst>
+              </a:tr>
+            </a:tbl>
+          </a:graphicData>
+        </a:graphic>
+      </p:graphicFrame>
+    </p:spTree>
+    <p:extLst>
+      <p:ext uri="{BB962C8B-B14F-4D97-AF65-F5344CB8AC3E}">
+        <p14:creationId xmlns:p14="http://schemas.microsoft.com/office/powerpoint/2010/main" val="3351354494"/>
+      </p:ext>
+    </p:extLst>
+  </p:cSld>
+  <p:clrMapOvr>
+    <a:masterClrMapping/>
+  </p:clrMapOvr>
+</p:sld>
+</file>
+
+<file path=ppt/slides/slide99.xml><?xml version="1.0" encoding="utf-8"?>
+<p:sld xmlns:a="http://schemas.openxmlformats.org/drawingml/2006/main" xmlns:r="http://schemas.openxmlformats.org/officeDocument/2006/relationships" xmlns:p="http://schemas.openxmlformats.org/presentationml/2006/main">
+  <p:cSld>
+    <p:spTree>
+      <p:nvGrpSpPr>
+        <p:cNvPr id="1" name=""/>
+        <p:cNvGrpSpPr/>
+        <p:nvPr/>
+      </p:nvGrpSpPr>
+      <p:grpSpPr>
+        <a:xfrm>
+          <a:off x="0" y="0"/>
+          <a:ext cx="0" cy="0"/>
+          <a:chOff x="0" y="0"/>
+          <a:chExt cx="0" cy="0"/>
+        </a:xfrm>
+      </p:grpSpPr>
+      <p:sp>
+        <p:nvSpPr>
+          <p:cNvPr id="2" name="Заголовок 1">
+            <a:extLst>
+              <a:ext uri="{FF2B5EF4-FFF2-40B4-BE49-F238E27FC236}">
+                <a16:creationId xmlns:a16="http://schemas.microsoft.com/office/drawing/2014/main" id="{1945261A-BF5D-4040-9557-3BDEDC9E077D}"/>
+              </a:ext>
+            </a:extLst>
+          </p:cNvPr>
+          <p:cNvSpPr>
+            <a:spLocks noGrp="1"/>
+          </p:cNvSpPr>
+          <p:nvPr>
+            <p:ph type="title"/>
+          </p:nvPr>
+        </p:nvSpPr>
+        <p:spPr/>
+        <p:txBody>
+          <a:bodyPr/>
+          <a:lstStyle/>
+          <a:p>
+            <a:r>
+              <a:rPr lang="ru-RU" dirty="0"/>
+              <a:t>Работа с файлом. </a:t>
+            </a:r>
+            <a:r>
+              <a:rPr lang="ru-RU" dirty="0" err="1"/>
+              <a:t>Сериализация</a:t>
+            </a:r>
+            <a:r>
+              <a:rPr lang="ru-RU" dirty="0"/>
+              <a:t> и </a:t>
+            </a:r>
+            <a:r>
+              <a:rPr lang="ru-RU" dirty="0" err="1"/>
+              <a:t>десериализация</a:t>
+            </a:r>
+            <a:r>
+              <a:rPr lang="ru-RU" dirty="0"/>
+              <a:t> структур данных в </a:t>
+            </a:r>
+            <a:r>
+              <a:rPr lang="en-US" dirty="0"/>
+              <a:t>JSON</a:t>
+            </a:r>
+            <a:endParaRPr lang="ru-RU" dirty="0"/>
+          </a:p>
+        </p:txBody>
+      </p:sp>
+      <p:sp>
+        <p:nvSpPr>
+          <p:cNvPr id="7" name="TextBox 6">
+            <a:extLst>
+              <a:ext uri="{FF2B5EF4-FFF2-40B4-BE49-F238E27FC236}">
+                <a16:creationId xmlns:a16="http://schemas.microsoft.com/office/drawing/2014/main" id="{E49423E9-94FC-4E2C-953F-2A5208577AE3}"/>
+              </a:ext>
+            </a:extLst>
+          </p:cNvPr>
+          <p:cNvSpPr txBox="1"/>
+          <p:nvPr/>
+        </p:nvSpPr>
+        <p:spPr>
+          <a:xfrm>
+            <a:off x="316318" y="2252467"/>
+            <a:ext cx="7328491" cy="3139321"/>
+          </a:xfrm>
+          <a:prstGeom prst="rect">
+            <a:avLst/>
+          </a:prstGeom>
+          <a:noFill/>
+        </p:spPr>
+        <p:txBody>
+          <a:bodyPr wrap="square">
+            <a:spAutoFit/>
+          </a:bodyPr>
+          <a:lstStyle/>
+          <a:p>
+            <a:r>
+              <a:rPr lang="en-US" b="0" dirty="0">
+                <a:solidFill>
+                  <a:srgbClr val="C586C0"/>
+                </a:solidFill>
+                <a:effectLst/>
+                <a:latin typeface="Consolas" panose="020B0609020204030204" pitchFamily="49" charset="0"/>
+              </a:rPr>
+              <a:t>import</a:t>
+            </a:r>
+            <a:r>
+              <a:rPr lang="en-US" b="0" dirty="0">
+                <a:solidFill>
+                  <a:srgbClr val="D4D4D4"/>
+                </a:solidFill>
+                <a:effectLst/>
+                <a:latin typeface="Consolas" panose="020B0609020204030204" pitchFamily="49" charset="0"/>
+              </a:rPr>
+              <a:t> json</a:t>
+            </a:r>
+          </a:p>
+          <a:p>
+            <a:br>
+              <a:rPr lang="en-US" b="0" dirty="0">
+                <a:solidFill>
+                  <a:srgbClr val="D4D4D4"/>
+                </a:solidFill>
+                <a:effectLst/>
+                <a:latin typeface="Consolas" panose="020B0609020204030204" pitchFamily="49" charset="0"/>
+              </a:rPr>
+            </a:br>
+            <a:r>
+              <a:rPr lang="en-US" b="0" dirty="0">
+                <a:solidFill>
+                  <a:srgbClr val="D4D4D4"/>
+                </a:solidFill>
+                <a:effectLst/>
+                <a:latin typeface="Consolas" panose="020B0609020204030204" pitchFamily="49" charset="0"/>
+              </a:rPr>
+              <a:t>d = {</a:t>
+            </a:r>
+            <a:r>
+              <a:rPr lang="en-US" b="0" dirty="0">
+                <a:solidFill>
+                  <a:srgbClr val="CE9178"/>
+                </a:solidFill>
+                <a:effectLst/>
+                <a:latin typeface="Consolas" panose="020B0609020204030204" pitchFamily="49" charset="0"/>
+              </a:rPr>
+              <a:t>"name"</a:t>
+            </a:r>
+            <a:r>
+              <a:rPr lang="en-US" b="0" dirty="0">
+                <a:solidFill>
+                  <a:srgbClr val="D4D4D4"/>
+                </a:solidFill>
+                <a:effectLst/>
+                <a:latin typeface="Consolas" panose="020B0609020204030204" pitchFamily="49" charset="0"/>
+              </a:rPr>
+              <a:t> : </a:t>
+            </a:r>
+            <a:r>
+              <a:rPr lang="en-US" b="0" dirty="0">
+                <a:solidFill>
+                  <a:srgbClr val="CE9178"/>
+                </a:solidFill>
+                <a:effectLst/>
+                <a:latin typeface="Consolas" panose="020B0609020204030204" pitchFamily="49" charset="0"/>
+              </a:rPr>
+              <a:t>"test"</a:t>
+            </a:r>
+            <a:r>
+              <a:rPr lang="en-US" b="0" dirty="0">
+                <a:solidFill>
+                  <a:srgbClr val="D4D4D4"/>
+                </a:solidFill>
+                <a:effectLst/>
+                <a:latin typeface="Consolas" panose="020B0609020204030204" pitchFamily="49" charset="0"/>
+              </a:rPr>
+              <a:t>, </a:t>
+            </a:r>
+            <a:r>
+              <a:rPr lang="en-US" b="0" dirty="0">
+                <a:solidFill>
+                  <a:srgbClr val="CE9178"/>
+                </a:solidFill>
+                <a:effectLst/>
+                <a:latin typeface="Consolas" panose="020B0609020204030204" pitchFamily="49" charset="0"/>
+              </a:rPr>
+              <a:t>"age"</a:t>
+            </a:r>
+            <a:r>
+              <a:rPr lang="en-US" b="0" dirty="0">
+                <a:solidFill>
+                  <a:srgbClr val="D4D4D4"/>
+                </a:solidFill>
+                <a:effectLst/>
+                <a:latin typeface="Consolas" panose="020B0609020204030204" pitchFamily="49" charset="0"/>
+              </a:rPr>
+              <a:t>:</a:t>
+            </a:r>
+            <a:r>
+              <a:rPr lang="en-US" b="0" dirty="0">
+                <a:solidFill>
+                  <a:srgbClr val="B5CEA8"/>
+                </a:solidFill>
+                <a:effectLst/>
+                <a:latin typeface="Consolas" panose="020B0609020204030204" pitchFamily="49" charset="0"/>
+              </a:rPr>
+              <a:t>49</a:t>
+            </a:r>
+            <a:r>
+              <a:rPr lang="en-US" b="0" dirty="0">
+                <a:solidFill>
+                  <a:srgbClr val="D4D4D4"/>
+                </a:solidFill>
+                <a:effectLst/>
+                <a:latin typeface="Consolas" panose="020B0609020204030204" pitchFamily="49" charset="0"/>
+              </a:rPr>
+              <a:t>, </a:t>
+            </a:r>
+            <a:r>
+              <a:rPr lang="en-US" b="0" dirty="0">
+                <a:solidFill>
+                  <a:srgbClr val="CE9178"/>
+                </a:solidFill>
+                <a:effectLst/>
+                <a:latin typeface="Consolas" panose="020B0609020204030204" pitchFamily="49" charset="0"/>
+              </a:rPr>
+              <a:t>"location"</a:t>
+            </a:r>
+            <a:r>
+              <a:rPr lang="en-US" b="0" dirty="0">
+                <a:solidFill>
+                  <a:srgbClr val="D4D4D4"/>
+                </a:solidFill>
+                <a:effectLst/>
+                <a:latin typeface="Consolas" panose="020B0609020204030204" pitchFamily="49" charset="0"/>
+              </a:rPr>
+              <a:t> : </a:t>
+            </a:r>
+            <a:r>
+              <a:rPr lang="en-US" b="0" dirty="0">
+                <a:solidFill>
+                  <a:srgbClr val="CE9178"/>
+                </a:solidFill>
+                <a:effectLst/>
+                <a:latin typeface="Consolas" panose="020B0609020204030204" pitchFamily="49" charset="0"/>
+              </a:rPr>
+              <a:t>"</a:t>
+            </a:r>
+            <a:r>
+              <a:rPr lang="en-US" b="0" dirty="0" err="1">
+                <a:solidFill>
+                  <a:srgbClr val="CE9178"/>
+                </a:solidFill>
+                <a:effectLst/>
+                <a:latin typeface="Consolas" panose="020B0609020204030204" pitchFamily="49" charset="0"/>
+              </a:rPr>
+              <a:t>Melburne</a:t>
+            </a:r>
+            <a:r>
+              <a:rPr lang="en-US" b="0" dirty="0">
+                <a:solidFill>
+                  <a:srgbClr val="CE9178"/>
+                </a:solidFill>
+                <a:effectLst/>
+                <a:latin typeface="Consolas" panose="020B0609020204030204" pitchFamily="49" charset="0"/>
+              </a:rPr>
+              <a:t>"</a:t>
+            </a:r>
+            <a:r>
+              <a:rPr lang="en-US" b="0" dirty="0">
+                <a:solidFill>
+                  <a:srgbClr val="D4D4D4"/>
+                </a:solidFill>
+                <a:effectLst/>
+                <a:latin typeface="Consolas" panose="020B0609020204030204" pitchFamily="49" charset="0"/>
+              </a:rPr>
+              <a:t>}</a:t>
+            </a:r>
+          </a:p>
+          <a:p>
+            <a:r>
+              <a:rPr lang="en-US" b="0" dirty="0">
+                <a:solidFill>
+                  <a:srgbClr val="C586C0"/>
+                </a:solidFill>
+                <a:effectLst/>
+                <a:latin typeface="Consolas" panose="020B0609020204030204" pitchFamily="49" charset="0"/>
+              </a:rPr>
+              <a:t>with</a:t>
+            </a:r>
+            <a:r>
+              <a:rPr lang="en-US" b="0" dirty="0">
+                <a:solidFill>
+                  <a:srgbClr val="D4D4D4"/>
+                </a:solidFill>
+                <a:effectLst/>
+                <a:latin typeface="Consolas" panose="020B0609020204030204" pitchFamily="49" charset="0"/>
+              </a:rPr>
+              <a:t> </a:t>
+            </a:r>
+            <a:r>
+              <a:rPr lang="en-US" b="0" dirty="0">
+                <a:solidFill>
+                  <a:srgbClr val="DCDCAA"/>
+                </a:solidFill>
+                <a:effectLst/>
+                <a:latin typeface="Consolas" panose="020B0609020204030204" pitchFamily="49" charset="0"/>
+              </a:rPr>
+              <a:t>open</a:t>
+            </a:r>
+            <a:r>
+              <a:rPr lang="en-US" b="0" dirty="0">
+                <a:solidFill>
+                  <a:srgbClr val="D4D4D4"/>
+                </a:solidFill>
+                <a:effectLst/>
+                <a:latin typeface="Consolas" panose="020B0609020204030204" pitchFamily="49" charset="0"/>
+              </a:rPr>
+              <a:t>(</a:t>
+            </a:r>
+            <a:r>
+              <a:rPr lang="en-US" b="0" dirty="0">
+                <a:solidFill>
+                  <a:srgbClr val="CE9178"/>
+                </a:solidFill>
+                <a:effectLst/>
+                <a:latin typeface="Consolas" panose="020B0609020204030204" pitchFamily="49" charset="0"/>
+              </a:rPr>
+              <a:t>"</a:t>
+            </a:r>
+            <a:r>
+              <a:rPr lang="en-US" b="0" dirty="0" err="1">
+                <a:solidFill>
+                  <a:srgbClr val="CE9178"/>
+                </a:solidFill>
+                <a:effectLst/>
+                <a:latin typeface="Consolas" panose="020B0609020204030204" pitchFamily="49" charset="0"/>
+              </a:rPr>
+              <a:t>test.json"</a:t>
+            </a:r>
+            <a:r>
+              <a:rPr lang="en-US" b="0" dirty="0" err="1">
+                <a:solidFill>
+                  <a:srgbClr val="D4D4D4"/>
+                </a:solidFill>
+                <a:effectLst/>
+                <a:latin typeface="Consolas" panose="020B0609020204030204" pitchFamily="49" charset="0"/>
+              </a:rPr>
+              <a:t>,</a:t>
+            </a:r>
+            <a:r>
+              <a:rPr lang="en-US" b="0" dirty="0" err="1">
+                <a:solidFill>
+                  <a:srgbClr val="CE9178"/>
+                </a:solidFill>
+                <a:effectLst/>
+                <a:latin typeface="Consolas" panose="020B0609020204030204" pitchFamily="49" charset="0"/>
+              </a:rPr>
+              <a:t>'w</a:t>
+            </a:r>
+            <a:r>
+              <a:rPr lang="en-US" b="0" dirty="0">
+                <a:solidFill>
+                  <a:srgbClr val="CE9178"/>
+                </a:solidFill>
+                <a:effectLst/>
+                <a:latin typeface="Consolas" panose="020B0609020204030204" pitchFamily="49" charset="0"/>
+              </a:rPr>
+              <a:t>'</a:t>
+            </a:r>
+            <a:r>
+              <a:rPr lang="en-US" b="0" dirty="0">
+                <a:solidFill>
+                  <a:srgbClr val="D4D4D4"/>
+                </a:solidFill>
+                <a:effectLst/>
+                <a:latin typeface="Consolas" panose="020B0609020204030204" pitchFamily="49" charset="0"/>
+              </a:rPr>
+              <a:t>) </a:t>
+            </a:r>
+            <a:r>
+              <a:rPr lang="en-US" b="0" dirty="0">
+                <a:solidFill>
+                  <a:srgbClr val="C586C0"/>
+                </a:solidFill>
+                <a:effectLst/>
+                <a:latin typeface="Consolas" panose="020B0609020204030204" pitchFamily="49" charset="0"/>
+              </a:rPr>
+              <a:t>as</a:t>
+            </a:r>
+            <a:r>
+              <a:rPr lang="en-US" b="0" dirty="0">
+                <a:solidFill>
+                  <a:srgbClr val="D4D4D4"/>
+                </a:solidFill>
+                <a:effectLst/>
+                <a:latin typeface="Consolas" panose="020B0609020204030204" pitchFamily="49" charset="0"/>
+              </a:rPr>
+              <a:t> j:</a:t>
+            </a:r>
+          </a:p>
+          <a:p>
+            <a:r>
+              <a:rPr lang="en-US" b="0" dirty="0">
+                <a:solidFill>
+                  <a:srgbClr val="D4D4D4"/>
+                </a:solidFill>
+                <a:effectLst/>
+                <a:latin typeface="Consolas" panose="020B0609020204030204" pitchFamily="49" charset="0"/>
+              </a:rPr>
+              <a:t>    </a:t>
+            </a:r>
+            <a:r>
+              <a:rPr lang="en-US" b="0" dirty="0" err="1">
+                <a:solidFill>
+                  <a:srgbClr val="D4D4D4"/>
+                </a:solidFill>
+                <a:effectLst/>
+                <a:latin typeface="Consolas" panose="020B0609020204030204" pitchFamily="49" charset="0"/>
+              </a:rPr>
+              <a:t>json.dump</a:t>
+            </a:r>
+            <a:r>
+              <a:rPr lang="en-US" b="0" dirty="0">
+                <a:solidFill>
+                  <a:srgbClr val="D4D4D4"/>
+                </a:solidFill>
+                <a:effectLst/>
+                <a:latin typeface="Consolas" panose="020B0609020204030204" pitchFamily="49" charset="0"/>
+              </a:rPr>
+              <a:t>(</a:t>
+            </a:r>
+            <a:r>
+              <a:rPr lang="en-US" b="0" dirty="0" err="1">
+                <a:solidFill>
+                  <a:srgbClr val="D4D4D4"/>
+                </a:solidFill>
+                <a:effectLst/>
+                <a:latin typeface="Consolas" panose="020B0609020204030204" pitchFamily="49" charset="0"/>
+              </a:rPr>
+              <a:t>d,j</a:t>
+            </a:r>
+            <a:r>
+              <a:rPr lang="en-US" b="0" dirty="0">
+                <a:solidFill>
+                  <a:srgbClr val="D4D4D4"/>
+                </a:solidFill>
+                <a:effectLst/>
+                <a:latin typeface="Consolas" panose="020B0609020204030204" pitchFamily="49" charset="0"/>
+              </a:rPr>
+              <a:t>)    </a:t>
+            </a:r>
+          </a:p>
+          <a:p>
+            <a:r>
+              <a:rPr lang="en-US" b="0" dirty="0">
+                <a:solidFill>
+                  <a:srgbClr val="D4D4D4"/>
+                </a:solidFill>
+                <a:effectLst/>
+                <a:latin typeface="Consolas" panose="020B0609020204030204" pitchFamily="49" charset="0"/>
+              </a:rPr>
+              <a:t>    </a:t>
+            </a:r>
+          </a:p>
+          <a:p>
+            <a:r>
+              <a:rPr lang="en-US" b="0" dirty="0">
+                <a:solidFill>
+                  <a:srgbClr val="C586C0"/>
+                </a:solidFill>
+                <a:effectLst/>
+                <a:latin typeface="Consolas" panose="020B0609020204030204" pitchFamily="49" charset="0"/>
+              </a:rPr>
+              <a:t>with</a:t>
+            </a:r>
+            <a:r>
+              <a:rPr lang="en-US" b="0" dirty="0">
+                <a:solidFill>
+                  <a:srgbClr val="D4D4D4"/>
+                </a:solidFill>
+                <a:effectLst/>
+                <a:latin typeface="Consolas" panose="020B0609020204030204" pitchFamily="49" charset="0"/>
+              </a:rPr>
+              <a:t> </a:t>
+            </a:r>
+            <a:r>
+              <a:rPr lang="en-US" b="0" dirty="0">
+                <a:solidFill>
+                  <a:srgbClr val="DCDCAA"/>
+                </a:solidFill>
+                <a:effectLst/>
+                <a:latin typeface="Consolas" panose="020B0609020204030204" pitchFamily="49" charset="0"/>
+              </a:rPr>
+              <a:t>open</a:t>
+            </a:r>
+            <a:r>
+              <a:rPr lang="en-US" b="0" dirty="0">
+                <a:solidFill>
+                  <a:srgbClr val="D4D4D4"/>
+                </a:solidFill>
+                <a:effectLst/>
+                <a:latin typeface="Consolas" panose="020B0609020204030204" pitchFamily="49" charset="0"/>
+              </a:rPr>
+              <a:t>(</a:t>
+            </a:r>
+            <a:r>
+              <a:rPr lang="en-US" b="0" dirty="0">
+                <a:solidFill>
+                  <a:srgbClr val="CE9178"/>
+                </a:solidFill>
+                <a:effectLst/>
+                <a:latin typeface="Consolas" panose="020B0609020204030204" pitchFamily="49" charset="0"/>
+              </a:rPr>
+              <a:t>'</a:t>
+            </a:r>
+            <a:r>
+              <a:rPr lang="en-US" b="0" dirty="0" err="1">
+                <a:solidFill>
+                  <a:srgbClr val="CE9178"/>
+                </a:solidFill>
+                <a:effectLst/>
+                <a:latin typeface="Consolas" panose="020B0609020204030204" pitchFamily="49" charset="0"/>
+              </a:rPr>
+              <a:t>test.json'</a:t>
+            </a:r>
+            <a:r>
+              <a:rPr lang="en-US" b="0" dirty="0" err="1">
+                <a:solidFill>
+                  <a:srgbClr val="D4D4D4"/>
+                </a:solidFill>
+                <a:effectLst/>
+                <a:latin typeface="Consolas" panose="020B0609020204030204" pitchFamily="49" charset="0"/>
+              </a:rPr>
+              <a:t>,</a:t>
+            </a:r>
+            <a:r>
+              <a:rPr lang="en-US" b="0" dirty="0" err="1">
+                <a:solidFill>
+                  <a:srgbClr val="CE9178"/>
+                </a:solidFill>
+                <a:effectLst/>
+                <a:latin typeface="Consolas" panose="020B0609020204030204" pitchFamily="49" charset="0"/>
+              </a:rPr>
+              <a:t>'r</a:t>
+            </a:r>
+            <a:r>
+              <a:rPr lang="en-US" b="0" dirty="0">
+                <a:solidFill>
+                  <a:srgbClr val="CE9178"/>
+                </a:solidFill>
+                <a:effectLst/>
+                <a:latin typeface="Consolas" panose="020B0609020204030204" pitchFamily="49" charset="0"/>
+              </a:rPr>
+              <a:t>'</a:t>
+            </a:r>
+            <a:r>
+              <a:rPr lang="en-US" b="0" dirty="0">
+                <a:solidFill>
+                  <a:srgbClr val="D4D4D4"/>
+                </a:solidFill>
+                <a:effectLst/>
+                <a:latin typeface="Consolas" panose="020B0609020204030204" pitchFamily="49" charset="0"/>
+              </a:rPr>
+              <a:t>) </a:t>
+            </a:r>
+            <a:r>
+              <a:rPr lang="en-US" b="0" dirty="0">
+                <a:solidFill>
+                  <a:srgbClr val="C586C0"/>
+                </a:solidFill>
+                <a:effectLst/>
+                <a:latin typeface="Consolas" panose="020B0609020204030204" pitchFamily="49" charset="0"/>
+              </a:rPr>
+              <a:t>as</a:t>
+            </a:r>
+            <a:r>
+              <a:rPr lang="en-US" b="0" dirty="0">
+                <a:solidFill>
+                  <a:srgbClr val="D4D4D4"/>
+                </a:solidFill>
+                <a:effectLst/>
+                <a:latin typeface="Consolas" panose="020B0609020204030204" pitchFamily="49" charset="0"/>
+              </a:rPr>
+              <a:t> j:</a:t>
+            </a:r>
+          </a:p>
+          <a:p>
+            <a:r>
+              <a:rPr lang="en-US" b="0" dirty="0">
+                <a:solidFill>
+                  <a:srgbClr val="D4D4D4"/>
+                </a:solidFill>
+                <a:effectLst/>
+                <a:latin typeface="Consolas" panose="020B0609020204030204" pitchFamily="49" charset="0"/>
+              </a:rPr>
+              <a:t>    d = </a:t>
+            </a:r>
+            <a:r>
+              <a:rPr lang="en-US" b="0" dirty="0" err="1">
+                <a:solidFill>
+                  <a:srgbClr val="D4D4D4"/>
+                </a:solidFill>
+                <a:effectLst/>
+                <a:latin typeface="Consolas" panose="020B0609020204030204" pitchFamily="49" charset="0"/>
+              </a:rPr>
+              <a:t>json.load</a:t>
+            </a:r>
+            <a:r>
+              <a:rPr lang="en-US" b="0" dirty="0">
+                <a:solidFill>
+                  <a:srgbClr val="D4D4D4"/>
+                </a:solidFill>
+                <a:effectLst/>
+                <a:latin typeface="Consolas" panose="020B0609020204030204" pitchFamily="49" charset="0"/>
+              </a:rPr>
+              <a:t>(j)    </a:t>
+            </a:r>
+          </a:p>
+          <a:p>
+            <a:r>
+              <a:rPr lang="en-US" b="0" dirty="0">
+                <a:solidFill>
+                  <a:srgbClr val="DCDCAA"/>
+                </a:solidFill>
+                <a:effectLst/>
+                <a:latin typeface="Consolas" panose="020B0609020204030204" pitchFamily="49" charset="0"/>
+              </a:rPr>
+              <a:t>print</a:t>
+            </a:r>
+            <a:r>
+              <a:rPr lang="en-US" b="0" dirty="0">
+                <a:solidFill>
+                  <a:srgbClr val="D4D4D4"/>
+                </a:solidFill>
+                <a:effectLst/>
+                <a:latin typeface="Consolas" panose="020B0609020204030204" pitchFamily="49" charset="0"/>
+              </a:rPr>
+              <a:t>(d)</a:t>
+            </a:r>
+          </a:p>
+          <a:p>
+            <a:br>
+              <a:rPr lang="en-US" b="0" dirty="0">
+                <a:solidFill>
+                  <a:srgbClr val="D4D4D4"/>
+                </a:solidFill>
+                <a:effectLst/>
+                <a:latin typeface="Consolas" panose="020B0609020204030204" pitchFamily="49" charset="0"/>
+              </a:rPr>
+            </a:br>
+            <a:endParaRPr lang="en-US" b="0" dirty="0">
+              <a:solidFill>
+                <a:srgbClr val="D4D4D4"/>
+              </a:solidFill>
+              <a:effectLst/>
+              <a:latin typeface="Consolas" panose="020B0609020204030204" pitchFamily="49" charset="0"/>
+            </a:endParaRPr>
+          </a:p>
+        </p:txBody>
+      </p:sp>
+      <p:cxnSp>
+        <p:nvCxnSpPr>
+          <p:cNvPr id="9" name="Прямая соединительная линия 8">
+            <a:extLst>
+              <a:ext uri="{FF2B5EF4-FFF2-40B4-BE49-F238E27FC236}">
+                <a16:creationId xmlns:a16="http://schemas.microsoft.com/office/drawing/2014/main" id="{7E410A8D-0CA5-4ED4-B7BE-7F0B749859A1}"/>
+              </a:ext>
+            </a:extLst>
+          </p:cNvPr>
+          <p:cNvCxnSpPr/>
+          <p:nvPr/>
+        </p:nvCxnSpPr>
+        <p:spPr>
+          <a:xfrm>
+            <a:off x="7421526" y="1690688"/>
+            <a:ext cx="0" cy="5060986"/>
+          </a:xfrm>
+          <a:prstGeom prst="line">
+            <a:avLst/>
+          </a:prstGeom>
+        </p:spPr>
+        <p:style>
+          <a:lnRef idx="1">
+            <a:schemeClr val="accent1"/>
+          </a:lnRef>
+          <a:fillRef idx="0">
+            <a:schemeClr val="accent1"/>
+          </a:fillRef>
+          <a:effectRef idx="0">
+            <a:schemeClr val="accent1"/>
+          </a:effectRef>
+          <a:fontRef idx="minor">
+            <a:schemeClr val="tx1"/>
+          </a:fontRef>
+        </p:style>
+      </p:cxnSp>
+      <p:sp>
+        <p:nvSpPr>
+          <p:cNvPr id="11" name="TextBox 10">
+            <a:extLst>
+              <a:ext uri="{FF2B5EF4-FFF2-40B4-BE49-F238E27FC236}">
+                <a16:creationId xmlns:a16="http://schemas.microsoft.com/office/drawing/2014/main" id="{6C86182A-8A55-4F61-8FD9-8F5E224814C5}"/>
+              </a:ext>
+            </a:extLst>
+          </p:cNvPr>
+          <p:cNvSpPr txBox="1"/>
+          <p:nvPr/>
+        </p:nvSpPr>
+        <p:spPr>
+          <a:xfrm>
+            <a:off x="7818854" y="2999509"/>
+            <a:ext cx="3882656" cy="646331"/>
+          </a:xfrm>
+          <a:prstGeom prst="rect">
+            <a:avLst/>
+          </a:prstGeom>
+          <a:noFill/>
+        </p:spPr>
+        <p:txBody>
+          <a:bodyPr wrap="square">
+            <a:spAutoFit/>
+          </a:bodyPr>
+          <a:lstStyle/>
+          <a:p>
+            <a:r>
+              <a:rPr lang="en-US" b="0" dirty="0">
+                <a:solidFill>
+                  <a:srgbClr val="D4D4D4"/>
+                </a:solidFill>
+                <a:effectLst/>
+                <a:latin typeface="Consolas" panose="020B0609020204030204" pitchFamily="49" charset="0"/>
+              </a:rPr>
+              <a:t>{</a:t>
+            </a:r>
+            <a:r>
+              <a:rPr lang="en-US" b="0" dirty="0">
+                <a:solidFill>
+                  <a:srgbClr val="9CDCFE"/>
+                </a:solidFill>
+                <a:effectLst/>
+                <a:latin typeface="Consolas" panose="020B0609020204030204" pitchFamily="49" charset="0"/>
+              </a:rPr>
+              <a:t>"name"</a:t>
+            </a:r>
+            <a:r>
+              <a:rPr lang="en-US" b="0" dirty="0">
+                <a:solidFill>
+                  <a:srgbClr val="D4D4D4"/>
+                </a:solidFill>
+                <a:effectLst/>
+                <a:latin typeface="Consolas" panose="020B0609020204030204" pitchFamily="49" charset="0"/>
+              </a:rPr>
+              <a:t>: </a:t>
+            </a:r>
+            <a:r>
+              <a:rPr lang="en-US" b="0" dirty="0">
+                <a:solidFill>
+                  <a:srgbClr val="CE9178"/>
+                </a:solidFill>
+                <a:effectLst/>
+                <a:latin typeface="Consolas" panose="020B0609020204030204" pitchFamily="49" charset="0"/>
+              </a:rPr>
+              <a:t>"test"</a:t>
+            </a:r>
+            <a:r>
+              <a:rPr lang="en-US" b="0" dirty="0">
+                <a:solidFill>
+                  <a:srgbClr val="D4D4D4"/>
+                </a:solidFill>
+                <a:effectLst/>
+                <a:latin typeface="Consolas" panose="020B0609020204030204" pitchFamily="49" charset="0"/>
+              </a:rPr>
+              <a:t>, </a:t>
+            </a:r>
+            <a:r>
+              <a:rPr lang="en-US" b="0" dirty="0">
+                <a:solidFill>
+                  <a:srgbClr val="9CDCFE"/>
+                </a:solidFill>
+                <a:effectLst/>
+                <a:latin typeface="Consolas" panose="020B0609020204030204" pitchFamily="49" charset="0"/>
+              </a:rPr>
+              <a:t>"age"</a:t>
+            </a:r>
+            <a:r>
+              <a:rPr lang="en-US" b="0" dirty="0">
+                <a:solidFill>
+                  <a:srgbClr val="D4D4D4"/>
+                </a:solidFill>
+                <a:effectLst/>
+                <a:latin typeface="Consolas" panose="020B0609020204030204" pitchFamily="49" charset="0"/>
+              </a:rPr>
+              <a:t>: </a:t>
+            </a:r>
+            <a:r>
+              <a:rPr lang="en-US" b="0" dirty="0">
+                <a:solidFill>
+                  <a:srgbClr val="B5CEA8"/>
+                </a:solidFill>
+                <a:effectLst/>
+                <a:latin typeface="Consolas" panose="020B0609020204030204" pitchFamily="49" charset="0"/>
+              </a:rPr>
+              <a:t>49</a:t>
+            </a:r>
+            <a:r>
+              <a:rPr lang="en-US" b="0" dirty="0">
+                <a:solidFill>
+                  <a:srgbClr val="D4D4D4"/>
+                </a:solidFill>
+                <a:effectLst/>
+                <a:latin typeface="Consolas" panose="020B0609020204030204" pitchFamily="49" charset="0"/>
+              </a:rPr>
+              <a:t>,</a:t>
+            </a:r>
+            <a:br>
+              <a:rPr lang="en-US" b="0" dirty="0">
+                <a:solidFill>
+                  <a:srgbClr val="D4D4D4"/>
+                </a:solidFill>
+                <a:effectLst/>
+                <a:latin typeface="Consolas" panose="020B0609020204030204" pitchFamily="49" charset="0"/>
+              </a:rPr>
+            </a:br>
+            <a:r>
+              <a:rPr lang="en-US" b="0" dirty="0">
+                <a:solidFill>
+                  <a:srgbClr val="D4D4D4"/>
+                </a:solidFill>
+                <a:effectLst/>
+                <a:latin typeface="Consolas" panose="020B0609020204030204" pitchFamily="49" charset="0"/>
+              </a:rPr>
+              <a:t> </a:t>
+            </a:r>
+            <a:r>
+              <a:rPr lang="en-US" b="0" dirty="0">
+                <a:solidFill>
+                  <a:srgbClr val="9CDCFE"/>
+                </a:solidFill>
+                <a:effectLst/>
+                <a:latin typeface="Consolas" panose="020B0609020204030204" pitchFamily="49" charset="0"/>
+              </a:rPr>
+              <a:t>"location"</a:t>
+            </a:r>
+            <a:r>
+              <a:rPr lang="en-US" b="0" dirty="0">
+                <a:solidFill>
+                  <a:srgbClr val="D4D4D4"/>
+                </a:solidFill>
+                <a:effectLst/>
+                <a:latin typeface="Consolas" panose="020B0609020204030204" pitchFamily="49" charset="0"/>
+              </a:rPr>
+              <a:t>: </a:t>
+            </a:r>
+            <a:r>
+              <a:rPr lang="en-US" b="0" dirty="0">
+                <a:solidFill>
+                  <a:srgbClr val="CE9178"/>
+                </a:solidFill>
+                <a:effectLst/>
+                <a:latin typeface="Consolas" panose="020B0609020204030204" pitchFamily="49" charset="0"/>
+              </a:rPr>
+              <a:t>"</a:t>
+            </a:r>
+            <a:r>
+              <a:rPr lang="en-US" b="0" dirty="0" err="1">
+                <a:solidFill>
+                  <a:srgbClr val="CE9178"/>
+                </a:solidFill>
+                <a:effectLst/>
+                <a:latin typeface="Consolas" panose="020B0609020204030204" pitchFamily="49" charset="0"/>
+              </a:rPr>
+              <a:t>Melburne</a:t>
+            </a:r>
+            <a:r>
+              <a:rPr lang="en-US" b="0" dirty="0">
+                <a:solidFill>
+                  <a:srgbClr val="CE9178"/>
+                </a:solidFill>
+                <a:effectLst/>
+                <a:latin typeface="Consolas" panose="020B0609020204030204" pitchFamily="49" charset="0"/>
+              </a:rPr>
+              <a:t>"</a:t>
+            </a:r>
+            <a:r>
+              <a:rPr lang="en-US" b="0" dirty="0">
+                <a:solidFill>
+                  <a:srgbClr val="D4D4D4"/>
+                </a:solidFill>
+                <a:effectLst/>
+                <a:latin typeface="Consolas" panose="020B0609020204030204" pitchFamily="49" charset="0"/>
+              </a:rPr>
+              <a:t>}</a:t>
+            </a:r>
+          </a:p>
+        </p:txBody>
+      </p:sp>
+      <p:sp>
+        <p:nvSpPr>
+          <p:cNvPr id="12" name="Облачко с текстом: прямоугольное 11">
+            <a:extLst>
+              <a:ext uri="{FF2B5EF4-FFF2-40B4-BE49-F238E27FC236}">
+                <a16:creationId xmlns:a16="http://schemas.microsoft.com/office/drawing/2014/main" id="{542B3C87-F908-4382-A8FD-569D85F61A49}"/>
+              </a:ext>
+            </a:extLst>
+          </p:cNvPr>
+          <p:cNvSpPr/>
+          <p:nvPr/>
+        </p:nvSpPr>
+        <p:spPr>
+          <a:xfrm>
+            <a:off x="8773885" y="5519057"/>
+            <a:ext cx="1894113" cy="612648"/>
+          </a:xfrm>
+          <a:prstGeom prst="wedgeRectCallout">
+            <a:avLst>
+              <a:gd name="adj1" fmla="val -20833"/>
+              <a:gd name="adj2" fmla="val -204024"/>
+            </a:avLst>
+          </a:prstGeom>
+        </p:spPr>
+        <p:style>
+          <a:lnRef idx="2">
+            <a:schemeClr val="accent1">
+              <a:shade val="50000"/>
+            </a:schemeClr>
+          </a:lnRef>
+          <a:fillRef idx="1">
+            <a:schemeClr val="accent1"/>
+          </a:fillRef>
+          <a:effectRef idx="0">
+            <a:schemeClr val="accent1"/>
+          </a:effectRef>
+          <a:fontRef idx="minor">
+            <a:schemeClr val="lt1"/>
+          </a:fontRef>
+        </p:style>
+        <p:txBody>
+          <a:bodyPr rtlCol="0" anchor="ctr"/>
+          <a:lstStyle/>
+          <a:p>
+            <a:pPr algn="ctr"/>
+            <a:r>
+              <a:rPr lang="en-US" dirty="0" err="1"/>
+              <a:t>test.json</a:t>
+            </a:r>
+            <a:endParaRPr lang="ru-RU" dirty="0"/>
+          </a:p>
+        </p:txBody>
+      </p:sp>
+    </p:spTree>
+    <p:extLst>
+      <p:ext uri="{BB962C8B-B14F-4D97-AF65-F5344CB8AC3E}">
+        <p14:creationId xmlns:p14="http://schemas.microsoft.com/office/powerpoint/2010/main" val="2286098862"/>
       </p:ext>
     </p:extLst>
   </p:cSld>

--- a/Presentation/Разработка ботов для телеграмм на Python.pptx
+++ b/Presentation/Разработка ботов для телеграмм на Python.pptx
@@ -106,8 +106,10 @@
     <p:sldId id="357" r:id="rId100"/>
     <p:sldId id="358" r:id="rId101"/>
     <p:sldId id="359" r:id="rId102"/>
-    <p:sldId id="346" r:id="rId103"/>
-    <p:sldId id="347" r:id="rId104"/>
+    <p:sldId id="360" r:id="rId103"/>
+    <p:sldId id="361" r:id="rId104"/>
+    <p:sldId id="346" r:id="rId105"/>
+    <p:sldId id="347" r:id="rId106"/>
   </p:sldIdLst>
   <p:sldSz cx="12192000" cy="6858000"/>
   <p:notesSz cx="6858000" cy="9144000"/>
@@ -216,7 +218,7 @@
 
 <file path=ppt/commentAuthors.xml><?xml version="1.0" encoding="utf-8"?>
 <p:cmAuthorLst xmlns:a="http://schemas.openxmlformats.org/drawingml/2006/main" xmlns:r="http://schemas.openxmlformats.org/officeDocument/2006/relationships" xmlns:p="http://schemas.openxmlformats.org/presentationml/2006/main">
-  <p:cmAuthor id="1" name="Tsytovich, Pavel" initials="TP" lastIdx="2" clrIdx="0">
+  <p:cmAuthor id="1" name="Tsytovich, Pavel" initials="TP" lastIdx="3" clrIdx="0">
     <p:extLst>
       <p:ext uri="{19B8F6BF-5375-455C-9EA6-DF929625EA0E}">
         <p15:presenceInfo xmlns:p15="http://schemas.microsoft.com/office/powerpoint/2012/main" userId="Tsytovich, Pavel" providerId="None"/>
@@ -231,6 +233,20 @@
   <p:cm authorId="1" dt="2020-10-31T09:11:01.078" idx="2">
     <p:pos x="10" y="10"/>
     <p:text>Нужно добавить блок list comprehensive</p:text>
+    <p:extLst>
+      <p:ext uri="{C676402C-5697-4E1C-873F-D02D1690AC5C}">
+        <p15:threadingInfo xmlns:p15="http://schemas.microsoft.com/office/powerpoint/2012/main" timeZoneBias="-180"/>
+      </p:ext>
+    </p:extLst>
+  </p:cm>
+</p:cmLst>
+</file>
+
+<file path=ppt/comments/comment2.xml><?xml version="1.0" encoding="utf-8"?>
+<p:cmLst xmlns:a="http://schemas.openxmlformats.org/drawingml/2006/main" xmlns:r="http://schemas.openxmlformats.org/officeDocument/2006/relationships" xmlns:p="http://schemas.openxmlformats.org/presentationml/2006/main">
+  <p:cm authorId="1" dt="2020-10-31T23:45:04.208" idx="3">
+    <p:pos x="3550" y="1902"/>
+    <p:text>Необходимо сделать решение задачи</p:text>
     <p:extLst>
       <p:ext uri="{C676402C-5697-4E1C-873F-D02D1690AC5C}">
         <p15:threadingInfo xmlns:p15="http://schemas.microsoft.com/office/powerpoint/2012/main" timeZoneBias="-180"/>
@@ -4126,7 +4142,7 @@
         </p:nvGrpSpPr>
         <p:grpSpPr>
           <a:xfrm>
-            <a:off x="2169042" y="1573619"/>
+            <a:off x="2169042" y="1095154"/>
             <a:ext cx="6634716" cy="5071730"/>
             <a:chOff x="2169042" y="1573619"/>
             <a:chExt cx="6634716" cy="5071730"/>
@@ -4687,6 +4703,584 @@
           <p:cNvPr id="2" name="Заголовок 1">
             <a:extLst>
               <a:ext uri="{FF2B5EF4-FFF2-40B4-BE49-F238E27FC236}">
+                <a16:creationId xmlns:a16="http://schemas.microsoft.com/office/drawing/2014/main" id="{D4E0677F-8E17-4F0F-BEC7-423F8981A077}"/>
+              </a:ext>
+            </a:extLst>
+          </p:cNvPr>
+          <p:cNvSpPr>
+            <a:spLocks noGrp="1"/>
+          </p:cNvSpPr>
+          <p:nvPr>
+            <p:ph type="title"/>
+          </p:nvPr>
+        </p:nvSpPr>
+        <p:spPr>
+          <a:xfrm>
+            <a:off x="668080" y="-4436"/>
+            <a:ext cx="10515600" cy="1325563"/>
+          </a:xfrm>
+        </p:spPr>
+        <p:txBody>
+          <a:bodyPr/>
+          <a:lstStyle/>
+          <a:p>
+            <a:r>
+              <a:rPr lang="ru-RU" dirty="0"/>
+              <a:t>Работа с файлом. Обработка ошибок</a:t>
+            </a:r>
+          </a:p>
+        </p:txBody>
+      </p:sp>
+      <p:sp>
+        <p:nvSpPr>
+          <p:cNvPr id="17" name="TextBox 16">
+            <a:extLst>
+              <a:ext uri="{FF2B5EF4-FFF2-40B4-BE49-F238E27FC236}">
+                <a16:creationId xmlns:a16="http://schemas.microsoft.com/office/drawing/2014/main" id="{BE2DE719-F87E-49E8-B3C8-C84CF43F1C35}"/>
+              </a:ext>
+            </a:extLst>
+          </p:cNvPr>
+          <p:cNvSpPr txBox="1"/>
+          <p:nvPr/>
+        </p:nvSpPr>
+        <p:spPr>
+          <a:xfrm>
+            <a:off x="2081324" y="2339185"/>
+            <a:ext cx="6945718" cy="1754326"/>
+          </a:xfrm>
+          <a:prstGeom prst="rect">
+            <a:avLst/>
+          </a:prstGeom>
+          <a:noFill/>
+        </p:spPr>
+        <p:txBody>
+          <a:bodyPr wrap="square">
+            <a:spAutoFit/>
+          </a:bodyPr>
+          <a:lstStyle/>
+          <a:p>
+            <a:r>
+              <a:rPr lang="en-US" b="0" dirty="0">
+                <a:solidFill>
+                  <a:srgbClr val="C586C0"/>
+                </a:solidFill>
+                <a:effectLst/>
+                <a:latin typeface="Consolas" panose="020B0609020204030204" pitchFamily="49" charset="0"/>
+              </a:rPr>
+              <a:t>try</a:t>
+            </a:r>
+            <a:r>
+              <a:rPr lang="en-US" b="0" dirty="0">
+                <a:solidFill>
+                  <a:srgbClr val="D4D4D4"/>
+                </a:solidFill>
+                <a:effectLst/>
+                <a:latin typeface="Consolas" panose="020B0609020204030204" pitchFamily="49" charset="0"/>
+              </a:rPr>
+              <a:t>:</a:t>
+            </a:r>
+          </a:p>
+          <a:p>
+            <a:r>
+              <a:rPr lang="en-US" b="0" dirty="0">
+                <a:solidFill>
+                  <a:srgbClr val="D4D4D4"/>
+                </a:solidFill>
+                <a:effectLst/>
+                <a:latin typeface="Consolas" panose="020B0609020204030204" pitchFamily="49" charset="0"/>
+              </a:rPr>
+              <a:t>    </a:t>
+            </a:r>
+            <a:r>
+              <a:rPr lang="en-US" b="0" dirty="0">
+                <a:solidFill>
+                  <a:srgbClr val="C586C0"/>
+                </a:solidFill>
+                <a:effectLst/>
+                <a:latin typeface="Consolas" panose="020B0609020204030204" pitchFamily="49" charset="0"/>
+              </a:rPr>
+              <a:t>with</a:t>
+            </a:r>
+            <a:r>
+              <a:rPr lang="en-US" b="0" dirty="0">
+                <a:solidFill>
+                  <a:srgbClr val="D4D4D4"/>
+                </a:solidFill>
+                <a:effectLst/>
+                <a:latin typeface="Consolas" panose="020B0609020204030204" pitchFamily="49" charset="0"/>
+              </a:rPr>
+              <a:t> </a:t>
+            </a:r>
+            <a:r>
+              <a:rPr lang="en-US" b="0" dirty="0">
+                <a:solidFill>
+                  <a:srgbClr val="DCDCAA"/>
+                </a:solidFill>
+                <a:effectLst/>
+                <a:latin typeface="Consolas" panose="020B0609020204030204" pitchFamily="49" charset="0"/>
+              </a:rPr>
+              <a:t>open</a:t>
+            </a:r>
+            <a:r>
+              <a:rPr lang="en-US" b="0" dirty="0">
+                <a:solidFill>
+                  <a:srgbClr val="D4D4D4"/>
+                </a:solidFill>
+                <a:effectLst/>
+                <a:latin typeface="Consolas" panose="020B0609020204030204" pitchFamily="49" charset="0"/>
+              </a:rPr>
+              <a:t>(</a:t>
+            </a:r>
+            <a:r>
+              <a:rPr lang="en-US" b="0" dirty="0">
+                <a:solidFill>
+                  <a:srgbClr val="CE9178"/>
+                </a:solidFill>
+                <a:effectLst/>
+                <a:latin typeface="Consolas" panose="020B0609020204030204" pitchFamily="49" charset="0"/>
+              </a:rPr>
+              <a:t>'non-</a:t>
+            </a:r>
+            <a:r>
+              <a:rPr lang="en-US" b="0" dirty="0" err="1">
+                <a:solidFill>
+                  <a:srgbClr val="CE9178"/>
+                </a:solidFill>
+                <a:effectLst/>
+                <a:latin typeface="Consolas" panose="020B0609020204030204" pitchFamily="49" charset="0"/>
+              </a:rPr>
+              <a:t>exists.txt'</a:t>
+            </a:r>
+            <a:r>
+              <a:rPr lang="en-US" b="0" dirty="0" err="1">
+                <a:solidFill>
+                  <a:srgbClr val="D4D4D4"/>
+                </a:solidFill>
+                <a:effectLst/>
+                <a:latin typeface="Consolas" panose="020B0609020204030204" pitchFamily="49" charset="0"/>
+              </a:rPr>
+              <a:t>,</a:t>
+            </a:r>
+            <a:r>
+              <a:rPr lang="en-US" b="0" dirty="0" err="1">
+                <a:solidFill>
+                  <a:srgbClr val="CE9178"/>
+                </a:solidFill>
+                <a:effectLst/>
+                <a:latin typeface="Consolas" panose="020B0609020204030204" pitchFamily="49" charset="0"/>
+              </a:rPr>
+              <a:t>'r</a:t>
+            </a:r>
+            <a:r>
+              <a:rPr lang="en-US" b="0" dirty="0">
+                <a:solidFill>
+                  <a:srgbClr val="CE9178"/>
+                </a:solidFill>
+                <a:effectLst/>
+                <a:latin typeface="Consolas" panose="020B0609020204030204" pitchFamily="49" charset="0"/>
+              </a:rPr>
+              <a:t>'</a:t>
+            </a:r>
+            <a:r>
+              <a:rPr lang="en-US" b="0" dirty="0">
+                <a:solidFill>
+                  <a:srgbClr val="D4D4D4"/>
+                </a:solidFill>
+                <a:effectLst/>
+                <a:latin typeface="Consolas" panose="020B0609020204030204" pitchFamily="49" charset="0"/>
+              </a:rPr>
+              <a:t>) </a:t>
+            </a:r>
+            <a:r>
+              <a:rPr lang="en-US" b="0" dirty="0">
+                <a:solidFill>
+                  <a:srgbClr val="C586C0"/>
+                </a:solidFill>
+                <a:effectLst/>
+                <a:latin typeface="Consolas" panose="020B0609020204030204" pitchFamily="49" charset="0"/>
+              </a:rPr>
+              <a:t>as</a:t>
+            </a:r>
+            <a:r>
+              <a:rPr lang="en-US" b="0" dirty="0">
+                <a:solidFill>
+                  <a:srgbClr val="D4D4D4"/>
+                </a:solidFill>
+                <a:effectLst/>
+                <a:latin typeface="Consolas" panose="020B0609020204030204" pitchFamily="49" charset="0"/>
+              </a:rPr>
+              <a:t> f:</a:t>
+            </a:r>
+          </a:p>
+          <a:p>
+            <a:r>
+              <a:rPr lang="en-US" b="0" dirty="0">
+                <a:solidFill>
+                  <a:srgbClr val="D4D4D4"/>
+                </a:solidFill>
+                <a:effectLst/>
+                <a:latin typeface="Consolas" panose="020B0609020204030204" pitchFamily="49" charset="0"/>
+              </a:rPr>
+              <a:t>        </a:t>
+            </a:r>
+            <a:r>
+              <a:rPr lang="en-US" b="0" dirty="0" err="1">
+                <a:solidFill>
+                  <a:srgbClr val="D4D4D4"/>
+                </a:solidFill>
+                <a:effectLst/>
+                <a:latin typeface="Consolas" panose="020B0609020204030204" pitchFamily="49" charset="0"/>
+              </a:rPr>
+              <a:t>buf</a:t>
+            </a:r>
+            <a:r>
+              <a:rPr lang="en-US" b="0" dirty="0">
+                <a:solidFill>
+                  <a:srgbClr val="D4D4D4"/>
+                </a:solidFill>
+                <a:effectLst/>
+                <a:latin typeface="Consolas" panose="020B0609020204030204" pitchFamily="49" charset="0"/>
+              </a:rPr>
+              <a:t> = </a:t>
+            </a:r>
+            <a:r>
+              <a:rPr lang="en-US" b="0" dirty="0" err="1">
+                <a:solidFill>
+                  <a:srgbClr val="D4D4D4"/>
+                </a:solidFill>
+                <a:effectLst/>
+                <a:latin typeface="Consolas" panose="020B0609020204030204" pitchFamily="49" charset="0"/>
+              </a:rPr>
+              <a:t>f.read</a:t>
+            </a:r>
+            <a:r>
+              <a:rPr lang="en-US" b="0" dirty="0">
+                <a:solidFill>
+                  <a:srgbClr val="D4D4D4"/>
+                </a:solidFill>
+                <a:effectLst/>
+                <a:latin typeface="Consolas" panose="020B0609020204030204" pitchFamily="49" charset="0"/>
+              </a:rPr>
+              <a:t>()</a:t>
+            </a:r>
+          </a:p>
+          <a:p>
+            <a:r>
+              <a:rPr lang="en-US" b="0" dirty="0">
+                <a:solidFill>
+                  <a:srgbClr val="C586C0"/>
+                </a:solidFill>
+                <a:effectLst/>
+                <a:latin typeface="Consolas" panose="020B0609020204030204" pitchFamily="49" charset="0"/>
+              </a:rPr>
+              <a:t>except</a:t>
+            </a:r>
+            <a:r>
+              <a:rPr lang="en-US" b="0" dirty="0">
+                <a:solidFill>
+                  <a:srgbClr val="D4D4D4"/>
+                </a:solidFill>
+                <a:effectLst/>
+                <a:latin typeface="Consolas" panose="020B0609020204030204" pitchFamily="49" charset="0"/>
+              </a:rPr>
+              <a:t> </a:t>
+            </a:r>
+            <a:r>
+              <a:rPr lang="en-US" b="0" dirty="0" err="1">
+                <a:solidFill>
+                  <a:srgbClr val="4EC9B0"/>
+                </a:solidFill>
+                <a:effectLst/>
+                <a:latin typeface="Consolas" panose="020B0609020204030204" pitchFamily="49" charset="0"/>
+              </a:rPr>
+              <a:t>IOError</a:t>
+            </a:r>
+            <a:r>
+              <a:rPr lang="en-US" b="0" dirty="0">
+                <a:solidFill>
+                  <a:srgbClr val="D4D4D4"/>
+                </a:solidFill>
+                <a:effectLst/>
+                <a:latin typeface="Consolas" panose="020B0609020204030204" pitchFamily="49" charset="0"/>
+              </a:rPr>
+              <a:t> </a:t>
+            </a:r>
+            <a:r>
+              <a:rPr lang="en-US" b="0" dirty="0">
+                <a:solidFill>
+                  <a:srgbClr val="C586C0"/>
+                </a:solidFill>
+                <a:effectLst/>
+                <a:latin typeface="Consolas" panose="020B0609020204030204" pitchFamily="49" charset="0"/>
+              </a:rPr>
+              <a:t>as</a:t>
+            </a:r>
+            <a:r>
+              <a:rPr lang="en-US" b="0" dirty="0">
+                <a:solidFill>
+                  <a:srgbClr val="D4D4D4"/>
+                </a:solidFill>
+                <a:effectLst/>
+                <a:latin typeface="Consolas" panose="020B0609020204030204" pitchFamily="49" charset="0"/>
+              </a:rPr>
+              <a:t> e:</a:t>
+            </a:r>
+          </a:p>
+          <a:p>
+            <a:r>
+              <a:rPr lang="en-US" b="0" dirty="0">
+                <a:solidFill>
+                  <a:srgbClr val="D4D4D4"/>
+                </a:solidFill>
+                <a:effectLst/>
+                <a:latin typeface="Consolas" panose="020B0609020204030204" pitchFamily="49" charset="0"/>
+              </a:rPr>
+              <a:t>        </a:t>
+            </a:r>
+            <a:r>
+              <a:rPr lang="en-US" b="0" dirty="0">
+                <a:solidFill>
+                  <a:srgbClr val="DCDCAA"/>
+                </a:solidFill>
+                <a:effectLst/>
+                <a:latin typeface="Consolas" panose="020B0609020204030204" pitchFamily="49" charset="0"/>
+              </a:rPr>
+              <a:t>print</a:t>
+            </a:r>
+            <a:r>
+              <a:rPr lang="en-US" b="0" dirty="0">
+                <a:solidFill>
+                  <a:srgbClr val="D4D4D4"/>
+                </a:solidFill>
+                <a:effectLst/>
+                <a:latin typeface="Consolas" panose="020B0609020204030204" pitchFamily="49" charset="0"/>
+              </a:rPr>
+              <a:t>(</a:t>
+            </a:r>
+            <a:r>
+              <a:rPr lang="en-US" b="0" dirty="0" err="1">
+                <a:solidFill>
+                  <a:srgbClr val="569CD6"/>
+                </a:solidFill>
+                <a:effectLst/>
+                <a:latin typeface="Consolas" panose="020B0609020204030204" pitchFamily="49" charset="0"/>
+              </a:rPr>
+              <a:t>f</a:t>
+            </a:r>
+            <a:r>
+              <a:rPr lang="en-US" b="0" dirty="0" err="1">
+                <a:solidFill>
+                  <a:srgbClr val="CE9178"/>
+                </a:solidFill>
+                <a:effectLst/>
+                <a:latin typeface="Consolas" panose="020B0609020204030204" pitchFamily="49" charset="0"/>
+              </a:rPr>
+              <a:t>'Error</a:t>
+            </a:r>
+            <a:r>
+              <a:rPr lang="en-US" b="0" dirty="0">
+                <a:solidFill>
+                  <a:srgbClr val="CE9178"/>
+                </a:solidFill>
+                <a:effectLst/>
+                <a:latin typeface="Consolas" panose="020B0609020204030204" pitchFamily="49" charset="0"/>
+              </a:rPr>
+              <a:t> of </a:t>
+            </a:r>
+            <a:r>
+              <a:rPr lang="en-US" b="0" dirty="0">
+                <a:solidFill>
+                  <a:srgbClr val="569CD6"/>
+                </a:solidFill>
+                <a:effectLst/>
+                <a:latin typeface="Consolas" panose="020B0609020204030204" pitchFamily="49" charset="0"/>
+              </a:rPr>
+              <a:t>{</a:t>
+            </a:r>
+            <a:r>
+              <a:rPr lang="en-US" b="0" dirty="0">
+                <a:solidFill>
+                  <a:srgbClr val="D4D4D4"/>
+                </a:solidFill>
+                <a:effectLst/>
+                <a:latin typeface="Consolas" panose="020B0609020204030204" pitchFamily="49" charset="0"/>
+              </a:rPr>
+              <a:t>e</a:t>
+            </a:r>
+            <a:r>
+              <a:rPr lang="en-US" b="0" dirty="0">
+                <a:solidFill>
+                  <a:srgbClr val="569CD6"/>
+                </a:solidFill>
+                <a:effectLst/>
+                <a:latin typeface="Consolas" panose="020B0609020204030204" pitchFamily="49" charset="0"/>
+              </a:rPr>
+              <a:t>}</a:t>
+            </a:r>
+            <a:r>
+              <a:rPr lang="en-US" b="0" dirty="0">
+                <a:solidFill>
+                  <a:srgbClr val="CE9178"/>
+                </a:solidFill>
+                <a:effectLst/>
+                <a:latin typeface="Consolas" panose="020B0609020204030204" pitchFamily="49" charset="0"/>
+              </a:rPr>
+              <a:t>'</a:t>
+            </a:r>
+            <a:r>
+              <a:rPr lang="en-US" b="0" dirty="0">
+                <a:solidFill>
+                  <a:srgbClr val="D4D4D4"/>
+                </a:solidFill>
+                <a:effectLst/>
+                <a:latin typeface="Consolas" panose="020B0609020204030204" pitchFamily="49" charset="0"/>
+              </a:rPr>
+              <a:t>)</a:t>
+            </a:r>
+          </a:p>
+          <a:p>
+            <a:r>
+              <a:rPr lang="en-US" b="0" dirty="0">
+                <a:solidFill>
+                  <a:srgbClr val="D4D4D4"/>
+                </a:solidFill>
+                <a:effectLst/>
+                <a:latin typeface="Consolas" panose="020B0609020204030204" pitchFamily="49" charset="0"/>
+              </a:rPr>
+              <a:t>        </a:t>
+            </a:r>
+          </a:p>
+        </p:txBody>
+      </p:sp>
+    </p:spTree>
+    <p:extLst>
+      <p:ext uri="{BB962C8B-B14F-4D97-AF65-F5344CB8AC3E}">
+        <p14:creationId xmlns:p14="http://schemas.microsoft.com/office/powerpoint/2010/main" val="1836787062"/>
+      </p:ext>
+    </p:extLst>
+  </p:cSld>
+  <p:clrMapOvr>
+    <a:masterClrMapping/>
+  </p:clrMapOvr>
+</p:sld>
+</file>
+
+<file path=ppt/slides/slide103.xml><?xml version="1.0" encoding="utf-8"?>
+<p:sld xmlns:a="http://schemas.openxmlformats.org/drawingml/2006/main" xmlns:r="http://schemas.openxmlformats.org/officeDocument/2006/relationships" xmlns:p="http://schemas.openxmlformats.org/presentationml/2006/main">
+  <p:cSld>
+    <p:spTree>
+      <p:nvGrpSpPr>
+        <p:cNvPr id="1" name=""/>
+        <p:cNvGrpSpPr/>
+        <p:nvPr/>
+      </p:nvGrpSpPr>
+      <p:grpSpPr>
+        <a:xfrm>
+          <a:off x="0" y="0"/>
+          <a:ext cx="0" cy="0"/>
+          <a:chOff x="0" y="0"/>
+          <a:chExt cx="0" cy="0"/>
+        </a:xfrm>
+      </p:grpSpPr>
+      <p:sp>
+        <p:nvSpPr>
+          <p:cNvPr id="2" name="Заголовок 1">
+            <a:extLst>
+              <a:ext uri="{FF2B5EF4-FFF2-40B4-BE49-F238E27FC236}">
+                <a16:creationId xmlns:a16="http://schemas.microsoft.com/office/drawing/2014/main" id="{E86D06CC-2601-4CEE-9B20-D6B50DAE23BD}"/>
+              </a:ext>
+            </a:extLst>
+          </p:cNvPr>
+          <p:cNvSpPr>
+            <a:spLocks noGrp="1"/>
+          </p:cNvSpPr>
+          <p:nvPr>
+            <p:ph type="title"/>
+          </p:nvPr>
+        </p:nvSpPr>
+        <p:spPr/>
+        <p:txBody>
+          <a:bodyPr/>
+          <a:lstStyle/>
+          <a:p>
+            <a:r>
+              <a:rPr lang="ru-RU" dirty="0"/>
+              <a:t>Задача  «Случайные приветствия»</a:t>
+            </a:r>
+          </a:p>
+        </p:txBody>
+      </p:sp>
+      <p:sp>
+        <p:nvSpPr>
+          <p:cNvPr id="3" name="Объект 2">
+            <a:extLst>
+              <a:ext uri="{FF2B5EF4-FFF2-40B4-BE49-F238E27FC236}">
+                <a16:creationId xmlns:a16="http://schemas.microsoft.com/office/drawing/2014/main" id="{D6DDEBDE-337F-46D5-A42C-627DC144B4F5}"/>
+              </a:ext>
+            </a:extLst>
+          </p:cNvPr>
+          <p:cNvSpPr>
+            <a:spLocks noGrp="1"/>
+          </p:cNvSpPr>
+          <p:nvPr>
+            <p:ph idx="1"/>
+          </p:nvPr>
+        </p:nvSpPr>
+        <p:spPr/>
+        <p:txBody>
+          <a:bodyPr/>
+          <a:lstStyle/>
+          <a:p>
+            <a:r>
+              <a:rPr lang="ru-RU" dirty="0"/>
+              <a:t>Напишите функцию </a:t>
+            </a:r>
+            <a:r>
+              <a:rPr lang="en-US" dirty="0"/>
+              <a:t>welcome(message)</a:t>
+            </a:r>
+            <a:r>
+              <a:rPr lang="ru-RU" dirty="0"/>
+              <a:t>, которая читает из файла строки с приветствиями и формирует из них список, после чего случайным образом выбирает строку из списка и возвращает эту строку как результат функции</a:t>
+            </a:r>
+          </a:p>
+        </p:txBody>
+      </p:sp>
+    </p:spTree>
+    <p:extLst>
+      <p:ext uri="{BB962C8B-B14F-4D97-AF65-F5344CB8AC3E}">
+        <p14:creationId xmlns:p14="http://schemas.microsoft.com/office/powerpoint/2010/main" val="73999320"/>
+      </p:ext>
+    </p:extLst>
+  </p:cSld>
+  <p:clrMapOvr>
+    <a:masterClrMapping/>
+  </p:clrMapOvr>
+</p:sld>
+</file>
+
+<file path=ppt/slides/slide104.xml><?xml version="1.0" encoding="utf-8"?>
+<p:sld xmlns:a="http://schemas.openxmlformats.org/drawingml/2006/main" xmlns:r="http://schemas.openxmlformats.org/officeDocument/2006/relationships" xmlns:p="http://schemas.openxmlformats.org/presentationml/2006/main">
+  <p:cSld>
+    <p:spTree>
+      <p:nvGrpSpPr>
+        <p:cNvPr id="1" name=""/>
+        <p:cNvGrpSpPr/>
+        <p:nvPr/>
+      </p:nvGrpSpPr>
+      <p:grpSpPr>
+        <a:xfrm>
+          <a:off x="0" y="0"/>
+          <a:ext cx="0" cy="0"/>
+          <a:chOff x="0" y="0"/>
+          <a:chExt cx="0" cy="0"/>
+        </a:xfrm>
+      </p:grpSpPr>
+      <p:sp>
+        <p:nvSpPr>
+          <p:cNvPr id="2" name="Заголовок 1">
+            <a:extLst>
+              <a:ext uri="{FF2B5EF4-FFF2-40B4-BE49-F238E27FC236}">
                 <a16:creationId xmlns:a16="http://schemas.microsoft.com/office/drawing/2014/main" id="{E011A2C4-FB8D-431E-B54E-EE0F746D557A}"/>
               </a:ext>
             </a:extLst>
@@ -4767,7 +5361,7 @@
 </p:sld>
 </file>
 
-<file path=ppt/slides/slide103.xml><?xml version="1.0" encoding="utf-8"?>
+<file path=ppt/slides/slide105.xml><?xml version="1.0" encoding="utf-8"?>
 <p:sld xmlns:a="http://schemas.openxmlformats.org/drawingml/2006/main" xmlns:r="http://schemas.openxmlformats.org/officeDocument/2006/relationships" xmlns:p="http://schemas.openxmlformats.org/presentationml/2006/main">
   <p:cSld>
     <p:spTree>

--- a/Presentation/Разработка ботов для телеграмм на Python.pptx
+++ b/Presentation/Разработка ботов для телеграмм на Python.pptx
@@ -403,7 +403,7 @@
           <a:p>
             <a:fld id="{FA984E8B-3F5A-48DE-8BA5-BCD329794D47}" type="datetimeFigureOut">
               <a:rPr lang="ru-RU" smtClean="0"/>
-              <a:t>31.10.2020</a:t>
+              <a:t>01.11.2020</a:t>
             </a:fld>
             <a:endParaRPr lang="ru-RU"/>
           </a:p>
@@ -695,7 +695,7 @@
           <a:p>
             <a:fld id="{FA984E8B-3F5A-48DE-8BA5-BCD329794D47}" type="datetimeFigureOut">
               <a:rPr lang="ru-RU" smtClean="0"/>
-              <a:t>31.10.2020</a:t>
+              <a:t>01.11.2020</a:t>
             </a:fld>
             <a:endParaRPr lang="ru-RU"/>
           </a:p>
@@ -893,7 +893,7 @@
           <a:p>
             <a:fld id="{FA984E8B-3F5A-48DE-8BA5-BCD329794D47}" type="datetimeFigureOut">
               <a:rPr lang="ru-RU" smtClean="0"/>
-              <a:t>31.10.2020</a:t>
+              <a:t>01.11.2020</a:t>
             </a:fld>
             <a:endParaRPr lang="ru-RU"/>
           </a:p>
@@ -1101,7 +1101,7 @@
           <a:p>
             <a:fld id="{FA984E8B-3F5A-48DE-8BA5-BCD329794D47}" type="datetimeFigureOut">
               <a:rPr lang="ru-RU" smtClean="0"/>
-              <a:t>31.10.2020</a:t>
+              <a:t>01.11.2020</a:t>
             </a:fld>
             <a:endParaRPr lang="ru-RU"/>
           </a:p>
@@ -1299,7 +1299,7 @@
           <a:p>
             <a:fld id="{FA984E8B-3F5A-48DE-8BA5-BCD329794D47}" type="datetimeFigureOut">
               <a:rPr lang="ru-RU" smtClean="0"/>
-              <a:t>31.10.2020</a:t>
+              <a:t>01.11.2020</a:t>
             </a:fld>
             <a:endParaRPr lang="ru-RU"/>
           </a:p>
@@ -1504,7 +1504,7 @@
           <a:p>
             <a:fld id="{FA984E8B-3F5A-48DE-8BA5-BCD329794D47}" type="datetimeFigureOut">
               <a:rPr lang="ru-RU" smtClean="0"/>
-              <a:t>31.10.2020</a:t>
+              <a:t>01.11.2020</a:t>
             </a:fld>
             <a:endParaRPr lang="ru-RU"/>
           </a:p>
@@ -1841,7 +1841,7 @@
           <a:p>
             <a:fld id="{FA984E8B-3F5A-48DE-8BA5-BCD329794D47}" type="datetimeFigureOut">
               <a:rPr lang="ru-RU" smtClean="0"/>
-              <a:t>31.10.2020</a:t>
+              <a:t>01.11.2020</a:t>
             </a:fld>
             <a:endParaRPr lang="ru-RU"/>
           </a:p>
@@ -2110,7 +2110,7 @@
           <a:p>
             <a:fld id="{FA984E8B-3F5A-48DE-8BA5-BCD329794D47}" type="datetimeFigureOut">
               <a:rPr lang="ru-RU" smtClean="0"/>
-              <a:t>31.10.2020</a:t>
+              <a:t>01.11.2020</a:t>
             </a:fld>
             <a:endParaRPr lang="ru-RU"/>
           </a:p>
@@ -2526,7 +2526,7 @@
           <a:p>
             <a:fld id="{FA984E8B-3F5A-48DE-8BA5-BCD329794D47}" type="datetimeFigureOut">
               <a:rPr lang="ru-RU" smtClean="0"/>
-              <a:t>31.10.2020</a:t>
+              <a:t>01.11.2020</a:t>
             </a:fld>
             <a:endParaRPr lang="ru-RU"/>
           </a:p>
@@ -2671,7 +2671,7 @@
           <a:p>
             <a:fld id="{FA984E8B-3F5A-48DE-8BA5-BCD329794D47}" type="datetimeFigureOut">
               <a:rPr lang="ru-RU" smtClean="0"/>
-              <a:t>31.10.2020</a:t>
+              <a:t>01.11.2020</a:t>
             </a:fld>
             <a:endParaRPr lang="ru-RU"/>
           </a:p>
@@ -2788,7 +2788,7 @@
           <a:p>
             <a:fld id="{FA984E8B-3F5A-48DE-8BA5-BCD329794D47}" type="datetimeFigureOut">
               <a:rPr lang="ru-RU" smtClean="0"/>
-              <a:t>31.10.2020</a:t>
+              <a:t>01.11.2020</a:t>
             </a:fld>
             <a:endParaRPr lang="ru-RU"/>
           </a:p>
@@ -3099,7 +3099,7 @@
           <a:p>
             <a:fld id="{FA984E8B-3F5A-48DE-8BA5-BCD329794D47}" type="datetimeFigureOut">
               <a:rPr lang="ru-RU" smtClean="0"/>
-              <a:t>31.10.2020</a:t>
+              <a:t>01.11.2020</a:t>
             </a:fld>
             <a:endParaRPr lang="ru-RU"/>
           </a:p>
@@ -3340,7 +3340,7 @@
           <a:p>
             <a:fld id="{FA984E8B-3F5A-48DE-8BA5-BCD329794D47}" type="datetimeFigureOut">
               <a:rPr lang="ru-RU" smtClean="0"/>
-              <a:t>31.10.2020</a:t>
+              <a:t>01.11.2020</a:t>
             </a:fld>
             <a:endParaRPr lang="ru-RU"/>
           </a:p>
@@ -5340,7 +5340,13 @@
               <a:rPr lang="en-US" dirty="0"/>
               <a:t>Python</a:t>
             </a:r>
-            <a:endParaRPr lang="ru-RU" dirty="0"/>
+          </a:p>
+          <a:p>
+            <a:pPr lvl="1"/>
+            <a:r>
+              <a:rPr lang="ru-RU" dirty="0"/>
+              <a:t>Разбираемся как разбивать строки группы</a:t>
+            </a:r>
           </a:p>
           <a:p>
             <a:pPr lvl="1"/>

--- a/Presentation/Разработка ботов для телеграмм на Python.pptx
+++ b/Presentation/Разработка ботов для телеграмм на Python.pptx
@@ -109,7 +109,13 @@
     <p:sldId id="360" r:id="rId103"/>
     <p:sldId id="361" r:id="rId104"/>
     <p:sldId id="346" r:id="rId105"/>
-    <p:sldId id="347" r:id="rId106"/>
+    <p:sldId id="362" r:id="rId106"/>
+    <p:sldId id="363" r:id="rId107"/>
+    <p:sldId id="364" r:id="rId108"/>
+    <p:sldId id="365" r:id="rId109"/>
+    <p:sldId id="366" r:id="rId110"/>
+    <p:sldId id="367" r:id="rId111"/>
+    <p:sldId id="347" r:id="rId112"/>
   </p:sldIdLst>
   <p:sldSz cx="12192000" cy="6858000"/>
   <p:notesSz cx="6858000" cy="9144000"/>
@@ -218,7 +224,7 @@
 
 <file path=ppt/commentAuthors.xml><?xml version="1.0" encoding="utf-8"?>
 <p:cmAuthorLst xmlns:a="http://schemas.openxmlformats.org/drawingml/2006/main" xmlns:r="http://schemas.openxmlformats.org/officeDocument/2006/relationships" xmlns:p="http://schemas.openxmlformats.org/presentationml/2006/main">
-  <p:cmAuthor id="1" name="Tsytovich, Pavel" initials="TP" lastIdx="3" clrIdx="0">
+  <p:cmAuthor id="1" name="Tsytovich, Pavel" initials="TP" lastIdx="4" clrIdx="0">
     <p:extLst>
       <p:ext uri="{19B8F6BF-5375-455C-9EA6-DF929625EA0E}">
         <p15:presenceInfo xmlns:p15="http://schemas.microsoft.com/office/powerpoint/2012/main" userId="Tsytovich, Pavel" providerId="None"/>
@@ -247,6 +253,20 @@
   <p:cm authorId="1" dt="2020-10-31T23:45:04.208" idx="3">
     <p:pos x="3550" y="1902"/>
     <p:text>Необходимо сделать решение задачи</p:text>
+    <p:extLst>
+      <p:ext uri="{C676402C-5697-4E1C-873F-D02D1690AC5C}">
+        <p15:threadingInfo xmlns:p15="http://schemas.microsoft.com/office/powerpoint/2012/main" timeZoneBias="-180"/>
+      </p:ext>
+    </p:extLst>
+  </p:cm>
+</p:cmLst>
+</file>
+
+<file path=ppt/comments/comment3.xml><?xml version="1.0" encoding="utf-8"?>
+<p:cmLst xmlns:a="http://schemas.openxmlformats.org/drawingml/2006/main" xmlns:r="http://schemas.openxmlformats.org/officeDocument/2006/relationships" xmlns:p="http://schemas.openxmlformats.org/presentationml/2006/main">
+  <p:cm authorId="1" dt="2020-11-01T20:57:39.540" idx="4">
+    <p:pos x="2070" y="3356"/>
+    <p:text>Необходимо решение задачи</p:text>
     <p:extLst>
       <p:ext uri="{C676402C-5697-4E1C-873F-D02D1690AC5C}">
         <p15:threadingInfo xmlns:p15="http://schemas.microsoft.com/office/powerpoint/2012/main" timeZoneBias="-180"/>
@@ -5329,16 +5349,13 @@
               <a:rPr lang="ru-RU" dirty="0"/>
               <a:t>Пользователь в сообщении указывает некоторые ключевые слова, на которые наш бот должен определенным образом ответить</a:t>
             </a:r>
-          </a:p>
-          <a:p>
-            <a:pPr lvl="1"/>
+            <a:r>
+              <a:rPr lang="en-US" dirty="0"/>
+              <a:t>. </a:t>
+            </a:r>
             <a:r>
               <a:rPr lang="ru-RU" dirty="0"/>
-              <a:t>Разбираемся как искать подстроку в </a:t>
-            </a:r>
-            <a:r>
-              <a:rPr lang="en-US" dirty="0"/>
-              <a:t>Python</a:t>
+              <a:t>Все что прислал пользователь мы должны сохранить  файле, при этом «плохие» слова должны быть заменены на «***»</a:t>
             </a:r>
           </a:p>
           <a:p>
@@ -5346,6 +5363,20 @@
             <a:r>
               <a:rPr lang="ru-RU" dirty="0"/>
               <a:t>Разбираемся как разбивать строки группы</a:t>
+            </a:r>
+          </a:p>
+          <a:p>
+            <a:pPr lvl="1"/>
+            <a:r>
+              <a:rPr lang="ru-RU" dirty="0"/>
+              <a:t>Разбираемся как заменять строки</a:t>
+            </a:r>
+          </a:p>
+          <a:p>
+            <a:pPr lvl="1"/>
+            <a:r>
+              <a:rPr lang="ru-RU" dirty="0"/>
+              <a:t>Разбираемся как объединять строки</a:t>
             </a:r>
           </a:p>
           <a:p>
@@ -5389,7 +5420,393 @@
           <p:cNvPr id="2" name="Заголовок 1">
             <a:extLst>
               <a:ext uri="{FF2B5EF4-FFF2-40B4-BE49-F238E27FC236}">
-                <a16:creationId xmlns:a16="http://schemas.microsoft.com/office/drawing/2014/main" id="{072AD1C1-DFAC-4DC7-86CA-ECF093E8EA20}"/>
+                <a16:creationId xmlns:a16="http://schemas.microsoft.com/office/drawing/2014/main" id="{E5269262-26F8-47AC-B08E-50B4FADBB486}"/>
+              </a:ext>
+            </a:extLst>
+          </p:cNvPr>
+          <p:cNvSpPr>
+            <a:spLocks noGrp="1"/>
+          </p:cNvSpPr>
+          <p:nvPr>
+            <p:ph type="title"/>
+          </p:nvPr>
+        </p:nvSpPr>
+        <p:spPr>
+          <a:xfrm>
+            <a:off x="838200" y="0"/>
+            <a:ext cx="10515600" cy="1325563"/>
+          </a:xfrm>
+        </p:spPr>
+        <p:txBody>
+          <a:bodyPr/>
+          <a:lstStyle/>
+          <a:p>
+            <a:r>
+              <a:rPr lang="ru-RU" dirty="0"/>
+              <a:t>Разбиение строки на элементы</a:t>
+            </a:r>
+          </a:p>
+        </p:txBody>
+      </p:sp>
+      <p:sp>
+        <p:nvSpPr>
+          <p:cNvPr id="3" name="Объект 2">
+            <a:extLst>
+              <a:ext uri="{FF2B5EF4-FFF2-40B4-BE49-F238E27FC236}">
+                <a16:creationId xmlns:a16="http://schemas.microsoft.com/office/drawing/2014/main" id="{619E4201-DA88-4E6F-8A79-DAA0916A5B19}"/>
+              </a:ext>
+            </a:extLst>
+          </p:cNvPr>
+          <p:cNvSpPr>
+            <a:spLocks noGrp="1"/>
+          </p:cNvSpPr>
+          <p:nvPr>
+            <p:ph idx="1"/>
+          </p:nvPr>
+        </p:nvSpPr>
+        <p:spPr>
+          <a:xfrm>
+            <a:off x="838200" y="1253331"/>
+            <a:ext cx="10515600" cy="4351338"/>
+          </a:xfrm>
+        </p:spPr>
+        <p:txBody>
+          <a:bodyPr>
+            <a:normAutofit/>
+          </a:bodyPr>
+          <a:lstStyle/>
+          <a:p>
+            <a:r>
+              <a:rPr lang="ru-RU" dirty="0"/>
+              <a:t>Для разделения в </a:t>
+            </a:r>
+            <a:r>
+              <a:rPr lang="ru-RU" dirty="0" err="1"/>
+              <a:t>Python</a:t>
+            </a:r>
+            <a:r>
+              <a:rPr lang="ru-RU" dirty="0"/>
+              <a:t> используется метод </a:t>
+            </a:r>
+            <a:r>
+              <a:rPr lang="ru-RU" dirty="0" err="1"/>
+              <a:t>split</a:t>
+            </a:r>
+            <a:r>
+              <a:rPr lang="ru-RU" dirty="0"/>
+              <a:t>(). В зависимости от разделителя он разбивает строку на перечень подстрок. В роли разделителя в данном случае может быть любой символ либо последовательность символов. Этот метод имеет следующие формы:</a:t>
+            </a:r>
+          </a:p>
+        </p:txBody>
+      </p:sp>
+      <p:graphicFrame>
+        <p:nvGraphicFramePr>
+          <p:cNvPr id="4" name="Таблица 4">
+            <a:extLst>
+              <a:ext uri="{FF2B5EF4-FFF2-40B4-BE49-F238E27FC236}">
+                <a16:creationId xmlns:a16="http://schemas.microsoft.com/office/drawing/2014/main" id="{3A00AFA9-9352-44E6-ADAB-48E7BC25307D}"/>
+              </a:ext>
+            </a:extLst>
+          </p:cNvPr>
+          <p:cNvGraphicFramePr>
+            <a:graphicFrameLocks noGrp="1"/>
+          </p:cNvGraphicFramePr>
+          <p:nvPr>
+            <p:extLst>
+              <p:ext uri="{D42A27DB-BD31-4B8C-83A1-F6EECF244321}">
+                <p14:modId xmlns:p14="http://schemas.microsoft.com/office/powerpoint/2010/main" val="2594917672"/>
+              </p:ext>
+            </p:extLst>
+          </p:nvPr>
+        </p:nvGraphicFramePr>
+        <p:xfrm>
+          <a:off x="2032000" y="3771210"/>
+          <a:ext cx="8834474" cy="2301240"/>
+        </p:xfrm>
+        <a:graphic>
+          <a:graphicData uri="http://schemas.openxmlformats.org/drawingml/2006/table">
+            <a:tbl>
+              <a:tblPr firstRow="1" bandRow="1">
+                <a:tableStyleId>{5C22544A-7EE6-4342-B048-85BDC9FD1C3A}</a:tableStyleId>
+              </a:tblPr>
+              <a:tblGrid>
+                <a:gridCol w="2587423">
+                  <a:extLst>
+                    <a:ext uri="{9D8B030D-6E8A-4147-A177-3AD203B41FA5}">
+                      <a16:colId xmlns:a16="http://schemas.microsoft.com/office/drawing/2014/main" val="2691094586"/>
+                    </a:ext>
+                  </a:extLst>
+                </a:gridCol>
+                <a:gridCol w="6247051">
+                  <a:extLst>
+                    <a:ext uri="{9D8B030D-6E8A-4147-A177-3AD203B41FA5}">
+                      <a16:colId xmlns:a16="http://schemas.microsoft.com/office/drawing/2014/main" val="4067781023"/>
+                    </a:ext>
+                  </a:extLst>
+                </a:gridCol>
+              </a:tblGrid>
+              <a:tr h="370840">
+                <a:tc>
+                  <a:txBody>
+                    <a:bodyPr/>
+                    <a:lstStyle/>
+                    <a:p>
+                      <a:r>
+                        <a:rPr lang="ru-RU" dirty="0"/>
+                        <a:t>Функция строки</a:t>
+                      </a:r>
+                    </a:p>
+                  </a:txBody>
+                  <a:tcPr/>
+                </a:tc>
+                <a:tc>
+                  <a:txBody>
+                    <a:bodyPr/>
+                    <a:lstStyle/>
+                    <a:p>
+                      <a:r>
+                        <a:rPr lang="ru-RU" dirty="0"/>
+                        <a:t>Описание</a:t>
+                      </a:r>
+                    </a:p>
+                  </a:txBody>
+                  <a:tcPr/>
+                </a:tc>
+                <a:extLst>
+                  <a:ext uri="{0D108BD9-81ED-4DB2-BD59-A6C34878D82A}">
+                    <a16:rowId xmlns:a16="http://schemas.microsoft.com/office/drawing/2014/main" val="1105067666"/>
+                  </a:ext>
+                </a:extLst>
+              </a:tr>
+              <a:tr h="370840">
+                <a:tc>
+                  <a:txBody>
+                    <a:bodyPr/>
+                    <a:lstStyle/>
+                    <a:p>
+                      <a:r>
+                        <a:rPr lang="en-US" dirty="0"/>
+                        <a:t>split()</a:t>
+                      </a:r>
+                      <a:endParaRPr lang="ru-RU" dirty="0"/>
+                    </a:p>
+                  </a:txBody>
+                  <a:tcPr/>
+                </a:tc>
+                <a:tc>
+                  <a:txBody>
+                    <a:bodyPr/>
+                    <a:lstStyle/>
+                    <a:p>
+                      <a:r>
+                        <a:rPr lang="ru-RU" sz="1800" b="0" i="0" kern="1200" dirty="0">
+                          <a:solidFill>
+                            <a:schemeClr val="dk1"/>
+                          </a:solidFill>
+                          <a:effectLst/>
+                          <a:latin typeface="+mn-lt"/>
+                          <a:ea typeface="+mn-ea"/>
+                          <a:cs typeface="+mn-cs"/>
+                        </a:rPr>
+                        <a:t>в роли разделителя применяется такой символ, как пробел</a:t>
+                      </a:r>
+                      <a:endParaRPr lang="ru-RU" dirty="0"/>
+                    </a:p>
+                  </a:txBody>
+                  <a:tcPr/>
+                </a:tc>
+                <a:extLst>
+                  <a:ext uri="{0D108BD9-81ED-4DB2-BD59-A6C34878D82A}">
+                    <a16:rowId xmlns:a16="http://schemas.microsoft.com/office/drawing/2014/main" val="2321955158"/>
+                  </a:ext>
+                </a:extLst>
+              </a:tr>
+              <a:tr h="370840">
+                <a:tc>
+                  <a:txBody>
+                    <a:bodyPr/>
+                    <a:lstStyle/>
+                    <a:p>
+                      <a:r>
+                        <a:rPr lang="en-US" dirty="0"/>
+                        <a:t>split(</a:t>
+                      </a:r>
+                      <a:r>
+                        <a:rPr lang="en-US" dirty="0" err="1"/>
+                        <a:t>delimeter</a:t>
+                      </a:r>
+                      <a:r>
+                        <a:rPr lang="en-US" dirty="0"/>
+                        <a:t>)</a:t>
+                      </a:r>
+                      <a:endParaRPr lang="ru-RU" dirty="0"/>
+                    </a:p>
+                  </a:txBody>
+                  <a:tcPr/>
+                </a:tc>
+                <a:tc>
+                  <a:txBody>
+                    <a:bodyPr/>
+                    <a:lstStyle/>
+                    <a:p>
+                      <a:r>
+                        <a:rPr lang="ru-RU" dirty="0"/>
+                        <a:t>в роли разделителя применяется </a:t>
+                      </a:r>
+                      <a:r>
+                        <a:rPr lang="ru-RU" b="1" dirty="0" err="1"/>
+                        <a:t>delimeter</a:t>
+                      </a:r>
+                      <a:endParaRPr lang="ru-RU" b="1" dirty="0"/>
+                    </a:p>
+                  </a:txBody>
+                  <a:tcPr/>
+                </a:tc>
+                <a:extLst>
+                  <a:ext uri="{0D108BD9-81ED-4DB2-BD59-A6C34878D82A}">
+                    <a16:rowId xmlns:a16="http://schemas.microsoft.com/office/drawing/2014/main" val="3101202708"/>
+                  </a:ext>
+                </a:extLst>
+              </a:tr>
+              <a:tr h="370840">
+                <a:tc>
+                  <a:txBody>
+                    <a:bodyPr/>
+                    <a:lstStyle/>
+                    <a:p>
+                      <a:r>
+                        <a:rPr lang="en-US" dirty="0"/>
+                        <a:t>split(</a:t>
+                      </a:r>
+                      <a:r>
+                        <a:rPr lang="en-US" dirty="0" err="1"/>
+                        <a:t>delimeter,num</a:t>
+                      </a:r>
+                      <a:r>
+                        <a:rPr lang="en-US" dirty="0"/>
+                        <a:t>)</a:t>
+                      </a:r>
+                      <a:endParaRPr lang="ru-RU" dirty="0"/>
+                    </a:p>
+                  </a:txBody>
+                  <a:tcPr/>
+                </a:tc>
+                <a:tc>
+                  <a:txBody>
+                    <a:bodyPr/>
+                    <a:lstStyle/>
+                    <a:p>
+                      <a:r>
+                        <a:rPr lang="ru-RU" sz="1800" b="0" i="0" kern="1200" dirty="0">
+                          <a:solidFill>
+                            <a:schemeClr val="dk1"/>
+                          </a:solidFill>
+                          <a:effectLst/>
+                          <a:latin typeface="+mn-lt"/>
+                          <a:ea typeface="+mn-ea"/>
+                          <a:cs typeface="+mn-cs"/>
+                        </a:rPr>
+                        <a:t>параметром </a:t>
+                      </a:r>
+                      <a:r>
+                        <a:rPr lang="ru-RU" sz="1800" b="0" i="0" kern="1200" dirty="0" err="1">
+                          <a:solidFill>
+                            <a:schemeClr val="dk1"/>
+                          </a:solidFill>
+                          <a:effectLst/>
+                          <a:latin typeface="+mn-lt"/>
+                          <a:ea typeface="+mn-ea"/>
+                          <a:cs typeface="+mn-cs"/>
+                        </a:rPr>
+                        <a:t>num</a:t>
+                      </a:r>
+                      <a:r>
+                        <a:rPr lang="ru-RU" sz="1800" b="0" i="0" kern="1200" dirty="0">
+                          <a:solidFill>
+                            <a:schemeClr val="dk1"/>
+                          </a:solidFill>
+                          <a:effectLst/>
+                          <a:latin typeface="+mn-lt"/>
+                          <a:ea typeface="+mn-ea"/>
+                          <a:cs typeface="+mn-cs"/>
+                        </a:rPr>
+                        <a:t> указывается, какое количество вхождений </a:t>
+                      </a:r>
+                      <a:r>
+                        <a:rPr lang="ru-RU" sz="1800" b="0" i="0" kern="1200" dirty="0" err="1">
+                          <a:solidFill>
+                            <a:schemeClr val="dk1"/>
+                          </a:solidFill>
+                          <a:effectLst/>
+                          <a:latin typeface="+mn-lt"/>
+                          <a:ea typeface="+mn-ea"/>
+                          <a:cs typeface="+mn-cs"/>
+                        </a:rPr>
+                        <a:t>delimeter</a:t>
+                      </a:r>
+                      <a:r>
+                        <a:rPr lang="ru-RU" sz="1800" b="0" i="0" kern="1200" dirty="0">
+                          <a:solidFill>
+                            <a:schemeClr val="dk1"/>
+                          </a:solidFill>
+                          <a:effectLst/>
+                          <a:latin typeface="+mn-lt"/>
+                          <a:ea typeface="+mn-ea"/>
+                          <a:cs typeface="+mn-cs"/>
+                        </a:rPr>
+                        <a:t> применяется для разделения. При этом оставшаяся часть строки добавляется в перечень без разделения на подстроки</a:t>
+                      </a:r>
+                      <a:endParaRPr lang="ru-RU" dirty="0"/>
+                    </a:p>
+                  </a:txBody>
+                  <a:tcPr/>
+                </a:tc>
+                <a:extLst>
+                  <a:ext uri="{0D108BD9-81ED-4DB2-BD59-A6C34878D82A}">
+                    <a16:rowId xmlns:a16="http://schemas.microsoft.com/office/drawing/2014/main" val="2414733106"/>
+                  </a:ext>
+                </a:extLst>
+              </a:tr>
+            </a:tbl>
+          </a:graphicData>
+        </a:graphic>
+      </p:graphicFrame>
+    </p:spTree>
+    <p:extLst>
+      <p:ext uri="{BB962C8B-B14F-4D97-AF65-F5344CB8AC3E}">
+        <p14:creationId xmlns:p14="http://schemas.microsoft.com/office/powerpoint/2010/main" val="1845515478"/>
+      </p:ext>
+    </p:extLst>
+  </p:cSld>
+  <p:clrMapOvr>
+    <a:masterClrMapping/>
+  </p:clrMapOvr>
+</p:sld>
+</file>
+
+<file path=ppt/slides/slide106.xml><?xml version="1.0" encoding="utf-8"?>
+<p:sld xmlns:a="http://schemas.openxmlformats.org/drawingml/2006/main" xmlns:r="http://schemas.openxmlformats.org/officeDocument/2006/relationships" xmlns:p="http://schemas.openxmlformats.org/presentationml/2006/main">
+  <p:cSld>
+    <p:spTree>
+      <p:nvGrpSpPr>
+        <p:cNvPr id="1" name=""/>
+        <p:cNvGrpSpPr/>
+        <p:nvPr/>
+      </p:nvGrpSpPr>
+      <p:grpSpPr>
+        <a:xfrm>
+          <a:off x="0" y="0"/>
+          <a:ext cx="0" cy="0"/>
+          <a:chOff x="0" y="0"/>
+          <a:chExt cx="0" cy="0"/>
+        </a:xfrm>
+      </p:grpSpPr>
+      <p:sp>
+        <p:nvSpPr>
+          <p:cNvPr id="2" name="Заголовок 1">
+            <a:extLst>
+              <a:ext uri="{FF2B5EF4-FFF2-40B4-BE49-F238E27FC236}">
+                <a16:creationId xmlns:a16="http://schemas.microsoft.com/office/drawing/2014/main" id="{E6FFB970-E886-43B4-8044-9964F4FAAA3F}"/>
               </a:ext>
             </a:extLst>
           </p:cNvPr>
@@ -5407,7 +5824,752 @@
           <a:p>
             <a:r>
               <a:rPr lang="ru-RU" dirty="0"/>
-              <a:t>Задача</a:t>
+              <a:t>Разбиение строки на элементы</a:t>
+            </a:r>
+          </a:p>
+        </p:txBody>
+      </p:sp>
+      <p:sp>
+        <p:nvSpPr>
+          <p:cNvPr id="5" name="TextBox 4">
+            <a:extLst>
+              <a:ext uri="{FF2B5EF4-FFF2-40B4-BE49-F238E27FC236}">
+                <a16:creationId xmlns:a16="http://schemas.microsoft.com/office/drawing/2014/main" id="{D95624BB-4EF2-45F1-9697-C81AE30C5FAB}"/>
+              </a:ext>
+            </a:extLst>
+          </p:cNvPr>
+          <p:cNvSpPr txBox="1"/>
+          <p:nvPr/>
+        </p:nvSpPr>
+        <p:spPr>
+          <a:xfrm>
+            <a:off x="2339162" y="2018828"/>
+            <a:ext cx="7328491" cy="3139321"/>
+          </a:xfrm>
+          <a:prstGeom prst="rect">
+            <a:avLst/>
+          </a:prstGeom>
+          <a:noFill/>
+        </p:spPr>
+        <p:txBody>
+          <a:bodyPr wrap="square">
+            <a:spAutoFit/>
+          </a:bodyPr>
+          <a:lstStyle/>
+          <a:p>
+            <a:r>
+              <a:rPr lang="en-US" b="0" dirty="0">
+                <a:solidFill>
+                  <a:srgbClr val="D4D4D4"/>
+                </a:solidFill>
+                <a:effectLst/>
+                <a:latin typeface="Consolas" panose="020B0609020204030204" pitchFamily="49" charset="0"/>
+              </a:rPr>
+              <a:t>source = </a:t>
+            </a:r>
+            <a:r>
+              <a:rPr lang="en-US" b="0" dirty="0">
+                <a:solidFill>
+                  <a:srgbClr val="CE9178"/>
+                </a:solidFill>
+                <a:effectLst/>
+                <a:latin typeface="Consolas" panose="020B0609020204030204" pitchFamily="49" charset="0"/>
+              </a:rPr>
+              <a:t>'</a:t>
+            </a:r>
+            <a:r>
+              <a:rPr lang="ru-RU" b="0" dirty="0">
+                <a:solidFill>
+                  <a:srgbClr val="CE9178"/>
+                </a:solidFill>
+                <a:effectLst/>
+                <a:latin typeface="Consolas" panose="020B0609020204030204" pitchFamily="49" charset="0"/>
+              </a:rPr>
+              <a:t>Шла собака по роялю'</a:t>
+            </a:r>
+            <a:endParaRPr lang="ru-RU" b="0" dirty="0">
+              <a:solidFill>
+                <a:srgbClr val="D4D4D4"/>
+              </a:solidFill>
+              <a:effectLst/>
+              <a:latin typeface="Consolas" panose="020B0609020204030204" pitchFamily="49" charset="0"/>
+            </a:endParaRPr>
+          </a:p>
+          <a:p>
+            <a:r>
+              <a:rPr lang="en-US" b="0" dirty="0" err="1">
+                <a:solidFill>
+                  <a:srgbClr val="D4D4D4"/>
+                </a:solidFill>
+                <a:effectLst/>
+                <a:latin typeface="Consolas" panose="020B0609020204030204" pitchFamily="49" charset="0"/>
+              </a:rPr>
+              <a:t>result_list</a:t>
+            </a:r>
+            <a:r>
+              <a:rPr lang="en-US" b="0" dirty="0">
+                <a:solidFill>
+                  <a:srgbClr val="D4D4D4"/>
+                </a:solidFill>
+                <a:effectLst/>
+                <a:latin typeface="Consolas" panose="020B0609020204030204" pitchFamily="49" charset="0"/>
+              </a:rPr>
+              <a:t> = </a:t>
+            </a:r>
+            <a:r>
+              <a:rPr lang="en-US" b="0" dirty="0" err="1">
+                <a:solidFill>
+                  <a:srgbClr val="D4D4D4"/>
+                </a:solidFill>
+                <a:effectLst/>
+                <a:latin typeface="Consolas" panose="020B0609020204030204" pitchFamily="49" charset="0"/>
+              </a:rPr>
+              <a:t>source.split</a:t>
+            </a:r>
+            <a:r>
+              <a:rPr lang="en-US" b="0" dirty="0">
+                <a:solidFill>
+                  <a:srgbClr val="D4D4D4"/>
+                </a:solidFill>
+                <a:effectLst/>
+                <a:latin typeface="Consolas" panose="020B0609020204030204" pitchFamily="49" charset="0"/>
+              </a:rPr>
+              <a:t>()</a:t>
+            </a:r>
+          </a:p>
+          <a:p>
+            <a:br>
+              <a:rPr lang="en-US" b="0" dirty="0">
+                <a:solidFill>
+                  <a:srgbClr val="D4D4D4"/>
+                </a:solidFill>
+                <a:effectLst/>
+                <a:latin typeface="Consolas" panose="020B0609020204030204" pitchFamily="49" charset="0"/>
+              </a:rPr>
+            </a:br>
+            <a:r>
+              <a:rPr lang="en-US" b="0" dirty="0">
+                <a:solidFill>
+                  <a:srgbClr val="C586C0"/>
+                </a:solidFill>
+                <a:effectLst/>
+                <a:latin typeface="Consolas" panose="020B0609020204030204" pitchFamily="49" charset="0"/>
+              </a:rPr>
+              <a:t>for</a:t>
+            </a:r>
+            <a:r>
+              <a:rPr lang="en-US" b="0" dirty="0">
+                <a:solidFill>
+                  <a:srgbClr val="D4D4D4"/>
+                </a:solidFill>
+                <a:effectLst/>
+                <a:latin typeface="Consolas" panose="020B0609020204030204" pitchFamily="49" charset="0"/>
+              </a:rPr>
+              <a:t> c </a:t>
+            </a:r>
+            <a:r>
+              <a:rPr lang="en-US" b="0" dirty="0">
+                <a:solidFill>
+                  <a:srgbClr val="C586C0"/>
+                </a:solidFill>
+                <a:effectLst/>
+                <a:latin typeface="Consolas" panose="020B0609020204030204" pitchFamily="49" charset="0"/>
+              </a:rPr>
+              <a:t>in</a:t>
+            </a:r>
+            <a:r>
+              <a:rPr lang="en-US" b="0" dirty="0">
+                <a:solidFill>
+                  <a:srgbClr val="D4D4D4"/>
+                </a:solidFill>
+                <a:effectLst/>
+                <a:latin typeface="Consolas" panose="020B0609020204030204" pitchFamily="49" charset="0"/>
+              </a:rPr>
+              <a:t> </a:t>
+            </a:r>
+            <a:r>
+              <a:rPr lang="en-US" b="0" dirty="0" err="1">
+                <a:solidFill>
+                  <a:srgbClr val="D4D4D4"/>
+                </a:solidFill>
+                <a:effectLst/>
+                <a:latin typeface="Consolas" panose="020B0609020204030204" pitchFamily="49" charset="0"/>
+              </a:rPr>
+              <a:t>result_list</a:t>
+            </a:r>
+            <a:r>
+              <a:rPr lang="en-US" b="0" dirty="0">
+                <a:solidFill>
+                  <a:srgbClr val="D4D4D4"/>
+                </a:solidFill>
+                <a:effectLst/>
+                <a:latin typeface="Consolas" panose="020B0609020204030204" pitchFamily="49" charset="0"/>
+              </a:rPr>
+              <a:t>:</a:t>
+            </a:r>
+          </a:p>
+          <a:p>
+            <a:r>
+              <a:rPr lang="en-US" b="0" dirty="0">
+                <a:solidFill>
+                  <a:srgbClr val="D4D4D4"/>
+                </a:solidFill>
+                <a:effectLst/>
+                <a:latin typeface="Consolas" panose="020B0609020204030204" pitchFamily="49" charset="0"/>
+              </a:rPr>
+              <a:t>    </a:t>
+            </a:r>
+            <a:r>
+              <a:rPr lang="en-US" b="0" dirty="0">
+                <a:solidFill>
+                  <a:srgbClr val="DCDCAA"/>
+                </a:solidFill>
+                <a:effectLst/>
+                <a:latin typeface="Consolas" panose="020B0609020204030204" pitchFamily="49" charset="0"/>
+              </a:rPr>
+              <a:t>print</a:t>
+            </a:r>
+            <a:r>
+              <a:rPr lang="en-US" b="0" dirty="0">
+                <a:solidFill>
+                  <a:srgbClr val="D4D4D4"/>
+                </a:solidFill>
+                <a:effectLst/>
+                <a:latin typeface="Consolas" panose="020B0609020204030204" pitchFamily="49" charset="0"/>
+              </a:rPr>
+              <a:t>(c)</a:t>
+            </a:r>
+          </a:p>
+          <a:p>
+            <a:r>
+              <a:rPr lang="en-US" b="0" dirty="0">
+                <a:solidFill>
+                  <a:srgbClr val="D4D4D4"/>
+                </a:solidFill>
+                <a:effectLst/>
+                <a:latin typeface="Consolas" panose="020B0609020204030204" pitchFamily="49" charset="0"/>
+              </a:rPr>
+              <a:t>    </a:t>
+            </a:r>
+          </a:p>
+          <a:p>
+            <a:r>
+              <a:rPr lang="en-US" b="0" dirty="0">
+                <a:solidFill>
+                  <a:srgbClr val="D4D4D4"/>
+                </a:solidFill>
+                <a:effectLst/>
+                <a:latin typeface="Consolas" panose="020B0609020204030204" pitchFamily="49" charset="0"/>
+              </a:rPr>
+              <a:t>source = </a:t>
+            </a:r>
+            <a:r>
+              <a:rPr lang="en-US" b="0" dirty="0">
+                <a:solidFill>
+                  <a:srgbClr val="CE9178"/>
+                </a:solidFill>
+                <a:effectLst/>
+                <a:latin typeface="Consolas" panose="020B0609020204030204" pitchFamily="49" charset="0"/>
+              </a:rPr>
+              <a:t>'</a:t>
+            </a:r>
+            <a:r>
+              <a:rPr lang="ru-RU" b="0" dirty="0">
+                <a:solidFill>
+                  <a:srgbClr val="CE9178"/>
+                </a:solidFill>
+                <a:effectLst/>
+                <a:latin typeface="Consolas" panose="020B0609020204030204" pitchFamily="49" charset="0"/>
+              </a:rPr>
+              <a:t>Шла, собака по ролю'</a:t>
+            </a:r>
+            <a:endParaRPr lang="ru-RU" b="0" dirty="0">
+              <a:solidFill>
+                <a:srgbClr val="D4D4D4"/>
+              </a:solidFill>
+              <a:effectLst/>
+              <a:latin typeface="Consolas" panose="020B0609020204030204" pitchFamily="49" charset="0"/>
+            </a:endParaRPr>
+          </a:p>
+          <a:p>
+            <a:r>
+              <a:rPr lang="en-US" b="0" dirty="0" err="1">
+                <a:solidFill>
+                  <a:srgbClr val="D4D4D4"/>
+                </a:solidFill>
+                <a:effectLst/>
+                <a:latin typeface="Consolas" panose="020B0609020204030204" pitchFamily="49" charset="0"/>
+              </a:rPr>
+              <a:t>result_list</a:t>
+            </a:r>
+            <a:r>
+              <a:rPr lang="en-US" b="0" dirty="0">
+                <a:solidFill>
+                  <a:srgbClr val="D4D4D4"/>
+                </a:solidFill>
+                <a:effectLst/>
+                <a:latin typeface="Consolas" panose="020B0609020204030204" pitchFamily="49" charset="0"/>
+              </a:rPr>
+              <a:t> = </a:t>
+            </a:r>
+            <a:r>
+              <a:rPr lang="en-US" b="0" dirty="0" err="1">
+                <a:solidFill>
+                  <a:srgbClr val="D4D4D4"/>
+                </a:solidFill>
+                <a:effectLst/>
+                <a:latin typeface="Consolas" panose="020B0609020204030204" pitchFamily="49" charset="0"/>
+              </a:rPr>
+              <a:t>source.split</a:t>
+            </a:r>
+            <a:r>
+              <a:rPr lang="en-US" b="0" dirty="0">
+                <a:solidFill>
+                  <a:srgbClr val="D4D4D4"/>
+                </a:solidFill>
+                <a:effectLst/>
+                <a:latin typeface="Consolas" panose="020B0609020204030204" pitchFamily="49" charset="0"/>
+              </a:rPr>
+              <a:t>(</a:t>
+            </a:r>
+            <a:r>
+              <a:rPr lang="en-US" b="0" dirty="0">
+                <a:solidFill>
+                  <a:srgbClr val="CE9178"/>
+                </a:solidFill>
+                <a:effectLst/>
+                <a:latin typeface="Consolas" panose="020B0609020204030204" pitchFamily="49" charset="0"/>
+              </a:rPr>
+              <a:t>','</a:t>
+            </a:r>
+            <a:r>
+              <a:rPr lang="en-US" b="0" dirty="0">
+                <a:solidFill>
+                  <a:srgbClr val="D4D4D4"/>
+                </a:solidFill>
+                <a:effectLst/>
+                <a:latin typeface="Consolas" panose="020B0609020204030204" pitchFamily="49" charset="0"/>
+              </a:rPr>
+              <a:t>)</a:t>
+            </a:r>
+          </a:p>
+          <a:p>
+            <a:br>
+              <a:rPr lang="en-US" b="0" dirty="0">
+                <a:solidFill>
+                  <a:srgbClr val="D4D4D4"/>
+                </a:solidFill>
+                <a:effectLst/>
+                <a:latin typeface="Consolas" panose="020B0609020204030204" pitchFamily="49" charset="0"/>
+              </a:rPr>
+            </a:br>
+            <a:r>
+              <a:rPr lang="en-US" b="0" dirty="0">
+                <a:solidFill>
+                  <a:srgbClr val="C586C0"/>
+                </a:solidFill>
+                <a:effectLst/>
+                <a:latin typeface="Consolas" panose="020B0609020204030204" pitchFamily="49" charset="0"/>
+              </a:rPr>
+              <a:t>for</a:t>
+            </a:r>
+            <a:r>
+              <a:rPr lang="en-US" b="0" dirty="0">
+                <a:solidFill>
+                  <a:srgbClr val="D4D4D4"/>
+                </a:solidFill>
+                <a:effectLst/>
+                <a:latin typeface="Consolas" panose="020B0609020204030204" pitchFamily="49" charset="0"/>
+              </a:rPr>
+              <a:t> c </a:t>
+            </a:r>
+            <a:r>
+              <a:rPr lang="en-US" b="0" dirty="0">
+                <a:solidFill>
+                  <a:srgbClr val="C586C0"/>
+                </a:solidFill>
+                <a:effectLst/>
+                <a:latin typeface="Consolas" panose="020B0609020204030204" pitchFamily="49" charset="0"/>
+              </a:rPr>
+              <a:t>in</a:t>
+            </a:r>
+            <a:r>
+              <a:rPr lang="en-US" b="0" dirty="0">
+                <a:solidFill>
+                  <a:srgbClr val="D4D4D4"/>
+                </a:solidFill>
+                <a:effectLst/>
+                <a:latin typeface="Consolas" panose="020B0609020204030204" pitchFamily="49" charset="0"/>
+              </a:rPr>
+              <a:t> </a:t>
+            </a:r>
+            <a:r>
+              <a:rPr lang="en-US" b="0" dirty="0" err="1">
+                <a:solidFill>
+                  <a:srgbClr val="D4D4D4"/>
+                </a:solidFill>
+                <a:effectLst/>
+                <a:latin typeface="Consolas" panose="020B0609020204030204" pitchFamily="49" charset="0"/>
+              </a:rPr>
+              <a:t>result_list</a:t>
+            </a:r>
+            <a:r>
+              <a:rPr lang="en-US" b="0" dirty="0">
+                <a:solidFill>
+                  <a:srgbClr val="D4D4D4"/>
+                </a:solidFill>
+                <a:effectLst/>
+                <a:latin typeface="Consolas" panose="020B0609020204030204" pitchFamily="49" charset="0"/>
+              </a:rPr>
+              <a:t>:</a:t>
+            </a:r>
+          </a:p>
+          <a:p>
+            <a:r>
+              <a:rPr lang="en-US" b="0" dirty="0">
+                <a:solidFill>
+                  <a:srgbClr val="D4D4D4"/>
+                </a:solidFill>
+                <a:effectLst/>
+                <a:latin typeface="Consolas" panose="020B0609020204030204" pitchFamily="49" charset="0"/>
+              </a:rPr>
+              <a:t>    </a:t>
+            </a:r>
+            <a:r>
+              <a:rPr lang="en-US" b="0" dirty="0">
+                <a:solidFill>
+                  <a:srgbClr val="DCDCAA"/>
+                </a:solidFill>
+                <a:effectLst/>
+                <a:latin typeface="Consolas" panose="020B0609020204030204" pitchFamily="49" charset="0"/>
+              </a:rPr>
+              <a:t>print</a:t>
+            </a:r>
+            <a:r>
+              <a:rPr lang="en-US" b="0" dirty="0">
+                <a:solidFill>
+                  <a:srgbClr val="D4D4D4"/>
+                </a:solidFill>
+                <a:effectLst/>
+                <a:latin typeface="Consolas" panose="020B0609020204030204" pitchFamily="49" charset="0"/>
+              </a:rPr>
+              <a:t>(c)</a:t>
+            </a:r>
+          </a:p>
+        </p:txBody>
+      </p:sp>
+    </p:spTree>
+    <p:extLst>
+      <p:ext uri="{BB962C8B-B14F-4D97-AF65-F5344CB8AC3E}">
+        <p14:creationId xmlns:p14="http://schemas.microsoft.com/office/powerpoint/2010/main" val="4093395688"/>
+      </p:ext>
+    </p:extLst>
+  </p:cSld>
+  <p:clrMapOvr>
+    <a:masterClrMapping/>
+  </p:clrMapOvr>
+</p:sld>
+</file>
+
+<file path=ppt/slides/slide107.xml><?xml version="1.0" encoding="utf-8"?>
+<p:sld xmlns:a="http://schemas.openxmlformats.org/drawingml/2006/main" xmlns:r="http://schemas.openxmlformats.org/officeDocument/2006/relationships" xmlns:p="http://schemas.openxmlformats.org/presentationml/2006/main">
+  <p:cSld>
+    <p:spTree>
+      <p:nvGrpSpPr>
+        <p:cNvPr id="1" name=""/>
+        <p:cNvGrpSpPr/>
+        <p:nvPr/>
+      </p:nvGrpSpPr>
+      <p:grpSpPr>
+        <a:xfrm>
+          <a:off x="0" y="0"/>
+          <a:ext cx="0" cy="0"/>
+          <a:chOff x="0" y="0"/>
+          <a:chExt cx="0" cy="0"/>
+        </a:xfrm>
+      </p:grpSpPr>
+      <p:sp>
+        <p:nvSpPr>
+          <p:cNvPr id="2" name="Заголовок 1">
+            <a:extLst>
+              <a:ext uri="{FF2B5EF4-FFF2-40B4-BE49-F238E27FC236}">
+                <a16:creationId xmlns:a16="http://schemas.microsoft.com/office/drawing/2014/main" id="{BC759662-421F-4ADD-9021-527562801EFF}"/>
+              </a:ext>
+            </a:extLst>
+          </p:cNvPr>
+          <p:cNvSpPr>
+            <a:spLocks noGrp="1"/>
+          </p:cNvSpPr>
+          <p:nvPr>
+            <p:ph type="title"/>
+          </p:nvPr>
+        </p:nvSpPr>
+        <p:spPr/>
+        <p:txBody>
+          <a:bodyPr/>
+          <a:lstStyle/>
+          <a:p>
+            <a:r>
+              <a:rPr lang="ru-RU" dirty="0"/>
+              <a:t>Соединение строк методом </a:t>
+            </a:r>
+            <a:r>
+              <a:rPr lang="en-US" dirty="0"/>
+              <a:t>join</a:t>
+            </a:r>
+            <a:endParaRPr lang="ru-RU" dirty="0"/>
+          </a:p>
+        </p:txBody>
+      </p:sp>
+      <p:sp>
+        <p:nvSpPr>
+          <p:cNvPr id="5" name="TextBox 4">
+            <a:extLst>
+              <a:ext uri="{FF2B5EF4-FFF2-40B4-BE49-F238E27FC236}">
+                <a16:creationId xmlns:a16="http://schemas.microsoft.com/office/drawing/2014/main" id="{83FAA0CB-ED71-4112-9E7D-AC642807C669}"/>
+              </a:ext>
+            </a:extLst>
+          </p:cNvPr>
+          <p:cNvSpPr txBox="1"/>
+          <p:nvPr/>
+        </p:nvSpPr>
+        <p:spPr>
+          <a:xfrm>
+            <a:off x="2126512" y="2505670"/>
+            <a:ext cx="6764965" cy="923330"/>
+          </a:xfrm>
+          <a:prstGeom prst="rect">
+            <a:avLst/>
+          </a:prstGeom>
+          <a:noFill/>
+        </p:spPr>
+        <p:txBody>
+          <a:bodyPr wrap="square">
+            <a:spAutoFit/>
+          </a:bodyPr>
+          <a:lstStyle/>
+          <a:p>
+            <a:r>
+              <a:rPr lang="en-US" b="0" dirty="0">
+                <a:solidFill>
+                  <a:srgbClr val="D4D4D4"/>
+                </a:solidFill>
+                <a:effectLst/>
+                <a:latin typeface="Consolas" panose="020B0609020204030204" pitchFamily="49" charset="0"/>
+              </a:rPr>
+              <a:t>source = [</a:t>
+            </a:r>
+            <a:r>
+              <a:rPr lang="en-US" b="0" dirty="0">
+                <a:solidFill>
+                  <a:srgbClr val="CE9178"/>
+                </a:solidFill>
+                <a:effectLst/>
+                <a:latin typeface="Consolas" panose="020B0609020204030204" pitchFamily="49" charset="0"/>
+              </a:rPr>
+              <a:t>'</a:t>
+            </a:r>
+            <a:r>
+              <a:rPr lang="ru-RU" b="0" dirty="0" err="1">
+                <a:solidFill>
+                  <a:srgbClr val="CE9178"/>
+                </a:solidFill>
+                <a:effectLst/>
+                <a:latin typeface="Consolas" panose="020B0609020204030204" pitchFamily="49" charset="0"/>
+              </a:rPr>
+              <a:t>шла'</a:t>
+            </a:r>
+            <a:r>
+              <a:rPr lang="ru-RU" b="0" dirty="0" err="1">
+                <a:solidFill>
+                  <a:srgbClr val="D4D4D4"/>
+                </a:solidFill>
+                <a:effectLst/>
+                <a:latin typeface="Consolas" panose="020B0609020204030204" pitchFamily="49" charset="0"/>
+              </a:rPr>
+              <a:t>,</a:t>
+            </a:r>
+            <a:r>
+              <a:rPr lang="ru-RU" b="0" dirty="0" err="1">
+                <a:solidFill>
+                  <a:srgbClr val="CE9178"/>
+                </a:solidFill>
+                <a:effectLst/>
+                <a:latin typeface="Consolas" panose="020B0609020204030204" pitchFamily="49" charset="0"/>
+              </a:rPr>
+              <a:t>'собака'</a:t>
+            </a:r>
+            <a:r>
+              <a:rPr lang="ru-RU" b="0" dirty="0" err="1">
+                <a:solidFill>
+                  <a:srgbClr val="D4D4D4"/>
+                </a:solidFill>
+                <a:effectLst/>
+                <a:latin typeface="Consolas" panose="020B0609020204030204" pitchFamily="49" charset="0"/>
+              </a:rPr>
+              <a:t>,</a:t>
+            </a:r>
+            <a:r>
+              <a:rPr lang="ru-RU" b="0" dirty="0" err="1">
+                <a:solidFill>
+                  <a:srgbClr val="CE9178"/>
+                </a:solidFill>
+                <a:effectLst/>
+                <a:latin typeface="Consolas" panose="020B0609020204030204" pitchFamily="49" charset="0"/>
+              </a:rPr>
+              <a:t>'по</a:t>
+            </a:r>
+            <a:r>
+              <a:rPr lang="ru-RU" b="0" dirty="0">
+                <a:solidFill>
+                  <a:srgbClr val="CE9178"/>
+                </a:solidFill>
+                <a:effectLst/>
+                <a:latin typeface="Consolas" panose="020B0609020204030204" pitchFamily="49" charset="0"/>
+              </a:rPr>
+              <a:t>'</a:t>
+            </a:r>
+            <a:r>
+              <a:rPr lang="ru-RU" b="0" dirty="0">
+                <a:solidFill>
+                  <a:srgbClr val="D4D4D4"/>
+                </a:solidFill>
+                <a:effectLst/>
+                <a:latin typeface="Consolas" panose="020B0609020204030204" pitchFamily="49" charset="0"/>
+              </a:rPr>
+              <a:t>, </a:t>
+            </a:r>
+            <a:r>
+              <a:rPr lang="ru-RU" b="0" dirty="0">
+                <a:solidFill>
+                  <a:srgbClr val="CE9178"/>
+                </a:solidFill>
+                <a:effectLst/>
+                <a:latin typeface="Consolas" panose="020B0609020204030204" pitchFamily="49" charset="0"/>
+              </a:rPr>
+              <a:t>'роялю'</a:t>
+            </a:r>
+            <a:r>
+              <a:rPr lang="ru-RU" b="0" dirty="0">
+                <a:solidFill>
+                  <a:srgbClr val="D4D4D4"/>
+                </a:solidFill>
+                <a:effectLst/>
+                <a:latin typeface="Consolas" panose="020B0609020204030204" pitchFamily="49" charset="0"/>
+              </a:rPr>
+              <a:t>]</a:t>
+            </a:r>
+          </a:p>
+          <a:p>
+            <a:r>
+              <a:rPr lang="en-US" b="0" dirty="0">
+                <a:solidFill>
+                  <a:srgbClr val="D4D4D4"/>
+                </a:solidFill>
+                <a:effectLst/>
+                <a:latin typeface="Consolas" panose="020B0609020204030204" pitchFamily="49" charset="0"/>
+              </a:rPr>
+              <a:t>result = </a:t>
+            </a:r>
+            <a:r>
+              <a:rPr lang="en-US" b="0" dirty="0">
+                <a:solidFill>
+                  <a:srgbClr val="CE9178"/>
+                </a:solidFill>
+                <a:effectLst/>
+                <a:latin typeface="Consolas" panose="020B0609020204030204" pitchFamily="49" charset="0"/>
+              </a:rPr>
+              <a:t>""</a:t>
+            </a:r>
+            <a:r>
+              <a:rPr lang="en-US" b="0" dirty="0">
+                <a:solidFill>
+                  <a:srgbClr val="D4D4D4"/>
+                </a:solidFill>
+                <a:effectLst/>
+                <a:latin typeface="Consolas" panose="020B0609020204030204" pitchFamily="49" charset="0"/>
+              </a:rPr>
+              <a:t>.join(source)</a:t>
+            </a:r>
+          </a:p>
+          <a:p>
+            <a:r>
+              <a:rPr lang="en-US" b="0" dirty="0">
+                <a:solidFill>
+                  <a:srgbClr val="DCDCAA"/>
+                </a:solidFill>
+                <a:effectLst/>
+                <a:latin typeface="Consolas" panose="020B0609020204030204" pitchFamily="49" charset="0"/>
+              </a:rPr>
+              <a:t>print</a:t>
+            </a:r>
+            <a:r>
+              <a:rPr lang="en-US" b="0" dirty="0">
+                <a:solidFill>
+                  <a:srgbClr val="D4D4D4"/>
+                </a:solidFill>
+                <a:effectLst/>
+                <a:latin typeface="Consolas" panose="020B0609020204030204" pitchFamily="49" charset="0"/>
+              </a:rPr>
+              <a:t>(result)</a:t>
+            </a:r>
+          </a:p>
+        </p:txBody>
+      </p:sp>
+    </p:spTree>
+    <p:extLst>
+      <p:ext uri="{BB962C8B-B14F-4D97-AF65-F5344CB8AC3E}">
+        <p14:creationId xmlns:p14="http://schemas.microsoft.com/office/powerpoint/2010/main" val="2067433238"/>
+      </p:ext>
+    </p:extLst>
+  </p:cSld>
+  <p:clrMapOvr>
+    <a:masterClrMapping/>
+  </p:clrMapOvr>
+</p:sld>
+</file>
+
+<file path=ppt/slides/slide108.xml><?xml version="1.0" encoding="utf-8"?>
+<p:sld xmlns:a="http://schemas.openxmlformats.org/drawingml/2006/main" xmlns:r="http://schemas.openxmlformats.org/officeDocument/2006/relationships" xmlns:p="http://schemas.openxmlformats.org/presentationml/2006/main">
+  <p:cSld>
+    <p:spTree>
+      <p:nvGrpSpPr>
+        <p:cNvPr id="1" name=""/>
+        <p:cNvGrpSpPr/>
+        <p:nvPr/>
+      </p:nvGrpSpPr>
+      <p:grpSpPr>
+        <a:xfrm>
+          <a:off x="0" y="0"/>
+          <a:ext cx="0" cy="0"/>
+          <a:chOff x="0" y="0"/>
+          <a:chExt cx="0" cy="0"/>
+        </a:xfrm>
+      </p:grpSpPr>
+      <p:sp>
+        <p:nvSpPr>
+          <p:cNvPr id="2" name="Заголовок 1">
+            <a:extLst>
+              <a:ext uri="{FF2B5EF4-FFF2-40B4-BE49-F238E27FC236}">
+                <a16:creationId xmlns:a16="http://schemas.microsoft.com/office/drawing/2014/main" id="{E71385CC-EA5F-4AB0-9518-0E632C7A943D}"/>
+              </a:ext>
+            </a:extLst>
+          </p:cNvPr>
+          <p:cNvSpPr>
+            <a:spLocks noGrp="1"/>
+          </p:cNvSpPr>
+          <p:nvPr>
+            <p:ph type="title"/>
+          </p:nvPr>
+        </p:nvSpPr>
+        <p:spPr/>
+        <p:txBody>
+          <a:bodyPr/>
+          <a:lstStyle/>
+          <a:p>
+            <a:r>
+              <a:rPr lang="ru-RU" dirty="0"/>
+              <a:t>Замена подстроки</a:t>
             </a:r>
           </a:p>
         </p:txBody>
@@ -5417,7 +6579,7 @@
           <p:cNvPr id="3" name="Объект 2">
             <a:extLst>
               <a:ext uri="{FF2B5EF4-FFF2-40B4-BE49-F238E27FC236}">
-                <a16:creationId xmlns:a16="http://schemas.microsoft.com/office/drawing/2014/main" id="{F22465BA-C9F2-4AD1-9D5B-7FE9B5EC398D}"/>
+                <a16:creationId xmlns:a16="http://schemas.microsoft.com/office/drawing/2014/main" id="{170DF1A8-8451-4278-BB9A-D0EBD9BEAD3A}"/>
               </a:ext>
             </a:extLst>
           </p:cNvPr>
@@ -5435,15 +6597,820 @@
           <a:p>
             <a:r>
               <a:rPr lang="ru-RU" dirty="0"/>
-              <a:t>Пользователь вводит свои реквизиты. Мы должны проверить правильность ввода телефонного номера и адреса электронной почты</a:t>
-            </a:r>
-            <a:endParaRPr lang="en-US" dirty="0"/>
-          </a:p>
-          <a:p>
-            <a:pPr lvl="1"/>
+              <a:t>Чтобы в </a:t>
+            </a:r>
+            <a:r>
+              <a:rPr lang="ru-RU" dirty="0" err="1"/>
+              <a:t>Python</a:t>
+            </a:r>
             <a:r>
               <a:rPr lang="ru-RU" dirty="0"/>
-              <a:t>Учимся работать с регулярными выражениями</a:t>
+              <a:t> заменить в строке одну подстроку на другую, применяют метод </a:t>
+            </a:r>
+            <a:r>
+              <a:rPr lang="en-US" dirty="0"/>
+              <a:t>replace:</a:t>
+            </a:r>
+          </a:p>
+          <a:p>
+            <a:endParaRPr lang="ru-RU" dirty="0"/>
+          </a:p>
+        </p:txBody>
+      </p:sp>
+      <p:graphicFrame>
+        <p:nvGraphicFramePr>
+          <p:cNvPr id="4" name="Таблица 4">
+            <a:extLst>
+              <a:ext uri="{FF2B5EF4-FFF2-40B4-BE49-F238E27FC236}">
+                <a16:creationId xmlns:a16="http://schemas.microsoft.com/office/drawing/2014/main" id="{66BC0960-0430-4298-8EF1-9AC065F1351C}"/>
+              </a:ext>
+            </a:extLst>
+          </p:cNvPr>
+          <p:cNvGraphicFramePr>
+            <a:graphicFrameLocks noGrp="1"/>
+          </p:cNvGraphicFramePr>
+          <p:nvPr>
+            <p:extLst>
+              <p:ext uri="{D42A27DB-BD31-4B8C-83A1-F6EECF244321}">
+                <p14:modId xmlns:p14="http://schemas.microsoft.com/office/powerpoint/2010/main" val="3048004986"/>
+              </p:ext>
+            </p:extLst>
+          </p:nvPr>
+        </p:nvGraphicFramePr>
+        <p:xfrm>
+          <a:off x="1936307" y="3429000"/>
+          <a:ext cx="8128000" cy="1381760"/>
+        </p:xfrm>
+        <a:graphic>
+          <a:graphicData uri="http://schemas.openxmlformats.org/drawingml/2006/table">
+            <a:tbl>
+              <a:tblPr firstRow="1" bandRow="1">
+                <a:tableStyleId>{5C22544A-7EE6-4342-B048-85BDC9FD1C3A}</a:tableStyleId>
+              </a:tblPr>
+              <a:tblGrid>
+                <a:gridCol w="2348614">
+                  <a:extLst>
+                    <a:ext uri="{9D8B030D-6E8A-4147-A177-3AD203B41FA5}">
+                      <a16:colId xmlns:a16="http://schemas.microsoft.com/office/drawing/2014/main" val="1701794830"/>
+                    </a:ext>
+                  </a:extLst>
+                </a:gridCol>
+                <a:gridCol w="5779386">
+                  <a:extLst>
+                    <a:ext uri="{9D8B030D-6E8A-4147-A177-3AD203B41FA5}">
+                      <a16:colId xmlns:a16="http://schemas.microsoft.com/office/drawing/2014/main" val="2812000086"/>
+                    </a:ext>
+                  </a:extLst>
+                </a:gridCol>
+              </a:tblGrid>
+              <a:tr h="370840">
+                <a:tc>
+                  <a:txBody>
+                    <a:bodyPr/>
+                    <a:lstStyle/>
+                    <a:p>
+                      <a:r>
+                        <a:rPr lang="ru-RU" dirty="0"/>
+                        <a:t>Метод строки</a:t>
+                      </a:r>
+                    </a:p>
+                  </a:txBody>
+                  <a:tcPr/>
+                </a:tc>
+                <a:tc>
+                  <a:txBody>
+                    <a:bodyPr/>
+                    <a:lstStyle/>
+                    <a:p>
+                      <a:r>
+                        <a:rPr lang="ru-RU" dirty="0"/>
+                        <a:t>Описание</a:t>
+                      </a:r>
+                    </a:p>
+                  </a:txBody>
+                  <a:tcPr/>
+                </a:tc>
+                <a:extLst>
+                  <a:ext uri="{0D108BD9-81ED-4DB2-BD59-A6C34878D82A}">
+                    <a16:rowId xmlns:a16="http://schemas.microsoft.com/office/drawing/2014/main" val="23515157"/>
+                  </a:ext>
+                </a:extLst>
+              </a:tr>
+              <a:tr h="370840">
+                <a:tc>
+                  <a:txBody>
+                    <a:bodyPr/>
+                    <a:lstStyle/>
+                    <a:p>
+                      <a:r>
+                        <a:rPr lang="en-US" sz="1800" b="0" i="0" kern="1200" dirty="0">
+                          <a:solidFill>
+                            <a:schemeClr val="dk1"/>
+                          </a:solidFill>
+                          <a:effectLst/>
+                          <a:latin typeface="+mn-lt"/>
+                          <a:ea typeface="+mn-ea"/>
+                          <a:cs typeface="+mn-cs"/>
+                        </a:rPr>
+                        <a:t>replace(old, new)</a:t>
+                      </a:r>
+                      <a:endParaRPr lang="ru-RU" dirty="0"/>
+                    </a:p>
+                  </a:txBody>
+                  <a:tcPr/>
+                </a:tc>
+                <a:tc>
+                  <a:txBody>
+                    <a:bodyPr/>
+                    <a:lstStyle/>
+                    <a:p>
+                      <a:r>
+                        <a:rPr lang="ru-RU" sz="1800" b="0" i="0" kern="1200" dirty="0">
+                          <a:solidFill>
+                            <a:schemeClr val="dk1"/>
+                          </a:solidFill>
+                          <a:effectLst/>
+                          <a:latin typeface="+mn-lt"/>
+                          <a:ea typeface="+mn-ea"/>
+                          <a:cs typeface="+mn-cs"/>
+                        </a:rPr>
+                        <a:t>подстрока </a:t>
+                      </a:r>
+                      <a:r>
+                        <a:rPr lang="ru-RU" sz="1800" b="0" i="0" kern="1200" dirty="0" err="1">
+                          <a:solidFill>
+                            <a:schemeClr val="dk1"/>
+                          </a:solidFill>
+                          <a:effectLst/>
+                          <a:latin typeface="+mn-lt"/>
+                          <a:ea typeface="+mn-ea"/>
+                          <a:cs typeface="+mn-cs"/>
+                        </a:rPr>
+                        <a:t>old</a:t>
+                      </a:r>
+                      <a:r>
+                        <a:rPr lang="ru-RU" sz="1800" b="0" i="0" kern="1200" dirty="0">
+                          <a:solidFill>
+                            <a:schemeClr val="dk1"/>
+                          </a:solidFill>
+                          <a:effectLst/>
+                          <a:latin typeface="+mn-lt"/>
+                          <a:ea typeface="+mn-ea"/>
+                          <a:cs typeface="+mn-cs"/>
+                        </a:rPr>
+                        <a:t> заменяется на </a:t>
+                      </a:r>
+                      <a:r>
+                        <a:rPr lang="ru-RU" sz="1800" b="0" i="0" kern="1200" dirty="0" err="1">
+                          <a:solidFill>
+                            <a:schemeClr val="dk1"/>
+                          </a:solidFill>
+                          <a:effectLst/>
+                          <a:latin typeface="+mn-lt"/>
+                          <a:ea typeface="+mn-ea"/>
+                          <a:cs typeface="+mn-cs"/>
+                        </a:rPr>
+                        <a:t>new</a:t>
+                      </a:r>
+                      <a:endParaRPr lang="ru-RU" dirty="0"/>
+                    </a:p>
+                  </a:txBody>
+                  <a:tcPr/>
+                </a:tc>
+                <a:extLst>
+                  <a:ext uri="{0D108BD9-81ED-4DB2-BD59-A6C34878D82A}">
+                    <a16:rowId xmlns:a16="http://schemas.microsoft.com/office/drawing/2014/main" val="1930481992"/>
+                  </a:ext>
+                </a:extLst>
+              </a:tr>
+              <a:tr h="370840">
+                <a:tc>
+                  <a:txBody>
+                    <a:bodyPr/>
+                    <a:lstStyle/>
+                    <a:p>
+                      <a:r>
+                        <a:rPr lang="en-US" sz="1800" b="0" i="0" kern="1200" dirty="0">
+                          <a:solidFill>
+                            <a:schemeClr val="dk1"/>
+                          </a:solidFill>
+                          <a:effectLst/>
+                          <a:latin typeface="+mn-lt"/>
+                          <a:ea typeface="+mn-ea"/>
+                          <a:cs typeface="+mn-cs"/>
+                        </a:rPr>
+                        <a:t>replace(old, new, num)</a:t>
+                      </a:r>
+                      <a:endParaRPr lang="ru-RU" dirty="0"/>
+                    </a:p>
+                  </a:txBody>
+                  <a:tcPr/>
+                </a:tc>
+                <a:tc>
+                  <a:txBody>
+                    <a:bodyPr/>
+                    <a:lstStyle/>
+                    <a:p>
+                      <a:r>
+                        <a:rPr lang="ru-RU" sz="1800" b="0" i="0" kern="1200" dirty="0">
+                          <a:solidFill>
+                            <a:schemeClr val="dk1"/>
+                          </a:solidFill>
+                          <a:effectLst/>
+                          <a:latin typeface="+mn-lt"/>
+                          <a:ea typeface="+mn-ea"/>
+                          <a:cs typeface="+mn-cs"/>
+                        </a:rPr>
+                        <a:t>параметр </a:t>
+                      </a:r>
+                      <a:r>
+                        <a:rPr lang="ru-RU" sz="1800" b="0" i="0" kern="1200" dirty="0" err="1">
+                          <a:solidFill>
+                            <a:schemeClr val="dk1"/>
+                          </a:solidFill>
+                          <a:effectLst/>
+                          <a:latin typeface="+mn-lt"/>
+                          <a:ea typeface="+mn-ea"/>
+                          <a:cs typeface="+mn-cs"/>
+                        </a:rPr>
+                        <a:t>num</a:t>
+                      </a:r>
+                      <a:r>
+                        <a:rPr lang="ru-RU" sz="1800" b="0" i="0" kern="1200" dirty="0">
+                          <a:solidFill>
+                            <a:schemeClr val="dk1"/>
+                          </a:solidFill>
+                          <a:effectLst/>
+                          <a:latin typeface="+mn-lt"/>
+                          <a:ea typeface="+mn-ea"/>
+                          <a:cs typeface="+mn-cs"/>
+                        </a:rPr>
+                        <a:t> показывает, сколько вхождений подстроки </a:t>
+                      </a:r>
+                      <a:r>
+                        <a:rPr lang="ru-RU" sz="1800" b="0" i="0" kern="1200" dirty="0" err="1">
+                          <a:solidFill>
+                            <a:schemeClr val="dk1"/>
+                          </a:solidFill>
+                          <a:effectLst/>
+                          <a:latin typeface="+mn-lt"/>
+                          <a:ea typeface="+mn-ea"/>
+                          <a:cs typeface="+mn-cs"/>
+                        </a:rPr>
+                        <a:t>old</a:t>
+                      </a:r>
+                      <a:r>
+                        <a:rPr lang="ru-RU" sz="1800" b="0" i="0" kern="1200" dirty="0">
+                          <a:solidFill>
+                            <a:schemeClr val="dk1"/>
+                          </a:solidFill>
+                          <a:effectLst/>
+                          <a:latin typeface="+mn-lt"/>
+                          <a:ea typeface="+mn-ea"/>
+                          <a:cs typeface="+mn-cs"/>
+                        </a:rPr>
+                        <a:t> требуется заменить на </a:t>
+                      </a:r>
+                      <a:r>
+                        <a:rPr lang="ru-RU" sz="1800" b="0" i="0" kern="1200" dirty="0" err="1">
+                          <a:solidFill>
+                            <a:schemeClr val="dk1"/>
+                          </a:solidFill>
+                          <a:effectLst/>
+                          <a:latin typeface="+mn-lt"/>
+                          <a:ea typeface="+mn-ea"/>
+                          <a:cs typeface="+mn-cs"/>
+                        </a:rPr>
+                        <a:t>new</a:t>
+                      </a:r>
+                      <a:endParaRPr lang="ru-RU" dirty="0"/>
+                    </a:p>
+                  </a:txBody>
+                  <a:tcPr/>
+                </a:tc>
+                <a:extLst>
+                  <a:ext uri="{0D108BD9-81ED-4DB2-BD59-A6C34878D82A}">
+                    <a16:rowId xmlns:a16="http://schemas.microsoft.com/office/drawing/2014/main" val="3884342558"/>
+                  </a:ext>
+                </a:extLst>
+              </a:tr>
+            </a:tbl>
+          </a:graphicData>
+        </a:graphic>
+      </p:graphicFrame>
+    </p:spTree>
+    <p:extLst>
+      <p:ext uri="{BB962C8B-B14F-4D97-AF65-F5344CB8AC3E}">
+        <p14:creationId xmlns:p14="http://schemas.microsoft.com/office/powerpoint/2010/main" val="3493734815"/>
+      </p:ext>
+    </p:extLst>
+  </p:cSld>
+  <p:clrMapOvr>
+    <a:masterClrMapping/>
+  </p:clrMapOvr>
+</p:sld>
+</file>
+
+<file path=ppt/slides/slide109.xml><?xml version="1.0" encoding="utf-8"?>
+<p:sld xmlns:a="http://schemas.openxmlformats.org/drawingml/2006/main" xmlns:r="http://schemas.openxmlformats.org/officeDocument/2006/relationships" xmlns:p="http://schemas.openxmlformats.org/presentationml/2006/main">
+  <p:cSld>
+    <p:spTree>
+      <p:nvGrpSpPr>
+        <p:cNvPr id="1" name=""/>
+        <p:cNvGrpSpPr/>
+        <p:nvPr/>
+      </p:nvGrpSpPr>
+      <p:grpSpPr>
+        <a:xfrm>
+          <a:off x="0" y="0"/>
+          <a:ext cx="0" cy="0"/>
+          <a:chOff x="0" y="0"/>
+          <a:chExt cx="0" cy="0"/>
+        </a:xfrm>
+      </p:grpSpPr>
+      <p:sp>
+        <p:nvSpPr>
+          <p:cNvPr id="2" name="Заголовок 1">
+            <a:extLst>
+              <a:ext uri="{FF2B5EF4-FFF2-40B4-BE49-F238E27FC236}">
+                <a16:creationId xmlns:a16="http://schemas.microsoft.com/office/drawing/2014/main" id="{E71385CC-EA5F-4AB0-9518-0E632C7A943D}"/>
+              </a:ext>
+            </a:extLst>
+          </p:cNvPr>
+          <p:cNvSpPr>
+            <a:spLocks noGrp="1"/>
+          </p:cNvSpPr>
+          <p:nvPr>
+            <p:ph type="title"/>
+          </p:nvPr>
+        </p:nvSpPr>
+        <p:spPr/>
+        <p:txBody>
+          <a:bodyPr/>
+          <a:lstStyle/>
+          <a:p>
+            <a:r>
+              <a:rPr lang="ru-RU" dirty="0"/>
+              <a:t>Замена подстроки</a:t>
+            </a:r>
+          </a:p>
+        </p:txBody>
+      </p:sp>
+      <p:sp>
+        <p:nvSpPr>
+          <p:cNvPr id="8" name="TextBox 7">
+            <a:extLst>
+              <a:ext uri="{FF2B5EF4-FFF2-40B4-BE49-F238E27FC236}">
+                <a16:creationId xmlns:a16="http://schemas.microsoft.com/office/drawing/2014/main" id="{7BBDA83E-CC4C-43CE-BFFA-9B42E21B22E9}"/>
+              </a:ext>
+            </a:extLst>
+          </p:cNvPr>
+          <p:cNvSpPr txBox="1"/>
+          <p:nvPr/>
+        </p:nvSpPr>
+        <p:spPr>
+          <a:xfrm>
+            <a:off x="1435395" y="2274838"/>
+            <a:ext cx="7711263" cy="2308324"/>
+          </a:xfrm>
+          <a:prstGeom prst="rect">
+            <a:avLst/>
+          </a:prstGeom>
+          <a:noFill/>
+        </p:spPr>
+        <p:txBody>
+          <a:bodyPr wrap="square">
+            <a:spAutoFit/>
+          </a:bodyPr>
+          <a:lstStyle/>
+          <a:p>
+            <a:r>
+              <a:rPr lang="en-US" b="0" dirty="0">
+                <a:solidFill>
+                  <a:srgbClr val="D4D4D4"/>
+                </a:solidFill>
+                <a:effectLst/>
+                <a:latin typeface="Consolas" panose="020B0609020204030204" pitchFamily="49" charset="0"/>
+              </a:rPr>
+              <a:t>phone = </a:t>
+            </a:r>
+            <a:r>
+              <a:rPr lang="en-US" b="0" dirty="0">
+                <a:solidFill>
+                  <a:srgbClr val="CE9178"/>
+                </a:solidFill>
+                <a:effectLst/>
+                <a:latin typeface="Consolas" panose="020B0609020204030204" pitchFamily="49" charset="0"/>
+              </a:rPr>
+              <a:t>"+8-445-221-35-99"</a:t>
+            </a:r>
+            <a:endParaRPr lang="en-US" b="0" dirty="0">
+              <a:solidFill>
+                <a:srgbClr val="D4D4D4"/>
+              </a:solidFill>
+              <a:effectLst/>
+              <a:latin typeface="Consolas" panose="020B0609020204030204" pitchFamily="49" charset="0"/>
+            </a:endParaRPr>
+          </a:p>
+          <a:p>
+            <a:br>
+              <a:rPr lang="en-US" b="0" dirty="0">
+                <a:solidFill>
+                  <a:srgbClr val="D4D4D4"/>
+                </a:solidFill>
+                <a:effectLst/>
+                <a:latin typeface="Consolas" panose="020B0609020204030204" pitchFamily="49" charset="0"/>
+              </a:rPr>
+            </a:br>
+            <a:r>
+              <a:rPr lang="en-US" b="0" dirty="0" err="1">
+                <a:solidFill>
+                  <a:srgbClr val="D4D4D4"/>
+                </a:solidFill>
+                <a:effectLst/>
+                <a:latin typeface="Consolas" panose="020B0609020204030204" pitchFamily="49" charset="0"/>
+              </a:rPr>
+              <a:t>edited_phone</a:t>
+            </a:r>
+            <a:r>
+              <a:rPr lang="en-US" b="0" dirty="0">
+                <a:solidFill>
+                  <a:srgbClr val="D4D4D4"/>
+                </a:solidFill>
+                <a:effectLst/>
+                <a:latin typeface="Consolas" panose="020B0609020204030204" pitchFamily="49" charset="0"/>
+              </a:rPr>
+              <a:t> = </a:t>
+            </a:r>
+            <a:r>
+              <a:rPr lang="en-US" b="0" dirty="0" err="1">
+                <a:solidFill>
+                  <a:srgbClr val="D4D4D4"/>
+                </a:solidFill>
+                <a:effectLst/>
+                <a:latin typeface="Consolas" panose="020B0609020204030204" pitchFamily="49" charset="0"/>
+              </a:rPr>
+              <a:t>phone.replace</a:t>
+            </a:r>
+            <a:r>
+              <a:rPr lang="en-US" b="0" dirty="0">
+                <a:solidFill>
+                  <a:srgbClr val="D4D4D4"/>
+                </a:solidFill>
+                <a:effectLst/>
+                <a:latin typeface="Consolas" panose="020B0609020204030204" pitchFamily="49" charset="0"/>
+              </a:rPr>
+              <a:t>(</a:t>
+            </a:r>
+            <a:r>
+              <a:rPr lang="en-US" b="0" dirty="0">
+                <a:solidFill>
+                  <a:srgbClr val="CE9178"/>
+                </a:solidFill>
+                <a:effectLst/>
+                <a:latin typeface="Consolas" panose="020B0609020204030204" pitchFamily="49" charset="0"/>
+              </a:rPr>
+              <a:t>"-"</a:t>
+            </a:r>
+            <a:r>
+              <a:rPr lang="en-US" b="0" dirty="0">
+                <a:solidFill>
+                  <a:srgbClr val="D4D4D4"/>
+                </a:solidFill>
+                <a:effectLst/>
+                <a:latin typeface="Consolas" panose="020B0609020204030204" pitchFamily="49" charset="0"/>
+              </a:rPr>
+              <a:t>, </a:t>
+            </a:r>
+            <a:r>
+              <a:rPr lang="en-US" b="0" dirty="0">
+                <a:solidFill>
+                  <a:srgbClr val="CE9178"/>
+                </a:solidFill>
+                <a:effectLst/>
+                <a:latin typeface="Consolas" panose="020B0609020204030204" pitchFamily="49" charset="0"/>
+              </a:rPr>
+              <a:t>" "</a:t>
+            </a:r>
+            <a:r>
+              <a:rPr lang="en-US" b="0" dirty="0">
+                <a:solidFill>
+                  <a:srgbClr val="D4D4D4"/>
+                </a:solidFill>
+                <a:effectLst/>
+                <a:latin typeface="Consolas" panose="020B0609020204030204" pitchFamily="49" charset="0"/>
+              </a:rPr>
+              <a:t>)</a:t>
+            </a:r>
+          </a:p>
+          <a:p>
+            <a:r>
+              <a:rPr lang="en-US" b="0" dirty="0">
+                <a:solidFill>
+                  <a:srgbClr val="DCDCAA"/>
+                </a:solidFill>
+                <a:effectLst/>
+                <a:latin typeface="Consolas" panose="020B0609020204030204" pitchFamily="49" charset="0"/>
+              </a:rPr>
+              <a:t>print</a:t>
+            </a:r>
+            <a:r>
+              <a:rPr lang="en-US" b="0" dirty="0">
+                <a:solidFill>
+                  <a:srgbClr val="D4D4D4"/>
+                </a:solidFill>
+                <a:effectLst/>
+                <a:latin typeface="Consolas" panose="020B0609020204030204" pitchFamily="49" charset="0"/>
+              </a:rPr>
+              <a:t>(</a:t>
+            </a:r>
+            <a:r>
+              <a:rPr lang="en-US" b="0" dirty="0" err="1">
+                <a:solidFill>
+                  <a:srgbClr val="D4D4D4"/>
+                </a:solidFill>
+                <a:effectLst/>
+                <a:latin typeface="Consolas" panose="020B0609020204030204" pitchFamily="49" charset="0"/>
+              </a:rPr>
+              <a:t>edited_phone</a:t>
+            </a:r>
+            <a:r>
+              <a:rPr lang="en-US" b="0" dirty="0">
+                <a:solidFill>
+                  <a:srgbClr val="D4D4D4"/>
+                </a:solidFill>
+                <a:effectLst/>
+                <a:latin typeface="Consolas" panose="020B0609020204030204" pitchFamily="49" charset="0"/>
+              </a:rPr>
+              <a:t>)    </a:t>
+            </a:r>
+          </a:p>
+          <a:p>
+            <a:r>
+              <a:rPr lang="en-US" b="0" dirty="0" err="1">
+                <a:solidFill>
+                  <a:srgbClr val="D4D4D4"/>
+                </a:solidFill>
+                <a:effectLst/>
+                <a:latin typeface="Consolas" panose="020B0609020204030204" pitchFamily="49" charset="0"/>
+              </a:rPr>
+              <a:t>edited_phone</a:t>
+            </a:r>
+            <a:r>
+              <a:rPr lang="en-US" b="0" dirty="0">
+                <a:solidFill>
+                  <a:srgbClr val="D4D4D4"/>
+                </a:solidFill>
+                <a:effectLst/>
+                <a:latin typeface="Consolas" panose="020B0609020204030204" pitchFamily="49" charset="0"/>
+              </a:rPr>
+              <a:t> = </a:t>
+            </a:r>
+            <a:r>
+              <a:rPr lang="en-US" b="0" dirty="0" err="1">
+                <a:solidFill>
+                  <a:srgbClr val="D4D4D4"/>
+                </a:solidFill>
+                <a:effectLst/>
+                <a:latin typeface="Consolas" panose="020B0609020204030204" pitchFamily="49" charset="0"/>
+              </a:rPr>
+              <a:t>phone.replace</a:t>
+            </a:r>
+            <a:r>
+              <a:rPr lang="en-US" b="0" dirty="0">
+                <a:solidFill>
+                  <a:srgbClr val="D4D4D4"/>
+                </a:solidFill>
+                <a:effectLst/>
+                <a:latin typeface="Consolas" panose="020B0609020204030204" pitchFamily="49" charset="0"/>
+              </a:rPr>
+              <a:t>(</a:t>
+            </a:r>
+            <a:r>
+              <a:rPr lang="en-US" b="0" dirty="0">
+                <a:solidFill>
+                  <a:srgbClr val="CE9178"/>
+                </a:solidFill>
+                <a:effectLst/>
+                <a:latin typeface="Consolas" panose="020B0609020204030204" pitchFamily="49" charset="0"/>
+              </a:rPr>
+              <a:t>"-"</a:t>
+            </a:r>
+            <a:r>
+              <a:rPr lang="en-US" b="0" dirty="0">
+                <a:solidFill>
+                  <a:srgbClr val="D4D4D4"/>
+                </a:solidFill>
+                <a:effectLst/>
+                <a:latin typeface="Consolas" panose="020B0609020204030204" pitchFamily="49" charset="0"/>
+              </a:rPr>
+              <a:t>, </a:t>
+            </a:r>
+            <a:r>
+              <a:rPr lang="en-US" b="0" dirty="0">
+                <a:solidFill>
+                  <a:srgbClr val="CE9178"/>
+                </a:solidFill>
+                <a:effectLst/>
+                <a:latin typeface="Consolas" panose="020B0609020204030204" pitchFamily="49" charset="0"/>
+              </a:rPr>
+              <a:t>""</a:t>
+            </a:r>
+            <a:r>
+              <a:rPr lang="en-US" b="0" dirty="0">
+                <a:solidFill>
+                  <a:srgbClr val="D4D4D4"/>
+                </a:solidFill>
+                <a:effectLst/>
+                <a:latin typeface="Consolas" panose="020B0609020204030204" pitchFamily="49" charset="0"/>
+              </a:rPr>
+              <a:t>)</a:t>
+            </a:r>
+          </a:p>
+          <a:p>
+            <a:r>
+              <a:rPr lang="en-US" b="0" dirty="0">
+                <a:solidFill>
+                  <a:srgbClr val="DCDCAA"/>
+                </a:solidFill>
+                <a:effectLst/>
+                <a:latin typeface="Consolas" panose="020B0609020204030204" pitchFamily="49" charset="0"/>
+              </a:rPr>
+              <a:t>print</a:t>
+            </a:r>
+            <a:r>
+              <a:rPr lang="en-US" b="0" dirty="0">
+                <a:solidFill>
+                  <a:srgbClr val="D4D4D4"/>
+                </a:solidFill>
+                <a:effectLst/>
+                <a:latin typeface="Consolas" panose="020B0609020204030204" pitchFamily="49" charset="0"/>
+              </a:rPr>
+              <a:t>(</a:t>
+            </a:r>
+            <a:r>
+              <a:rPr lang="en-US" b="0" dirty="0" err="1">
+                <a:solidFill>
+                  <a:srgbClr val="D4D4D4"/>
+                </a:solidFill>
+                <a:effectLst/>
+                <a:latin typeface="Consolas" panose="020B0609020204030204" pitchFamily="49" charset="0"/>
+              </a:rPr>
+              <a:t>edited_phone</a:t>
+            </a:r>
+            <a:r>
+              <a:rPr lang="en-US" b="0" dirty="0">
+                <a:solidFill>
+                  <a:srgbClr val="D4D4D4"/>
+                </a:solidFill>
+                <a:effectLst/>
+                <a:latin typeface="Consolas" panose="020B0609020204030204" pitchFamily="49" charset="0"/>
+              </a:rPr>
+              <a:t>)    </a:t>
+            </a:r>
+          </a:p>
+          <a:p>
+            <a:r>
+              <a:rPr lang="en-US" b="0" dirty="0" err="1">
+                <a:solidFill>
+                  <a:srgbClr val="D4D4D4"/>
+                </a:solidFill>
+                <a:effectLst/>
+                <a:latin typeface="Consolas" panose="020B0609020204030204" pitchFamily="49" charset="0"/>
+              </a:rPr>
+              <a:t>edited_phone</a:t>
+            </a:r>
+            <a:r>
+              <a:rPr lang="en-US" b="0" dirty="0">
+                <a:solidFill>
+                  <a:srgbClr val="D4D4D4"/>
+                </a:solidFill>
+                <a:effectLst/>
+                <a:latin typeface="Consolas" panose="020B0609020204030204" pitchFamily="49" charset="0"/>
+              </a:rPr>
+              <a:t> = </a:t>
+            </a:r>
+            <a:r>
+              <a:rPr lang="en-US" b="0" dirty="0" err="1">
+                <a:solidFill>
+                  <a:srgbClr val="D4D4D4"/>
+                </a:solidFill>
+                <a:effectLst/>
+                <a:latin typeface="Consolas" panose="020B0609020204030204" pitchFamily="49" charset="0"/>
+              </a:rPr>
+              <a:t>phone.replace</a:t>
+            </a:r>
+            <a:r>
+              <a:rPr lang="en-US" b="0" dirty="0">
+                <a:solidFill>
+                  <a:srgbClr val="D4D4D4"/>
+                </a:solidFill>
+                <a:effectLst/>
+                <a:latin typeface="Consolas" panose="020B0609020204030204" pitchFamily="49" charset="0"/>
+              </a:rPr>
+              <a:t>(</a:t>
+            </a:r>
+            <a:r>
+              <a:rPr lang="en-US" b="0" dirty="0">
+                <a:solidFill>
+                  <a:srgbClr val="CE9178"/>
+                </a:solidFill>
+                <a:effectLst/>
+                <a:latin typeface="Consolas" panose="020B0609020204030204" pitchFamily="49" charset="0"/>
+              </a:rPr>
+              <a:t>"-"</a:t>
+            </a:r>
+            <a:r>
+              <a:rPr lang="en-US" b="0" dirty="0">
+                <a:solidFill>
+                  <a:srgbClr val="D4D4D4"/>
+                </a:solidFill>
+                <a:effectLst/>
+                <a:latin typeface="Consolas" panose="020B0609020204030204" pitchFamily="49" charset="0"/>
+              </a:rPr>
+              <a:t>, </a:t>
+            </a:r>
+            <a:r>
+              <a:rPr lang="en-US" b="0" dirty="0">
+                <a:solidFill>
+                  <a:srgbClr val="CE9178"/>
+                </a:solidFill>
+                <a:effectLst/>
+                <a:latin typeface="Consolas" panose="020B0609020204030204" pitchFamily="49" charset="0"/>
+              </a:rPr>
+              <a:t>""</a:t>
+            </a:r>
+            <a:r>
+              <a:rPr lang="en-US" b="0" dirty="0">
+                <a:solidFill>
+                  <a:srgbClr val="D4D4D4"/>
+                </a:solidFill>
+                <a:effectLst/>
+                <a:latin typeface="Consolas" panose="020B0609020204030204" pitchFamily="49" charset="0"/>
+              </a:rPr>
+              <a:t>, </a:t>
+            </a:r>
+            <a:r>
+              <a:rPr lang="en-US" b="0" dirty="0">
+                <a:solidFill>
+                  <a:srgbClr val="B5CEA8"/>
+                </a:solidFill>
+                <a:effectLst/>
+                <a:latin typeface="Consolas" panose="020B0609020204030204" pitchFamily="49" charset="0"/>
+              </a:rPr>
+              <a:t>1</a:t>
+            </a:r>
+            <a:r>
+              <a:rPr lang="en-US" b="0" dirty="0">
+                <a:solidFill>
+                  <a:srgbClr val="D4D4D4"/>
+                </a:solidFill>
+                <a:effectLst/>
+                <a:latin typeface="Consolas" panose="020B0609020204030204" pitchFamily="49" charset="0"/>
+              </a:rPr>
+              <a:t>)</a:t>
+            </a:r>
+          </a:p>
+          <a:p>
+            <a:r>
+              <a:rPr lang="en-US" b="0" dirty="0">
+                <a:solidFill>
+                  <a:srgbClr val="DCDCAA"/>
+                </a:solidFill>
+                <a:effectLst/>
+                <a:latin typeface="Consolas" panose="020B0609020204030204" pitchFamily="49" charset="0"/>
+              </a:rPr>
+              <a:t>print</a:t>
+            </a:r>
+            <a:r>
+              <a:rPr lang="en-US" b="0" dirty="0">
+                <a:solidFill>
+                  <a:srgbClr val="D4D4D4"/>
+                </a:solidFill>
+                <a:effectLst/>
+                <a:latin typeface="Consolas" panose="020B0609020204030204" pitchFamily="49" charset="0"/>
+              </a:rPr>
+              <a:t>(</a:t>
+            </a:r>
+            <a:r>
+              <a:rPr lang="en-US" b="0" dirty="0" err="1">
+                <a:solidFill>
+                  <a:srgbClr val="D4D4D4"/>
+                </a:solidFill>
+                <a:effectLst/>
+                <a:latin typeface="Consolas" panose="020B0609020204030204" pitchFamily="49" charset="0"/>
+              </a:rPr>
+              <a:t>edited_phone</a:t>
+            </a:r>
+            <a:r>
+              <a:rPr lang="en-US" b="0" dirty="0">
+                <a:solidFill>
+                  <a:srgbClr val="D4D4D4"/>
+                </a:solidFill>
+                <a:effectLst/>
+                <a:latin typeface="Consolas" panose="020B0609020204030204" pitchFamily="49" charset="0"/>
+              </a:rPr>
+              <a:t>) </a:t>
             </a:r>
           </a:p>
         </p:txBody>
@@ -5451,7 +7418,7 @@
     </p:spTree>
     <p:extLst>
       <p:ext uri="{BB962C8B-B14F-4D97-AF65-F5344CB8AC3E}">
-        <p14:creationId xmlns:p14="http://schemas.microsoft.com/office/powerpoint/2010/main" val="362811289"/>
+        <p14:creationId xmlns:p14="http://schemas.microsoft.com/office/powerpoint/2010/main" val="2133789042"/>
       </p:ext>
     </p:extLst>
   </p:cSld>
@@ -6719,6 +8686,204 @@
     <p:extLst>
       <p:ext uri="{BB962C8B-B14F-4D97-AF65-F5344CB8AC3E}">
         <p14:creationId xmlns:p14="http://schemas.microsoft.com/office/powerpoint/2010/main" val="3932307285"/>
+      </p:ext>
+    </p:extLst>
+  </p:cSld>
+  <p:clrMapOvr>
+    <a:masterClrMapping/>
+  </p:clrMapOvr>
+</p:sld>
+</file>
+
+<file path=ppt/slides/slide110.xml><?xml version="1.0" encoding="utf-8"?>
+<p:sld xmlns:a="http://schemas.openxmlformats.org/drawingml/2006/main" xmlns:r="http://schemas.openxmlformats.org/officeDocument/2006/relationships" xmlns:p="http://schemas.openxmlformats.org/presentationml/2006/main">
+  <p:cSld>
+    <p:spTree>
+      <p:nvGrpSpPr>
+        <p:cNvPr id="1" name=""/>
+        <p:cNvGrpSpPr/>
+        <p:nvPr/>
+      </p:nvGrpSpPr>
+      <p:grpSpPr>
+        <a:xfrm>
+          <a:off x="0" y="0"/>
+          <a:ext cx="0" cy="0"/>
+          <a:chOff x="0" y="0"/>
+          <a:chExt cx="0" cy="0"/>
+        </a:xfrm>
+      </p:grpSpPr>
+      <p:sp>
+        <p:nvSpPr>
+          <p:cNvPr id="2" name="Заголовок 1">
+            <a:extLst>
+              <a:ext uri="{FF2B5EF4-FFF2-40B4-BE49-F238E27FC236}">
+                <a16:creationId xmlns:a16="http://schemas.microsoft.com/office/drawing/2014/main" id="{F79139BE-E797-46D2-9E34-196E33AA2917}"/>
+              </a:ext>
+            </a:extLst>
+          </p:cNvPr>
+          <p:cNvSpPr>
+            <a:spLocks noGrp="1"/>
+          </p:cNvSpPr>
+          <p:nvPr>
+            <p:ph type="title"/>
+          </p:nvPr>
+        </p:nvSpPr>
+        <p:spPr/>
+        <p:txBody>
+          <a:bodyPr/>
+          <a:lstStyle/>
+          <a:p>
+            <a:r>
+              <a:rPr lang="ru-RU" dirty="0"/>
+              <a:t>Задача «Вежливый ответ пользователю»</a:t>
+            </a:r>
+          </a:p>
+        </p:txBody>
+      </p:sp>
+      <p:sp>
+        <p:nvSpPr>
+          <p:cNvPr id="3" name="Объект 2">
+            <a:extLst>
+              <a:ext uri="{FF2B5EF4-FFF2-40B4-BE49-F238E27FC236}">
+                <a16:creationId xmlns:a16="http://schemas.microsoft.com/office/drawing/2014/main" id="{294F1C4F-93DB-4105-8B79-D8282E933724}"/>
+              </a:ext>
+            </a:extLst>
+          </p:cNvPr>
+          <p:cNvSpPr>
+            <a:spLocks noGrp="1"/>
+          </p:cNvSpPr>
+          <p:nvPr>
+            <p:ph idx="1"/>
+          </p:nvPr>
+        </p:nvSpPr>
+        <p:spPr/>
+        <p:txBody>
+          <a:bodyPr/>
+          <a:lstStyle/>
+          <a:p>
+            <a:r>
+              <a:rPr lang="ru-RU" dirty="0"/>
+              <a:t>Ваша функция должна прочитать два файла – один со списком хороших слов, другой со списком плохих слов</a:t>
+            </a:r>
+          </a:p>
+          <a:p>
+            <a:r>
+              <a:rPr lang="ru-RU" dirty="0"/>
+              <a:t>Найдите в ответе пользователя плохие слова и замените их на символы «***»</a:t>
+            </a:r>
+          </a:p>
+          <a:p>
+            <a:r>
+              <a:rPr lang="ru-RU" dirty="0"/>
+              <a:t>На каждое хорошее слово найденное пользователю сформируйте вежливый ответ. Каждую фразу ответа поместите в список</a:t>
+            </a:r>
+          </a:p>
+          <a:p>
+            <a:r>
+              <a:rPr lang="ru-RU" dirty="0"/>
+              <a:t>Объедините фразы из списка в одну строку и верните эту строку из вашей функции. Именно это строка будет отправлена как ответ пользователю</a:t>
+            </a:r>
+          </a:p>
+        </p:txBody>
+      </p:sp>
+    </p:spTree>
+    <p:extLst>
+      <p:ext uri="{BB962C8B-B14F-4D97-AF65-F5344CB8AC3E}">
+        <p14:creationId xmlns:p14="http://schemas.microsoft.com/office/powerpoint/2010/main" val="3800266069"/>
+      </p:ext>
+    </p:extLst>
+  </p:cSld>
+  <p:clrMapOvr>
+    <a:masterClrMapping/>
+  </p:clrMapOvr>
+</p:sld>
+</file>
+
+<file path=ppt/slides/slide111.xml><?xml version="1.0" encoding="utf-8"?>
+<p:sld xmlns:a="http://schemas.openxmlformats.org/drawingml/2006/main" xmlns:r="http://schemas.openxmlformats.org/officeDocument/2006/relationships" xmlns:p="http://schemas.openxmlformats.org/presentationml/2006/main">
+  <p:cSld>
+    <p:spTree>
+      <p:nvGrpSpPr>
+        <p:cNvPr id="1" name=""/>
+        <p:cNvGrpSpPr/>
+        <p:nvPr/>
+      </p:nvGrpSpPr>
+      <p:grpSpPr>
+        <a:xfrm>
+          <a:off x="0" y="0"/>
+          <a:ext cx="0" cy="0"/>
+          <a:chOff x="0" y="0"/>
+          <a:chExt cx="0" cy="0"/>
+        </a:xfrm>
+      </p:grpSpPr>
+      <p:sp>
+        <p:nvSpPr>
+          <p:cNvPr id="2" name="Заголовок 1">
+            <a:extLst>
+              <a:ext uri="{FF2B5EF4-FFF2-40B4-BE49-F238E27FC236}">
+                <a16:creationId xmlns:a16="http://schemas.microsoft.com/office/drawing/2014/main" id="{072AD1C1-DFAC-4DC7-86CA-ECF093E8EA20}"/>
+              </a:ext>
+            </a:extLst>
+          </p:cNvPr>
+          <p:cNvSpPr>
+            <a:spLocks noGrp="1"/>
+          </p:cNvSpPr>
+          <p:nvPr>
+            <p:ph type="title"/>
+          </p:nvPr>
+        </p:nvSpPr>
+        <p:spPr/>
+        <p:txBody>
+          <a:bodyPr/>
+          <a:lstStyle/>
+          <a:p>
+            <a:r>
+              <a:rPr lang="ru-RU" dirty="0"/>
+              <a:t>Задача</a:t>
+            </a:r>
+          </a:p>
+        </p:txBody>
+      </p:sp>
+      <p:sp>
+        <p:nvSpPr>
+          <p:cNvPr id="3" name="Объект 2">
+            <a:extLst>
+              <a:ext uri="{FF2B5EF4-FFF2-40B4-BE49-F238E27FC236}">
+                <a16:creationId xmlns:a16="http://schemas.microsoft.com/office/drawing/2014/main" id="{F22465BA-C9F2-4AD1-9D5B-7FE9B5EC398D}"/>
+              </a:ext>
+            </a:extLst>
+          </p:cNvPr>
+          <p:cNvSpPr>
+            <a:spLocks noGrp="1"/>
+          </p:cNvSpPr>
+          <p:nvPr>
+            <p:ph idx="1"/>
+          </p:nvPr>
+        </p:nvSpPr>
+        <p:spPr/>
+        <p:txBody>
+          <a:bodyPr/>
+          <a:lstStyle/>
+          <a:p>
+            <a:r>
+              <a:rPr lang="ru-RU" dirty="0"/>
+              <a:t>Пользователь вводит свои реквизиты. Мы должны проверить правильность ввода телефонного номера и адреса электронной почты</a:t>
+            </a:r>
+            <a:endParaRPr lang="en-US" dirty="0"/>
+          </a:p>
+          <a:p>
+            <a:pPr lvl="1"/>
+            <a:r>
+              <a:rPr lang="ru-RU" dirty="0"/>
+              <a:t>Учимся работать с регулярными выражениями</a:t>
+            </a:r>
+          </a:p>
+        </p:txBody>
+      </p:sp>
+    </p:spTree>
+    <p:extLst>
+      <p:ext uri="{BB962C8B-B14F-4D97-AF65-F5344CB8AC3E}">
+        <p14:creationId xmlns:p14="http://schemas.microsoft.com/office/powerpoint/2010/main" val="362811289"/>
       </p:ext>
     </p:extLst>
   </p:cSld>

--- a/Presentation/Разработка ботов для телеграмм на Python.pptx
+++ b/Presentation/Разработка ботов для телеграмм на Python.pptx
@@ -4771,7 +4771,9 @@
           <a:prstGeom prst="rect">
             <a:avLst/>
           </a:prstGeom>
-          <a:noFill/>
+          <a:solidFill>
+            <a:schemeClr val="tx1"/>
+          </a:solidFill>
         </p:spPr>
         <p:txBody>
           <a:bodyPr wrap="square">
@@ -5849,7 +5851,12 @@
           <a:prstGeom prst="rect">
             <a:avLst/>
           </a:prstGeom>
-          <a:noFill/>
+          <a:solidFill>
+            <a:schemeClr val="tx1">
+              <a:lumMod val="95000"/>
+              <a:lumOff val="5000"/>
+            </a:schemeClr>
+          </a:solidFill>
         </p:spPr>
         <p:txBody>
           <a:bodyPr wrap="square">
@@ -6341,7 +6348,9 @@
           <a:prstGeom prst="rect">
             <a:avLst/>
           </a:prstGeom>
-          <a:noFill/>
+          <a:solidFill>
+            <a:schemeClr val="tx1"/>
+          </a:solidFill>
         </p:spPr>
         <p:txBody>
           <a:bodyPr wrap="square">
@@ -6976,7 +6985,9 @@
           <a:prstGeom prst="rect">
             <a:avLst/>
           </a:prstGeom>
-          <a:noFill/>
+          <a:solidFill>
+            <a:schemeClr val="tx1"/>
+          </a:solidFill>
         </p:spPr>
         <p:txBody>
           <a:bodyPr wrap="square">
@@ -7493,7 +7504,9 @@
           <a:prstGeom prst="rect">
             <a:avLst/>
           </a:prstGeom>
-          <a:noFill/>
+          <a:solidFill>
+            <a:schemeClr val="tx1"/>
+          </a:solidFill>
         </p:spPr>
         <p:txBody>
           <a:bodyPr wrap="square">
@@ -9306,7 +9319,9 @@
           <a:prstGeom prst="rect">
             <a:avLst/>
           </a:prstGeom>
-          <a:noFill/>
+          <a:solidFill>
+            <a:schemeClr val="tx1"/>
+          </a:solidFill>
         </p:spPr>
         <p:txBody>
           <a:bodyPr wrap="square">
@@ -10101,14 +10116,14 @@
           </a:prstGeom>
         </p:spPr>
         <p:style>
-          <a:lnRef idx="1">
-            <a:schemeClr val="accent1"/>
+          <a:lnRef idx="3">
+            <a:schemeClr val="accent2"/>
           </a:lnRef>
           <a:fillRef idx="0">
-            <a:schemeClr val="accent1"/>
+            <a:schemeClr val="accent2"/>
           </a:fillRef>
-          <a:effectRef idx="0">
-            <a:schemeClr val="accent1"/>
+          <a:effectRef idx="2">
+            <a:schemeClr val="accent2"/>
           </a:effectRef>
           <a:fontRef idx="minor">
             <a:schemeClr val="tx1"/>
@@ -10145,14 +10160,14 @@
           </a:prstGeom>
         </p:spPr>
         <p:style>
-          <a:lnRef idx="1">
-            <a:schemeClr val="accent1"/>
+          <a:lnRef idx="3">
+            <a:schemeClr val="accent2"/>
           </a:lnRef>
           <a:fillRef idx="0">
-            <a:schemeClr val="accent1"/>
+            <a:schemeClr val="accent2"/>
           </a:fillRef>
-          <a:effectRef idx="0">
-            <a:schemeClr val="accent1"/>
+          <a:effectRef idx="2">
+            <a:schemeClr val="accent2"/>
           </a:effectRef>
           <a:fontRef idx="minor">
             <a:schemeClr val="tx1"/>
@@ -10181,14 +10196,14 @@
           </a:prstGeom>
         </p:spPr>
         <p:style>
-          <a:lnRef idx="1">
-            <a:schemeClr val="accent1"/>
+          <a:lnRef idx="3">
+            <a:schemeClr val="accent2"/>
           </a:lnRef>
           <a:fillRef idx="0">
-            <a:schemeClr val="accent1"/>
+            <a:schemeClr val="accent2"/>
           </a:fillRef>
-          <a:effectRef idx="0">
-            <a:schemeClr val="accent1"/>
+          <a:effectRef idx="2">
+            <a:schemeClr val="accent2"/>
           </a:effectRef>
           <a:fontRef idx="minor">
             <a:schemeClr val="tx1"/>
@@ -13320,7 +13335,9 @@
           <a:prstGeom prst="rect">
             <a:avLst/>
           </a:prstGeom>
-          <a:noFill/>
+          <a:solidFill>
+            <a:schemeClr val="tx1"/>
+          </a:solidFill>
         </p:spPr>
         <p:txBody>
           <a:bodyPr wrap="square">
@@ -15284,7 +15301,9 @@
           <a:prstGeom prst="rect">
             <a:avLst/>
           </a:prstGeom>
-          <a:noFill/>
+          <a:solidFill>
+            <a:schemeClr val="tx1"/>
+          </a:solidFill>
         </p:spPr>
         <p:txBody>
           <a:bodyPr wrap="square">
@@ -16291,7 +16310,9 @@
           <a:prstGeom prst="rect">
             <a:avLst/>
           </a:prstGeom>
-          <a:noFill/>
+          <a:solidFill>
+            <a:schemeClr val="tx1"/>
+          </a:solidFill>
         </p:spPr>
         <p:txBody>
           <a:bodyPr wrap="square">
@@ -16690,7 +16711,9 @@
           <a:prstGeom prst="rect">
             <a:avLst/>
           </a:prstGeom>
-          <a:noFill/>
+          <a:solidFill>
+            <a:schemeClr val="tx1"/>
+          </a:solidFill>
         </p:spPr>
         <p:txBody>
           <a:bodyPr wrap="square">
@@ -18826,7 +18849,9 @@
           <a:prstGeom prst="rect">
             <a:avLst/>
           </a:prstGeom>
-          <a:noFill/>
+          <a:solidFill>
+            <a:schemeClr val="tx1"/>
+          </a:solidFill>
         </p:spPr>
         <p:txBody>
           <a:bodyPr wrap="square">
@@ -19560,7 +19585,9 @@
           <a:prstGeom prst="rect">
             <a:avLst/>
           </a:prstGeom>
-          <a:noFill/>
+          <a:solidFill>
+            <a:schemeClr val="tx1"/>
+          </a:solidFill>
         </p:spPr>
         <p:txBody>
           <a:bodyPr wrap="square">
@@ -21712,7 +21739,9 @@
           <a:prstGeom prst="rect">
             <a:avLst/>
           </a:prstGeom>
-          <a:noFill/>
+          <a:solidFill>
+            <a:schemeClr val="tx1"/>
+          </a:solidFill>
         </p:spPr>
         <p:txBody>
           <a:bodyPr wrap="square">
@@ -24063,7 +24092,9 @@
           <a:prstGeom prst="rect">
             <a:avLst/>
           </a:prstGeom>
-          <a:noFill/>
+          <a:solidFill>
+            <a:schemeClr val="tx1"/>
+          </a:solidFill>
         </p:spPr>
         <p:txBody>
           <a:bodyPr wrap="square">
@@ -25940,7 +25971,9 @@
           <a:prstGeom prst="rect">
             <a:avLst/>
           </a:prstGeom>
-          <a:noFill/>
+          <a:solidFill>
+            <a:schemeClr val="tx1"/>
+          </a:solidFill>
         </p:spPr>
         <p:txBody>
           <a:bodyPr wrap="square">
@@ -29302,7 +29335,9 @@
           <a:prstGeom prst="rect">
             <a:avLst/>
           </a:prstGeom>
-          <a:noFill/>
+          <a:solidFill>
+            <a:schemeClr val="tx1"/>
+          </a:solidFill>
         </p:spPr>
         <p:txBody>
           <a:bodyPr wrap="square">
@@ -34910,13 +34945,15 @@
         </p:nvSpPr>
         <p:spPr>
           <a:xfrm>
-            <a:off x="1677285" y="2881446"/>
+            <a:off x="1677285" y="2905830"/>
             <a:ext cx="4074930" cy="1754326"/>
           </a:xfrm>
           <a:prstGeom prst="rect">
             <a:avLst/>
           </a:prstGeom>
-          <a:noFill/>
+          <a:solidFill>
+            <a:schemeClr val="tx1"/>
+          </a:solidFill>
         </p:spPr>
         <p:txBody>
           <a:bodyPr wrap="square">
@@ -35661,7 +35698,9 @@
           <a:prstGeom prst="rect">
             <a:avLst/>
           </a:prstGeom>
-          <a:noFill/>
+          <a:solidFill>
+            <a:schemeClr val="tx1"/>
+          </a:solidFill>
         </p:spPr>
         <p:txBody>
           <a:bodyPr wrap="square">
@@ -37312,10 +37351,18 @@
             <a:lstStyle/>
             <a:p>
               <a:r>
-                <a:rPr lang="en-US" dirty="0"/>
+                <a:rPr lang="en-US" dirty="0">
+                  <a:solidFill>
+                    <a:schemeClr val="bg1"/>
+                  </a:solidFill>
+                </a:rPr>
                 <a:t>y = 4</a:t>
               </a:r>
-              <a:endParaRPr lang="ru-RU" dirty="0"/>
+              <a:endParaRPr lang="ru-RU" dirty="0">
+                <a:solidFill>
+                  <a:schemeClr val="bg1"/>
+                </a:solidFill>
+              </a:endParaRPr>
             </a:p>
           </p:txBody>
         </p:sp>
@@ -38295,10 +38342,18 @@
             <a:lstStyle/>
             <a:p>
               <a:r>
-                <a:rPr lang="en-US" dirty="0"/>
+                <a:rPr lang="en-US" dirty="0">
+                  <a:solidFill>
+                    <a:schemeClr val="bg1"/>
+                  </a:solidFill>
+                </a:rPr>
                 <a:t>l = [1,2,3,4,5]</a:t>
               </a:r>
-              <a:endParaRPr lang="ru-RU" dirty="0"/>
+              <a:endParaRPr lang="ru-RU" dirty="0">
+                <a:solidFill>
+                  <a:schemeClr val="bg1"/>
+                </a:solidFill>
+              </a:endParaRPr>
             </a:p>
           </p:txBody>
         </p:sp>
@@ -41962,7 +42017,9 @@
           <a:prstGeom prst="rect">
             <a:avLst/>
           </a:prstGeom>
-          <a:noFill/>
+          <a:solidFill>
+            <a:schemeClr val="tx1"/>
+          </a:solidFill>
         </p:spPr>
         <p:txBody>
           <a:bodyPr wrap="square">
@@ -44606,12 +44663,14 @@
         <p:spPr>
           <a:xfrm>
             <a:off x="337583" y="2690889"/>
-            <a:ext cx="4181254" cy="923330"/>
+            <a:ext cx="3968602" cy="923330"/>
           </a:xfrm>
           <a:prstGeom prst="rect">
             <a:avLst/>
           </a:prstGeom>
-          <a:noFill/>
+          <a:solidFill>
+            <a:schemeClr val="tx1"/>
+          </a:solidFill>
         </p:spPr>
         <p:txBody>
           <a:bodyPr wrap="square">
@@ -44770,7 +44829,7 @@
         </p:nvCxnSpPr>
         <p:spPr>
           <a:xfrm>
-            <a:off x="4306186" y="1562986"/>
+            <a:off x="4468937" y="1525474"/>
             <a:ext cx="0" cy="4731488"/>
           </a:xfrm>
           <a:prstGeom prst="line">
@@ -44812,7 +44871,9 @@
           <a:prstGeom prst="rect">
             <a:avLst/>
           </a:prstGeom>
-          <a:noFill/>
+          <a:solidFill>
+            <a:schemeClr val="tx1"/>
+          </a:solidFill>
         </p:spPr>
         <p:txBody>
           <a:bodyPr wrap="square">
@@ -45243,7 +45304,9 @@
           <a:prstGeom prst="rect">
             <a:avLst/>
           </a:prstGeom>
-          <a:noFill/>
+          <a:solidFill>
+            <a:schemeClr val="tx1"/>
+          </a:solidFill>
         </p:spPr>
         <p:txBody>
           <a:bodyPr wrap="square">
@@ -45512,7 +45575,7 @@
         </p:nvCxnSpPr>
         <p:spPr>
           <a:xfrm>
-            <a:off x="4795284" y="2020186"/>
+            <a:off x="4844052" y="2020186"/>
             <a:ext cx="0" cy="4561367"/>
           </a:xfrm>
           <a:prstGeom prst="line">
@@ -45554,7 +45617,9 @@
           <a:prstGeom prst="rect">
             <a:avLst/>
           </a:prstGeom>
-          <a:noFill/>
+          <a:solidFill>
+            <a:schemeClr val="tx1"/>
+          </a:solidFill>
         </p:spPr>
         <p:txBody>
           <a:bodyPr wrap="square">
@@ -46030,7 +46095,9 @@
           <a:prstGeom prst="rect">
             <a:avLst/>
           </a:prstGeom>
-          <a:noFill/>
+          <a:solidFill>
+            <a:schemeClr val="tx1"/>
+          </a:solidFill>
         </p:spPr>
         <p:txBody>
           <a:bodyPr wrap="square">
@@ -46138,7 +46205,9 @@
           <a:prstGeom prst="rect">
             <a:avLst/>
           </a:prstGeom>
-          <a:noFill/>
+          <a:solidFill>
+            <a:schemeClr val="tx1"/>
+          </a:solidFill>
         </p:spPr>
         <p:txBody>
           <a:bodyPr wrap="square">
@@ -46377,7 +46446,9 @@
           <a:prstGeom prst="rect">
             <a:avLst/>
           </a:prstGeom>
-          <a:noFill/>
+          <a:solidFill>
+            <a:schemeClr val="tx1"/>
+          </a:solidFill>
         </p:spPr>
         <p:txBody>
           <a:bodyPr wrap="square">
@@ -46940,7 +47011,9 @@
           <a:prstGeom prst="rect">
             <a:avLst/>
           </a:prstGeom>
-          <a:noFill/>
+          <a:solidFill>
+            <a:schemeClr val="tx1"/>
+          </a:solidFill>
         </p:spPr>
         <p:txBody>
           <a:bodyPr wrap="square">
@@ -48491,7 +48564,9 @@
           <a:prstGeom prst="rect">
             <a:avLst/>
           </a:prstGeom>
-          <a:noFill/>
+          <a:solidFill>
+            <a:schemeClr val="tx1"/>
+          </a:solidFill>
         </p:spPr>
         <p:txBody>
           <a:bodyPr wrap="square">
@@ -49077,7 +49152,7 @@
         </p:nvCxnSpPr>
         <p:spPr>
           <a:xfrm>
-            <a:off x="7421526" y="1690688"/>
+            <a:off x="7750710" y="1715072"/>
             <a:ext cx="0" cy="5060986"/>
           </a:xfrm>
           <a:prstGeom prst="line">
@@ -49119,7 +49194,9 @@
           <a:prstGeom prst="rect">
             <a:avLst/>
           </a:prstGeom>
-          <a:noFill/>
+          <a:solidFill>
+            <a:schemeClr val="tx1"/>
+          </a:solidFill>
         </p:spPr>
         <p:txBody>
           <a:bodyPr wrap="square">
